--- a/ppt/angular_performance.pptx
+++ b/ppt/angular_performance.pptx
@@ -3054,11 +3054,19 @@
               <a:t>、</a:t>
             </a:r>
             <a:r>
-              <a:rPr lang="en-US" altLang="zh-TW" sz="1400" dirty="0"/>
+              <a:rPr lang="en-US" altLang="zh-TW" sz="1400" dirty="0" smtClean="0"/>
               <a:t>Preload</a:t>
             </a:r>
             <a:r>
-              <a:rPr lang="zh-TW" altLang="en-US" sz="1400" dirty="0"/>
+              <a:rPr lang="zh-TW" altLang="en-US" sz="1400" dirty="0" smtClean="0"/>
+              <a:t>、</a:t>
+            </a:r>
+            <a:r>
+              <a:rPr lang="en-US" altLang="zh-TW" sz="1400" dirty="0" err="1" smtClean="0"/>
+              <a:t>Prefetch</a:t>
+            </a:r>
+            <a:r>
+              <a:rPr lang="zh-TW" altLang="en-US" sz="1400" dirty="0" smtClean="0"/>
               <a:t>、</a:t>
             </a:r>
             <a:r>
@@ -3165,7 +3173,7 @@
           <p:cNvPr id="2" name="Title 1">
             <a:extLst>
               <a:ext uri="{FF2B5EF4-FFF2-40B4-BE49-F238E27FC236}">
-                <a16:creationId xmlns:a16="http://schemas.microsoft.com/office/drawing/2014/main" xmlns="" id="{E5D678AA-48A1-4490-9394-8643B8860FCB}"/>
+                <a16:creationId xmlns="" xmlns:a16="http://schemas.microsoft.com/office/drawing/2014/main" id="{E5D678AA-48A1-4490-9394-8643B8860FCB}"/>
               </a:ext>
             </a:extLst>
           </p:cNvPr>
@@ -3193,7 +3201,7 @@
           <p:cNvPr id="3" name="Content Placeholder 2">
             <a:extLst>
               <a:ext uri="{FF2B5EF4-FFF2-40B4-BE49-F238E27FC236}">
-                <a16:creationId xmlns:a16="http://schemas.microsoft.com/office/drawing/2014/main" xmlns="" id="{EA49B8AA-B17F-4F47-9489-2AEA4FEBA855}"/>
+                <a16:creationId xmlns="" xmlns:a16="http://schemas.microsoft.com/office/drawing/2014/main" id="{EA49B8AA-B17F-4F47-9489-2AEA4FEBA855}"/>
               </a:ext>
             </a:extLst>
           </p:cNvPr>
@@ -3207,7 +3215,7 @@
         <p:spPr/>
         <p:txBody>
           <a:bodyPr>
-            <a:normAutofit fontScale="85000" lnSpcReduction="20000"/>
+            <a:normAutofit fontScale="92500" lnSpcReduction="20000"/>
           </a:bodyPr>
           <a:lstStyle/>
           <a:p>
@@ -3228,26 +3236,12 @@
             <a:pPr marL="0" indent="0">
               <a:buNone/>
             </a:pPr>
-            <a:endParaRPr lang="en-US" dirty="0"/>
-          </a:p>
-          <a:p>
-            <a:pPr marL="0" indent="0">
-              <a:buNone/>
-            </a:pPr>
             <a:r>
               <a:rPr lang="en-US" dirty="0" smtClean="0"/>
-              <a:t>metadata  </a:t>
-            </a:r>
-            <a:r>
-              <a:rPr lang="en-US" dirty="0" smtClean="0"/>
-              <a:t>or </a:t>
-            </a:r>
-            <a:r>
-              <a:rPr lang="en-US" dirty="0" smtClean="0"/>
-              <a:t> </a:t>
-            </a:r>
-            <a:r>
-              <a:rPr lang="en-US" dirty="0" err="1"/>
+              <a:t>metadata  or  </a:t>
+            </a:r>
+            <a:r>
+              <a:rPr lang="en-US" dirty="0" err="1" smtClean="0"/>
               <a:t>hastag</a:t>
             </a:r>
             <a:endParaRPr lang="en-US" dirty="0"/>
@@ -3452,7 +3446,7 @@
           <p:cNvPr id="4" name="Slide Number Placeholder 3">
             <a:extLst>
               <a:ext uri="{FF2B5EF4-FFF2-40B4-BE49-F238E27FC236}">
-                <a16:creationId xmlns:a16="http://schemas.microsoft.com/office/drawing/2014/main" xmlns="" id="{37BB747A-5129-47C0-9046-EF7E7C12EFC2}"/>
+                <a16:creationId xmlns="" xmlns:a16="http://schemas.microsoft.com/office/drawing/2014/main" id="{37BB747A-5129-47C0-9046-EF7E7C12EFC2}"/>
               </a:ext>
             </a:extLst>
           </p:cNvPr>
@@ -3592,7 +3586,7 @@
           <p:cNvPr id="2" name="Title 1">
             <a:extLst>
               <a:ext uri="{FF2B5EF4-FFF2-40B4-BE49-F238E27FC236}">
-                <a16:creationId xmlns:a16="http://schemas.microsoft.com/office/drawing/2014/main" xmlns="" id="{19BE3664-535A-4792-A501-B4FDD5D75620}"/>
+                <a16:creationId xmlns="" xmlns:a16="http://schemas.microsoft.com/office/drawing/2014/main" id="{19BE3664-535A-4792-A501-B4FDD5D75620}"/>
               </a:ext>
             </a:extLst>
           </p:cNvPr>
@@ -3625,7 +3619,7 @@
           <p:cNvPr id="3" name="Content Placeholder 2">
             <a:extLst>
               <a:ext uri="{FF2B5EF4-FFF2-40B4-BE49-F238E27FC236}">
-                <a16:creationId xmlns:a16="http://schemas.microsoft.com/office/drawing/2014/main" xmlns="" id="{6DBE8D3E-7C25-44DD-8B72-3F9FAA2F4866}"/>
+                <a16:creationId xmlns="" xmlns:a16="http://schemas.microsoft.com/office/drawing/2014/main" id="{6DBE8D3E-7C25-44DD-8B72-3F9FAA2F4866}"/>
               </a:ext>
             </a:extLst>
           </p:cNvPr>
@@ -3712,7 +3706,7 @@
           <p:cNvPr id="4" name="Slide Number Placeholder 3">
             <a:extLst>
               <a:ext uri="{FF2B5EF4-FFF2-40B4-BE49-F238E27FC236}">
-                <a16:creationId xmlns:a16="http://schemas.microsoft.com/office/drawing/2014/main" xmlns="" id="{FCBDD51D-8165-4FAF-86F9-F6D2F57249BB}"/>
+                <a16:creationId xmlns="" xmlns:a16="http://schemas.microsoft.com/office/drawing/2014/main" id="{FCBDD51D-8165-4FAF-86F9-F6D2F57249BB}"/>
               </a:ext>
             </a:extLst>
           </p:cNvPr>
@@ -3742,7 +3736,7 @@
           <p:cNvPr id="1026" name="Picture 2" descr="image">
             <a:extLst>
               <a:ext uri="{FF2B5EF4-FFF2-40B4-BE49-F238E27FC236}">
-                <a16:creationId xmlns:a16="http://schemas.microsoft.com/office/drawing/2014/main" xmlns="" id="{E0719DBF-0CA0-4FC2-9F4F-74DDF27F8AE6}"/>
+                <a16:creationId xmlns="" xmlns:a16="http://schemas.microsoft.com/office/drawing/2014/main" id="{E0719DBF-0CA0-4FC2-9F4F-74DDF27F8AE6}"/>
               </a:ext>
             </a:extLst>
           </p:cNvPr>
@@ -3819,7 +3813,7 @@
           <p:cNvPr id="2" name="Title 1">
             <a:extLst>
               <a:ext uri="{FF2B5EF4-FFF2-40B4-BE49-F238E27FC236}">
-                <a16:creationId xmlns:a16="http://schemas.microsoft.com/office/drawing/2014/main" xmlns="" id="{3A48E285-584F-425D-B674-F5D5ABCE8A61}"/>
+                <a16:creationId xmlns="" xmlns:a16="http://schemas.microsoft.com/office/drawing/2014/main" id="{3A48E285-584F-425D-B674-F5D5ABCE8A61}"/>
               </a:ext>
             </a:extLst>
           </p:cNvPr>
@@ -3852,7 +3846,7 @@
           <p:cNvPr id="3" name="Content Placeholder 2">
             <a:extLst>
               <a:ext uri="{FF2B5EF4-FFF2-40B4-BE49-F238E27FC236}">
-                <a16:creationId xmlns:a16="http://schemas.microsoft.com/office/drawing/2014/main" xmlns="" id="{95194AC0-4DB1-4FB2-9435-A0E35585D5E8}"/>
+                <a16:creationId xmlns="" xmlns:a16="http://schemas.microsoft.com/office/drawing/2014/main" id="{95194AC0-4DB1-4FB2-9435-A0E35585D5E8}"/>
               </a:ext>
             </a:extLst>
           </p:cNvPr>
@@ -3974,20 +3968,8 @@
             <a:pPr marL="0" indent="0">
               <a:buNone/>
             </a:pPr>
-            <a:endParaRPr lang="en-US" dirty="0"/>
-          </a:p>
-          <a:p>
-            <a:pPr marL="0" indent="0">
-              <a:buNone/>
-            </a:pPr>
-            <a:endParaRPr lang="en-US" dirty="0" smtClean="0"/>
-          </a:p>
-          <a:p>
-            <a:pPr marL="0" indent="0">
-              <a:buNone/>
-            </a:pPr>
-            <a:r>
-              <a:rPr lang="en-US" altLang="zh-TW" b="0" dirty="0"/>
+            <a:r>
+              <a:rPr lang="en-US" altLang="zh-TW" b="0" dirty="0" smtClean="0"/>
               <a:t>Angular5</a:t>
             </a:r>
             <a:r>
@@ -4047,7 +4029,7 @@
           <p:cNvPr id="4" name="Slide Number Placeholder 3">
             <a:extLst>
               <a:ext uri="{FF2B5EF4-FFF2-40B4-BE49-F238E27FC236}">
-                <a16:creationId xmlns:a16="http://schemas.microsoft.com/office/drawing/2014/main" xmlns="" id="{C694A819-ED1A-48B8-8D88-AF4044974888}"/>
+                <a16:creationId xmlns="" xmlns:a16="http://schemas.microsoft.com/office/drawing/2014/main" id="{C694A819-ED1A-48B8-8D88-AF4044974888}"/>
               </a:ext>
             </a:extLst>
           </p:cNvPr>
@@ -4107,7 +4089,7 @@
           <p:cNvPr id="2" name="Title 1">
             <a:extLst>
               <a:ext uri="{FF2B5EF4-FFF2-40B4-BE49-F238E27FC236}">
-                <a16:creationId xmlns:a16="http://schemas.microsoft.com/office/drawing/2014/main" xmlns="" id="{3D17F768-F0A5-4D76-8A54-4E475517A6D9}"/>
+                <a16:creationId xmlns="" xmlns:a16="http://schemas.microsoft.com/office/drawing/2014/main" id="{3D17F768-F0A5-4D76-8A54-4E475517A6D9}"/>
               </a:ext>
             </a:extLst>
           </p:cNvPr>
@@ -4135,7 +4117,7 @@
           <p:cNvPr id="6" name="Content Placeholder 5">
             <a:extLst>
               <a:ext uri="{FF2B5EF4-FFF2-40B4-BE49-F238E27FC236}">
-                <a16:creationId xmlns:a16="http://schemas.microsoft.com/office/drawing/2014/main" xmlns="" id="{507945AC-55CB-40F6-B45A-11AAABD28A31}"/>
+                <a16:creationId xmlns="" xmlns:a16="http://schemas.microsoft.com/office/drawing/2014/main" id="{507945AC-55CB-40F6-B45A-11AAABD28A31}"/>
               </a:ext>
             </a:extLst>
           </p:cNvPr>
@@ -4146,14 +4128,14 @@
             <p:ph idx="1"/>
             <p:extLst>
               <p:ext uri="{D42A27DB-BD31-4B8C-83A1-F6EECF244321}">
-                <p14:modId xmlns:p14="http://schemas.microsoft.com/office/powerpoint/2010/main" val="4000769389"/>
+                <p14:modId xmlns:p14="http://schemas.microsoft.com/office/powerpoint/2010/main" val="2785318387"/>
               </p:ext>
             </p:extLst>
           </p:nvPr>
         </p:nvGraphicFramePr>
         <p:xfrm>
-          <a:off x="1143000" y="990600"/>
-          <a:ext cx="7772400" cy="5105400"/>
+          <a:off x="762000" y="1143000"/>
+          <a:ext cx="7772400" cy="3733800"/>
         </p:xfrm>
         <a:graphic>
           <a:graphicData uri="http://schemas.openxmlformats.org/drawingml/2006/table">
@@ -4165,12 +4147,12 @@
                 <a:gridCol w="7772400">
                   <a:extLst>
                     <a:ext uri="{9D8B030D-6E8A-4147-A177-3AD203B41FA5}">
-                      <a16:colId xmlns:a16="http://schemas.microsoft.com/office/drawing/2014/main" xmlns="" val="1199065692"/>
+                      <a16:colId xmlns="" xmlns:a16="http://schemas.microsoft.com/office/drawing/2014/main" val="1199065692"/>
                     </a:ext>
                   </a:extLst>
                 </a:gridCol>
               </a:tblGrid>
-              <a:tr h="590641">
+              <a:tr h="431961">
                 <a:tc>
                   <a:txBody>
                     <a:bodyPr/>
@@ -4186,11 +4168,11 @@
                 </a:tc>
                 <a:extLst>
                   <a:ext uri="{0D108BD9-81ED-4DB2-BD59-A6C34878D82A}">
-                    <a16:rowId xmlns:a16="http://schemas.microsoft.com/office/drawing/2014/main" xmlns="" val="1767338010"/>
+                    <a16:rowId xmlns="" xmlns:a16="http://schemas.microsoft.com/office/drawing/2014/main" val="1767338010"/>
                   </a:ext>
                 </a:extLst>
               </a:tr>
-              <a:tr h="4514759">
+              <a:tr h="3301839">
                 <a:tc>
                   <a:txBody>
                     <a:bodyPr/>
@@ -4609,7 +4591,7 @@
                 </a:tc>
                 <a:extLst>
                   <a:ext uri="{0D108BD9-81ED-4DB2-BD59-A6C34878D82A}">
-                    <a16:rowId xmlns:a16="http://schemas.microsoft.com/office/drawing/2014/main" xmlns="" val="2317173366"/>
+                    <a16:rowId xmlns="" xmlns:a16="http://schemas.microsoft.com/office/drawing/2014/main" val="2317173366"/>
                   </a:ext>
                 </a:extLst>
               </a:tr>
@@ -4622,7 +4604,7 @@
           <p:cNvPr id="4" name="Slide Number Placeholder 3">
             <a:extLst>
               <a:ext uri="{FF2B5EF4-FFF2-40B4-BE49-F238E27FC236}">
-                <a16:creationId xmlns:a16="http://schemas.microsoft.com/office/drawing/2014/main" xmlns="" id="{6C7A083D-7634-46C8-9481-4C324742DDC4}"/>
+                <a16:creationId xmlns="" xmlns:a16="http://schemas.microsoft.com/office/drawing/2014/main" id="{6C7A083D-7634-46C8-9481-4C324742DDC4}"/>
               </a:ext>
             </a:extLst>
           </p:cNvPr>
@@ -4682,7 +4664,7 @@
           <p:cNvPr id="2" name="Title 1">
             <a:extLst>
               <a:ext uri="{FF2B5EF4-FFF2-40B4-BE49-F238E27FC236}">
-                <a16:creationId xmlns:a16="http://schemas.microsoft.com/office/drawing/2014/main" xmlns="" id="{145A12D1-E99D-45BB-A29D-7897A4DF90AF}"/>
+                <a16:creationId xmlns="" xmlns:a16="http://schemas.microsoft.com/office/drawing/2014/main" id="{145A12D1-E99D-45BB-A29D-7897A4DF90AF}"/>
               </a:ext>
             </a:extLst>
           </p:cNvPr>
@@ -4710,7 +4692,7 @@
           <p:cNvPr id="3" name="Content Placeholder 2">
             <a:extLst>
               <a:ext uri="{FF2B5EF4-FFF2-40B4-BE49-F238E27FC236}">
-                <a16:creationId xmlns:a16="http://schemas.microsoft.com/office/drawing/2014/main" xmlns="" id="{ECE19EF1-1BBA-40C6-9A9E-BF1B67C2F42A}"/>
+                <a16:creationId xmlns="" xmlns:a16="http://schemas.microsoft.com/office/drawing/2014/main" id="{ECE19EF1-1BBA-40C6-9A9E-BF1B67C2F42A}"/>
               </a:ext>
             </a:extLst>
           </p:cNvPr>
@@ -4774,7 +4756,7 @@
           <p:cNvPr id="4" name="Slide Number Placeholder 3">
             <a:extLst>
               <a:ext uri="{FF2B5EF4-FFF2-40B4-BE49-F238E27FC236}">
-                <a16:creationId xmlns:a16="http://schemas.microsoft.com/office/drawing/2014/main" xmlns="" id="{10327B5A-91B2-4FB2-BDA9-E5AFB948190E}"/>
+                <a16:creationId xmlns="" xmlns:a16="http://schemas.microsoft.com/office/drawing/2014/main" id="{10327B5A-91B2-4FB2-BDA9-E5AFB948190E}"/>
               </a:ext>
             </a:extLst>
           </p:cNvPr>
@@ -4804,7 +4786,7 @@
           <p:cNvPr id="6" name="Picture 5">
             <a:extLst>
               <a:ext uri="{FF2B5EF4-FFF2-40B4-BE49-F238E27FC236}">
-                <a16:creationId xmlns:a16="http://schemas.microsoft.com/office/drawing/2014/main" xmlns="" id="{FE4EADA9-437D-498D-936A-664D2F0BCE60}"/>
+                <a16:creationId xmlns="" xmlns:a16="http://schemas.microsoft.com/office/drawing/2014/main" id="{FE4EADA9-437D-498D-936A-664D2F0BCE60}"/>
               </a:ext>
             </a:extLst>
           </p:cNvPr>
@@ -4821,7 +4803,7 @@
         </p:blipFill>
         <p:spPr>
           <a:xfrm>
-            <a:off x="533400" y="2449626"/>
+            <a:off x="533400" y="2724150"/>
             <a:ext cx="7696200" cy="2705100"/>
           </a:xfrm>
           <a:prstGeom prst="rect">
@@ -4834,7 +4816,7 @@
           <p:cNvPr id="7" name="Picture 6">
             <a:extLst>
               <a:ext uri="{FF2B5EF4-FFF2-40B4-BE49-F238E27FC236}">
-                <a16:creationId xmlns:a16="http://schemas.microsoft.com/office/drawing/2014/main" xmlns="" id="{7AA2459E-F688-49E3-9190-F9EA5FAB2128}"/>
+                <a16:creationId xmlns="" xmlns:a16="http://schemas.microsoft.com/office/drawing/2014/main" id="{7AA2459E-F688-49E3-9190-F9EA5FAB2128}"/>
               </a:ext>
             </a:extLst>
           </p:cNvPr>
@@ -4894,7 +4876,7 @@
           <p:cNvPr id="2" name="Title 1">
             <a:extLst>
               <a:ext uri="{FF2B5EF4-FFF2-40B4-BE49-F238E27FC236}">
-                <a16:creationId xmlns:a16="http://schemas.microsoft.com/office/drawing/2014/main" xmlns="" id="{C7F2410F-D49B-4B27-9DED-F96765AD5D00}"/>
+                <a16:creationId xmlns="" xmlns:a16="http://schemas.microsoft.com/office/drawing/2014/main" id="{C7F2410F-D49B-4B27-9DED-F96765AD5D00}"/>
               </a:ext>
             </a:extLst>
           </p:cNvPr>
@@ -4922,7 +4904,7 @@
           <p:cNvPr id="3" name="Content Placeholder 2">
             <a:extLst>
               <a:ext uri="{FF2B5EF4-FFF2-40B4-BE49-F238E27FC236}">
-                <a16:creationId xmlns:a16="http://schemas.microsoft.com/office/drawing/2014/main" xmlns="" id="{FA3F6EBF-5959-4CC3-9E8E-AA3D7EAD9023}"/>
+                <a16:creationId xmlns="" xmlns:a16="http://schemas.microsoft.com/office/drawing/2014/main" id="{FA3F6EBF-5959-4CC3-9E8E-AA3D7EAD9023}"/>
               </a:ext>
             </a:extLst>
           </p:cNvPr>
@@ -5043,7 +5025,7 @@
           <p:cNvPr id="4" name="Slide Number Placeholder 3">
             <a:extLst>
               <a:ext uri="{FF2B5EF4-FFF2-40B4-BE49-F238E27FC236}">
-                <a16:creationId xmlns:a16="http://schemas.microsoft.com/office/drawing/2014/main" xmlns="" id="{C299F954-E019-4723-97BF-A86279FEDB6C}"/>
+                <a16:creationId xmlns="" xmlns:a16="http://schemas.microsoft.com/office/drawing/2014/main" id="{C299F954-E019-4723-97BF-A86279FEDB6C}"/>
               </a:ext>
             </a:extLst>
           </p:cNvPr>
@@ -5103,7 +5085,7 @@
           <p:cNvPr id="2" name="Title 1">
             <a:extLst>
               <a:ext uri="{FF2B5EF4-FFF2-40B4-BE49-F238E27FC236}">
-                <a16:creationId xmlns:a16="http://schemas.microsoft.com/office/drawing/2014/main" xmlns="" id="{EEFBBC0D-0678-4811-BD95-551E2FD100B2}"/>
+                <a16:creationId xmlns="" xmlns:a16="http://schemas.microsoft.com/office/drawing/2014/main" id="{EEFBBC0D-0678-4811-BD95-551E2FD100B2}"/>
               </a:ext>
             </a:extLst>
           </p:cNvPr>
@@ -5131,7 +5113,7 @@
           <p:cNvPr id="3" name="Content Placeholder 2">
             <a:extLst>
               <a:ext uri="{FF2B5EF4-FFF2-40B4-BE49-F238E27FC236}">
-                <a16:creationId xmlns:a16="http://schemas.microsoft.com/office/drawing/2014/main" xmlns="" id="{1396964D-8F0E-402D-9946-096D3E300EBF}"/>
+                <a16:creationId xmlns="" xmlns:a16="http://schemas.microsoft.com/office/drawing/2014/main" id="{1396964D-8F0E-402D-9946-096D3E300EBF}"/>
               </a:ext>
             </a:extLst>
           </p:cNvPr>
@@ -5169,24 +5151,33 @@
               <a:buNone/>
             </a:pPr>
             <a:r>
-              <a:rPr lang="en-US" dirty="0" err="1"/>
+              <a:rPr lang="en-US" sz="1600" dirty="0" err="1"/>
               <a:t>NoPreloading</a:t>
             </a:r>
             <a:r>
-              <a:rPr lang="en-US" dirty="0"/>
-              <a:t> (Default)</a:t>
-            </a:r>
-            <a:endParaRPr lang="en-US" altLang="zh-TW" dirty="0"/>
+              <a:rPr lang="en-US" sz="1600" dirty="0"/>
+              <a:t> (Default</a:t>
+            </a:r>
+            <a:r>
+              <a:rPr lang="en-US" sz="1600" dirty="0" smtClean="0"/>
+              <a:t>)</a:t>
+            </a:r>
           </a:p>
           <a:p>
             <a:pPr marL="0" indent="0">
               <a:buNone/>
             </a:pPr>
-            <a:r>
-              <a:rPr lang="en-US" dirty="0" err="1"/>
+            <a:endParaRPr lang="en-US" altLang="zh-TW" sz="1600" dirty="0"/>
+          </a:p>
+          <a:p>
+            <a:pPr marL="0" indent="0">
+              <a:buNone/>
+            </a:pPr>
+            <a:r>
+              <a:rPr lang="en-US" sz="1600" dirty="0" err="1"/>
               <a:t>PreloadAllModules</a:t>
             </a:r>
-            <a:endParaRPr lang="en-US" dirty="0">
+            <a:endParaRPr lang="en-US" sz="1600" dirty="0">
               <a:hlinkClick r:id="rId2"/>
             </a:endParaRPr>
           </a:p>
@@ -5195,15 +5186,15 @@
               <a:buNone/>
             </a:pPr>
             <a:r>
-              <a:rPr lang="en-US" altLang="zh-TW" dirty="0"/>
+              <a:rPr lang="en-US" altLang="zh-TW" sz="1600" dirty="0"/>
               <a:t>P.S. To load a feature module, we need to use </a:t>
             </a:r>
             <a:r>
-              <a:rPr lang="en-US" altLang="zh-TW" dirty="0" err="1"/>
+              <a:rPr lang="en-US" altLang="zh-TW" sz="1600" dirty="0" err="1"/>
               <a:t>loadChildren</a:t>
             </a:r>
             <a:r>
-              <a:rPr lang="en-US" altLang="zh-TW" dirty="0"/>
+              <a:rPr lang="en-US" altLang="zh-TW" sz="1600" dirty="0"/>
               <a:t> in application routing module</a:t>
             </a:r>
           </a:p>
@@ -5307,7 +5298,7 @@
           <p:cNvPr id="4" name="Slide Number Placeholder 3">
             <a:extLst>
               <a:ext uri="{FF2B5EF4-FFF2-40B4-BE49-F238E27FC236}">
-                <a16:creationId xmlns:a16="http://schemas.microsoft.com/office/drawing/2014/main" xmlns="" id="{FB3AF34E-9A6B-4083-AEE7-B89599F8FC84}"/>
+                <a16:creationId xmlns="" xmlns:a16="http://schemas.microsoft.com/office/drawing/2014/main" id="{FB3AF34E-9A6B-4083-AEE7-B89599F8FC84}"/>
               </a:ext>
             </a:extLst>
           </p:cNvPr>
@@ -5613,7 +5604,7 @@
           <p:cNvPr id="2" name="Title 1">
             <a:extLst>
               <a:ext uri="{FF2B5EF4-FFF2-40B4-BE49-F238E27FC236}">
-                <a16:creationId xmlns:a16="http://schemas.microsoft.com/office/drawing/2014/main" xmlns="" id="{7729164E-67EC-4794-B348-F6DDCA9C28D8}"/>
+                <a16:creationId xmlns="" xmlns:a16="http://schemas.microsoft.com/office/drawing/2014/main" id="{7729164E-67EC-4794-B348-F6DDCA9C28D8}"/>
               </a:ext>
             </a:extLst>
           </p:cNvPr>
@@ -5641,7 +5632,7 @@
           <p:cNvPr id="3" name="Content Placeholder 2">
             <a:extLst>
               <a:ext uri="{FF2B5EF4-FFF2-40B4-BE49-F238E27FC236}">
-                <a16:creationId xmlns:a16="http://schemas.microsoft.com/office/drawing/2014/main" xmlns="" id="{41B9E139-1138-4192-A779-90DAAD95534B}"/>
+                <a16:creationId xmlns="" xmlns:a16="http://schemas.microsoft.com/office/drawing/2014/main" id="{41B9E139-1138-4192-A779-90DAAD95534B}"/>
               </a:ext>
             </a:extLst>
           </p:cNvPr>
@@ -5666,15 +5657,7 @@
             </a:r>
             <a:r>
               <a:rPr lang="zh-TW" altLang="en-US" dirty="0" smtClean="0"/>
-              <a:t>常</a:t>
-            </a:r>
-            <a:r>
-              <a:rPr lang="zh-TW" altLang="en-US" dirty="0" smtClean="0"/>
-              <a:t>變動的查</a:t>
-            </a:r>
-            <a:r>
-              <a:rPr lang="zh-TW" altLang="en-US" dirty="0" smtClean="0"/>
-              <a:t>詢</a:t>
+              <a:t>常變動的查詢</a:t>
             </a:r>
             <a:endParaRPr lang="en-US" dirty="0"/>
           </a:p>
@@ -5685,7 +5668,7 @@
           <p:cNvPr id="4" name="Slide Number Placeholder 3">
             <a:extLst>
               <a:ext uri="{FF2B5EF4-FFF2-40B4-BE49-F238E27FC236}">
-                <a16:creationId xmlns:a16="http://schemas.microsoft.com/office/drawing/2014/main" xmlns="" id="{0B59A355-6DED-46D5-A8B8-4AAEDE751E70}"/>
+                <a16:creationId xmlns="" xmlns:a16="http://schemas.microsoft.com/office/drawing/2014/main" id="{0B59A355-6DED-46D5-A8B8-4AAEDE751E70}"/>
               </a:ext>
             </a:extLst>
           </p:cNvPr>
@@ -6573,9 +6556,12 @@
 </file>
 
 <file path=customXml/item1.xml><?xml version="1.0" encoding="utf-8"?>
-<p:properties xmlns:p="http://schemas.microsoft.com/office/2006/metadata/properties" xmlns:xsi="http://www.w3.org/2001/XMLSchema-instance">
-  <documentManagement/>
-</p:properties>
+<?mso-contentType ?>
+<FormTemplates xmlns="http://schemas.microsoft.com/sharepoint/v3/contenttype/forms">
+  <Display>DocumentLibraryForm</Display>
+  <Edit>DocumentLibraryForm</Edit>
+  <New>DocumentLibraryForm</New>
+</FormTemplates>
 </file>
 
 <file path=customXml/item2.xml><?xml version="1.0" encoding="utf-8"?>
@@ -6628,24 +6614,15 @@
 </file>
 
 <file path=customXml/item3.xml><?xml version="1.0" encoding="utf-8"?>
-<?mso-contentType ?>
-<FormTemplates xmlns="http://schemas.microsoft.com/sharepoint/v3/contenttype/forms">
-  <Display>DocumentLibraryForm</Display>
-  <Edit>DocumentLibraryForm</Edit>
-  <New>DocumentLibraryForm</New>
-</FormTemplates>
+<p:properties xmlns:p="http://schemas.microsoft.com/office/2006/metadata/properties" xmlns:xsi="http://www.w3.org/2001/XMLSchema-instance">
+  <documentManagement/>
+</p:properties>
 </file>
 
 <file path=customXml/itemProps1.xml><?xml version="1.0" encoding="utf-8"?>
-<ds:datastoreItem xmlns:ds="http://schemas.openxmlformats.org/officeDocument/2006/customXml" ds:itemID="{E81D3889-CFF8-452F-8C7E-972A747945E0}">
+<ds:datastoreItem xmlns:ds="http://schemas.openxmlformats.org/officeDocument/2006/customXml" ds:itemID="{19046636-0DFE-4791-8294-88FA6F02A45A}">
   <ds:schemaRefs>
-    <ds:schemaRef ds:uri="http://schemas.microsoft.com/office/2006/metadata/properties"/>
-    <ds:schemaRef ds:uri="http://purl.org/dc/terms/"/>
-    <ds:schemaRef ds:uri="http://schemas.openxmlformats.org/package/2006/metadata/core-properties"/>
-    <ds:schemaRef ds:uri="http://schemas.microsoft.com/office/2006/documentManagement/types"/>
-    <ds:schemaRef ds:uri="http://purl.org/dc/elements/1.1/"/>
-    <ds:schemaRef ds:uri="http://www.w3.org/XML/1998/namespace"/>
-    <ds:schemaRef ds:uri="http://purl.org/dc/dcmitype/"/>
+    <ds:schemaRef ds:uri="http://schemas.microsoft.com/sharepoint/v3/contenttype/forms"/>
   </ds:schemaRefs>
 </ds:datastoreItem>
 </file>
@@ -6666,9 +6643,15 @@
 </file>
 
 <file path=customXml/itemProps3.xml><?xml version="1.0" encoding="utf-8"?>
-<ds:datastoreItem xmlns:ds="http://schemas.openxmlformats.org/officeDocument/2006/customXml" ds:itemID="{19046636-0DFE-4791-8294-88FA6F02A45A}">
+<ds:datastoreItem xmlns:ds="http://schemas.openxmlformats.org/officeDocument/2006/customXml" ds:itemID="{E81D3889-CFF8-452F-8C7E-972A747945E0}">
   <ds:schemaRefs>
-    <ds:schemaRef ds:uri="http://schemas.microsoft.com/sharepoint/v3/contenttype/forms"/>
+    <ds:schemaRef ds:uri="http://schemas.microsoft.com/office/2006/metadata/properties"/>
+    <ds:schemaRef ds:uri="http://purl.org/dc/terms/"/>
+    <ds:schemaRef ds:uri="http://schemas.openxmlformats.org/package/2006/metadata/core-properties"/>
+    <ds:schemaRef ds:uri="http://schemas.microsoft.com/office/2006/documentManagement/types"/>
+    <ds:schemaRef ds:uri="http://purl.org/dc/elements/1.1/"/>
+    <ds:schemaRef ds:uri="http://www.w3.org/XML/1998/namespace"/>
+    <ds:schemaRef ds:uri="http://purl.org/dc/dcmitype/"/>
   </ds:schemaRefs>
 </ds:datastoreItem>
 </file>
--- a/ppt/angular_performance.pptx
+++ b/ppt/angular_performance.pptx
@@ -236,7 +236,7 @@
             <a:fld id="{3CDD3A71-4C75-488C-A8F3-A1F163ED0DB9}" type="datetimeFigureOut">
               <a:rPr lang="en-US" smtClean="0"/>
               <a:pPr/>
-              <a:t>7/29/2019</a:t>
+              <a:t>7/30/2019</a:t>
             </a:fld>
             <a:endParaRPr lang="en-US"/>
           </a:p>
@@ -404,7 +404,7 @@
             <a:fld id="{523CC419-8FB3-4D1C-8127-E63C1A13459D}" type="datetimeFigureOut">
               <a:rPr lang="en-US" smtClean="0"/>
               <a:pPr/>
-              <a:t>7/29/2019</a:t>
+              <a:t>7/30/2019</a:t>
             </a:fld>
             <a:endParaRPr lang="en-US"/>
           </a:p>
@@ -673,6 +673,119 @@
     </a:lvl9pPr>
   </p:notesStyle>
 </p:notesMaster>
+</file>
+
+<file path=ppt/notesSlides/notesSlide1.xml><?xml version="1.0" encoding="utf-8"?>
+<p:notes xmlns:a="http://schemas.openxmlformats.org/drawingml/2006/main" xmlns:r="http://schemas.openxmlformats.org/officeDocument/2006/relationships" xmlns:p="http://schemas.openxmlformats.org/presentationml/2006/main">
+  <p:cSld>
+    <p:spTree>
+      <p:nvGrpSpPr>
+        <p:cNvPr id="1" name=""/>
+        <p:cNvGrpSpPr/>
+        <p:nvPr/>
+      </p:nvGrpSpPr>
+      <p:grpSpPr>
+        <a:xfrm>
+          <a:off x="0" y="0"/>
+          <a:ext cx="0" cy="0"/>
+          <a:chOff x="0" y="0"/>
+          <a:chExt cx="0" cy="0"/>
+        </a:xfrm>
+      </p:grpSpPr>
+      <p:sp>
+        <p:nvSpPr>
+          <p:cNvPr id="2" name="投影片圖像版面配置區 1"/>
+          <p:cNvSpPr>
+            <a:spLocks noGrp="1" noRot="1" noChangeAspect="1"/>
+          </p:cNvSpPr>
+          <p:nvPr>
+            <p:ph type="sldImg"/>
+          </p:nvPr>
+        </p:nvSpPr>
+        <p:spPr/>
+      </p:sp>
+      <p:sp>
+        <p:nvSpPr>
+          <p:cNvPr id="3" name="備忘稿版面配置區 2"/>
+          <p:cNvSpPr>
+            <a:spLocks noGrp="1"/>
+          </p:cNvSpPr>
+          <p:nvPr>
+            <p:ph type="body" idx="1"/>
+          </p:nvPr>
+        </p:nvSpPr>
+        <p:spPr/>
+        <p:txBody>
+          <a:bodyPr/>
+          <a:lstStyle/>
+          <a:p>
+            <a:pPr marL="0" indent="0">
+              <a:buNone/>
+            </a:pPr>
+            <a:r>
+              <a:rPr lang="zh-TW" altLang="en-US" b="0" dirty="0" smtClean="0"/>
+              <a:t>將所有的所使用的</a:t>
+            </a:r>
+            <a:r>
+              <a:rPr lang="en-US" altLang="zh-TW" b="0" dirty="0" smtClean="0"/>
+              <a:t>library</a:t>
+            </a:r>
+            <a:r>
+              <a:rPr lang="zh-TW" altLang="en-US" b="0" dirty="0" smtClean="0"/>
+              <a:t>和許多應用綁在一起</a:t>
+            </a:r>
+            <a:endParaRPr lang="en-US" altLang="zh-TW" b="0" dirty="0" smtClean="0"/>
+          </a:p>
+          <a:p>
+            <a:pPr marL="0" indent="0">
+              <a:buNone/>
+            </a:pPr>
+            <a:r>
+              <a:rPr lang="zh-TW" altLang="en-US" b="0" dirty="0" smtClean="0"/>
+              <a:t>消除死代碼：刪除未引用的模塊和很多未使用的代碼</a:t>
+            </a:r>
+            <a:endParaRPr lang="en-US" altLang="zh-TW" b="0" dirty="0" smtClean="0"/>
+          </a:p>
+          <a:p>
+            <a:pPr marL="0" indent="0">
+              <a:buNone/>
+            </a:pPr>
+            <a:r>
+              <a:rPr lang="en-US" altLang="zh-TW" b="0" dirty="0" err="1" smtClean="0"/>
+              <a:t>Uglification</a:t>
+            </a:r>
+            <a:r>
+              <a:rPr lang="zh-TW" altLang="en-US" b="0" dirty="0" smtClean="0"/>
+              <a:t>：將變數名稱做混淆的動作。</a:t>
+            </a:r>
+            <a:endParaRPr lang="en-US" altLang="zh-TW" b="0" dirty="0" smtClean="0"/>
+          </a:p>
+          <a:p>
+            <a:pPr marL="0" indent="0">
+              <a:buNone/>
+            </a:pPr>
+            <a:r>
+              <a:rPr lang="zh-TW" altLang="en-US" b="0" dirty="0" smtClean="0"/>
+              <a:t>縮小檔案：刪除多餘的空白，註釋和可選的令牌。</a:t>
+            </a:r>
+            <a:endParaRPr lang="en-US" altLang="zh-TW" b="0" dirty="0" smtClean="0"/>
+          </a:p>
+          <a:p>
+            <a:endParaRPr lang="zh-TW" altLang="en-US" dirty="0"/>
+          </a:p>
+        </p:txBody>
+      </p:sp>
+    </p:spTree>
+    <p:extLst>
+      <p:ext uri="{BB962C8B-B14F-4D97-AF65-F5344CB8AC3E}">
+        <p14:creationId xmlns:p14="http://schemas.microsoft.com/office/powerpoint/2010/main" val="2334019523"/>
+      </p:ext>
+    </p:extLst>
+  </p:cSld>
+  <p:clrMapOvr>
+    <a:masterClrMapping/>
+  </p:clrMapOvr>
+</p:notes>
 </file>
 
 <file path=ppt/slideLayouts/slideLayout1.xml><?xml version="1.0" encoding="utf-8"?>
@@ -3173,7 +3286,7 @@
           <p:cNvPr id="2" name="Title 1">
             <a:extLst>
               <a:ext uri="{FF2B5EF4-FFF2-40B4-BE49-F238E27FC236}">
-                <a16:creationId xmlns="" xmlns:a16="http://schemas.microsoft.com/office/drawing/2014/main" id="{E5D678AA-48A1-4490-9394-8643B8860FCB}"/>
+                <a16:creationId xmlns:a16="http://schemas.microsoft.com/office/drawing/2014/main" xmlns="" id="{E5D678AA-48A1-4490-9394-8643B8860FCB}"/>
               </a:ext>
             </a:extLst>
           </p:cNvPr>
@@ -3201,7 +3314,7 @@
           <p:cNvPr id="3" name="Content Placeholder 2">
             <a:extLst>
               <a:ext uri="{FF2B5EF4-FFF2-40B4-BE49-F238E27FC236}">
-                <a16:creationId xmlns="" xmlns:a16="http://schemas.microsoft.com/office/drawing/2014/main" id="{EA49B8AA-B17F-4F47-9489-2AEA4FEBA855}"/>
+                <a16:creationId xmlns:a16="http://schemas.microsoft.com/office/drawing/2014/main" xmlns="" id="{EA49B8AA-B17F-4F47-9489-2AEA4FEBA855}"/>
               </a:ext>
             </a:extLst>
           </p:cNvPr>
@@ -3279,12 +3392,21 @@
             </a:r>
             <a:r>
               <a:rPr lang="en-US" altLang="zh-TW" dirty="0"/>
-              <a:t> build -prod --output-hashing </a:t>
+              <a:t> build </a:t>
             </a:r>
             <a:r>
               <a:rPr lang="en-US" altLang="zh-TW" dirty="0" smtClean="0"/>
-              <a:t>all</a:t>
-            </a:r>
+              <a:t>--</a:t>
+            </a:r>
+            <a:r>
+              <a:rPr lang="en-US" altLang="zh-TW" dirty="0"/>
+              <a:t>prod --output-hashing </a:t>
+            </a:r>
+            <a:r>
+              <a:rPr lang="en-US" altLang="zh-TW" dirty="0" smtClean="0"/>
+              <a:t>all (all | none | media | bundle)</a:t>
+            </a:r>
+            <a:endParaRPr lang="en-US" altLang="zh-TW" dirty="0" smtClean="0"/>
           </a:p>
           <a:p>
             <a:pPr marL="0" indent="0">
@@ -3294,14 +3416,14 @@
               <a:rPr lang="en-US" altLang="zh-TW" dirty="0">
                 <a:hlinkClick r:id="rId2"/>
               </a:rPr>
-              <a:t>https://poychang.github.io/disable-browser-cache-on-angular-site/</a:t>
-            </a:r>
-            <a:endParaRPr lang="en-US" altLang="zh-TW" dirty="0"/>
-          </a:p>
-          <a:p>
-            <a:pPr marL="0" indent="0">
-              <a:buNone/>
-            </a:pPr>
+              <a:t>https://poychang.github.io/disable-browser-cache-on-angular-site</a:t>
+            </a:r>
+            <a:r>
+              <a:rPr lang="en-US" altLang="zh-TW" dirty="0" smtClean="0">
+                <a:hlinkClick r:id="rId2"/>
+              </a:rPr>
+              <a:t>/</a:t>
+            </a:r>
             <a:endParaRPr lang="zh-TW" altLang="en-US" dirty="0"/>
           </a:p>
           <a:p>
@@ -3417,7 +3539,28 @@
             </a:pPr>
             <a:r>
               <a:rPr lang="en-US" dirty="0" smtClean="0"/>
-              <a:t>4.Service Worker</a:t>
+              <a:t>4.Service </a:t>
+            </a:r>
+            <a:r>
+              <a:rPr lang="en-US" dirty="0" smtClean="0"/>
+              <a:t>Worker</a:t>
+            </a:r>
+          </a:p>
+          <a:p>
+            <a:pPr marL="0" indent="0">
+              <a:buNone/>
+            </a:pPr>
+            <a:r>
+              <a:rPr lang="en-US" dirty="0" smtClean="0"/>
+              <a:t>5.Web </a:t>
+            </a:r>
+            <a:r>
+              <a:rPr lang="en-US" dirty="0" err="1" smtClean="0"/>
+              <a:t>api</a:t>
+            </a:r>
+            <a:r>
+              <a:rPr lang="en-US" dirty="0" smtClean="0"/>
+              <a:t> Cache</a:t>
             </a:r>
             <a:endParaRPr lang="en-US" dirty="0"/>
           </a:p>
@@ -3446,7 +3589,7 @@
           <p:cNvPr id="4" name="Slide Number Placeholder 3">
             <a:extLst>
               <a:ext uri="{FF2B5EF4-FFF2-40B4-BE49-F238E27FC236}">
-                <a16:creationId xmlns="" xmlns:a16="http://schemas.microsoft.com/office/drawing/2014/main" id="{37BB747A-5129-47C0-9046-EF7E7C12EFC2}"/>
+                <a16:creationId xmlns:a16="http://schemas.microsoft.com/office/drawing/2014/main" xmlns="" id="{37BB747A-5129-47C0-9046-EF7E7C12EFC2}"/>
               </a:ext>
             </a:extLst>
           </p:cNvPr>
@@ -3586,7 +3729,7 @@
           <p:cNvPr id="2" name="Title 1">
             <a:extLst>
               <a:ext uri="{FF2B5EF4-FFF2-40B4-BE49-F238E27FC236}">
-                <a16:creationId xmlns="" xmlns:a16="http://schemas.microsoft.com/office/drawing/2014/main" id="{19BE3664-535A-4792-A501-B4FDD5D75620}"/>
+                <a16:creationId xmlns:a16="http://schemas.microsoft.com/office/drawing/2014/main" xmlns="" id="{19BE3664-535A-4792-A501-B4FDD5D75620}"/>
               </a:ext>
             </a:extLst>
           </p:cNvPr>
@@ -3619,7 +3762,7 @@
           <p:cNvPr id="3" name="Content Placeholder 2">
             <a:extLst>
               <a:ext uri="{FF2B5EF4-FFF2-40B4-BE49-F238E27FC236}">
-                <a16:creationId xmlns="" xmlns:a16="http://schemas.microsoft.com/office/drawing/2014/main" id="{6DBE8D3E-7C25-44DD-8B72-3F9FAA2F4866}"/>
+                <a16:creationId xmlns:a16="http://schemas.microsoft.com/office/drawing/2014/main" xmlns="" id="{6DBE8D3E-7C25-44DD-8B72-3F9FAA2F4866}"/>
               </a:ext>
             </a:extLst>
           </p:cNvPr>
@@ -3706,7 +3849,7 @@
           <p:cNvPr id="4" name="Slide Number Placeholder 3">
             <a:extLst>
               <a:ext uri="{FF2B5EF4-FFF2-40B4-BE49-F238E27FC236}">
-                <a16:creationId xmlns="" xmlns:a16="http://schemas.microsoft.com/office/drawing/2014/main" id="{FCBDD51D-8165-4FAF-86F9-F6D2F57249BB}"/>
+                <a16:creationId xmlns:a16="http://schemas.microsoft.com/office/drawing/2014/main" xmlns="" id="{FCBDD51D-8165-4FAF-86F9-F6D2F57249BB}"/>
               </a:ext>
             </a:extLst>
           </p:cNvPr>
@@ -3736,7 +3879,7 @@
           <p:cNvPr id="1026" name="Picture 2" descr="image">
             <a:extLst>
               <a:ext uri="{FF2B5EF4-FFF2-40B4-BE49-F238E27FC236}">
-                <a16:creationId xmlns="" xmlns:a16="http://schemas.microsoft.com/office/drawing/2014/main" id="{E0719DBF-0CA0-4FC2-9F4F-74DDF27F8AE6}"/>
+                <a16:creationId xmlns:a16="http://schemas.microsoft.com/office/drawing/2014/main" xmlns="" id="{E0719DBF-0CA0-4FC2-9F4F-74DDF27F8AE6}"/>
               </a:ext>
             </a:extLst>
           </p:cNvPr>
@@ -3813,7 +3956,7 @@
           <p:cNvPr id="2" name="Title 1">
             <a:extLst>
               <a:ext uri="{FF2B5EF4-FFF2-40B4-BE49-F238E27FC236}">
-                <a16:creationId xmlns="" xmlns:a16="http://schemas.microsoft.com/office/drawing/2014/main" id="{3A48E285-584F-425D-B674-F5D5ABCE8A61}"/>
+                <a16:creationId xmlns:a16="http://schemas.microsoft.com/office/drawing/2014/main" xmlns="" id="{3A48E285-584F-425D-B674-F5D5ABCE8A61}"/>
               </a:ext>
             </a:extLst>
           </p:cNvPr>
@@ -3846,7 +3989,7 @@
           <p:cNvPr id="3" name="Content Placeholder 2">
             <a:extLst>
               <a:ext uri="{FF2B5EF4-FFF2-40B4-BE49-F238E27FC236}">
-                <a16:creationId xmlns="" xmlns:a16="http://schemas.microsoft.com/office/drawing/2014/main" id="{95194AC0-4DB1-4FB2-9435-A0E35585D5E8}"/>
+                <a16:creationId xmlns:a16="http://schemas.microsoft.com/office/drawing/2014/main" xmlns="" id="{95194AC0-4DB1-4FB2-9435-A0E35585D5E8}"/>
               </a:ext>
             </a:extLst>
           </p:cNvPr>
@@ -3859,7 +4002,9 @@
         </p:nvSpPr>
         <p:spPr/>
         <p:txBody>
-          <a:bodyPr/>
+          <a:bodyPr>
+            <a:normAutofit/>
+          </a:bodyPr>
           <a:lstStyle/>
           <a:p>
             <a:r>
@@ -4014,12 +4159,95 @@
             </a:r>
             <a:r>
               <a:rPr lang="en-US" dirty="0"/>
-              <a:t> serve --</a:t>
-            </a:r>
-            <a:r>
-              <a:rPr lang="en-US" dirty="0" err="1"/>
+              <a:t> serve </a:t>
+            </a:r>
+            <a:r>
+              <a:rPr lang="en-US" dirty="0" smtClean="0"/>
+              <a:t>–</a:t>
+            </a:r>
+            <a:r>
+              <a:rPr lang="en-US" dirty="0" err="1" smtClean="0"/>
               <a:t>aot</a:t>
             </a:r>
+            <a:endParaRPr lang="en-US" dirty="0" smtClean="0"/>
+          </a:p>
+          <a:p>
+            <a:pPr marL="0" indent="0">
+              <a:buNone/>
+            </a:pPr>
+            <a:endParaRPr lang="en-US" altLang="zh-TW" b="0" dirty="0" smtClean="0"/>
+          </a:p>
+          <a:p>
+            <a:pPr marL="0" indent="0">
+              <a:buNone/>
+            </a:pPr>
+            <a:r>
+              <a:rPr lang="zh-TW" altLang="en-US" b="0" dirty="0" smtClean="0"/>
+              <a:t>縮小檔案</a:t>
+            </a:r>
+            <a:endParaRPr lang="en-US" altLang="zh-TW" b="0" dirty="0" smtClean="0"/>
+          </a:p>
+          <a:p>
+            <a:pPr marL="0" indent="0">
+              <a:buNone/>
+            </a:pPr>
+            <a:r>
+              <a:rPr lang="en-US" altLang="zh-TW" b="0" dirty="0" smtClean="0"/>
+              <a:t>--</a:t>
+            </a:r>
+            <a:r>
+              <a:rPr lang="en-US" altLang="zh-TW" b="0" dirty="0" err="1" smtClean="0"/>
+              <a:t>buildOptimizer</a:t>
+            </a:r>
+            <a:r>
+              <a:rPr lang="en-US" altLang="zh-TW" b="0" dirty="0" smtClean="0"/>
+              <a:t>  ( need </a:t>
+            </a:r>
+            <a:r>
+              <a:rPr lang="en-US" altLang="zh-TW" b="0" dirty="0" err="1" smtClean="0"/>
+              <a:t>aot</a:t>
+            </a:r>
+            <a:r>
+              <a:rPr lang="en-US" altLang="zh-TW" b="0" dirty="0" smtClean="0"/>
+              <a:t>) </a:t>
+            </a:r>
+          </a:p>
+          <a:p>
+            <a:pPr marL="0" indent="0">
+              <a:buNone/>
+            </a:pPr>
+            <a:r>
+              <a:rPr lang="en-US" altLang="zh-TW" b="0"/>
+              <a:t>--</a:t>
+            </a:r>
+            <a:r>
+              <a:rPr lang="en-US" altLang="zh-TW" b="0"/>
+              <a:t>optimization </a:t>
+            </a:r>
+            <a:endParaRPr lang="en-US" altLang="zh-TW" b="0" dirty="0"/>
+          </a:p>
+          <a:p>
+            <a:pPr marL="0" indent="0">
+              <a:buNone/>
+            </a:pPr>
+            <a:endParaRPr lang="zh-TW" altLang="en-US" b="0" dirty="0"/>
+          </a:p>
+          <a:p>
+            <a:pPr marL="0" indent="0">
+              <a:buNone/>
+            </a:pPr>
+            <a:endParaRPr lang="zh-TW" altLang="en-US" b="0" dirty="0"/>
+          </a:p>
+          <a:p>
+            <a:pPr marL="0" indent="0">
+              <a:buNone/>
+            </a:pPr>
+            <a:endParaRPr lang="en-US" altLang="zh-TW" b="0" dirty="0"/>
+          </a:p>
+          <a:p>
+            <a:pPr marL="0" indent="0">
+              <a:buNone/>
+            </a:pPr>
             <a:endParaRPr lang="en-US" dirty="0"/>
           </a:p>
         </p:txBody>
@@ -4029,7 +4257,7 @@
           <p:cNvPr id="4" name="Slide Number Placeholder 3">
             <a:extLst>
               <a:ext uri="{FF2B5EF4-FFF2-40B4-BE49-F238E27FC236}">
-                <a16:creationId xmlns="" xmlns:a16="http://schemas.microsoft.com/office/drawing/2014/main" id="{C694A819-ED1A-48B8-8D88-AF4044974888}"/>
+                <a16:creationId xmlns:a16="http://schemas.microsoft.com/office/drawing/2014/main" xmlns="" id="{C694A819-ED1A-48B8-8D88-AF4044974888}"/>
               </a:ext>
             </a:extLst>
           </p:cNvPr>
@@ -4089,7 +4317,7 @@
           <p:cNvPr id="2" name="Title 1">
             <a:extLst>
               <a:ext uri="{FF2B5EF4-FFF2-40B4-BE49-F238E27FC236}">
-                <a16:creationId xmlns="" xmlns:a16="http://schemas.microsoft.com/office/drawing/2014/main" id="{3D17F768-F0A5-4D76-8A54-4E475517A6D9}"/>
+                <a16:creationId xmlns:a16="http://schemas.microsoft.com/office/drawing/2014/main" xmlns="" id="{3D17F768-F0A5-4D76-8A54-4E475517A6D9}"/>
               </a:ext>
             </a:extLst>
           </p:cNvPr>
@@ -4117,7 +4345,7 @@
           <p:cNvPr id="6" name="Content Placeholder 5">
             <a:extLst>
               <a:ext uri="{FF2B5EF4-FFF2-40B4-BE49-F238E27FC236}">
-                <a16:creationId xmlns="" xmlns:a16="http://schemas.microsoft.com/office/drawing/2014/main" id="{507945AC-55CB-40F6-B45A-11AAABD28A31}"/>
+                <a16:creationId xmlns:a16="http://schemas.microsoft.com/office/drawing/2014/main" xmlns="" id="{507945AC-55CB-40F6-B45A-11AAABD28A31}"/>
               </a:ext>
             </a:extLst>
           </p:cNvPr>
@@ -4147,7 +4375,7 @@
                 <a:gridCol w="7772400">
                   <a:extLst>
                     <a:ext uri="{9D8B030D-6E8A-4147-A177-3AD203B41FA5}">
-                      <a16:colId xmlns="" xmlns:a16="http://schemas.microsoft.com/office/drawing/2014/main" val="1199065692"/>
+                      <a16:colId xmlns:a16="http://schemas.microsoft.com/office/drawing/2014/main" xmlns="" val="1199065692"/>
                     </a:ext>
                   </a:extLst>
                 </a:gridCol>
@@ -4168,7 +4396,7 @@
                 </a:tc>
                 <a:extLst>
                   <a:ext uri="{0D108BD9-81ED-4DB2-BD59-A6C34878D82A}">
-                    <a16:rowId xmlns="" xmlns:a16="http://schemas.microsoft.com/office/drawing/2014/main" val="1767338010"/>
+                    <a16:rowId xmlns:a16="http://schemas.microsoft.com/office/drawing/2014/main" xmlns="" val="1767338010"/>
                   </a:ext>
                 </a:extLst>
               </a:tr>
@@ -4591,7 +4819,7 @@
                 </a:tc>
                 <a:extLst>
                   <a:ext uri="{0D108BD9-81ED-4DB2-BD59-A6C34878D82A}">
-                    <a16:rowId xmlns="" xmlns:a16="http://schemas.microsoft.com/office/drawing/2014/main" val="2317173366"/>
+                    <a16:rowId xmlns:a16="http://schemas.microsoft.com/office/drawing/2014/main" xmlns="" val="2317173366"/>
                   </a:ext>
                 </a:extLst>
               </a:tr>
@@ -4604,7 +4832,7 @@
           <p:cNvPr id="4" name="Slide Number Placeholder 3">
             <a:extLst>
               <a:ext uri="{FF2B5EF4-FFF2-40B4-BE49-F238E27FC236}">
-                <a16:creationId xmlns="" xmlns:a16="http://schemas.microsoft.com/office/drawing/2014/main" id="{6C7A083D-7634-46C8-9481-4C324742DDC4}"/>
+                <a16:creationId xmlns:a16="http://schemas.microsoft.com/office/drawing/2014/main" xmlns="" id="{6C7A083D-7634-46C8-9481-4C324742DDC4}"/>
               </a:ext>
             </a:extLst>
           </p:cNvPr>
@@ -4664,7 +4892,7 @@
           <p:cNvPr id="2" name="Title 1">
             <a:extLst>
               <a:ext uri="{FF2B5EF4-FFF2-40B4-BE49-F238E27FC236}">
-                <a16:creationId xmlns="" xmlns:a16="http://schemas.microsoft.com/office/drawing/2014/main" id="{145A12D1-E99D-45BB-A29D-7897A4DF90AF}"/>
+                <a16:creationId xmlns:a16="http://schemas.microsoft.com/office/drawing/2014/main" xmlns="" id="{145A12D1-E99D-45BB-A29D-7897A4DF90AF}"/>
               </a:ext>
             </a:extLst>
           </p:cNvPr>
@@ -4692,7 +4920,7 @@
           <p:cNvPr id="3" name="Content Placeholder 2">
             <a:extLst>
               <a:ext uri="{FF2B5EF4-FFF2-40B4-BE49-F238E27FC236}">
-                <a16:creationId xmlns="" xmlns:a16="http://schemas.microsoft.com/office/drawing/2014/main" id="{ECE19EF1-1BBA-40C6-9A9E-BF1B67C2F42A}"/>
+                <a16:creationId xmlns:a16="http://schemas.microsoft.com/office/drawing/2014/main" xmlns="" id="{ECE19EF1-1BBA-40C6-9A9E-BF1B67C2F42A}"/>
               </a:ext>
             </a:extLst>
           </p:cNvPr>
@@ -4756,7 +4984,7 @@
           <p:cNvPr id="4" name="Slide Number Placeholder 3">
             <a:extLst>
               <a:ext uri="{FF2B5EF4-FFF2-40B4-BE49-F238E27FC236}">
-                <a16:creationId xmlns="" xmlns:a16="http://schemas.microsoft.com/office/drawing/2014/main" id="{10327B5A-91B2-4FB2-BDA9-E5AFB948190E}"/>
+                <a16:creationId xmlns:a16="http://schemas.microsoft.com/office/drawing/2014/main" xmlns="" id="{10327B5A-91B2-4FB2-BDA9-E5AFB948190E}"/>
               </a:ext>
             </a:extLst>
           </p:cNvPr>
@@ -4786,7 +5014,7 @@
           <p:cNvPr id="6" name="Picture 5">
             <a:extLst>
               <a:ext uri="{FF2B5EF4-FFF2-40B4-BE49-F238E27FC236}">
-                <a16:creationId xmlns="" xmlns:a16="http://schemas.microsoft.com/office/drawing/2014/main" id="{FE4EADA9-437D-498D-936A-664D2F0BCE60}"/>
+                <a16:creationId xmlns:a16="http://schemas.microsoft.com/office/drawing/2014/main" xmlns="" id="{FE4EADA9-437D-498D-936A-664D2F0BCE60}"/>
               </a:ext>
             </a:extLst>
           </p:cNvPr>
@@ -4816,7 +5044,7 @@
           <p:cNvPr id="7" name="Picture 6">
             <a:extLst>
               <a:ext uri="{FF2B5EF4-FFF2-40B4-BE49-F238E27FC236}">
-                <a16:creationId xmlns="" xmlns:a16="http://schemas.microsoft.com/office/drawing/2014/main" id="{7AA2459E-F688-49E3-9190-F9EA5FAB2128}"/>
+                <a16:creationId xmlns:a16="http://schemas.microsoft.com/office/drawing/2014/main" xmlns="" id="{7AA2459E-F688-49E3-9190-F9EA5FAB2128}"/>
               </a:ext>
             </a:extLst>
           </p:cNvPr>
@@ -4876,7 +5104,7 @@
           <p:cNvPr id="2" name="Title 1">
             <a:extLst>
               <a:ext uri="{FF2B5EF4-FFF2-40B4-BE49-F238E27FC236}">
-                <a16:creationId xmlns="" xmlns:a16="http://schemas.microsoft.com/office/drawing/2014/main" id="{C7F2410F-D49B-4B27-9DED-F96765AD5D00}"/>
+                <a16:creationId xmlns:a16="http://schemas.microsoft.com/office/drawing/2014/main" xmlns="" id="{C7F2410F-D49B-4B27-9DED-F96765AD5D00}"/>
               </a:ext>
             </a:extLst>
           </p:cNvPr>
@@ -4904,7 +5132,7 @@
           <p:cNvPr id="3" name="Content Placeholder 2">
             <a:extLst>
               <a:ext uri="{FF2B5EF4-FFF2-40B4-BE49-F238E27FC236}">
-                <a16:creationId xmlns="" xmlns:a16="http://schemas.microsoft.com/office/drawing/2014/main" id="{FA3F6EBF-5959-4CC3-9E8E-AA3D7EAD9023}"/>
+                <a16:creationId xmlns:a16="http://schemas.microsoft.com/office/drawing/2014/main" xmlns="" id="{FA3F6EBF-5959-4CC3-9E8E-AA3D7EAD9023}"/>
               </a:ext>
             </a:extLst>
           </p:cNvPr>
@@ -4928,8 +5156,16 @@
               <a:t>Preload </a:t>
             </a:r>
             <a:r>
+              <a:rPr lang="en-US" altLang="zh-CN" dirty="0" smtClean="0"/>
+              <a:t>  - </a:t>
+            </a:r>
+            <a:r>
+              <a:rPr lang="zh-TW" altLang="en-US" dirty="0" smtClean="0"/>
+              <a:t>加</a:t>
+            </a:r>
+            <a:r>
               <a:rPr lang="zh-TW" altLang="en-US" dirty="0"/>
-              <a:t>加載資源一般是當前頁面需要的</a:t>
+              <a:t>載資源一般是當前頁面需要的</a:t>
             </a:r>
           </a:p>
           <a:p>
@@ -4945,8 +5181,20 @@
               <a:t> </a:t>
             </a:r>
             <a:r>
+              <a:rPr lang="zh-TW" altLang="en-US" dirty="0" smtClean="0"/>
+              <a:t> </a:t>
+            </a:r>
+            <a:r>
+              <a:rPr lang="en-US" altLang="zh-TW" dirty="0" smtClean="0"/>
+              <a:t>- </a:t>
+            </a:r>
+            <a:r>
+              <a:rPr lang="zh-TW" altLang="en-US" dirty="0" smtClean="0"/>
+              <a:t>一般</a:t>
+            </a:r>
+            <a:r>
               <a:rPr lang="zh-TW" altLang="en-US" dirty="0"/>
-              <a:t>一般是其它頁面有可能用到的資源</a:t>
+              <a:t>是其它頁面有可能用到的資源</a:t>
             </a:r>
             <a:r>
               <a:rPr lang="zh-TW" altLang="en-US" dirty="0" smtClean="0"/>
@@ -5025,7 +5273,7 @@
           <p:cNvPr id="4" name="Slide Number Placeholder 3">
             <a:extLst>
               <a:ext uri="{FF2B5EF4-FFF2-40B4-BE49-F238E27FC236}">
-                <a16:creationId xmlns="" xmlns:a16="http://schemas.microsoft.com/office/drawing/2014/main" id="{C299F954-E019-4723-97BF-A86279FEDB6C}"/>
+                <a16:creationId xmlns:a16="http://schemas.microsoft.com/office/drawing/2014/main" xmlns="" id="{C299F954-E019-4723-97BF-A86279FEDB6C}"/>
               </a:ext>
             </a:extLst>
           </p:cNvPr>
@@ -5085,7 +5333,7 @@
           <p:cNvPr id="2" name="Title 1">
             <a:extLst>
               <a:ext uri="{FF2B5EF4-FFF2-40B4-BE49-F238E27FC236}">
-                <a16:creationId xmlns="" xmlns:a16="http://schemas.microsoft.com/office/drawing/2014/main" id="{EEFBBC0D-0678-4811-BD95-551E2FD100B2}"/>
+                <a16:creationId xmlns:a16="http://schemas.microsoft.com/office/drawing/2014/main" xmlns="" id="{EEFBBC0D-0678-4811-BD95-551E2FD100B2}"/>
               </a:ext>
             </a:extLst>
           </p:cNvPr>
@@ -5113,7 +5361,7 @@
           <p:cNvPr id="3" name="Content Placeholder 2">
             <a:extLst>
               <a:ext uri="{FF2B5EF4-FFF2-40B4-BE49-F238E27FC236}">
-                <a16:creationId xmlns="" xmlns:a16="http://schemas.microsoft.com/office/drawing/2014/main" id="{1396964D-8F0E-402D-9946-096D3E300EBF}"/>
+                <a16:creationId xmlns:a16="http://schemas.microsoft.com/office/drawing/2014/main" xmlns="" id="{1396964D-8F0E-402D-9946-096D3E300EBF}"/>
               </a:ext>
             </a:extLst>
           </p:cNvPr>
@@ -5298,7 +5546,7 @@
           <p:cNvPr id="4" name="Slide Number Placeholder 3">
             <a:extLst>
               <a:ext uri="{FF2B5EF4-FFF2-40B4-BE49-F238E27FC236}">
-                <a16:creationId xmlns="" xmlns:a16="http://schemas.microsoft.com/office/drawing/2014/main" id="{FB3AF34E-9A6B-4083-AEE7-B89599F8FC84}"/>
+                <a16:creationId xmlns:a16="http://schemas.microsoft.com/office/drawing/2014/main" xmlns="" id="{FB3AF34E-9A6B-4083-AEE7-B89599F8FC84}"/>
               </a:ext>
             </a:extLst>
           </p:cNvPr>
@@ -5604,7 +5852,7 @@
           <p:cNvPr id="2" name="Title 1">
             <a:extLst>
               <a:ext uri="{FF2B5EF4-FFF2-40B4-BE49-F238E27FC236}">
-                <a16:creationId xmlns="" xmlns:a16="http://schemas.microsoft.com/office/drawing/2014/main" id="{7729164E-67EC-4794-B348-F6DDCA9C28D8}"/>
+                <a16:creationId xmlns:a16="http://schemas.microsoft.com/office/drawing/2014/main" xmlns="" id="{7729164E-67EC-4794-B348-F6DDCA9C28D8}"/>
               </a:ext>
             </a:extLst>
           </p:cNvPr>
@@ -5632,7 +5880,7 @@
           <p:cNvPr id="3" name="Content Placeholder 2">
             <a:extLst>
               <a:ext uri="{FF2B5EF4-FFF2-40B4-BE49-F238E27FC236}">
-                <a16:creationId xmlns="" xmlns:a16="http://schemas.microsoft.com/office/drawing/2014/main" id="{41B9E139-1138-4192-A779-90DAAD95534B}"/>
+                <a16:creationId xmlns:a16="http://schemas.microsoft.com/office/drawing/2014/main" xmlns="" id="{41B9E139-1138-4192-A779-90DAAD95534B}"/>
               </a:ext>
             </a:extLst>
           </p:cNvPr>
@@ -5668,7 +5916,7 @@
           <p:cNvPr id="4" name="Slide Number Placeholder 3">
             <a:extLst>
               <a:ext uri="{FF2B5EF4-FFF2-40B4-BE49-F238E27FC236}">
-                <a16:creationId xmlns="" xmlns:a16="http://schemas.microsoft.com/office/drawing/2014/main" id="{0B59A355-6DED-46D5-A8B8-4AAEDE751E70}"/>
+                <a16:creationId xmlns:a16="http://schemas.microsoft.com/office/drawing/2014/main" xmlns="" id="{0B59A355-6DED-46D5-A8B8-4AAEDE751E70}"/>
               </a:ext>
             </a:extLst>
           </p:cNvPr>
@@ -6565,6 +6813,12 @@
 </file>
 
 <file path=customXml/item2.xml><?xml version="1.0" encoding="utf-8"?>
+<p:properties xmlns:p="http://schemas.microsoft.com/office/2006/metadata/properties" xmlns:xsi="http://www.w3.org/2001/XMLSchema-instance">
+  <documentManagement/>
+</p:properties>
+</file>
+
+<file path=customXml/item3.xml><?xml version="1.0" encoding="utf-8"?>
 <ct:contentTypeSchema xmlns:ct="http://schemas.microsoft.com/office/2006/metadata/contentType" xmlns:ma="http://schemas.microsoft.com/office/2006/metadata/properties/metaAttributes" ct:_="" ma:_="" ma:contentTypeName="Document" ma:contentTypeID="0x0101005A68C01194ECFA40BC8A96216368DABD" ma:contentTypeVersion="0" ma:contentTypeDescription="Create a new document." ma:contentTypeScope="" ma:versionID="85454c0b708a8704c4fb1830e201d0a8">
   <xsd:schema xmlns:xsd="http://www.w3.org/2001/XMLSchema" xmlns:p="http://schemas.microsoft.com/office/2006/metadata/properties" targetNamespace="http://schemas.microsoft.com/office/2006/metadata/properties" ma:root="true" ma:fieldsID="4aeb20c0e3442673af7ee10786458764">
     <xsd:element name="properties">
@@ -6613,12 +6867,6 @@
 </ct:contentTypeSchema>
 </file>
 
-<file path=customXml/item3.xml><?xml version="1.0" encoding="utf-8"?>
-<p:properties xmlns:p="http://schemas.microsoft.com/office/2006/metadata/properties" xmlns:xsi="http://www.w3.org/2001/XMLSchema-instance">
-  <documentManagement/>
-</p:properties>
-</file>
-
 <file path=customXml/itemProps1.xml><?xml version="1.0" encoding="utf-8"?>
 <ds:datastoreItem xmlns:ds="http://schemas.openxmlformats.org/officeDocument/2006/customXml" ds:itemID="{19046636-0DFE-4791-8294-88FA6F02A45A}">
   <ds:schemaRefs>
@@ -6628,6 +6876,20 @@
 </file>
 
 <file path=customXml/itemProps2.xml><?xml version="1.0" encoding="utf-8"?>
+<ds:datastoreItem xmlns:ds="http://schemas.openxmlformats.org/officeDocument/2006/customXml" ds:itemID="{E81D3889-CFF8-452F-8C7E-972A747945E0}">
+  <ds:schemaRefs>
+    <ds:schemaRef ds:uri="http://schemas.microsoft.com/office/2006/metadata/properties"/>
+    <ds:schemaRef ds:uri="http://purl.org/dc/terms/"/>
+    <ds:schemaRef ds:uri="http://schemas.openxmlformats.org/package/2006/metadata/core-properties"/>
+    <ds:schemaRef ds:uri="http://schemas.microsoft.com/office/2006/documentManagement/types"/>
+    <ds:schemaRef ds:uri="http://purl.org/dc/elements/1.1/"/>
+    <ds:schemaRef ds:uri="http://www.w3.org/XML/1998/namespace"/>
+    <ds:schemaRef ds:uri="http://purl.org/dc/dcmitype/"/>
+  </ds:schemaRefs>
+</ds:datastoreItem>
+</file>
+
+<file path=customXml/itemProps3.xml><?xml version="1.0" encoding="utf-8"?>
 <ds:datastoreItem xmlns:ds="http://schemas.openxmlformats.org/officeDocument/2006/customXml" ds:itemID="{002BD1C4-E85C-4940-BCB3-E960ED1A4E9F}">
   <ds:schemaRefs>
     <ds:schemaRef ds:uri="http://schemas.microsoft.com/office/2006/metadata/contentType"/>
@@ -6640,18 +6902,4 @@
     <ds:schemaRef ds:uri="http://schemas.microsoft.com/office/internal/2005/internalDocumentation"/>
   </ds:schemaRefs>
 </ds:datastoreItem>
-</file>
-
-<file path=customXml/itemProps3.xml><?xml version="1.0" encoding="utf-8"?>
-<ds:datastoreItem xmlns:ds="http://schemas.openxmlformats.org/officeDocument/2006/customXml" ds:itemID="{E81D3889-CFF8-452F-8C7E-972A747945E0}">
-  <ds:schemaRefs>
-    <ds:schemaRef ds:uri="http://schemas.microsoft.com/office/2006/metadata/properties"/>
-    <ds:schemaRef ds:uri="http://purl.org/dc/terms/"/>
-    <ds:schemaRef ds:uri="http://schemas.openxmlformats.org/package/2006/metadata/core-properties"/>
-    <ds:schemaRef ds:uri="http://schemas.microsoft.com/office/2006/documentManagement/types"/>
-    <ds:schemaRef ds:uri="http://purl.org/dc/elements/1.1/"/>
-    <ds:schemaRef ds:uri="http://www.w3.org/XML/1998/namespace"/>
-    <ds:schemaRef ds:uri="http://purl.org/dc/dcmitype/"/>
-  </ds:schemaRefs>
-</ds:datastoreItem>
 </file>
--- a/ppt/angular_performance.pptx
+++ b/ppt/angular_performance.pptx
@@ -779,6 +779,260 @@
     <p:extLst>
       <p:ext uri="{BB962C8B-B14F-4D97-AF65-F5344CB8AC3E}">
         <p14:creationId xmlns:p14="http://schemas.microsoft.com/office/powerpoint/2010/main" val="2334019523"/>
+      </p:ext>
+    </p:extLst>
+  </p:cSld>
+  <p:clrMapOvr>
+    <a:masterClrMapping/>
+  </p:clrMapOvr>
+</p:notes>
+</file>
+
+<file path=ppt/notesSlides/notesSlide2.xml><?xml version="1.0" encoding="utf-8"?>
+<p:notes xmlns:a="http://schemas.openxmlformats.org/drawingml/2006/main" xmlns:r="http://schemas.openxmlformats.org/officeDocument/2006/relationships" xmlns:p="http://schemas.openxmlformats.org/presentationml/2006/main">
+  <p:cSld>
+    <p:spTree>
+      <p:nvGrpSpPr>
+        <p:cNvPr id="1" name=""/>
+        <p:cNvGrpSpPr/>
+        <p:nvPr/>
+      </p:nvGrpSpPr>
+      <p:grpSpPr>
+        <a:xfrm>
+          <a:off x="0" y="0"/>
+          <a:ext cx="0" cy="0"/>
+          <a:chOff x="0" y="0"/>
+          <a:chExt cx="0" cy="0"/>
+        </a:xfrm>
+      </p:grpSpPr>
+      <p:sp>
+        <p:nvSpPr>
+          <p:cNvPr id="2" name="投影片圖像版面配置區 1"/>
+          <p:cNvSpPr>
+            <a:spLocks noGrp="1" noRot="1" noChangeAspect="1"/>
+          </p:cNvSpPr>
+          <p:nvPr>
+            <p:ph type="sldImg"/>
+          </p:nvPr>
+        </p:nvSpPr>
+        <p:spPr/>
+      </p:sp>
+      <p:sp>
+        <p:nvSpPr>
+          <p:cNvPr id="3" name="備忘稿版面配置區 2"/>
+          <p:cNvSpPr>
+            <a:spLocks noGrp="1"/>
+          </p:cNvSpPr>
+          <p:nvPr>
+            <p:ph type="body" idx="1"/>
+          </p:nvPr>
+        </p:nvSpPr>
+        <p:spPr/>
+        <p:txBody>
+          <a:bodyPr/>
+          <a:lstStyle/>
+          <a:p>
+            <a:pPr marL="0" indent="0">
+              <a:buNone/>
+            </a:pPr>
+            <a:r>
+              <a:rPr lang="en-US" altLang="zh-TW" dirty="0" smtClean="0"/>
+              <a:t>example</a:t>
+            </a:r>
+          </a:p>
+          <a:p>
+            <a:pPr marL="0" indent="0">
+              <a:buNone/>
+            </a:pPr>
+            <a:r>
+              <a:rPr lang="en-US" altLang="zh-TW" dirty="0" smtClean="0"/>
+              <a:t>1.Load </a:t>
+            </a:r>
+            <a:r>
+              <a:rPr lang="en-US" altLang="zh-TW" dirty="0" err="1" smtClean="0"/>
+              <a:t>Loging</a:t>
+            </a:r>
+            <a:r>
+              <a:rPr lang="en-US" altLang="zh-TW" dirty="0" smtClean="0"/>
+              <a:t> Module </a:t>
+            </a:r>
+          </a:p>
+          <a:p>
+            <a:pPr marL="0" indent="0">
+              <a:buNone/>
+            </a:pPr>
+            <a:r>
+              <a:rPr lang="en-US" altLang="zh-TW" dirty="0" smtClean="0"/>
+              <a:t>2.Wait a 3 sec  </a:t>
+            </a:r>
+            <a:r>
+              <a:rPr lang="en-US" altLang="zh-TW" dirty="0" err="1" smtClean="0"/>
+              <a:t>PreLoad</a:t>
+            </a:r>
+            <a:r>
+              <a:rPr lang="en-US" altLang="zh-TW" dirty="0" smtClean="0"/>
+              <a:t> other Module</a:t>
+            </a:r>
+          </a:p>
+          <a:p>
+            <a:pPr marL="0" indent="0">
+              <a:buNone/>
+            </a:pPr>
+            <a:r>
+              <a:rPr lang="en-US" altLang="zh-TW" dirty="0" smtClean="0"/>
+              <a:t>(</a:t>
+            </a:r>
+            <a:r>
+              <a:rPr lang="zh-TW" altLang="en-US" dirty="0" smtClean="0"/>
+              <a:t>就算你沒停在這頁面切頁都會幫你</a:t>
+            </a:r>
+            <a:r>
+              <a:rPr lang="en-US" altLang="zh-TW" dirty="0" smtClean="0"/>
+              <a:t>load)</a:t>
+            </a:r>
+          </a:p>
+          <a:p>
+            <a:endParaRPr lang="zh-TW" altLang="en-US" dirty="0"/>
+          </a:p>
+        </p:txBody>
+      </p:sp>
+    </p:spTree>
+    <p:extLst>
+      <p:ext uri="{BB962C8B-B14F-4D97-AF65-F5344CB8AC3E}">
+        <p14:creationId xmlns:p14="http://schemas.microsoft.com/office/powerpoint/2010/main" val="2888524145"/>
+      </p:ext>
+    </p:extLst>
+  </p:cSld>
+  <p:clrMapOvr>
+    <a:masterClrMapping/>
+  </p:clrMapOvr>
+</p:notes>
+</file>
+
+<file path=ppt/notesSlides/notesSlide3.xml><?xml version="1.0" encoding="utf-8"?>
+<p:notes xmlns:a="http://schemas.openxmlformats.org/drawingml/2006/main" xmlns:r="http://schemas.openxmlformats.org/officeDocument/2006/relationships" xmlns:p="http://schemas.openxmlformats.org/presentationml/2006/main">
+  <p:cSld>
+    <p:spTree>
+      <p:nvGrpSpPr>
+        <p:cNvPr id="1" name=""/>
+        <p:cNvGrpSpPr/>
+        <p:nvPr/>
+      </p:nvGrpSpPr>
+      <p:grpSpPr>
+        <a:xfrm>
+          <a:off x="0" y="0"/>
+          <a:ext cx="0" cy="0"/>
+          <a:chOff x="0" y="0"/>
+          <a:chExt cx="0" cy="0"/>
+        </a:xfrm>
+      </p:grpSpPr>
+      <p:sp>
+        <p:nvSpPr>
+          <p:cNvPr id="2" name="投影片圖像版面配置區 1"/>
+          <p:cNvSpPr>
+            <a:spLocks noGrp="1" noRot="1" noChangeAspect="1"/>
+          </p:cNvSpPr>
+          <p:nvPr>
+            <p:ph type="sldImg"/>
+          </p:nvPr>
+        </p:nvSpPr>
+        <p:spPr/>
+      </p:sp>
+      <p:sp>
+        <p:nvSpPr>
+          <p:cNvPr id="3" name="備忘稿版面配置區 2"/>
+          <p:cNvSpPr>
+            <a:spLocks noGrp="1"/>
+          </p:cNvSpPr>
+          <p:nvPr>
+            <p:ph type="body" idx="1"/>
+          </p:nvPr>
+        </p:nvSpPr>
+        <p:spPr/>
+        <p:txBody>
+          <a:bodyPr/>
+          <a:lstStyle/>
+          <a:p>
+            <a:r>
+              <a:rPr lang="zh-TW" altLang="en-US" sz="1200" b="0" i="0" kern="1200" dirty="0" smtClean="0">
+                <a:solidFill>
+                  <a:schemeClr val="tx1"/>
+                </a:solidFill>
+                <a:effectLst/>
+                <a:latin typeface="+mn-lt"/>
+                <a:ea typeface="+mn-ea"/>
+                <a:cs typeface="+mn-cs"/>
+              </a:rPr>
+              <a:t>因此只有當整個傳入的基礎行別被變更</a:t>
+            </a:r>
+            <a:r>
+              <a:rPr lang="en-US" altLang="zh-TW" sz="1200" b="0" i="0" kern="1200" dirty="0" smtClean="0">
+                <a:solidFill>
+                  <a:schemeClr val="tx1"/>
+                </a:solidFill>
+                <a:effectLst/>
+                <a:latin typeface="+mn-lt"/>
+                <a:ea typeface="+mn-ea"/>
+                <a:cs typeface="+mn-cs"/>
+              </a:rPr>
+              <a:t>﹑</a:t>
+            </a:r>
+            <a:r>
+              <a:rPr lang="zh-TW" altLang="en-US" sz="1200" b="0" i="0" kern="1200" dirty="0" smtClean="0">
+                <a:solidFill>
+                  <a:schemeClr val="tx1"/>
+                </a:solidFill>
+                <a:effectLst/>
+                <a:latin typeface="+mn-lt"/>
+                <a:ea typeface="+mn-ea"/>
+                <a:cs typeface="+mn-cs"/>
+              </a:rPr>
+              <a:t>或是傳入的物件整個參考被改變時，才會重新執行</a:t>
+            </a:r>
+            <a:r>
+              <a:rPr lang="en-US" altLang="zh-TW" sz="1200" b="0" i="0" kern="1200" dirty="0" smtClean="0">
+                <a:solidFill>
+                  <a:schemeClr val="tx1"/>
+                </a:solidFill>
+                <a:effectLst/>
+                <a:latin typeface="+mn-lt"/>
+                <a:ea typeface="+mn-ea"/>
+                <a:cs typeface="+mn-cs"/>
+              </a:rPr>
+              <a:t>Pipe</a:t>
+            </a:r>
+            <a:r>
+              <a:rPr lang="zh-TW" altLang="en-US" sz="1200" b="0" i="0" kern="1200" dirty="0" smtClean="0">
+                <a:solidFill>
+                  <a:schemeClr val="tx1"/>
+                </a:solidFill>
+                <a:effectLst/>
+                <a:latin typeface="+mn-lt"/>
+                <a:ea typeface="+mn-ea"/>
+                <a:cs typeface="+mn-cs"/>
+              </a:rPr>
+              <a:t>裡面的</a:t>
+            </a:r>
+            <a:r>
+              <a:rPr lang="en-US" altLang="zh-TW" sz="1200" b="0" i="0" kern="1200" smtClean="0">
+                <a:solidFill>
+                  <a:schemeClr val="tx1"/>
+                </a:solidFill>
+                <a:effectLst/>
+                <a:latin typeface="+mn-lt"/>
+                <a:ea typeface="+mn-ea"/>
+                <a:cs typeface="+mn-cs"/>
+              </a:rPr>
+              <a:t>transform()</a:t>
+            </a:r>
+            <a:endParaRPr lang="zh-TW" altLang="en-US"/>
+          </a:p>
+        </p:txBody>
+      </p:sp>
+    </p:spTree>
+    <p:extLst>
+      <p:ext uri="{BB962C8B-B14F-4D97-AF65-F5344CB8AC3E}">
+        <p14:creationId xmlns:p14="http://schemas.microsoft.com/office/powerpoint/2010/main" val="886938707"/>
       </p:ext>
     </p:extLst>
   </p:cSld>
@@ -3414,13 +3668,13 @@
             </a:pPr>
             <a:r>
               <a:rPr lang="en-US" altLang="zh-TW" dirty="0">
-                <a:hlinkClick r:id="rId2"/>
+                <a:hlinkClick r:id="rId3"/>
               </a:rPr>
               <a:t>https://poychang.github.io/disable-browser-cache-on-angular-site</a:t>
             </a:r>
             <a:r>
               <a:rPr lang="en-US" altLang="zh-TW" dirty="0" smtClean="0">
-                <a:hlinkClick r:id="rId2"/>
+                <a:hlinkClick r:id="rId3"/>
               </a:rPr>
               <a:t>/</a:t>
             </a:r>
@@ -3476,7 +3730,7 @@
             </a:pPr>
             <a:r>
               <a:rPr lang="en-US" dirty="0">
-                <a:hlinkClick r:id="rId3"/>
+                <a:hlinkClick r:id="rId4"/>
               </a:rPr>
               <a:t>https://dotblogs.com.tw/wellwind/2017/02/12/angular2-impure-pipe</a:t>
             </a:r>
@@ -3496,24 +3750,6 @@
               <a:rPr lang="en-US" dirty="0"/>
               <a:t>3.HttpRequest Cache</a:t>
             </a:r>
-          </a:p>
-          <a:p>
-            <a:pPr marL="0" indent="0">
-              <a:buNone/>
-            </a:pPr>
-            <a:r>
-              <a:rPr lang="en-US" dirty="0">
-                <a:hlinkClick r:id="rId4"/>
-              </a:rPr>
-              <a:t>https://www.youtube.com/watch?v=FKmzFyOogpM</a:t>
-            </a:r>
-            <a:endParaRPr lang="en-US" dirty="0"/>
-          </a:p>
-          <a:p>
-            <a:pPr marL="0" indent="0">
-              <a:buNone/>
-            </a:pPr>
-            <a:endParaRPr lang="en-US" dirty="0"/>
           </a:p>
           <a:p>
             <a:pPr marL="0" indent="0">
@@ -3523,11 +3759,29 @@
               <a:rPr lang="en-US" dirty="0">
                 <a:hlinkClick r:id="rId5"/>
               </a:rPr>
+              <a:t>https://www.youtube.com/watch?v=FKmzFyOogpM</a:t>
+            </a:r>
+            <a:endParaRPr lang="en-US" dirty="0"/>
+          </a:p>
+          <a:p>
+            <a:pPr marL="0" indent="0">
+              <a:buNone/>
+            </a:pPr>
+            <a:endParaRPr lang="en-US" dirty="0"/>
+          </a:p>
+          <a:p>
+            <a:pPr marL="0" indent="0">
+              <a:buNone/>
+            </a:pPr>
+            <a:r>
+              <a:rPr lang="en-US" dirty="0">
+                <a:hlinkClick r:id="rId6"/>
+              </a:rPr>
               <a:t>https://blog.fullstacktraining.com/caching-http-requests-with-angular</a:t>
             </a:r>
             <a:r>
               <a:rPr lang="en-US" dirty="0" smtClean="0">
-                <a:hlinkClick r:id="rId5"/>
+                <a:hlinkClick r:id="rId6"/>
               </a:rPr>
               <a:t>/</a:t>
             </a:r>
@@ -3543,26 +3797,14 @@
             </a:r>
             <a:r>
               <a:rPr lang="en-US" dirty="0" smtClean="0"/>
-              <a:t>Worker</a:t>
+              <a:t>Worker =&gt; study </a:t>
             </a:r>
           </a:p>
           <a:p>
             <a:pPr marL="0" indent="0">
               <a:buNone/>
             </a:pPr>
-            <a:r>
-              <a:rPr lang="en-US" dirty="0" smtClean="0"/>
-              <a:t>5.Web </a:t>
-            </a:r>
-            <a:r>
-              <a:rPr lang="en-US" dirty="0" err="1" smtClean="0"/>
-              <a:t>api</a:t>
-            </a:r>
-            <a:r>
-              <a:rPr lang="en-US" dirty="0" smtClean="0"/>
-              <a:t> Cache</a:t>
-            </a:r>
-            <a:endParaRPr lang="en-US" dirty="0"/>
+            <a:endParaRPr lang="en-US" dirty="0" smtClean="0"/>
           </a:p>
           <a:p>
             <a:pPr marL="0" indent="0">
@@ -4185,7 +4427,18 @@
               <a:rPr lang="zh-TW" altLang="en-US" b="0" dirty="0" smtClean="0"/>
               <a:t>縮小檔案</a:t>
             </a:r>
-            <a:endParaRPr lang="en-US" altLang="zh-TW" b="0" dirty="0" smtClean="0"/>
+            <a:r>
+              <a:rPr lang="en-US" altLang="zh-TW" b="0" dirty="0" smtClean="0"/>
+              <a:t>(</a:t>
+            </a:r>
+            <a:r>
+              <a:rPr lang="zh-TW" altLang="en-US" b="0" dirty="0" smtClean="0"/>
+              <a:t>搖樹，移不沒用到的</a:t>
+            </a:r>
+            <a:r>
+              <a:rPr lang="en-US" altLang="zh-TW" b="0" dirty="0" smtClean="0"/>
+              <a:t>)</a:t>
+            </a:r>
           </a:p>
           <a:p>
             <a:pPr marL="0" indent="0">
@@ -4217,14 +4470,9 @@
               <a:buNone/>
             </a:pPr>
             <a:r>
-              <a:rPr lang="en-US" altLang="zh-TW" b="0"/>
-              <a:t>--</a:t>
-            </a:r>
-            <a:r>
-              <a:rPr lang="en-US" altLang="zh-TW" b="0"/>
-              <a:t>optimization </a:t>
-            </a:r>
-            <a:endParaRPr lang="en-US" altLang="zh-TW" b="0" dirty="0"/>
+              <a:rPr lang="en-US" altLang="zh-TW" b="0" dirty="0"/>
+              <a:t>--optimization </a:t>
+            </a:r>
           </a:p>
           <a:p>
             <a:pPr marL="0" indent="0">
@@ -5426,7 +5674,7 @@
               <a:t>PreloadAllModules</a:t>
             </a:r>
             <a:endParaRPr lang="en-US" sz="1600" dirty="0">
-              <a:hlinkClick r:id="rId2"/>
+              <a:hlinkClick r:id="rId3"/>
             </a:endParaRPr>
           </a:p>
           <a:p>
@@ -5451,7 +5699,7 @@
               <a:buNone/>
             </a:pPr>
             <a:endParaRPr lang="en-US" dirty="0">
-              <a:hlinkClick r:id="rId2"/>
+              <a:hlinkClick r:id="rId3"/>
             </a:endParaRPr>
           </a:p>
           <a:p>
@@ -5460,7 +5708,7 @@
             </a:pPr>
             <a:r>
               <a:rPr lang="en-US" dirty="0">
-                <a:hlinkClick r:id="rId2"/>
+                <a:hlinkClick r:id="rId3"/>
               </a:rPr>
               <a:t>https://www.cnblogs.com/haogj/p/7649707.html</a:t>
             </a:r>
@@ -5470,67 +5718,6 @@
             <a:pPr marL="0" indent="0">
               <a:buNone/>
             </a:pPr>
-            <a:endParaRPr lang="en-US" dirty="0"/>
-          </a:p>
-          <a:p>
-            <a:pPr marL="0" indent="0">
-              <a:buNone/>
-            </a:pPr>
-            <a:r>
-              <a:rPr lang="en-US" dirty="0"/>
-              <a:t>example</a:t>
-            </a:r>
-          </a:p>
-          <a:p>
-            <a:pPr marL="0" indent="0">
-              <a:buNone/>
-            </a:pPr>
-            <a:r>
-              <a:rPr lang="en-US" dirty="0"/>
-              <a:t>1.Load </a:t>
-            </a:r>
-            <a:r>
-              <a:rPr lang="en-US" dirty="0" err="1"/>
-              <a:t>Loging</a:t>
-            </a:r>
-            <a:r>
-              <a:rPr lang="en-US" dirty="0"/>
-              <a:t> Module </a:t>
-            </a:r>
-          </a:p>
-          <a:p>
-            <a:pPr marL="0" indent="0">
-              <a:buNone/>
-            </a:pPr>
-            <a:r>
-              <a:rPr lang="en-US" dirty="0"/>
-              <a:t>2.Wait a 3 sec  </a:t>
-            </a:r>
-            <a:r>
-              <a:rPr lang="en-US" dirty="0" err="1"/>
-              <a:t>PreLoad</a:t>
-            </a:r>
-            <a:r>
-              <a:rPr lang="en-US" dirty="0"/>
-              <a:t> other Module</a:t>
-            </a:r>
-          </a:p>
-          <a:p>
-            <a:pPr marL="0" indent="0">
-              <a:buNone/>
-            </a:pPr>
-            <a:r>
-              <a:rPr lang="en-US" dirty="0"/>
-              <a:t>(</a:t>
-            </a:r>
-            <a:r>
-              <a:rPr lang="zh-TW" altLang="en-US" dirty="0"/>
-              <a:t>就算你沒停在這頁面切頁都會幫你</a:t>
-            </a:r>
-            <a:r>
-              <a:rPr lang="en-US" altLang="zh-TW" dirty="0"/>
-              <a:t>load)</a:t>
-            </a:r>
             <a:endParaRPr lang="en-US" dirty="0"/>
           </a:p>
           <a:p>
@@ -5687,7 +5874,7 @@
               <a:buNone/>
             </a:pPr>
             <a:r>
-              <a:rPr lang="en-US" altLang="zh-TW" smtClean="0"/>
+              <a:rPr lang="en-US" altLang="zh-TW" dirty="0" smtClean="0"/>
               <a:t>1.Detects </a:t>
             </a:r>
             <a:r>

--- a/ppt/angular_performance.pptx
+++ b/ppt/angular_performance.pptx
@@ -236,7 +236,7 @@
             <a:fld id="{3CDD3A71-4C75-488C-A8F3-A1F163ED0DB9}" type="datetimeFigureOut">
               <a:rPr lang="en-US" smtClean="0"/>
               <a:pPr/>
-              <a:t>7/30/2019</a:t>
+              <a:t>7/31/2019</a:t>
             </a:fld>
             <a:endParaRPr lang="en-US"/>
           </a:p>
@@ -404,7 +404,7 @@
             <a:fld id="{523CC419-8FB3-4D1C-8127-E63C1A13459D}" type="datetimeFigureOut">
               <a:rPr lang="en-US" smtClean="0"/>
               <a:pPr/>
-              <a:t>7/30/2019</a:t>
+              <a:t>7/31/2019</a:t>
             </a:fld>
             <a:endParaRPr lang="en-US"/>
           </a:p>
@@ -888,8 +888,36 @@
             </a:r>
             <a:r>
               <a:rPr lang="en-US" altLang="zh-TW" dirty="0" smtClean="0"/>
-              <a:t>load)</a:t>
-            </a:r>
+              <a:t>load</a:t>
+            </a:r>
+            <a:r>
+              <a:rPr lang="en-US" altLang="zh-TW" dirty="0" smtClean="0"/>
+              <a:t>)</a:t>
+            </a:r>
+          </a:p>
+          <a:p>
+            <a:pPr marL="0" indent="0">
+              <a:buNone/>
+            </a:pPr>
+            <a:r>
+              <a:rPr lang="en-US" altLang="zh-TW" dirty="0" smtClean="0">
+                <a:hlinkClick r:id="rId3"/>
+              </a:rPr>
+              <a:t>https://www.cnblogs.com/haogj/p/7649707.html</a:t>
+            </a:r>
+            <a:endParaRPr lang="en-US" altLang="zh-TW" dirty="0" smtClean="0"/>
+          </a:p>
+          <a:p>
+            <a:pPr marL="0" indent="0">
+              <a:buNone/>
+            </a:pPr>
+            <a:endParaRPr lang="en-US" altLang="zh-TW" smtClean="0"/>
+          </a:p>
+          <a:p>
+            <a:pPr marL="0" indent="0">
+              <a:buNone/>
+            </a:pPr>
+            <a:endParaRPr lang="en-US" altLang="zh-TW" dirty="0" smtClean="0"/>
           </a:p>
           <a:p>
             <a:endParaRPr lang="zh-TW" altLang="en-US" dirty="0"/>
@@ -3540,7 +3568,7 @@
           <p:cNvPr id="2" name="Title 1">
             <a:extLst>
               <a:ext uri="{FF2B5EF4-FFF2-40B4-BE49-F238E27FC236}">
-                <a16:creationId xmlns:a16="http://schemas.microsoft.com/office/drawing/2014/main" xmlns="" id="{E5D678AA-48A1-4490-9394-8643B8860FCB}"/>
+                <a16:creationId xmlns="" xmlns:a16="http://schemas.microsoft.com/office/drawing/2014/main" id="{E5D678AA-48A1-4490-9394-8643B8860FCB}"/>
               </a:ext>
             </a:extLst>
           </p:cNvPr>
@@ -3568,7 +3596,7 @@
           <p:cNvPr id="3" name="Content Placeholder 2">
             <a:extLst>
               <a:ext uri="{FF2B5EF4-FFF2-40B4-BE49-F238E27FC236}">
-                <a16:creationId xmlns:a16="http://schemas.microsoft.com/office/drawing/2014/main" xmlns="" id="{EA49B8AA-B17F-4F47-9489-2AEA4FEBA855}"/>
+                <a16:creationId xmlns="" xmlns:a16="http://schemas.microsoft.com/office/drawing/2014/main" id="{EA49B8AA-B17F-4F47-9489-2AEA4FEBA855}"/>
               </a:ext>
             </a:extLst>
           </p:cNvPr>
@@ -3660,7 +3688,6 @@
               <a:rPr lang="en-US" altLang="zh-TW" dirty="0" smtClean="0"/>
               <a:t>all (all | none | media | bundle)</a:t>
             </a:r>
-            <a:endParaRPr lang="en-US" altLang="zh-TW" dirty="0" smtClean="0"/>
           </a:p>
           <a:p>
             <a:pPr marL="0" indent="0">
@@ -3793,11 +3820,7 @@
             </a:pPr>
             <a:r>
               <a:rPr lang="en-US" dirty="0" smtClean="0"/>
-              <a:t>4.Service </a:t>
-            </a:r>
-            <a:r>
-              <a:rPr lang="en-US" dirty="0" smtClean="0"/>
-              <a:t>Worker =&gt; study </a:t>
+              <a:t>4.Service Worker =&gt; study </a:t>
             </a:r>
           </a:p>
           <a:p>
@@ -3831,7 +3854,7 @@
           <p:cNvPr id="4" name="Slide Number Placeholder 3">
             <a:extLst>
               <a:ext uri="{FF2B5EF4-FFF2-40B4-BE49-F238E27FC236}">
-                <a16:creationId xmlns:a16="http://schemas.microsoft.com/office/drawing/2014/main" xmlns="" id="{37BB747A-5129-47C0-9046-EF7E7C12EFC2}"/>
+                <a16:creationId xmlns="" xmlns:a16="http://schemas.microsoft.com/office/drawing/2014/main" id="{37BB747A-5129-47C0-9046-EF7E7C12EFC2}"/>
               </a:ext>
             </a:extLst>
           </p:cNvPr>
@@ -3971,7 +3994,7 @@
           <p:cNvPr id="2" name="Title 1">
             <a:extLst>
               <a:ext uri="{FF2B5EF4-FFF2-40B4-BE49-F238E27FC236}">
-                <a16:creationId xmlns:a16="http://schemas.microsoft.com/office/drawing/2014/main" xmlns="" id="{19BE3664-535A-4792-A501-B4FDD5D75620}"/>
+                <a16:creationId xmlns="" xmlns:a16="http://schemas.microsoft.com/office/drawing/2014/main" id="{19BE3664-535A-4792-A501-B4FDD5D75620}"/>
               </a:ext>
             </a:extLst>
           </p:cNvPr>
@@ -4004,7 +4027,7 @@
           <p:cNvPr id="3" name="Content Placeholder 2">
             <a:extLst>
               <a:ext uri="{FF2B5EF4-FFF2-40B4-BE49-F238E27FC236}">
-                <a16:creationId xmlns:a16="http://schemas.microsoft.com/office/drawing/2014/main" xmlns="" id="{6DBE8D3E-7C25-44DD-8B72-3F9FAA2F4866}"/>
+                <a16:creationId xmlns="" xmlns:a16="http://schemas.microsoft.com/office/drawing/2014/main" id="{6DBE8D3E-7C25-44DD-8B72-3F9FAA2F4866}"/>
               </a:ext>
             </a:extLst>
           </p:cNvPr>
@@ -4091,7 +4114,7 @@
           <p:cNvPr id="4" name="Slide Number Placeholder 3">
             <a:extLst>
               <a:ext uri="{FF2B5EF4-FFF2-40B4-BE49-F238E27FC236}">
-                <a16:creationId xmlns:a16="http://schemas.microsoft.com/office/drawing/2014/main" xmlns="" id="{FCBDD51D-8165-4FAF-86F9-F6D2F57249BB}"/>
+                <a16:creationId xmlns="" xmlns:a16="http://schemas.microsoft.com/office/drawing/2014/main" id="{FCBDD51D-8165-4FAF-86F9-F6D2F57249BB}"/>
               </a:ext>
             </a:extLst>
           </p:cNvPr>
@@ -4121,7 +4144,7 @@
           <p:cNvPr id="1026" name="Picture 2" descr="image">
             <a:extLst>
               <a:ext uri="{FF2B5EF4-FFF2-40B4-BE49-F238E27FC236}">
-                <a16:creationId xmlns:a16="http://schemas.microsoft.com/office/drawing/2014/main" xmlns="" id="{E0719DBF-0CA0-4FC2-9F4F-74DDF27F8AE6}"/>
+                <a16:creationId xmlns="" xmlns:a16="http://schemas.microsoft.com/office/drawing/2014/main" id="{E0719DBF-0CA0-4FC2-9F4F-74DDF27F8AE6}"/>
               </a:ext>
             </a:extLst>
           </p:cNvPr>
@@ -4198,7 +4221,7 @@
           <p:cNvPr id="2" name="Title 1">
             <a:extLst>
               <a:ext uri="{FF2B5EF4-FFF2-40B4-BE49-F238E27FC236}">
-                <a16:creationId xmlns:a16="http://schemas.microsoft.com/office/drawing/2014/main" xmlns="" id="{3A48E285-584F-425D-B674-F5D5ABCE8A61}"/>
+                <a16:creationId xmlns="" xmlns:a16="http://schemas.microsoft.com/office/drawing/2014/main" id="{3A48E285-584F-425D-B674-F5D5ABCE8A61}"/>
               </a:ext>
             </a:extLst>
           </p:cNvPr>
@@ -4231,7 +4254,7 @@
           <p:cNvPr id="3" name="Content Placeholder 2">
             <a:extLst>
               <a:ext uri="{FF2B5EF4-FFF2-40B4-BE49-F238E27FC236}">
-                <a16:creationId xmlns:a16="http://schemas.microsoft.com/office/drawing/2014/main" xmlns="" id="{95194AC0-4DB1-4FB2-9435-A0E35585D5E8}"/>
+                <a16:creationId xmlns="" xmlns:a16="http://schemas.microsoft.com/office/drawing/2014/main" id="{95194AC0-4DB1-4FB2-9435-A0E35585D5E8}"/>
               </a:ext>
             </a:extLst>
           </p:cNvPr>
@@ -4505,7 +4528,7 @@
           <p:cNvPr id="4" name="Slide Number Placeholder 3">
             <a:extLst>
               <a:ext uri="{FF2B5EF4-FFF2-40B4-BE49-F238E27FC236}">
-                <a16:creationId xmlns:a16="http://schemas.microsoft.com/office/drawing/2014/main" xmlns="" id="{C694A819-ED1A-48B8-8D88-AF4044974888}"/>
+                <a16:creationId xmlns="" xmlns:a16="http://schemas.microsoft.com/office/drawing/2014/main" id="{C694A819-ED1A-48B8-8D88-AF4044974888}"/>
               </a:ext>
             </a:extLst>
           </p:cNvPr>
@@ -4565,7 +4588,7 @@
           <p:cNvPr id="2" name="Title 1">
             <a:extLst>
               <a:ext uri="{FF2B5EF4-FFF2-40B4-BE49-F238E27FC236}">
-                <a16:creationId xmlns:a16="http://schemas.microsoft.com/office/drawing/2014/main" xmlns="" id="{3D17F768-F0A5-4D76-8A54-4E475517A6D9}"/>
+                <a16:creationId xmlns="" xmlns:a16="http://schemas.microsoft.com/office/drawing/2014/main" id="{3D17F768-F0A5-4D76-8A54-4E475517A6D9}"/>
               </a:ext>
             </a:extLst>
           </p:cNvPr>
@@ -4593,7 +4616,7 @@
           <p:cNvPr id="6" name="Content Placeholder 5">
             <a:extLst>
               <a:ext uri="{FF2B5EF4-FFF2-40B4-BE49-F238E27FC236}">
-                <a16:creationId xmlns:a16="http://schemas.microsoft.com/office/drawing/2014/main" xmlns="" id="{507945AC-55CB-40F6-B45A-11AAABD28A31}"/>
+                <a16:creationId xmlns="" xmlns:a16="http://schemas.microsoft.com/office/drawing/2014/main" id="{507945AC-55CB-40F6-B45A-11AAABD28A31}"/>
               </a:ext>
             </a:extLst>
           </p:cNvPr>
@@ -4623,7 +4646,7 @@
                 <a:gridCol w="7772400">
                   <a:extLst>
                     <a:ext uri="{9D8B030D-6E8A-4147-A177-3AD203B41FA5}">
-                      <a16:colId xmlns:a16="http://schemas.microsoft.com/office/drawing/2014/main" xmlns="" val="1199065692"/>
+                      <a16:colId xmlns="" xmlns:a16="http://schemas.microsoft.com/office/drawing/2014/main" val="1199065692"/>
                     </a:ext>
                   </a:extLst>
                 </a:gridCol>
@@ -4644,7 +4667,7 @@
                 </a:tc>
                 <a:extLst>
                   <a:ext uri="{0D108BD9-81ED-4DB2-BD59-A6C34878D82A}">
-                    <a16:rowId xmlns:a16="http://schemas.microsoft.com/office/drawing/2014/main" xmlns="" val="1767338010"/>
+                    <a16:rowId xmlns="" xmlns:a16="http://schemas.microsoft.com/office/drawing/2014/main" val="1767338010"/>
                   </a:ext>
                 </a:extLst>
               </a:tr>
@@ -5067,7 +5090,7 @@
                 </a:tc>
                 <a:extLst>
                   <a:ext uri="{0D108BD9-81ED-4DB2-BD59-A6C34878D82A}">
-                    <a16:rowId xmlns:a16="http://schemas.microsoft.com/office/drawing/2014/main" xmlns="" val="2317173366"/>
+                    <a16:rowId xmlns="" xmlns:a16="http://schemas.microsoft.com/office/drawing/2014/main" val="2317173366"/>
                   </a:ext>
                 </a:extLst>
               </a:tr>
@@ -5080,7 +5103,7 @@
           <p:cNvPr id="4" name="Slide Number Placeholder 3">
             <a:extLst>
               <a:ext uri="{FF2B5EF4-FFF2-40B4-BE49-F238E27FC236}">
-                <a16:creationId xmlns:a16="http://schemas.microsoft.com/office/drawing/2014/main" xmlns="" id="{6C7A083D-7634-46C8-9481-4C324742DDC4}"/>
+                <a16:creationId xmlns="" xmlns:a16="http://schemas.microsoft.com/office/drawing/2014/main" id="{6C7A083D-7634-46C8-9481-4C324742DDC4}"/>
               </a:ext>
             </a:extLst>
           </p:cNvPr>
@@ -5140,7 +5163,7 @@
           <p:cNvPr id="2" name="Title 1">
             <a:extLst>
               <a:ext uri="{FF2B5EF4-FFF2-40B4-BE49-F238E27FC236}">
-                <a16:creationId xmlns:a16="http://schemas.microsoft.com/office/drawing/2014/main" xmlns="" id="{145A12D1-E99D-45BB-A29D-7897A4DF90AF}"/>
+                <a16:creationId xmlns="" xmlns:a16="http://schemas.microsoft.com/office/drawing/2014/main" id="{145A12D1-E99D-45BB-A29D-7897A4DF90AF}"/>
               </a:ext>
             </a:extLst>
           </p:cNvPr>
@@ -5168,7 +5191,7 @@
           <p:cNvPr id="3" name="Content Placeholder 2">
             <a:extLst>
               <a:ext uri="{FF2B5EF4-FFF2-40B4-BE49-F238E27FC236}">
-                <a16:creationId xmlns:a16="http://schemas.microsoft.com/office/drawing/2014/main" xmlns="" id="{ECE19EF1-1BBA-40C6-9A9E-BF1B67C2F42A}"/>
+                <a16:creationId xmlns="" xmlns:a16="http://schemas.microsoft.com/office/drawing/2014/main" id="{ECE19EF1-1BBA-40C6-9A9E-BF1B67C2F42A}"/>
               </a:ext>
             </a:extLst>
           </p:cNvPr>
@@ -5232,7 +5255,7 @@
           <p:cNvPr id="4" name="Slide Number Placeholder 3">
             <a:extLst>
               <a:ext uri="{FF2B5EF4-FFF2-40B4-BE49-F238E27FC236}">
-                <a16:creationId xmlns:a16="http://schemas.microsoft.com/office/drawing/2014/main" xmlns="" id="{10327B5A-91B2-4FB2-BDA9-E5AFB948190E}"/>
+                <a16:creationId xmlns="" xmlns:a16="http://schemas.microsoft.com/office/drawing/2014/main" id="{10327B5A-91B2-4FB2-BDA9-E5AFB948190E}"/>
               </a:ext>
             </a:extLst>
           </p:cNvPr>
@@ -5262,7 +5285,7 @@
           <p:cNvPr id="6" name="Picture 5">
             <a:extLst>
               <a:ext uri="{FF2B5EF4-FFF2-40B4-BE49-F238E27FC236}">
-                <a16:creationId xmlns:a16="http://schemas.microsoft.com/office/drawing/2014/main" xmlns="" id="{FE4EADA9-437D-498D-936A-664D2F0BCE60}"/>
+                <a16:creationId xmlns="" xmlns:a16="http://schemas.microsoft.com/office/drawing/2014/main" id="{FE4EADA9-437D-498D-936A-664D2F0BCE60}"/>
               </a:ext>
             </a:extLst>
           </p:cNvPr>
@@ -5292,7 +5315,7 @@
           <p:cNvPr id="7" name="Picture 6">
             <a:extLst>
               <a:ext uri="{FF2B5EF4-FFF2-40B4-BE49-F238E27FC236}">
-                <a16:creationId xmlns:a16="http://schemas.microsoft.com/office/drawing/2014/main" xmlns="" id="{7AA2459E-F688-49E3-9190-F9EA5FAB2128}"/>
+                <a16:creationId xmlns="" xmlns:a16="http://schemas.microsoft.com/office/drawing/2014/main" id="{7AA2459E-F688-49E3-9190-F9EA5FAB2128}"/>
               </a:ext>
             </a:extLst>
           </p:cNvPr>
@@ -5352,7 +5375,7 @@
           <p:cNvPr id="2" name="Title 1">
             <a:extLst>
               <a:ext uri="{FF2B5EF4-FFF2-40B4-BE49-F238E27FC236}">
-                <a16:creationId xmlns:a16="http://schemas.microsoft.com/office/drawing/2014/main" xmlns="" id="{C7F2410F-D49B-4B27-9DED-F96765AD5D00}"/>
+                <a16:creationId xmlns="" xmlns:a16="http://schemas.microsoft.com/office/drawing/2014/main" id="{C7F2410F-D49B-4B27-9DED-F96765AD5D00}"/>
               </a:ext>
             </a:extLst>
           </p:cNvPr>
@@ -5380,7 +5403,7 @@
           <p:cNvPr id="3" name="Content Placeholder 2">
             <a:extLst>
               <a:ext uri="{FF2B5EF4-FFF2-40B4-BE49-F238E27FC236}">
-                <a16:creationId xmlns:a16="http://schemas.microsoft.com/office/drawing/2014/main" xmlns="" id="{FA3F6EBF-5959-4CC3-9E8E-AA3D7EAD9023}"/>
+                <a16:creationId xmlns="" xmlns:a16="http://schemas.microsoft.com/office/drawing/2014/main" id="{FA3F6EBF-5959-4CC3-9E8E-AA3D7EAD9023}"/>
               </a:ext>
             </a:extLst>
           </p:cNvPr>
@@ -5401,11 +5424,7 @@
             </a:pPr>
             <a:r>
               <a:rPr lang="en-US" altLang="zh-CN" dirty="0" smtClean="0"/>
-              <a:t>Preload </a:t>
-            </a:r>
-            <a:r>
-              <a:rPr lang="en-US" altLang="zh-CN" dirty="0" smtClean="0"/>
-              <a:t>  - </a:t>
+              <a:t>Preload   - </a:t>
             </a:r>
             <a:r>
               <a:rPr lang="zh-TW" altLang="en-US" dirty="0" smtClean="0"/>
@@ -5521,7 +5540,7 @@
           <p:cNvPr id="4" name="Slide Number Placeholder 3">
             <a:extLst>
               <a:ext uri="{FF2B5EF4-FFF2-40B4-BE49-F238E27FC236}">
-                <a16:creationId xmlns:a16="http://schemas.microsoft.com/office/drawing/2014/main" xmlns="" id="{C299F954-E019-4723-97BF-A86279FEDB6C}"/>
+                <a16:creationId xmlns="" xmlns:a16="http://schemas.microsoft.com/office/drawing/2014/main" id="{C299F954-E019-4723-97BF-A86279FEDB6C}"/>
               </a:ext>
             </a:extLst>
           </p:cNvPr>
@@ -5581,7 +5600,7 @@
           <p:cNvPr id="2" name="Title 1">
             <a:extLst>
               <a:ext uri="{FF2B5EF4-FFF2-40B4-BE49-F238E27FC236}">
-                <a16:creationId xmlns:a16="http://schemas.microsoft.com/office/drawing/2014/main" xmlns="" id="{EEFBBC0D-0678-4811-BD95-551E2FD100B2}"/>
+                <a16:creationId xmlns="" xmlns:a16="http://schemas.microsoft.com/office/drawing/2014/main" id="{EEFBBC0D-0678-4811-BD95-551E2FD100B2}"/>
               </a:ext>
             </a:extLst>
           </p:cNvPr>
@@ -5609,7 +5628,7 @@
           <p:cNvPr id="3" name="Content Placeholder 2">
             <a:extLst>
               <a:ext uri="{FF2B5EF4-FFF2-40B4-BE49-F238E27FC236}">
-                <a16:creationId xmlns:a16="http://schemas.microsoft.com/office/drawing/2014/main" xmlns="" id="{1396964D-8F0E-402D-9946-096D3E300EBF}"/>
+                <a16:creationId xmlns="" xmlns:a16="http://schemas.microsoft.com/office/drawing/2014/main" id="{1396964D-8F0E-402D-9946-096D3E300EBF}"/>
               </a:ext>
             </a:extLst>
           </p:cNvPr>
@@ -5663,27 +5682,19 @@
             <a:pPr marL="0" indent="0">
               <a:buNone/>
             </a:pPr>
-            <a:endParaRPr lang="en-US" altLang="zh-TW" sz="1600" dirty="0"/>
-          </a:p>
-          <a:p>
-            <a:pPr marL="0" indent="0">
-              <a:buNone/>
-            </a:pPr>
-            <a:r>
-              <a:rPr lang="en-US" sz="1600" dirty="0" err="1"/>
-              <a:t>PreloadAllModules</a:t>
-            </a:r>
-            <a:endParaRPr lang="en-US" sz="1600" dirty="0">
-              <a:hlinkClick r:id="rId3"/>
-            </a:endParaRPr>
-          </a:p>
-          <a:p>
-            <a:pPr marL="0" indent="0">
-              <a:buNone/>
-            </a:pPr>
+            <a:endParaRPr lang="en-US" sz="1600" dirty="0" smtClean="0"/>
+          </a:p>
+          <a:p>
+            <a:pPr marL="0" indent="0">
+              <a:buNone/>
+            </a:pPr>
+            <a:r>
+              <a:rPr lang="en-US" altLang="zh-TW" sz="1600" dirty="0" smtClean="0"/>
+              <a:t>P.S</a:t>
+            </a:r>
             <a:r>
               <a:rPr lang="en-US" altLang="zh-TW" sz="1600" dirty="0"/>
-              <a:t>P.S. To load a feature module, we need to use </a:t>
+              <a:t>. To load a feature module, we need to use </a:t>
             </a:r>
             <a:r>
               <a:rPr lang="en-US" altLang="zh-TW" sz="1600" dirty="0" err="1"/>
@@ -5691,8 +5702,120 @@
             </a:r>
             <a:r>
               <a:rPr lang="en-US" altLang="zh-TW" sz="1600" dirty="0"/>
-              <a:t> in application routing module</a:t>
-            </a:r>
+              <a:t> in application routing </a:t>
+            </a:r>
+            <a:r>
+              <a:rPr lang="en-US" altLang="zh-TW" sz="1600" dirty="0" smtClean="0"/>
+              <a:t>module</a:t>
+            </a:r>
+          </a:p>
+          <a:p>
+            <a:pPr marL="0" indent="0">
+              <a:buNone/>
+            </a:pPr>
+            <a:endParaRPr lang="en-US" altLang="zh-TW" sz="1600" dirty="0"/>
+          </a:p>
+          <a:p>
+            <a:pPr marL="0" indent="0">
+              <a:buNone/>
+            </a:pPr>
+            <a:endParaRPr lang="en-US" altLang="zh-TW" sz="1600" dirty="0" smtClean="0"/>
+          </a:p>
+          <a:p>
+            <a:pPr marL="0" indent="0">
+              <a:buNone/>
+            </a:pPr>
+            <a:r>
+              <a:rPr lang="en-US" altLang="zh-TW" sz="1600" dirty="0" smtClean="0"/>
+              <a:t>Step 1</a:t>
+            </a:r>
+          </a:p>
+          <a:p>
+            <a:pPr marL="0" indent="0">
+              <a:buNone/>
+            </a:pPr>
+            <a:r>
+              <a:rPr lang="en-US" altLang="zh-TW" sz="1600" b="0" dirty="0" err="1" smtClean="0"/>
+              <a:t>loadChildren</a:t>
+            </a:r>
+            <a:r>
+              <a:rPr lang="en-US" altLang="zh-TW" sz="1600" b="0" dirty="0" smtClean="0"/>
+              <a:t> </a:t>
+            </a:r>
+            <a:r>
+              <a:rPr lang="en-US" altLang="zh-TW" sz="1600" b="0" dirty="0"/>
+              <a:t>: () =&gt; import('././components/prefetch2/prefetch2.module').then(mod =&gt; mod.Prefetch2Module), data:{ </a:t>
+            </a:r>
+            <a:r>
+              <a:rPr lang="en-US" altLang="zh-TW" sz="1600" b="0" dirty="0" err="1"/>
+              <a:t>preload:true</a:t>
+            </a:r>
+            <a:r>
+              <a:rPr lang="en-US" altLang="zh-TW" sz="1600" b="0" dirty="0"/>
+              <a:t> } </a:t>
+            </a:r>
+            <a:endParaRPr lang="en-US" altLang="zh-TW" sz="1600" b="0" dirty="0" smtClean="0"/>
+          </a:p>
+          <a:p>
+            <a:pPr marL="0" indent="0">
+              <a:buNone/>
+            </a:pPr>
+            <a:endParaRPr lang="en-US" altLang="zh-TW" sz="1600" smtClean="0"/>
+          </a:p>
+          <a:p>
+            <a:pPr marL="0" indent="0">
+              <a:buNone/>
+            </a:pPr>
+            <a:r>
+              <a:rPr lang="en-US" altLang="zh-TW" sz="1600" smtClean="0"/>
+              <a:t>Step2</a:t>
+            </a:r>
+            <a:endParaRPr lang="en-US" altLang="zh-TW" sz="1600" dirty="0"/>
+          </a:p>
+          <a:p>
+            <a:pPr marL="0" indent="0">
+              <a:buNone/>
+            </a:pPr>
+            <a:endParaRPr lang="en-US" altLang="zh-TW" sz="1600" dirty="0" smtClean="0"/>
+          </a:p>
+          <a:p>
+            <a:pPr marL="0" indent="0">
+              <a:buNone/>
+            </a:pPr>
+            <a:r>
+              <a:rPr lang="en-US" altLang="zh-TW" sz="1600" b="0" dirty="0"/>
+              <a:t>imports: [</a:t>
+            </a:r>
+            <a:r>
+              <a:rPr lang="en-US" altLang="zh-TW" sz="1600" b="0" dirty="0" err="1"/>
+              <a:t>RouterModule.forRoot</a:t>
+            </a:r>
+            <a:r>
+              <a:rPr lang="en-US" altLang="zh-TW" sz="1600" b="0" dirty="0"/>
+              <a:t>(routes, {</a:t>
+            </a:r>
+            <a:r>
+              <a:rPr lang="en-US" altLang="zh-TW" sz="1600" b="0" dirty="0" err="1"/>
+              <a:t>preloadingStrategy</a:t>
+            </a:r>
+            <a:r>
+              <a:rPr lang="en-US" altLang="zh-TW" sz="1600" b="0" dirty="0"/>
+              <a:t>: </a:t>
+            </a:r>
+            <a:r>
+              <a:rPr lang="en-US" altLang="zh-TW" sz="1600" b="0" dirty="0" err="1"/>
+              <a:t>QuicklinkStrategy</a:t>
+            </a:r>
+            <a:r>
+              <a:rPr lang="en-US" altLang="zh-TW" sz="1600" b="0" dirty="0"/>
+              <a:t> })],</a:t>
+            </a:r>
+          </a:p>
+          <a:p>
+            <a:pPr marL="0" indent="0">
+              <a:buNone/>
+            </a:pPr>
+            <a:endParaRPr lang="en-US" altLang="zh-TW" sz="1600" dirty="0"/>
           </a:p>
           <a:p>
             <a:pPr marL="0" indent="0">
@@ -5701,24 +5824,6 @@
             <a:endParaRPr lang="en-US" dirty="0">
               <a:hlinkClick r:id="rId3"/>
             </a:endParaRPr>
-          </a:p>
-          <a:p>
-            <a:pPr marL="0" indent="0">
-              <a:buNone/>
-            </a:pPr>
-            <a:r>
-              <a:rPr lang="en-US" dirty="0">
-                <a:hlinkClick r:id="rId3"/>
-              </a:rPr>
-              <a:t>https://www.cnblogs.com/haogj/p/7649707.html</a:t>
-            </a:r>
-            <a:endParaRPr lang="en-US" dirty="0"/>
-          </a:p>
-          <a:p>
-            <a:pPr marL="0" indent="0">
-              <a:buNone/>
-            </a:pPr>
-            <a:endParaRPr lang="en-US" dirty="0"/>
           </a:p>
           <a:p>
             <a:pPr marL="0" indent="0">
@@ -5733,7 +5838,7 @@
           <p:cNvPr id="4" name="Slide Number Placeholder 3">
             <a:extLst>
               <a:ext uri="{FF2B5EF4-FFF2-40B4-BE49-F238E27FC236}">
-                <a16:creationId xmlns:a16="http://schemas.microsoft.com/office/drawing/2014/main" xmlns="" id="{FB3AF34E-9A6B-4083-AEE7-B89599F8FC84}"/>
+                <a16:creationId xmlns="" xmlns:a16="http://schemas.microsoft.com/office/drawing/2014/main" id="{FB3AF34E-9A6B-4083-AEE7-B89599F8FC84}"/>
               </a:ext>
             </a:extLst>
           </p:cNvPr>
@@ -6039,7 +6144,7 @@
           <p:cNvPr id="2" name="Title 1">
             <a:extLst>
               <a:ext uri="{FF2B5EF4-FFF2-40B4-BE49-F238E27FC236}">
-                <a16:creationId xmlns:a16="http://schemas.microsoft.com/office/drawing/2014/main" xmlns="" id="{7729164E-67EC-4794-B348-F6DDCA9C28D8}"/>
+                <a16:creationId xmlns="" xmlns:a16="http://schemas.microsoft.com/office/drawing/2014/main" id="{7729164E-67EC-4794-B348-F6DDCA9C28D8}"/>
               </a:ext>
             </a:extLst>
           </p:cNvPr>
@@ -6067,7 +6172,7 @@
           <p:cNvPr id="3" name="Content Placeholder 2">
             <a:extLst>
               <a:ext uri="{FF2B5EF4-FFF2-40B4-BE49-F238E27FC236}">
-                <a16:creationId xmlns:a16="http://schemas.microsoft.com/office/drawing/2014/main" xmlns="" id="{41B9E139-1138-4192-A779-90DAAD95534B}"/>
+                <a16:creationId xmlns="" xmlns:a16="http://schemas.microsoft.com/office/drawing/2014/main" id="{41B9E139-1138-4192-A779-90DAAD95534B}"/>
               </a:ext>
             </a:extLst>
           </p:cNvPr>
@@ -6103,7 +6208,7 @@
           <p:cNvPr id="4" name="Slide Number Placeholder 3">
             <a:extLst>
               <a:ext uri="{FF2B5EF4-FFF2-40B4-BE49-F238E27FC236}">
-                <a16:creationId xmlns:a16="http://schemas.microsoft.com/office/drawing/2014/main" xmlns="" id="{0B59A355-6DED-46D5-A8B8-4AAEDE751E70}"/>
+                <a16:creationId xmlns="" xmlns:a16="http://schemas.microsoft.com/office/drawing/2014/main" id="{0B59A355-6DED-46D5-A8B8-4AAEDE751E70}"/>
               </a:ext>
             </a:extLst>
           </p:cNvPr>
@@ -6991,21 +7096,6 @@
 </file>
 
 <file path=customXml/item1.xml><?xml version="1.0" encoding="utf-8"?>
-<?mso-contentType ?>
-<FormTemplates xmlns="http://schemas.microsoft.com/sharepoint/v3/contenttype/forms">
-  <Display>DocumentLibraryForm</Display>
-  <Edit>DocumentLibraryForm</Edit>
-  <New>DocumentLibraryForm</New>
-</FormTemplates>
-</file>
-
-<file path=customXml/item2.xml><?xml version="1.0" encoding="utf-8"?>
-<p:properties xmlns:p="http://schemas.microsoft.com/office/2006/metadata/properties" xmlns:xsi="http://www.w3.org/2001/XMLSchema-instance">
-  <documentManagement/>
-</p:properties>
-</file>
-
-<file path=customXml/item3.xml><?xml version="1.0" encoding="utf-8"?>
 <ct:contentTypeSchema xmlns:ct="http://schemas.microsoft.com/office/2006/metadata/contentType" xmlns:ma="http://schemas.microsoft.com/office/2006/metadata/properties/metaAttributes" ct:_="" ma:_="" ma:contentTypeName="Document" ma:contentTypeID="0x0101005A68C01194ECFA40BC8A96216368DABD" ma:contentTypeVersion="0" ma:contentTypeDescription="Create a new document." ma:contentTypeScope="" ma:versionID="85454c0b708a8704c4fb1830e201d0a8">
   <xsd:schema xmlns:xsd="http://www.w3.org/2001/XMLSchema" xmlns:p="http://schemas.microsoft.com/office/2006/metadata/properties" targetNamespace="http://schemas.microsoft.com/office/2006/metadata/properties" ma:root="true" ma:fieldsID="4aeb20c0e3442673af7ee10786458764">
     <xsd:element name="properties">
@@ -7054,10 +7144,32 @@
 </ct:contentTypeSchema>
 </file>
 
+<file path=customXml/item2.xml><?xml version="1.0" encoding="utf-8"?>
+<p:properties xmlns:p="http://schemas.microsoft.com/office/2006/metadata/properties" xmlns:xsi="http://www.w3.org/2001/XMLSchema-instance">
+  <documentManagement/>
+</p:properties>
+</file>
+
+<file path=customXml/item3.xml><?xml version="1.0" encoding="utf-8"?>
+<?mso-contentType ?>
+<FormTemplates xmlns="http://schemas.microsoft.com/sharepoint/v3/contenttype/forms">
+  <Display>DocumentLibraryForm</Display>
+  <Edit>DocumentLibraryForm</Edit>
+  <New>DocumentLibraryForm</New>
+</FormTemplates>
+</file>
+
 <file path=customXml/itemProps1.xml><?xml version="1.0" encoding="utf-8"?>
-<ds:datastoreItem xmlns:ds="http://schemas.openxmlformats.org/officeDocument/2006/customXml" ds:itemID="{19046636-0DFE-4791-8294-88FA6F02A45A}">
+<ds:datastoreItem xmlns:ds="http://schemas.openxmlformats.org/officeDocument/2006/customXml" ds:itemID="{002BD1C4-E85C-4940-BCB3-E960ED1A4E9F}">
   <ds:schemaRefs>
-    <ds:schemaRef ds:uri="http://schemas.microsoft.com/sharepoint/v3/contenttype/forms"/>
+    <ds:schemaRef ds:uri="http://schemas.microsoft.com/office/2006/metadata/contentType"/>
+    <ds:schemaRef ds:uri="http://schemas.microsoft.com/office/2006/metadata/properties/metaAttributes"/>
+    <ds:schemaRef ds:uri="http://www.w3.org/2001/XMLSchema"/>
+    <ds:schemaRef ds:uri="http://schemas.microsoft.com/office/2006/metadata/properties"/>
+    <ds:schemaRef ds:uri="http://schemas.openxmlformats.org/package/2006/metadata/core-properties"/>
+    <ds:schemaRef ds:uri="http://purl.org/dc/elements/1.1/"/>
+    <ds:schemaRef ds:uri="http://purl.org/dc/terms/"/>
+    <ds:schemaRef ds:uri="http://schemas.microsoft.com/office/internal/2005/internalDocumentation"/>
   </ds:schemaRefs>
 </ds:datastoreItem>
 </file>
@@ -7077,16 +7189,9 @@
 </file>
 
 <file path=customXml/itemProps3.xml><?xml version="1.0" encoding="utf-8"?>
-<ds:datastoreItem xmlns:ds="http://schemas.openxmlformats.org/officeDocument/2006/customXml" ds:itemID="{002BD1C4-E85C-4940-BCB3-E960ED1A4E9F}">
+<ds:datastoreItem xmlns:ds="http://schemas.openxmlformats.org/officeDocument/2006/customXml" ds:itemID="{19046636-0DFE-4791-8294-88FA6F02A45A}">
   <ds:schemaRefs>
-    <ds:schemaRef ds:uri="http://schemas.microsoft.com/office/2006/metadata/contentType"/>
-    <ds:schemaRef ds:uri="http://schemas.microsoft.com/office/2006/metadata/properties/metaAttributes"/>
-    <ds:schemaRef ds:uri="http://www.w3.org/2001/XMLSchema"/>
-    <ds:schemaRef ds:uri="http://schemas.microsoft.com/office/2006/metadata/properties"/>
-    <ds:schemaRef ds:uri="http://schemas.openxmlformats.org/package/2006/metadata/core-properties"/>
-    <ds:schemaRef ds:uri="http://purl.org/dc/elements/1.1/"/>
-    <ds:schemaRef ds:uri="http://purl.org/dc/terms/"/>
-    <ds:schemaRef ds:uri="http://schemas.microsoft.com/office/internal/2005/internalDocumentation"/>
+    <ds:schemaRef ds:uri="http://schemas.microsoft.com/sharepoint/v3/contenttype/forms"/>
   </ds:schemaRefs>
 </ds:datastoreItem>
 </file>
--- a/ppt/angular_performance.pptx
+++ b/ppt/angular_performance.pptx
@@ -12,9 +12,9 @@
   </p:handoutMasterIdLst>
   <p:sldIdLst>
     <p:sldId id="378" r:id="rId5"/>
-    <p:sldId id="442" r:id="rId6"/>
-    <p:sldId id="440" r:id="rId7"/>
-    <p:sldId id="439" r:id="rId8"/>
+    <p:sldId id="440" r:id="rId6"/>
+    <p:sldId id="439" r:id="rId7"/>
+    <p:sldId id="442" r:id="rId8"/>
     <p:sldId id="445" r:id="rId9"/>
     <p:sldId id="449" r:id="rId10"/>
     <p:sldId id="448" r:id="rId11"/>
@@ -236,7 +236,7 @@
             <a:fld id="{3CDD3A71-4C75-488C-A8F3-A1F163ED0DB9}" type="datetimeFigureOut">
               <a:rPr lang="en-US" smtClean="0"/>
               <a:pPr/>
-              <a:t>7/31/2019</a:t>
+              <a:t>8/1/2019</a:t>
             </a:fld>
             <a:endParaRPr lang="en-US"/>
           </a:p>
@@ -404,7 +404,7 @@
             <a:fld id="{523CC419-8FB3-4D1C-8127-E63C1A13459D}" type="datetimeFigureOut">
               <a:rPr lang="en-US" smtClean="0"/>
               <a:pPr/>
-              <a:t>7/31/2019</a:t>
+              <a:t>8/1/2019</a:t>
             </a:fld>
             <a:endParaRPr lang="en-US"/>
           </a:p>
@@ -719,12 +719,348 @@
           <a:bodyPr/>
           <a:lstStyle/>
           <a:p>
+            <a:endParaRPr lang="en-US" altLang="zh-TW" sz="1200" b="0" i="0" kern="1200" dirty="0" smtClean="0">
+              <a:solidFill>
+                <a:schemeClr val="tx1"/>
+              </a:solidFill>
+              <a:effectLst/>
+              <a:latin typeface="+mn-lt"/>
+              <a:ea typeface="+mn-ea"/>
+              <a:cs typeface="+mn-cs"/>
+            </a:endParaRPr>
+          </a:p>
+          <a:p>
+            <a:r>
+              <a:rPr lang="zh-TW" altLang="en-US" sz="1200" b="0" i="0" kern="1200" dirty="0" smtClean="0">
+                <a:solidFill>
+                  <a:schemeClr val="tx1"/>
+                </a:solidFill>
+                <a:effectLst/>
+                <a:latin typeface="+mn-lt"/>
+                <a:ea typeface="+mn-ea"/>
+                <a:cs typeface="+mn-cs"/>
+              </a:rPr>
+              <a:t>許多人會對</a:t>
+            </a:r>
+            <a:r>
+              <a:rPr lang="en-US" altLang="zh-TW" sz="1200" b="0" i="0" kern="1200" dirty="0" err="1" smtClean="0">
+                <a:solidFill>
+                  <a:schemeClr val="tx1"/>
+                </a:solidFill>
+                <a:effectLst/>
+                <a:latin typeface="+mn-lt"/>
+                <a:ea typeface="+mn-ea"/>
+                <a:cs typeface="+mn-cs"/>
+              </a:rPr>
+              <a:t>aot</a:t>
+            </a:r>
+            <a:r>
+              <a:rPr lang="zh-TW" altLang="en-US" sz="1200" b="0" i="0" kern="1200" dirty="0" smtClean="0">
+                <a:solidFill>
+                  <a:schemeClr val="tx1"/>
+                </a:solidFill>
+                <a:effectLst/>
+                <a:latin typeface="+mn-lt"/>
+                <a:ea typeface="+mn-ea"/>
+                <a:cs typeface="+mn-cs"/>
+              </a:rPr>
+              <a:t>有錯誤的認知，他會幫忙程式混淆、消除</a:t>
+            </a:r>
+            <a:endParaRPr lang="en-US" altLang="zh-TW" sz="1200" b="0" i="0" kern="1200" dirty="0" smtClean="0">
+              <a:solidFill>
+                <a:schemeClr val="tx1"/>
+              </a:solidFill>
+              <a:effectLst/>
+              <a:latin typeface="+mn-lt"/>
+              <a:ea typeface="+mn-ea"/>
+              <a:cs typeface="+mn-cs"/>
+            </a:endParaRPr>
+          </a:p>
+          <a:p>
+            <a:endParaRPr lang="en-US" altLang="zh-TW" sz="1200" b="0" i="0" kern="1200" dirty="0" smtClean="0">
+              <a:solidFill>
+                <a:schemeClr val="tx1"/>
+              </a:solidFill>
+              <a:effectLst/>
+              <a:latin typeface="+mn-lt"/>
+              <a:ea typeface="+mn-ea"/>
+              <a:cs typeface="+mn-cs"/>
+            </a:endParaRPr>
+          </a:p>
+          <a:p>
+            <a:endParaRPr lang="en-US" altLang="zh-TW" sz="1200" b="0" i="0" kern="1200" dirty="0" smtClean="0">
+              <a:solidFill>
+                <a:schemeClr val="tx1"/>
+              </a:solidFill>
+              <a:effectLst/>
+              <a:latin typeface="+mn-lt"/>
+              <a:ea typeface="+mn-ea"/>
+              <a:cs typeface="+mn-cs"/>
+            </a:endParaRPr>
+          </a:p>
+          <a:p>
+            <a:r>
+              <a:rPr lang="en-US" altLang="zh-TW" sz="1200" b="0" i="0" kern="1200" dirty="0" smtClean="0">
+                <a:solidFill>
+                  <a:schemeClr val="tx1"/>
+                </a:solidFill>
+                <a:effectLst/>
+                <a:latin typeface="+mn-lt"/>
+                <a:ea typeface="+mn-ea"/>
+                <a:cs typeface="+mn-cs"/>
+              </a:rPr>
+              <a:t>Tree-shaking </a:t>
+            </a:r>
+            <a:r>
+              <a:rPr lang="zh-TW" altLang="en-US" sz="1200" b="0" i="0" kern="1200" dirty="0" smtClean="0">
+                <a:solidFill>
+                  <a:schemeClr val="tx1"/>
+                </a:solidFill>
+                <a:effectLst/>
+                <a:latin typeface="+mn-lt"/>
+                <a:ea typeface="+mn-ea"/>
+                <a:cs typeface="+mn-cs"/>
+              </a:rPr>
+              <a:t>的本意，本文所说的前端中的</a:t>
+            </a:r>
+            <a:r>
+              <a:rPr lang="en-US" altLang="zh-TW" sz="1200" b="0" i="0" kern="1200" dirty="0" smtClean="0">
+                <a:solidFill>
+                  <a:schemeClr val="tx1"/>
+                </a:solidFill>
+                <a:effectLst/>
+                <a:latin typeface="+mn-lt"/>
+                <a:ea typeface="+mn-ea"/>
+                <a:cs typeface="+mn-cs"/>
+              </a:rPr>
+              <a:t>tree-shaking</a:t>
+            </a:r>
+            <a:r>
+              <a:rPr lang="zh-TW" altLang="en-US" sz="1200" b="0" i="0" kern="1200" dirty="0" smtClean="0">
+                <a:solidFill>
+                  <a:schemeClr val="tx1"/>
+                </a:solidFill>
+                <a:effectLst/>
+                <a:latin typeface="+mn-lt"/>
+                <a:ea typeface="+mn-ea"/>
+                <a:cs typeface="+mn-cs"/>
+              </a:rPr>
+              <a:t>可以理解为通过工具</a:t>
+            </a:r>
+            <a:r>
+              <a:rPr lang="en-US" altLang="zh-TW" sz="1200" b="0" i="0" kern="1200" dirty="0" smtClean="0">
+                <a:solidFill>
+                  <a:schemeClr val="tx1"/>
+                </a:solidFill>
+                <a:effectLst/>
+                <a:latin typeface="+mn-lt"/>
+                <a:ea typeface="+mn-ea"/>
+                <a:cs typeface="+mn-cs"/>
+              </a:rPr>
+              <a:t>"</a:t>
+            </a:r>
+            <a:r>
+              <a:rPr lang="zh-TW" altLang="en-US" sz="1200" b="0" i="0" kern="1200" dirty="0" smtClean="0">
+                <a:solidFill>
+                  <a:schemeClr val="tx1"/>
+                </a:solidFill>
+                <a:effectLst/>
+                <a:latin typeface="+mn-lt"/>
+                <a:ea typeface="+mn-ea"/>
+                <a:cs typeface="+mn-cs"/>
+              </a:rPr>
+              <a:t>摇</a:t>
+            </a:r>
+            <a:r>
+              <a:rPr lang="en-US" altLang="zh-TW" sz="1200" b="0" i="0" kern="1200" dirty="0" smtClean="0">
+                <a:solidFill>
+                  <a:schemeClr val="tx1"/>
+                </a:solidFill>
+                <a:effectLst/>
+                <a:latin typeface="+mn-lt"/>
+                <a:ea typeface="+mn-ea"/>
+                <a:cs typeface="+mn-cs"/>
+              </a:rPr>
+              <a:t>"</a:t>
+            </a:r>
+            <a:r>
+              <a:rPr lang="zh-TW" altLang="en-US" sz="1200" b="0" i="0" kern="1200" dirty="0" smtClean="0">
+                <a:solidFill>
+                  <a:schemeClr val="tx1"/>
+                </a:solidFill>
+                <a:effectLst/>
+                <a:latin typeface="+mn-lt"/>
+                <a:ea typeface="+mn-ea"/>
+                <a:cs typeface="+mn-cs"/>
+              </a:rPr>
+              <a:t>我们的</a:t>
+            </a:r>
+            <a:r>
+              <a:rPr lang="en-US" altLang="zh-TW" sz="1200" b="0" i="0" kern="1200" dirty="0" smtClean="0">
+                <a:solidFill>
+                  <a:schemeClr val="tx1"/>
+                </a:solidFill>
+                <a:effectLst/>
+                <a:latin typeface="+mn-lt"/>
+                <a:ea typeface="+mn-ea"/>
+                <a:cs typeface="+mn-cs"/>
+              </a:rPr>
+              <a:t>JS</a:t>
+            </a:r>
+            <a:r>
+              <a:rPr lang="zh-TW" altLang="en-US" sz="1200" b="0" i="0" kern="1200" dirty="0" smtClean="0">
+                <a:solidFill>
+                  <a:schemeClr val="tx1"/>
+                </a:solidFill>
+                <a:effectLst/>
+                <a:latin typeface="+mn-lt"/>
+                <a:ea typeface="+mn-ea"/>
+                <a:cs typeface="+mn-cs"/>
+              </a:rPr>
+              <a:t>文件，将其中用不到的代码</a:t>
+            </a:r>
+            <a:r>
+              <a:rPr lang="en-US" altLang="zh-TW" sz="1200" b="0" i="0" kern="1200" dirty="0" smtClean="0">
+                <a:solidFill>
+                  <a:schemeClr val="tx1"/>
+                </a:solidFill>
+                <a:effectLst/>
+                <a:latin typeface="+mn-lt"/>
+                <a:ea typeface="+mn-ea"/>
+                <a:cs typeface="+mn-cs"/>
+              </a:rPr>
+              <a:t>"</a:t>
+            </a:r>
+            <a:r>
+              <a:rPr lang="zh-TW" altLang="en-US" sz="1200" b="0" i="0" kern="1200" dirty="0" smtClean="0">
+                <a:solidFill>
+                  <a:schemeClr val="tx1"/>
+                </a:solidFill>
+                <a:effectLst/>
+                <a:latin typeface="+mn-lt"/>
+                <a:ea typeface="+mn-ea"/>
+                <a:cs typeface="+mn-cs"/>
+              </a:rPr>
+              <a:t>摇</a:t>
+            </a:r>
+            <a:r>
+              <a:rPr lang="en-US" altLang="zh-TW" sz="1200" b="0" i="0" kern="1200" dirty="0" smtClean="0">
+                <a:solidFill>
+                  <a:schemeClr val="tx1"/>
+                </a:solidFill>
+                <a:effectLst/>
+                <a:latin typeface="+mn-lt"/>
+                <a:ea typeface="+mn-ea"/>
+                <a:cs typeface="+mn-cs"/>
+              </a:rPr>
+              <a:t>"</a:t>
+            </a:r>
+            <a:r>
+              <a:rPr lang="zh-TW" altLang="en-US" sz="1200" b="0" i="0" kern="1200" dirty="0" smtClean="0">
+                <a:solidFill>
+                  <a:schemeClr val="tx1"/>
+                </a:solidFill>
+                <a:effectLst/>
+                <a:latin typeface="+mn-lt"/>
+                <a:ea typeface="+mn-ea"/>
+                <a:cs typeface="+mn-cs"/>
+              </a:rPr>
+              <a:t>掉</a:t>
+            </a:r>
+            <a:endParaRPr lang="en-US" altLang="zh-TW" sz="1200" b="0" i="0" kern="1200" dirty="0" smtClean="0">
+              <a:solidFill>
+                <a:schemeClr val="tx1"/>
+              </a:solidFill>
+              <a:effectLst/>
+              <a:latin typeface="+mn-lt"/>
+              <a:ea typeface="+mn-ea"/>
+              <a:cs typeface="+mn-cs"/>
+            </a:endParaRPr>
+          </a:p>
+          <a:p>
+            <a:endParaRPr lang="en-US" altLang="zh-TW" sz="1200" b="0" i="0" kern="1200" dirty="0" smtClean="0">
+              <a:solidFill>
+                <a:schemeClr val="tx1"/>
+              </a:solidFill>
+              <a:effectLst/>
+              <a:latin typeface="+mn-lt"/>
+              <a:ea typeface="+mn-ea"/>
+              <a:cs typeface="+mn-cs"/>
+            </a:endParaRPr>
+          </a:p>
+          <a:p>
+            <a:r>
+              <a:rPr lang="en-US" altLang="zh-TW" dirty="0" smtClean="0">
+                <a:hlinkClick r:id="rId3"/>
+              </a:rPr>
+              <a:t>https://www.syntaxsuccess.com/viewarticle/angular-build-optimizer</a:t>
+            </a:r>
+            <a:endParaRPr lang="en-US" altLang="zh-TW" dirty="0" smtClean="0"/>
+          </a:p>
+          <a:p>
+            <a:endParaRPr lang="en-US" altLang="zh-TW" sz="1200" b="0" i="0" kern="1200" dirty="0" smtClean="0">
+              <a:solidFill>
+                <a:schemeClr val="tx1"/>
+              </a:solidFill>
+              <a:effectLst/>
+              <a:latin typeface="+mn-lt"/>
+              <a:ea typeface="+mn-ea"/>
+              <a:cs typeface="+mn-cs"/>
+            </a:endParaRPr>
+          </a:p>
+          <a:p>
             <a:pPr marL="0" indent="0">
               <a:buNone/>
             </a:pPr>
             <a:r>
+              <a:rPr lang="en-US" altLang="zh-TW" b="0" dirty="0" smtClean="0"/>
+              <a:t>--</a:t>
+            </a:r>
+            <a:r>
+              <a:rPr lang="en-US" altLang="zh-TW" b="0" dirty="0" err="1" smtClean="0"/>
+              <a:t>buildOptimizer</a:t>
+            </a:r>
+            <a:r>
+              <a:rPr lang="en-US" altLang="zh-TW" b="0" dirty="0" smtClean="0"/>
+              <a:t>  (need </a:t>
+            </a:r>
+            <a:r>
+              <a:rPr lang="en-US" altLang="zh-TW" b="0" dirty="0" err="1" smtClean="0"/>
+              <a:t>aot</a:t>
+            </a:r>
+            <a:r>
+              <a:rPr lang="en-US" altLang="zh-TW" b="0" dirty="0" smtClean="0"/>
+              <a:t> ) : </a:t>
+            </a:r>
+            <a:r>
+              <a:rPr lang="en-US" altLang="zh-TW" b="0" dirty="0" err="1" smtClean="0"/>
+              <a:t>webpack</a:t>
+            </a:r>
+            <a:r>
+              <a:rPr lang="en-US" altLang="zh-TW" b="0" dirty="0" smtClean="0"/>
+              <a:t> </a:t>
+            </a:r>
+            <a:r>
               <a:rPr lang="zh-TW" altLang="en-US" b="0" dirty="0" smtClean="0"/>
-              <a:t>將所有的所使用的</a:t>
+              <a:t>優化</a:t>
+            </a:r>
+            <a:endParaRPr lang="en-US" altLang="zh-TW" b="0" dirty="0" smtClean="0"/>
+          </a:p>
+          <a:p>
+            <a:pPr marL="0" indent="0">
+              <a:buNone/>
+            </a:pPr>
+            <a:r>
+              <a:rPr lang="en-US" altLang="zh-TW" b="0" dirty="0" smtClean="0"/>
+              <a:t>-- </a:t>
+            </a:r>
+            <a:r>
+              <a:rPr lang="en-US" altLang="zh-TW" b="0" dirty="0" err="1" smtClean="0"/>
+              <a:t>vendorChunk</a:t>
+            </a:r>
+            <a:r>
+              <a:rPr lang="zh-TW" altLang="en-US" b="0" dirty="0" smtClean="0"/>
+              <a:t> 將所有的所使用的</a:t>
             </a:r>
             <a:r>
               <a:rPr lang="en-US" altLang="zh-TW" b="0" dirty="0" smtClean="0"/>
@@ -732,43 +1068,34 @@
             </a:r>
             <a:r>
               <a:rPr lang="zh-TW" altLang="en-US" b="0" dirty="0" smtClean="0"/>
-              <a:t>和許多應用綁在一起</a:t>
-            </a:r>
-            <a:endParaRPr lang="en-US" altLang="zh-TW" b="0" dirty="0" smtClean="0"/>
-          </a:p>
-          <a:p>
-            <a:pPr marL="0" indent="0">
-              <a:buNone/>
-            </a:pPr>
-            <a:r>
-              <a:rPr lang="zh-TW" altLang="en-US" b="0" dirty="0" smtClean="0"/>
-              <a:t>消除死代碼：刪除未引用的模塊和很多未使用的代碼</a:t>
-            </a:r>
-            <a:endParaRPr lang="en-US" altLang="zh-TW" b="0" dirty="0" smtClean="0"/>
-          </a:p>
-          <a:p>
-            <a:pPr marL="0" indent="0">
-              <a:buNone/>
-            </a:pPr>
-            <a:r>
-              <a:rPr lang="en-US" altLang="zh-TW" b="0" dirty="0" err="1" smtClean="0"/>
-              <a:t>Uglification</a:t>
-            </a:r>
-            <a:r>
-              <a:rPr lang="zh-TW" altLang="en-US" b="0" dirty="0" smtClean="0"/>
-              <a:t>：將變數名稱做混淆的動作。</a:t>
-            </a:r>
-            <a:endParaRPr lang="en-US" altLang="zh-TW" b="0" dirty="0" smtClean="0"/>
-          </a:p>
-          <a:p>
-            <a:pPr marL="0" indent="0">
-              <a:buNone/>
-            </a:pPr>
-            <a:r>
-              <a:rPr lang="zh-TW" altLang="en-US" b="0" dirty="0" smtClean="0"/>
-              <a:t>縮小檔案：刪除多餘的空白，註釋和可選的令牌。</a:t>
-            </a:r>
-            <a:endParaRPr lang="en-US" altLang="zh-TW" b="0" dirty="0" smtClean="0"/>
+              <a:t>和許多應用綁在一起，減少一個</a:t>
+            </a:r>
+            <a:r>
+              <a:rPr lang="en-US" altLang="zh-TW" b="0" dirty="0" smtClean="0"/>
+              <a:t>request</a:t>
+            </a:r>
+          </a:p>
+          <a:p>
+            <a:endParaRPr lang="en-US" altLang="zh-TW" sz="1200" b="0" i="0" kern="1200" dirty="0" smtClean="0">
+              <a:solidFill>
+                <a:schemeClr val="tx1"/>
+              </a:solidFill>
+              <a:effectLst/>
+              <a:latin typeface="+mn-lt"/>
+              <a:ea typeface="+mn-ea"/>
+              <a:cs typeface="+mn-cs"/>
+            </a:endParaRPr>
+          </a:p>
+          <a:p>
+            <a:endParaRPr lang="en-US" altLang="zh-TW" sz="1200" b="0" i="0" kern="1200" dirty="0" smtClean="0">
+              <a:solidFill>
+                <a:schemeClr val="tx1"/>
+              </a:solidFill>
+              <a:effectLst/>
+              <a:latin typeface="+mn-lt"/>
+              <a:ea typeface="+mn-ea"/>
+              <a:cs typeface="+mn-cs"/>
+            </a:endParaRPr>
           </a:p>
           <a:p>
             <a:endParaRPr lang="zh-TW" altLang="en-US" dirty="0"/>
@@ -832,91 +1159,100 @@
           <a:bodyPr/>
           <a:lstStyle/>
           <a:p>
-            <a:pPr marL="0" indent="0">
-              <a:buNone/>
-            </a:pPr>
-            <a:r>
-              <a:rPr lang="en-US" altLang="zh-TW" dirty="0" smtClean="0"/>
-              <a:t>example</a:t>
-            </a:r>
-          </a:p>
-          <a:p>
-            <a:pPr marL="0" indent="0">
-              <a:buNone/>
-            </a:pPr>
-            <a:r>
-              <a:rPr lang="en-US" altLang="zh-TW" dirty="0" smtClean="0"/>
-              <a:t>1.Load </a:t>
-            </a:r>
-            <a:r>
-              <a:rPr lang="en-US" altLang="zh-TW" dirty="0" err="1" smtClean="0"/>
-              <a:t>Loging</a:t>
-            </a:r>
-            <a:r>
-              <a:rPr lang="en-US" altLang="zh-TW" dirty="0" smtClean="0"/>
-              <a:t> Module </a:t>
-            </a:r>
-          </a:p>
-          <a:p>
-            <a:pPr marL="0" indent="0">
-              <a:buNone/>
-            </a:pPr>
-            <a:r>
-              <a:rPr lang="en-US" altLang="zh-TW" dirty="0" smtClean="0"/>
-              <a:t>2.Wait a 3 sec  </a:t>
-            </a:r>
-            <a:r>
-              <a:rPr lang="en-US" altLang="zh-TW" dirty="0" err="1" smtClean="0"/>
-              <a:t>PreLoad</a:t>
-            </a:r>
-            <a:r>
-              <a:rPr lang="en-US" altLang="zh-TW" dirty="0" smtClean="0"/>
-              <a:t> other Module</a:t>
-            </a:r>
-          </a:p>
-          <a:p>
-            <a:pPr marL="0" indent="0">
-              <a:buNone/>
-            </a:pPr>
-            <a:r>
-              <a:rPr lang="en-US" altLang="zh-TW" dirty="0" smtClean="0"/>
-              <a:t>(</a:t>
-            </a:r>
             <a:r>
               <a:rPr lang="zh-TW" altLang="en-US" dirty="0" smtClean="0"/>
-              <a:t>就算你沒停在這頁面切頁都會幫你</a:t>
-            </a:r>
-            <a:r>
-              <a:rPr lang="en-US" altLang="zh-TW" dirty="0" smtClean="0"/>
-              <a:t>load</a:t>
-            </a:r>
-            <a:r>
-              <a:rPr lang="en-US" altLang="zh-TW" dirty="0" smtClean="0"/>
-              <a:t>)</a:t>
-            </a:r>
-          </a:p>
-          <a:p>
-            <a:pPr marL="0" indent="0">
-              <a:buNone/>
+              <a:t>順便提到一下，其實</a:t>
+            </a:r>
+            <a:r>
+              <a:rPr lang="en-US" altLang="zh-TW" baseline="0" dirty="0" smtClean="0"/>
+              <a:t>net </a:t>
+            </a:r>
+            <a:r>
+              <a:rPr lang="en-US" altLang="zh-TW" baseline="0" dirty="0" err="1" smtClean="0"/>
+              <a:t>mvc</a:t>
+            </a:r>
+            <a:r>
+              <a:rPr lang="en-US" altLang="zh-TW" baseline="0" dirty="0" smtClean="0"/>
+              <a:t> razor </a:t>
+            </a:r>
+            <a:r>
+              <a:rPr lang="zh-TW" altLang="en-US" baseline="0" dirty="0" smtClean="0"/>
+              <a:t>的</a:t>
+            </a:r>
+            <a:r>
+              <a:rPr lang="en-US" altLang="zh-TW" baseline="0" dirty="0" smtClean="0"/>
+              <a:t>view </a:t>
+            </a:r>
+            <a:r>
+              <a:rPr lang="zh-TW" altLang="en-US" baseline="0" dirty="0" smtClean="0"/>
+              <a:t>，我們在訪問</a:t>
+            </a:r>
+            <a:r>
+              <a:rPr lang="en-US" altLang="zh-TW" baseline="0" dirty="0" smtClean="0"/>
+              <a:t>razor view </a:t>
+            </a:r>
+            <a:r>
+              <a:rPr lang="zh-TW" altLang="en-US" baseline="0" dirty="0" smtClean="0"/>
+              <a:t>時，他才會</a:t>
+            </a:r>
+            <a:r>
+              <a:rPr lang="en-US" altLang="zh-TW" baseline="0" dirty="0" smtClean="0"/>
+              <a:t>build</a:t>
+            </a:r>
+          </a:p>
+          <a:p>
+            <a:endParaRPr lang="en-US" altLang="zh-TW" baseline="0" dirty="0" smtClean="0"/>
+          </a:p>
+          <a:p>
+            <a:r>
+              <a:rPr lang="zh-TW" altLang="en-US" baseline="0" dirty="0" smtClean="0"/>
+              <a:t>在</a:t>
+            </a:r>
+            <a:r>
+              <a:rPr lang="en-US" altLang="zh-TW" baseline="0" dirty="0" smtClean="0"/>
+              <a:t>release</a:t>
+            </a:r>
+            <a:r>
+              <a:rPr lang="zh-TW" altLang="en-US" baseline="0" dirty="0" smtClean="0"/>
+              <a:t>時預先編譯檢查樣板的正確性，並加速在使用者第一次訪問時建置的時間，缺點就是</a:t>
+            </a:r>
+            <a:r>
+              <a:rPr lang="en-US" altLang="zh-TW" baseline="0" dirty="0" smtClean="0"/>
+              <a:t>release </a:t>
+            </a:r>
+            <a:r>
+              <a:rPr lang="zh-TW" altLang="en-US" baseline="0" dirty="0" smtClean="0"/>
+              <a:t>會變慢</a:t>
+            </a:r>
+            <a:endParaRPr lang="en-US" altLang="zh-TW" baseline="0" dirty="0" smtClean="0"/>
+          </a:p>
+          <a:p>
+            <a:endParaRPr lang="en-US" altLang="zh-TW" baseline="0" dirty="0" smtClean="0"/>
+          </a:p>
+          <a:p>
+            <a:pPr marL="0" marR="0" indent="0" algn="l" defTabSz="914400" rtl="0" eaLnBrk="1" fontAlgn="auto" latinLnBrk="0" hangingPunct="1">
+              <a:lnSpc>
+                <a:spcPct val="100000"/>
+              </a:lnSpc>
+              <a:spcBef>
+                <a:spcPts val="0"/>
+              </a:spcBef>
+              <a:spcAft>
+                <a:spcPts val="0"/>
+              </a:spcAft>
+              <a:buClrTx/>
+              <a:buSzTx/>
+              <a:buFontTx/>
+              <a:buNone/>
+              <a:tabLst/>
+              <a:defRPr/>
             </a:pPr>
             <a:r>
               <a:rPr lang="en-US" altLang="zh-TW" dirty="0" smtClean="0">
                 <a:hlinkClick r:id="rId3"/>
               </a:rPr>
-              <a:t>https://www.cnblogs.com/haogj/p/7649707.html</a:t>
-            </a:r>
-            <a:endParaRPr lang="en-US" altLang="zh-TW" dirty="0" smtClean="0"/>
-          </a:p>
-          <a:p>
-            <a:pPr marL="0" indent="0">
-              <a:buNone/>
-            </a:pPr>
-            <a:endParaRPr lang="en-US" altLang="zh-TW" smtClean="0"/>
-          </a:p>
-          <a:p>
-            <a:pPr marL="0" indent="0">
-              <a:buNone/>
-            </a:pPr>
+              <a:t>https://note.kimx.info/2015/10/mvc-view-precompiler.html</a:t>
+            </a:r>
             <a:endParaRPr lang="en-US" altLang="zh-TW" dirty="0" smtClean="0"/>
           </a:p>
           <a:p>
@@ -927,7 +1263,7 @@
     </p:spTree>
     <p:extLst>
       <p:ext uri="{BB962C8B-B14F-4D97-AF65-F5344CB8AC3E}">
-        <p14:creationId xmlns:p14="http://schemas.microsoft.com/office/powerpoint/2010/main" val="2888524145"/>
+        <p14:creationId xmlns:p14="http://schemas.microsoft.com/office/powerpoint/2010/main" val="3638277299"/>
       </p:ext>
     </p:extLst>
   </p:cSld>
@@ -982,6 +1318,951 @@
           <a:lstStyle/>
           <a:p>
             <a:r>
+              <a:rPr lang="en-US" altLang="zh-TW" dirty="0" smtClean="0"/>
+              <a:t>Angular </a:t>
+            </a:r>
+            <a:r>
+              <a:rPr lang="zh-TW" altLang="en-US" dirty="0" smtClean="0"/>
+              <a:t>延遲載入機制</a:t>
+            </a:r>
+            <a:endParaRPr lang="en-US" altLang="zh-TW" dirty="0" smtClean="0"/>
+          </a:p>
+          <a:p>
+            <a:r>
+              <a:rPr lang="en-US" altLang="zh-TW" dirty="0" smtClean="0"/>
+              <a:t>Angular </a:t>
+            </a:r>
+            <a:r>
+              <a:rPr lang="zh-TW" altLang="en-US" dirty="0" smtClean="0"/>
+              <a:t>在</a:t>
+            </a:r>
+            <a:r>
+              <a:rPr lang="en-US" altLang="zh-TW" dirty="0" smtClean="0"/>
+              <a:t>build</a:t>
+            </a:r>
+            <a:r>
+              <a:rPr lang="en-US" altLang="zh-TW" baseline="0" dirty="0" smtClean="0"/>
+              <a:t> </a:t>
+            </a:r>
+            <a:r>
+              <a:rPr lang="zh-TW" altLang="en-US" baseline="0" dirty="0" smtClean="0"/>
+              <a:t>時，就會產生一大包的</a:t>
+            </a:r>
+            <a:r>
+              <a:rPr lang="en-US" altLang="zh-TW" baseline="0" dirty="0" err="1" smtClean="0"/>
+              <a:t>js</a:t>
+            </a:r>
+            <a:r>
+              <a:rPr lang="zh-TW" altLang="en-US" baseline="0" dirty="0" smtClean="0"/>
+              <a:t>，但往往很多模組，是你沒有用到的當</a:t>
+            </a:r>
+            <a:endParaRPr lang="en-US" altLang="zh-TW" baseline="0" dirty="0" smtClean="0"/>
+          </a:p>
+          <a:p>
+            <a:endParaRPr lang="en-US" altLang="zh-TW" dirty="0" smtClean="0"/>
+          </a:p>
+          <a:p>
+            <a:r>
+              <a:rPr lang="en-US" altLang="zh-TW" dirty="0" smtClean="0"/>
+              <a:t>Ng</a:t>
+            </a:r>
+            <a:r>
+              <a:rPr lang="en-US" altLang="zh-TW" baseline="0" dirty="0" smtClean="0"/>
+              <a:t> cli </a:t>
+            </a:r>
+            <a:r>
+              <a:rPr lang="zh-TW" altLang="en-US" baseline="0" dirty="0" smtClean="0"/>
+              <a:t>在</a:t>
+            </a:r>
+            <a:r>
+              <a:rPr lang="en-US" altLang="zh-TW" baseline="0" dirty="0" smtClean="0"/>
+              <a:t>build </a:t>
+            </a:r>
+            <a:r>
+              <a:rPr lang="zh-TW" altLang="en-US" baseline="0" dirty="0" smtClean="0"/>
+              <a:t>時就會將模組切割，當你觸發到那</a:t>
+            </a:r>
+            <a:endParaRPr lang="zh-TW" altLang="en-US" dirty="0"/>
+          </a:p>
+        </p:txBody>
+      </p:sp>
+    </p:spTree>
+    <p:extLst>
+      <p:ext uri="{BB962C8B-B14F-4D97-AF65-F5344CB8AC3E}">
+        <p14:creationId xmlns:p14="http://schemas.microsoft.com/office/powerpoint/2010/main" val="229243256"/>
+      </p:ext>
+    </p:extLst>
+  </p:cSld>
+  <p:clrMapOvr>
+    <a:masterClrMapping/>
+  </p:clrMapOvr>
+</p:notes>
+</file>
+
+<file path=ppt/notesSlides/notesSlide4.xml><?xml version="1.0" encoding="utf-8"?>
+<p:notes xmlns:a="http://schemas.openxmlformats.org/drawingml/2006/main" xmlns:r="http://schemas.openxmlformats.org/officeDocument/2006/relationships" xmlns:p="http://schemas.openxmlformats.org/presentationml/2006/main">
+  <p:cSld>
+    <p:spTree>
+      <p:nvGrpSpPr>
+        <p:cNvPr id="1" name=""/>
+        <p:cNvGrpSpPr/>
+        <p:nvPr/>
+      </p:nvGrpSpPr>
+      <p:grpSpPr>
+        <a:xfrm>
+          <a:off x="0" y="0"/>
+          <a:ext cx="0" cy="0"/>
+          <a:chOff x="0" y="0"/>
+          <a:chExt cx="0" cy="0"/>
+        </a:xfrm>
+      </p:grpSpPr>
+      <p:sp>
+        <p:nvSpPr>
+          <p:cNvPr id="2" name="投影片圖像版面配置區 1"/>
+          <p:cNvSpPr>
+            <a:spLocks noGrp="1" noRot="1" noChangeAspect="1"/>
+          </p:cNvSpPr>
+          <p:nvPr>
+            <p:ph type="sldImg"/>
+          </p:nvPr>
+        </p:nvSpPr>
+        <p:spPr/>
+      </p:sp>
+      <p:sp>
+        <p:nvSpPr>
+          <p:cNvPr id="3" name="備忘稿版面配置區 2"/>
+          <p:cNvSpPr>
+            <a:spLocks noGrp="1"/>
+          </p:cNvSpPr>
+          <p:nvPr>
+            <p:ph type="body" idx="1"/>
+          </p:nvPr>
+        </p:nvSpPr>
+        <p:spPr/>
+        <p:txBody>
+          <a:bodyPr/>
+          <a:lstStyle/>
+          <a:p>
+            <a:pPr marL="0" indent="0">
+              <a:buNone/>
+            </a:pPr>
+            <a:r>
+              <a:rPr lang="zh-TW" altLang="en-US" dirty="0" smtClean="0">
+                <a:hlinkClick r:id="rId3"/>
+              </a:rPr>
+              <a:t>在談</a:t>
+            </a:r>
+            <a:r>
+              <a:rPr lang="en-US" altLang="zh-TW" dirty="0" smtClean="0">
+                <a:hlinkClick r:id="rId3"/>
+              </a:rPr>
+              <a:t>angular</a:t>
+            </a:r>
+            <a:r>
+              <a:rPr lang="en-US" altLang="zh-TW" baseline="0" dirty="0" smtClean="0">
+                <a:hlinkClick r:id="rId3"/>
+              </a:rPr>
+              <a:t> </a:t>
+            </a:r>
+            <a:r>
+              <a:rPr lang="zh-TW" altLang="en-US" baseline="0" dirty="0" smtClean="0">
+                <a:hlinkClick r:id="rId3"/>
+              </a:rPr>
+              <a:t>的</a:t>
+            </a:r>
+            <a:r>
+              <a:rPr lang="en-US" altLang="zh-TW" baseline="0" dirty="0" err="1" smtClean="0">
+                <a:hlinkClick r:id="rId3"/>
+              </a:rPr>
+              <a:t>prefetch</a:t>
+            </a:r>
+            <a:r>
+              <a:rPr lang="en-US" altLang="zh-TW" baseline="0" dirty="0" smtClean="0">
+                <a:hlinkClick r:id="rId3"/>
+              </a:rPr>
+              <a:t> </a:t>
+            </a:r>
+            <a:r>
+              <a:rPr lang="zh-TW" altLang="en-US" baseline="0" dirty="0" smtClean="0">
+                <a:hlinkClick r:id="rId3"/>
+              </a:rPr>
+              <a:t>前，我們先談談</a:t>
+            </a:r>
+            <a:r>
+              <a:rPr lang="en-US" altLang="zh-TW" baseline="0" dirty="0" smtClean="0">
+                <a:hlinkClick r:id="rId3"/>
+              </a:rPr>
+              <a:t>html  </a:t>
+            </a:r>
+            <a:r>
+              <a:rPr lang="zh-TW" altLang="en-US" baseline="0" dirty="0" smtClean="0">
+                <a:hlinkClick r:id="rId3"/>
+              </a:rPr>
+              <a:t>的</a:t>
+            </a:r>
+            <a:r>
+              <a:rPr lang="en-US" altLang="zh-TW" baseline="0" dirty="0" err="1" smtClean="0">
+                <a:hlinkClick r:id="rId3"/>
+              </a:rPr>
+              <a:t>prefetch</a:t>
+            </a:r>
+            <a:r>
+              <a:rPr lang="en-US" altLang="zh-TW" baseline="0" dirty="0" smtClean="0">
+                <a:hlinkClick r:id="rId3"/>
+              </a:rPr>
+              <a:t> </a:t>
+            </a:r>
+            <a:r>
+              <a:rPr lang="zh-TW" altLang="en-US" baseline="0" dirty="0" smtClean="0">
+                <a:hlinkClick r:id="rId3"/>
+              </a:rPr>
+              <a:t>和</a:t>
+            </a:r>
+            <a:r>
+              <a:rPr lang="en-US" altLang="zh-TW" baseline="0" dirty="0" smtClean="0">
+                <a:hlinkClick r:id="rId3"/>
+              </a:rPr>
+              <a:t>preload</a:t>
+            </a:r>
+            <a:endParaRPr lang="en-US" altLang="zh-TW" dirty="0" smtClean="0">
+              <a:hlinkClick r:id="rId3"/>
+            </a:endParaRPr>
+          </a:p>
+          <a:p>
+            <a:pPr marL="0" marR="0" indent="0" algn="l" defTabSz="914400" rtl="0" eaLnBrk="1" fontAlgn="auto" latinLnBrk="0" hangingPunct="1">
+              <a:lnSpc>
+                <a:spcPct val="100000"/>
+              </a:lnSpc>
+              <a:spcBef>
+                <a:spcPts val="0"/>
+              </a:spcBef>
+              <a:spcAft>
+                <a:spcPts val="0"/>
+              </a:spcAft>
+              <a:buClrTx/>
+              <a:buSzTx/>
+              <a:buFontTx/>
+              <a:buNone/>
+              <a:tabLst/>
+              <a:defRPr/>
+            </a:pPr>
+            <a:r>
+              <a:rPr lang="en-US" altLang="zh-TW" dirty="0" smtClean="0">
+                <a:hlinkClick r:id="rId3"/>
+              </a:rPr>
+              <a:t>https://cythilya.github.io/2018/07/31/preload-vs-prefetch/</a:t>
+            </a:r>
+            <a:endParaRPr lang="en-US" altLang="zh-TW" dirty="0" smtClean="0">
+              <a:hlinkClick r:id="rId4"/>
+            </a:endParaRPr>
+          </a:p>
+          <a:p>
+            <a:pPr marL="0" indent="0">
+              <a:buNone/>
+            </a:pPr>
+            <a:r>
+              <a:rPr lang="en-US" altLang="zh-TW" dirty="0" smtClean="0">
+                <a:hlinkClick r:id="rId4"/>
+              </a:rPr>
+              <a:t>https</a:t>
+            </a:r>
+            <a:r>
+              <a:rPr lang="en-US" altLang="zh-TW" dirty="0" smtClean="0">
+                <a:hlinkClick r:id="rId4"/>
+              </a:rPr>
+              <a:t>://blog.fundebug.com/2019/04/11/understand-preload-and-prefetch/</a:t>
+            </a:r>
+            <a:endParaRPr lang="en-US" altLang="zh-TW" dirty="0" smtClean="0"/>
+          </a:p>
+          <a:p>
+            <a:pPr marL="0" indent="0">
+              <a:buNone/>
+            </a:pPr>
+            <a:r>
+              <a:rPr lang="en-US" altLang="zh-TW" dirty="0" smtClean="0">
+                <a:hlinkClick r:id="rId5"/>
+              </a:rPr>
+              <a:t>https://84361749.com/post/red-dns-prefetch.html</a:t>
+            </a:r>
+            <a:endParaRPr lang="en-US" altLang="zh-TW" dirty="0" smtClean="0"/>
+          </a:p>
+          <a:p>
+            <a:pPr marL="0" indent="0">
+              <a:buNone/>
+            </a:pPr>
+            <a:endParaRPr lang="en-US" altLang="zh-TW" dirty="0" smtClean="0"/>
+          </a:p>
+          <a:p>
+            <a:endParaRPr lang="zh-TW" altLang="en-US" dirty="0"/>
+          </a:p>
+        </p:txBody>
+      </p:sp>
+    </p:spTree>
+    <p:extLst>
+      <p:ext uri="{BB962C8B-B14F-4D97-AF65-F5344CB8AC3E}">
+        <p14:creationId xmlns:p14="http://schemas.microsoft.com/office/powerpoint/2010/main" val="2143146116"/>
+      </p:ext>
+    </p:extLst>
+  </p:cSld>
+  <p:clrMapOvr>
+    <a:masterClrMapping/>
+  </p:clrMapOvr>
+</p:notes>
+</file>
+
+<file path=ppt/notesSlides/notesSlide5.xml><?xml version="1.0" encoding="utf-8"?>
+<p:notes xmlns:a="http://schemas.openxmlformats.org/drawingml/2006/main" xmlns:r="http://schemas.openxmlformats.org/officeDocument/2006/relationships" xmlns:p="http://schemas.openxmlformats.org/presentationml/2006/main">
+  <p:cSld>
+    <p:spTree>
+      <p:nvGrpSpPr>
+        <p:cNvPr id="1" name=""/>
+        <p:cNvGrpSpPr/>
+        <p:nvPr/>
+      </p:nvGrpSpPr>
+      <p:grpSpPr>
+        <a:xfrm>
+          <a:off x="0" y="0"/>
+          <a:ext cx="0" cy="0"/>
+          <a:chOff x="0" y="0"/>
+          <a:chExt cx="0" cy="0"/>
+        </a:xfrm>
+      </p:grpSpPr>
+      <p:sp>
+        <p:nvSpPr>
+          <p:cNvPr id="2" name="投影片圖像版面配置區 1"/>
+          <p:cNvSpPr>
+            <a:spLocks noGrp="1" noRot="1" noChangeAspect="1"/>
+          </p:cNvSpPr>
+          <p:nvPr>
+            <p:ph type="sldImg"/>
+          </p:nvPr>
+        </p:nvSpPr>
+        <p:spPr/>
+      </p:sp>
+      <p:sp>
+        <p:nvSpPr>
+          <p:cNvPr id="3" name="備忘稿版面配置區 2"/>
+          <p:cNvSpPr>
+            <a:spLocks noGrp="1"/>
+          </p:cNvSpPr>
+          <p:nvPr>
+            <p:ph type="body" idx="1"/>
+          </p:nvPr>
+        </p:nvSpPr>
+        <p:spPr/>
+        <p:txBody>
+          <a:bodyPr/>
+          <a:lstStyle/>
+          <a:p>
+            <a:pPr marL="0" marR="0" indent="0" algn="l" defTabSz="914400" rtl="0" eaLnBrk="1" fontAlgn="auto" latinLnBrk="0" hangingPunct="1">
+              <a:lnSpc>
+                <a:spcPct val="100000"/>
+              </a:lnSpc>
+              <a:spcBef>
+                <a:spcPts val="0"/>
+              </a:spcBef>
+              <a:spcAft>
+                <a:spcPts val="0"/>
+              </a:spcAft>
+              <a:buClrTx/>
+              <a:buSzTx/>
+              <a:buFontTx/>
+              <a:buNone/>
+              <a:tabLst/>
+              <a:defRPr/>
+            </a:pPr>
+            <a:r>
+              <a:rPr lang="en-US" altLang="zh-TW" dirty="0" smtClean="0">
+                <a:hlinkClick r:id="rId3"/>
+              </a:rPr>
+              <a:t>https</a:t>
+            </a:r>
+            <a:r>
+              <a:rPr lang="en-US" altLang="zh-TW" smtClean="0">
+                <a:hlinkClick r:id="rId3"/>
+              </a:rPr>
+              <a:t>://www.cnblogs.com/haogj/p/7649707.html</a:t>
+            </a:r>
+            <a:endParaRPr lang="en-US" altLang="zh-TW" smtClean="0"/>
+          </a:p>
+          <a:p>
+            <a:pPr marL="0" indent="0">
+              <a:buNone/>
+            </a:pPr>
+            <a:endParaRPr lang="en-US" altLang="zh-TW" smtClean="0"/>
+          </a:p>
+          <a:p>
+            <a:pPr marL="0" indent="0">
+              <a:buNone/>
+            </a:pPr>
+            <a:r>
+              <a:rPr lang="en-US" altLang="zh-TW" smtClean="0"/>
+              <a:t>example</a:t>
+            </a:r>
+            <a:endParaRPr lang="en-US" altLang="zh-TW" dirty="0" smtClean="0"/>
+          </a:p>
+          <a:p>
+            <a:pPr marL="0" indent="0">
+              <a:buNone/>
+            </a:pPr>
+            <a:r>
+              <a:rPr lang="en-US" altLang="zh-TW" dirty="0" smtClean="0"/>
+              <a:t>1.Load </a:t>
+            </a:r>
+            <a:r>
+              <a:rPr lang="en-US" altLang="zh-TW" dirty="0" err="1" smtClean="0"/>
+              <a:t>Loging</a:t>
+            </a:r>
+            <a:r>
+              <a:rPr lang="en-US" altLang="zh-TW" dirty="0" smtClean="0"/>
+              <a:t> Module </a:t>
+            </a:r>
+          </a:p>
+          <a:p>
+            <a:pPr marL="0" indent="0">
+              <a:buNone/>
+            </a:pPr>
+            <a:r>
+              <a:rPr lang="en-US" altLang="zh-TW" dirty="0" smtClean="0"/>
+              <a:t>2.Wait a 3 sec  </a:t>
+            </a:r>
+            <a:r>
+              <a:rPr lang="en-US" altLang="zh-TW" dirty="0" err="1" smtClean="0"/>
+              <a:t>PreLoad</a:t>
+            </a:r>
+            <a:r>
+              <a:rPr lang="en-US" altLang="zh-TW" dirty="0" smtClean="0"/>
+              <a:t> other Module</a:t>
+            </a:r>
+          </a:p>
+          <a:p>
+            <a:pPr marL="0" indent="0">
+              <a:buNone/>
+            </a:pPr>
+            <a:r>
+              <a:rPr lang="en-US" altLang="zh-TW" dirty="0" smtClean="0"/>
+              <a:t>(</a:t>
+            </a:r>
+            <a:r>
+              <a:rPr lang="zh-TW" altLang="en-US" dirty="0" smtClean="0"/>
+              <a:t>就算你沒停在這頁面切頁都會幫你</a:t>
+            </a:r>
+            <a:r>
+              <a:rPr lang="en-US" altLang="zh-TW" dirty="0" smtClean="0"/>
+              <a:t>load)</a:t>
+            </a:r>
+          </a:p>
+          <a:p>
+            <a:endParaRPr lang="zh-TW" altLang="en-US" dirty="0"/>
+          </a:p>
+        </p:txBody>
+      </p:sp>
+    </p:spTree>
+    <p:extLst>
+      <p:ext uri="{BB962C8B-B14F-4D97-AF65-F5344CB8AC3E}">
+        <p14:creationId xmlns:p14="http://schemas.microsoft.com/office/powerpoint/2010/main" val="2888524145"/>
+      </p:ext>
+    </p:extLst>
+  </p:cSld>
+  <p:clrMapOvr>
+    <a:masterClrMapping/>
+  </p:clrMapOvr>
+</p:notes>
+</file>
+
+<file path=ppt/notesSlides/notesSlide6.xml><?xml version="1.0" encoding="utf-8"?>
+<p:notes xmlns:a="http://schemas.openxmlformats.org/drawingml/2006/main" xmlns:r="http://schemas.openxmlformats.org/officeDocument/2006/relationships" xmlns:p="http://schemas.openxmlformats.org/presentationml/2006/main">
+  <p:cSld>
+    <p:spTree>
+      <p:nvGrpSpPr>
+        <p:cNvPr id="1" name=""/>
+        <p:cNvGrpSpPr/>
+        <p:nvPr/>
+      </p:nvGrpSpPr>
+      <p:grpSpPr>
+        <a:xfrm>
+          <a:off x="0" y="0"/>
+          <a:ext cx="0" cy="0"/>
+          <a:chOff x="0" y="0"/>
+          <a:chExt cx="0" cy="0"/>
+        </a:xfrm>
+      </p:grpSpPr>
+      <p:sp>
+        <p:nvSpPr>
+          <p:cNvPr id="2" name="投影片圖像版面配置區 1"/>
+          <p:cNvSpPr>
+            <a:spLocks noGrp="1" noRot="1" noChangeAspect="1"/>
+          </p:cNvSpPr>
+          <p:nvPr>
+            <p:ph type="sldImg"/>
+          </p:nvPr>
+        </p:nvSpPr>
+        <p:spPr/>
+      </p:sp>
+      <p:sp>
+        <p:nvSpPr>
+          <p:cNvPr id="3" name="備忘稿版面配置區 2"/>
+          <p:cNvSpPr>
+            <a:spLocks noGrp="1"/>
+          </p:cNvSpPr>
+          <p:nvPr>
+            <p:ph type="body" idx="1"/>
+          </p:nvPr>
+        </p:nvSpPr>
+        <p:spPr/>
+        <p:txBody>
+          <a:bodyPr/>
+          <a:lstStyle/>
+          <a:p>
+            <a:r>
+              <a:rPr lang="zh-TW" altLang="en-US" dirty="0" smtClean="0"/>
+              <a:t>這是國外一大牛透過</a:t>
+            </a:r>
+            <a:r>
+              <a:rPr lang="en-US" altLang="zh-TW" dirty="0" smtClean="0"/>
+              <a:t>angular Preload </a:t>
+            </a:r>
+            <a:r>
+              <a:rPr lang="zh-TW" altLang="en-US" dirty="0" smtClean="0"/>
+              <a:t>策略</a:t>
+            </a:r>
+            <a:endParaRPr lang="zh-TW" altLang="en-US" dirty="0"/>
+          </a:p>
+        </p:txBody>
+      </p:sp>
+    </p:spTree>
+    <p:extLst>
+      <p:ext uri="{BB962C8B-B14F-4D97-AF65-F5344CB8AC3E}">
+        <p14:creationId xmlns:p14="http://schemas.microsoft.com/office/powerpoint/2010/main" val="4108598142"/>
+      </p:ext>
+    </p:extLst>
+  </p:cSld>
+  <p:clrMapOvr>
+    <a:masterClrMapping/>
+  </p:clrMapOvr>
+</p:notes>
+</file>
+
+<file path=ppt/notesSlides/notesSlide7.xml><?xml version="1.0" encoding="utf-8"?>
+<p:notes xmlns:a="http://schemas.openxmlformats.org/drawingml/2006/main" xmlns:r="http://schemas.openxmlformats.org/officeDocument/2006/relationships" xmlns:p="http://schemas.openxmlformats.org/presentationml/2006/main">
+  <p:cSld>
+    <p:spTree>
+      <p:nvGrpSpPr>
+        <p:cNvPr id="1" name=""/>
+        <p:cNvGrpSpPr/>
+        <p:nvPr/>
+      </p:nvGrpSpPr>
+      <p:grpSpPr>
+        <a:xfrm>
+          <a:off x="0" y="0"/>
+          <a:ext cx="0" cy="0"/>
+          <a:chOff x="0" y="0"/>
+          <a:chExt cx="0" cy="0"/>
+        </a:xfrm>
+      </p:grpSpPr>
+      <p:sp>
+        <p:nvSpPr>
+          <p:cNvPr id="2" name="投影片圖像版面配置區 1"/>
+          <p:cNvSpPr>
+            <a:spLocks noGrp="1" noRot="1" noChangeAspect="1"/>
+          </p:cNvSpPr>
+          <p:nvPr>
+            <p:ph type="sldImg"/>
+          </p:nvPr>
+        </p:nvSpPr>
+        <p:spPr/>
+      </p:sp>
+      <p:sp>
+        <p:nvSpPr>
+          <p:cNvPr id="3" name="備忘稿版面配置區 2"/>
+          <p:cNvSpPr>
+            <a:spLocks noGrp="1"/>
+          </p:cNvSpPr>
+          <p:nvPr>
+            <p:ph type="body" idx="1"/>
+          </p:nvPr>
+        </p:nvSpPr>
+        <p:spPr/>
+        <p:txBody>
+          <a:bodyPr/>
+          <a:lstStyle/>
+          <a:p>
+            <a:endParaRPr lang="zh-TW" altLang="en-US" dirty="0"/>
+          </a:p>
+        </p:txBody>
+      </p:sp>
+    </p:spTree>
+    <p:extLst>
+      <p:ext uri="{BB962C8B-B14F-4D97-AF65-F5344CB8AC3E}">
+        <p14:creationId xmlns:p14="http://schemas.microsoft.com/office/powerpoint/2010/main" val="4075942671"/>
+      </p:ext>
+    </p:extLst>
+  </p:cSld>
+  <p:clrMapOvr>
+    <a:masterClrMapping/>
+  </p:clrMapOvr>
+</p:notes>
+</file>
+
+<file path=ppt/notesSlides/notesSlide8.xml><?xml version="1.0" encoding="utf-8"?>
+<p:notes xmlns:a="http://schemas.openxmlformats.org/drawingml/2006/main" xmlns:r="http://schemas.openxmlformats.org/officeDocument/2006/relationships" xmlns:p="http://schemas.openxmlformats.org/presentationml/2006/main">
+  <p:cSld>
+    <p:spTree>
+      <p:nvGrpSpPr>
+        <p:cNvPr id="1" name=""/>
+        <p:cNvGrpSpPr/>
+        <p:nvPr/>
+      </p:nvGrpSpPr>
+      <p:grpSpPr>
+        <a:xfrm>
+          <a:off x="0" y="0"/>
+          <a:ext cx="0" cy="0"/>
+          <a:chOff x="0" y="0"/>
+          <a:chExt cx="0" cy="0"/>
+        </a:xfrm>
+      </p:grpSpPr>
+      <p:sp>
+        <p:nvSpPr>
+          <p:cNvPr id="2" name="投影片圖像版面配置區 1"/>
+          <p:cNvSpPr>
+            <a:spLocks noGrp="1" noRot="1" noChangeAspect="1"/>
+          </p:cNvSpPr>
+          <p:nvPr>
+            <p:ph type="sldImg"/>
+          </p:nvPr>
+        </p:nvSpPr>
+        <p:spPr/>
+      </p:sp>
+      <p:sp>
+        <p:nvSpPr>
+          <p:cNvPr id="3" name="備忘稿版面配置區 2"/>
+          <p:cNvSpPr>
+            <a:spLocks noGrp="1"/>
+          </p:cNvSpPr>
+          <p:nvPr>
+            <p:ph type="body" idx="1"/>
+          </p:nvPr>
+        </p:nvSpPr>
+        <p:spPr/>
+        <p:txBody>
+          <a:bodyPr/>
+          <a:lstStyle/>
+          <a:p>
+            <a:pPr marL="0" marR="0" indent="0" algn="l" defTabSz="914400" rtl="0" eaLnBrk="1" fontAlgn="auto" latinLnBrk="0" hangingPunct="1">
+              <a:lnSpc>
+                <a:spcPct val="100000"/>
+              </a:lnSpc>
+              <a:spcBef>
+                <a:spcPts val="0"/>
+              </a:spcBef>
+              <a:spcAft>
+                <a:spcPts val="0"/>
+              </a:spcAft>
+              <a:buClrTx/>
+              <a:buSzTx/>
+              <a:buFontTx/>
+              <a:buNone/>
+              <a:tabLst/>
+              <a:defRPr/>
+            </a:pPr>
+            <a:r>
+              <a:rPr lang="en-US" altLang="zh-TW" dirty="0" smtClean="0"/>
+              <a:t>Angular </a:t>
+            </a:r>
+            <a:r>
+              <a:rPr lang="zh-TW" altLang="en-US" dirty="0" smtClean="0"/>
+              <a:t>官方</a:t>
+            </a:r>
+            <a:r>
+              <a:rPr lang="en-US" altLang="zh-TW" dirty="0" smtClean="0"/>
+              <a:t>cache</a:t>
+            </a:r>
+            <a:r>
+              <a:rPr lang="en-US" altLang="zh-TW" baseline="0" dirty="0" smtClean="0"/>
+              <a:t> </a:t>
+            </a:r>
+            <a:r>
+              <a:rPr lang="zh-TW" altLang="en-US" baseline="0" dirty="0" smtClean="0"/>
+              <a:t>機制</a:t>
+            </a:r>
+            <a:r>
+              <a:rPr lang="en-US" altLang="zh-TW" dirty="0" smtClean="0"/>
+              <a:t> </a:t>
+            </a:r>
+            <a:r>
+              <a:rPr lang="zh-TW" altLang="en-US" baseline="0" dirty="0" smtClean="0"/>
+              <a:t>談最多的是</a:t>
+            </a:r>
+            <a:r>
+              <a:rPr lang="en-US" altLang="zh-TW" dirty="0" smtClean="0"/>
+              <a:t> </a:t>
+            </a:r>
+            <a:r>
+              <a:rPr lang="en-US" altLang="zh-TW" dirty="0" smtClean="0"/>
+              <a:t>Service Worker </a:t>
+            </a:r>
+            <a:r>
+              <a:rPr lang="zh-TW" altLang="en-US" dirty="0" smtClean="0"/>
+              <a:t>，但上次有討論說不需要，所以我就跳過</a:t>
+            </a:r>
+            <a:r>
+              <a:rPr lang="en-US" altLang="zh-TW" dirty="0" smtClean="0"/>
+              <a:t>service</a:t>
+            </a:r>
+            <a:r>
+              <a:rPr lang="en-US" altLang="zh-TW" baseline="0" dirty="0" smtClean="0"/>
+              <a:t> worker </a:t>
+            </a:r>
+            <a:r>
+              <a:rPr lang="zh-TW" altLang="en-US" baseline="0" dirty="0" smtClean="0"/>
+              <a:t>。</a:t>
+            </a:r>
+            <a:endParaRPr lang="en-US" altLang="zh-TW" baseline="0" dirty="0" smtClean="0"/>
+          </a:p>
+          <a:p>
+            <a:pPr marL="0" marR="0" indent="0" algn="l" defTabSz="914400" rtl="0" eaLnBrk="1" fontAlgn="auto" latinLnBrk="0" hangingPunct="1">
+              <a:lnSpc>
+                <a:spcPct val="100000"/>
+              </a:lnSpc>
+              <a:spcBef>
+                <a:spcPts val="0"/>
+              </a:spcBef>
+              <a:spcAft>
+                <a:spcPts val="0"/>
+              </a:spcAft>
+              <a:buClrTx/>
+              <a:buSzTx/>
+              <a:buFontTx/>
+              <a:buNone/>
+              <a:tabLst/>
+              <a:defRPr/>
+            </a:pPr>
+            <a:r>
+              <a:rPr lang="en-US" altLang="zh-TW" sz="1200" b="0" i="0" kern="1200" dirty="0" smtClean="0">
+                <a:solidFill>
+                  <a:schemeClr val="tx1"/>
+                </a:solidFill>
+                <a:effectLst/>
+                <a:latin typeface="+mn-lt"/>
+                <a:ea typeface="+mn-ea"/>
+                <a:cs typeface="+mn-cs"/>
+              </a:rPr>
+              <a:t>Service Worker </a:t>
+            </a:r>
+            <a:r>
+              <a:rPr lang="zh-TW" altLang="en-US" sz="1200" b="0" i="0" kern="1200" dirty="0" smtClean="0">
+                <a:solidFill>
+                  <a:schemeClr val="tx1"/>
+                </a:solidFill>
+                <a:effectLst/>
+                <a:latin typeface="+mn-lt"/>
+                <a:ea typeface="+mn-ea"/>
+                <a:cs typeface="+mn-cs"/>
+              </a:rPr>
+              <a:t>讓網頁能擁有與 </a:t>
+            </a:r>
+            <a:r>
+              <a:rPr lang="en-US" altLang="zh-TW" sz="1200" b="0" i="0" kern="1200" dirty="0" smtClean="0">
+                <a:solidFill>
+                  <a:schemeClr val="tx1"/>
+                </a:solidFill>
+                <a:effectLst/>
+                <a:latin typeface="+mn-lt"/>
+                <a:ea typeface="+mn-ea"/>
+                <a:cs typeface="+mn-cs"/>
+              </a:rPr>
+              <a:t>App </a:t>
+            </a:r>
+            <a:r>
+              <a:rPr lang="zh-TW" altLang="en-US" sz="1200" b="0" i="0" kern="1200" dirty="0" smtClean="0">
+                <a:solidFill>
+                  <a:schemeClr val="tx1"/>
+                </a:solidFill>
+                <a:effectLst/>
+                <a:latin typeface="+mn-lt"/>
+                <a:ea typeface="+mn-ea"/>
+                <a:cs typeface="+mn-cs"/>
+              </a:rPr>
+              <a:t>一樣的離線和訊息推播功能。關於離線功能，試想，在使用 </a:t>
+            </a:r>
+            <a:r>
+              <a:rPr lang="en-US" altLang="zh-TW" sz="1200" b="0" i="0" kern="1200" dirty="0" smtClean="0">
+                <a:solidFill>
+                  <a:schemeClr val="tx1"/>
+                </a:solidFill>
+                <a:effectLst/>
+                <a:latin typeface="+mn-lt"/>
+                <a:ea typeface="+mn-ea"/>
+                <a:cs typeface="+mn-cs"/>
+              </a:rPr>
+              <a:t>App </a:t>
+            </a:r>
+            <a:r>
+              <a:rPr lang="zh-TW" altLang="en-US" sz="1200" b="0" i="0" kern="1200" dirty="0" smtClean="0">
+                <a:solidFill>
+                  <a:schemeClr val="tx1"/>
+                </a:solidFill>
+                <a:effectLst/>
+                <a:latin typeface="+mn-lt"/>
+                <a:ea typeface="+mn-ea"/>
+                <a:cs typeface="+mn-cs"/>
+              </a:rPr>
+              <a:t>收信、寫信、刪除信件等動作，都需要將結果丟回伺服器儲存，但在某些環境下並無法一直使用網路連線，因此必須使用一種機制，讓我們仍能順暢的使用這些功能，待網路正常連線，再將剛才所執行的一切動作反應回伺服器。關於訊息推播功能</a:t>
+            </a:r>
+            <a:endParaRPr lang="en-US" altLang="zh-TW" baseline="0" dirty="0" smtClean="0"/>
+          </a:p>
+          <a:p>
+            <a:pPr marL="0" marR="0" indent="0" algn="l" defTabSz="914400" rtl="0" eaLnBrk="1" fontAlgn="auto" latinLnBrk="0" hangingPunct="1">
+              <a:lnSpc>
+                <a:spcPct val="100000"/>
+              </a:lnSpc>
+              <a:spcBef>
+                <a:spcPts val="0"/>
+              </a:spcBef>
+              <a:spcAft>
+                <a:spcPts val="0"/>
+              </a:spcAft>
+              <a:buClrTx/>
+              <a:buSzTx/>
+              <a:buFontTx/>
+              <a:buNone/>
+              <a:tabLst/>
+              <a:defRPr/>
+            </a:pPr>
+            <a:r>
+              <a:rPr lang="en-US" altLang="zh-TW" dirty="0" smtClean="0">
+                <a:hlinkClick r:id="rId3"/>
+              </a:rPr>
+              <a:t>https://cythilya.github.io/2017/07/16/service-worker/</a:t>
+            </a:r>
+            <a:endParaRPr lang="en-US" altLang="zh-TW" dirty="0" smtClean="0">
+              <a:hlinkClick r:id="rId4"/>
+            </a:endParaRPr>
+          </a:p>
+          <a:p>
+            <a:pPr marL="0" marR="0" indent="0" algn="l" defTabSz="914400" rtl="0" eaLnBrk="1" fontAlgn="auto" latinLnBrk="0" hangingPunct="1">
+              <a:lnSpc>
+                <a:spcPct val="100000"/>
+              </a:lnSpc>
+              <a:spcBef>
+                <a:spcPts val="0"/>
+              </a:spcBef>
+              <a:spcAft>
+                <a:spcPts val="0"/>
+              </a:spcAft>
+              <a:buClrTx/>
+              <a:buSzTx/>
+              <a:buFontTx/>
+              <a:buNone/>
+              <a:tabLst/>
+              <a:defRPr/>
+            </a:pPr>
+            <a:endParaRPr lang="en-US" altLang="zh-TW" dirty="0" smtClean="0">
+              <a:hlinkClick r:id="rId4"/>
+            </a:endParaRPr>
+          </a:p>
+          <a:p>
+            <a:pPr marL="0" marR="0" indent="0" algn="l" defTabSz="914400" rtl="0" eaLnBrk="1" fontAlgn="auto" latinLnBrk="0" hangingPunct="1">
+              <a:lnSpc>
+                <a:spcPct val="100000"/>
+              </a:lnSpc>
+              <a:spcBef>
+                <a:spcPts val="0"/>
+              </a:spcBef>
+              <a:spcAft>
+                <a:spcPts val="0"/>
+              </a:spcAft>
+              <a:buClrTx/>
+              <a:buSzTx/>
+              <a:buFontTx/>
+              <a:buNone/>
+              <a:tabLst/>
+              <a:defRPr/>
+            </a:pPr>
+            <a:r>
+              <a:rPr lang="en-US" altLang="zh-TW" dirty="0" smtClean="0">
+                <a:hlinkClick r:id="rId4"/>
+              </a:rPr>
+              <a:t>https://poychang.github.io/disable-browser-cache-on-angular-site/</a:t>
+            </a:r>
+            <a:endParaRPr lang="en-US" altLang="zh-TW" dirty="0" smtClean="0"/>
+          </a:p>
+          <a:p>
+            <a:pPr marL="0" marR="0" indent="0" algn="l" defTabSz="914400" rtl="0" eaLnBrk="1" fontAlgn="auto" latinLnBrk="0" hangingPunct="1">
+              <a:lnSpc>
+                <a:spcPct val="100000"/>
+              </a:lnSpc>
+              <a:spcBef>
+                <a:spcPts val="0"/>
+              </a:spcBef>
+              <a:spcAft>
+                <a:spcPts val="0"/>
+              </a:spcAft>
+              <a:buClrTx/>
+              <a:buSzTx/>
+              <a:buFontTx/>
+              <a:buNone/>
+              <a:tabLst/>
+              <a:defRPr/>
+            </a:pPr>
+            <a:r>
+              <a:rPr lang="en-US" altLang="zh-TW" dirty="0" smtClean="0">
+                <a:hlinkClick r:id="rId5"/>
+              </a:rPr>
+              <a:t>https://dotblogs.com.tw/wellwind/2017/02/12/angular2-impure-pipe</a:t>
+            </a:r>
+            <a:endParaRPr lang="en-US" altLang="zh-TW" dirty="0" smtClean="0"/>
+          </a:p>
+          <a:p>
+            <a:pPr marL="0" marR="0" indent="0" algn="l" defTabSz="914400" rtl="0" eaLnBrk="1" fontAlgn="auto" latinLnBrk="0" hangingPunct="1">
+              <a:lnSpc>
+                <a:spcPct val="100000"/>
+              </a:lnSpc>
+              <a:spcBef>
+                <a:spcPts val="0"/>
+              </a:spcBef>
+              <a:spcAft>
+                <a:spcPts val="0"/>
+              </a:spcAft>
+              <a:buClrTx/>
+              <a:buSzTx/>
+              <a:buFontTx/>
+              <a:buNone/>
+              <a:tabLst/>
+              <a:defRPr/>
+            </a:pPr>
+            <a:r>
+              <a:rPr lang="en-US" altLang="zh-TW" dirty="0" smtClean="0">
+                <a:hlinkClick r:id="rId6"/>
+              </a:rPr>
+              <a:t>https://www.youtube.com/watch?v=FKmzFyOogpM</a:t>
+            </a:r>
+            <a:endParaRPr lang="zh-TW" altLang="en-US" dirty="0" smtClean="0"/>
+          </a:p>
+          <a:p>
+            <a:endParaRPr lang="en-US" altLang="zh-TW" sz="1200" b="0" i="0" kern="1200" dirty="0" smtClean="0">
+              <a:solidFill>
+                <a:schemeClr val="tx1"/>
+              </a:solidFill>
+              <a:effectLst/>
+              <a:latin typeface="+mn-lt"/>
+              <a:ea typeface="+mn-ea"/>
+              <a:cs typeface="+mn-cs"/>
+            </a:endParaRPr>
+          </a:p>
+          <a:p>
+            <a:endParaRPr lang="en-US" altLang="zh-TW" sz="1200" b="0" i="0" kern="1200" dirty="0" smtClean="0">
+              <a:solidFill>
+                <a:schemeClr val="tx1"/>
+              </a:solidFill>
+              <a:effectLst/>
+              <a:latin typeface="+mn-lt"/>
+              <a:ea typeface="+mn-ea"/>
+              <a:cs typeface="+mn-cs"/>
+            </a:endParaRPr>
+          </a:p>
+          <a:p>
+            <a:r>
               <a:rPr lang="zh-TW" altLang="en-US" sz="1200" b="0" i="0" kern="1200" dirty="0" smtClean="0">
                 <a:solidFill>
                   <a:schemeClr val="tx1"/>
@@ -1042,7 +2323,7 @@
               <a:t>裡面的</a:t>
             </a:r>
             <a:r>
-              <a:rPr lang="en-US" altLang="zh-TW" sz="1200" b="0" i="0" kern="1200" smtClean="0">
+              <a:rPr lang="en-US" altLang="zh-TW" sz="1200" b="0" i="0" kern="1200" dirty="0" smtClean="0">
                 <a:solidFill>
                   <a:schemeClr val="tx1"/>
                 </a:solidFill>
@@ -1053,7 +2334,7 @@
               </a:rPr>
               <a:t>transform()</a:t>
             </a:r>
-            <a:endParaRPr lang="zh-TW" altLang="en-US"/>
+            <a:endParaRPr lang="zh-TW" altLang="en-US" dirty="0"/>
           </a:p>
         </p:txBody>
       </p:sp>
@@ -3434,8 +4715,12 @@
           <a:lstStyle/>
           <a:p>
             <a:r>
+              <a:rPr lang="en-US" altLang="zh-TW" sz="1400" dirty="0" smtClean="0"/>
+              <a:t>Angular 8 </a:t>
+            </a:r>
+            <a:r>
               <a:rPr lang="en-US" altLang="zh-TW" sz="1400" dirty="0"/>
-              <a:t>Angular preference</a:t>
+              <a:t>preference</a:t>
             </a:r>
             <a:br>
               <a:rPr lang="en-US" altLang="zh-TW" sz="1400" dirty="0"/>
@@ -3568,7 +4853,7 @@
           <p:cNvPr id="2" name="Title 1">
             <a:extLst>
               <a:ext uri="{FF2B5EF4-FFF2-40B4-BE49-F238E27FC236}">
-                <a16:creationId xmlns="" xmlns:a16="http://schemas.microsoft.com/office/drawing/2014/main" id="{E5D678AA-48A1-4490-9394-8643B8860FCB}"/>
+                <a16:creationId xmlns:a16="http://schemas.microsoft.com/office/drawing/2014/main" xmlns="" id="{E5D678AA-48A1-4490-9394-8643B8860FCB}"/>
               </a:ext>
             </a:extLst>
           </p:cNvPr>
@@ -3596,7 +4881,7 @@
           <p:cNvPr id="3" name="Content Placeholder 2">
             <a:extLst>
               <a:ext uri="{FF2B5EF4-FFF2-40B4-BE49-F238E27FC236}">
-                <a16:creationId xmlns="" xmlns:a16="http://schemas.microsoft.com/office/drawing/2014/main" id="{EA49B8AA-B17F-4F47-9489-2AEA4FEBA855}"/>
+                <a16:creationId xmlns:a16="http://schemas.microsoft.com/office/drawing/2014/main" xmlns="" id="{EA49B8AA-B17F-4F47-9489-2AEA4FEBA855}"/>
               </a:ext>
             </a:extLst>
           </p:cNvPr>
@@ -3610,7 +4895,7 @@
         <p:spPr/>
         <p:txBody>
           <a:bodyPr>
-            <a:normAutofit fontScale="92500" lnSpcReduction="20000"/>
+            <a:normAutofit/>
           </a:bodyPr>
           <a:lstStyle/>
           <a:p>
@@ -3618,12 +4903,16 @@
               <a:buNone/>
             </a:pPr>
             <a:r>
+              <a:rPr lang="en-US" dirty="0"/>
+              <a:t>1. </a:t>
+            </a:r>
+            <a:r>
               <a:rPr lang="en-US" dirty="0" smtClean="0"/>
-              <a:t>1.Client </a:t>
+              <a:t>Cache </a:t>
             </a:r>
             <a:r>
               <a:rPr lang="en-US" dirty="0"/>
-              <a:t>Side Cache   </a:t>
+              <a:t>busting   </a:t>
             </a:r>
             <a:endParaRPr lang="en-US" dirty="0" smtClean="0"/>
           </a:p>
@@ -3633,11 +4922,7 @@
             </a:pPr>
             <a:r>
               <a:rPr lang="en-US" dirty="0" smtClean="0"/>
-              <a:t>metadata  or  </a:t>
-            </a:r>
-            <a:r>
-              <a:rPr lang="en-US" dirty="0" err="1" smtClean="0"/>
-              <a:t>hastag</a:t>
+              <a:t>Add metadata  to &lt;head&gt;</a:t>
             </a:r>
             <a:endParaRPr lang="en-US" dirty="0"/>
           </a:p>
@@ -3645,36 +4930,78 @@
             <a:pPr marL="0" indent="0">
               <a:buNone/>
             </a:pPr>
-            <a:endParaRPr lang="en-US" altLang="zh-TW" dirty="0" smtClean="0"/>
+            <a:r>
+              <a:rPr lang="en-US" sz="1600" dirty="0"/>
+              <a:t>&lt;meta http-</a:t>
+            </a:r>
+            <a:r>
+              <a:rPr lang="en-US" sz="1600" dirty="0" err="1"/>
+              <a:t>equiv</a:t>
+            </a:r>
+            <a:r>
+              <a:rPr lang="en-US" sz="1600" dirty="0"/>
+              <a:t>="Cache-Control" content="no-cache, no-store, max-age=0, must-revalidate"&gt;</a:t>
+            </a:r>
           </a:p>
           <a:p>
             <a:pPr marL="0" indent="0">
               <a:buNone/>
             </a:pPr>
             <a:r>
+              <a:rPr lang="en-US" sz="1600" dirty="0"/>
+              <a:t>&lt;meta http-</a:t>
+            </a:r>
+            <a:r>
+              <a:rPr lang="en-US" sz="1600" dirty="0" err="1"/>
+              <a:t>equiv</a:t>
+            </a:r>
+            <a:r>
+              <a:rPr lang="en-US" sz="1600" dirty="0"/>
+              <a:t>="pragma" content="no-cache" /&gt;</a:t>
+            </a:r>
+          </a:p>
+          <a:p>
+            <a:pPr marL="0" indent="0">
+              <a:buNone/>
+            </a:pPr>
+            <a:r>
+              <a:rPr lang="en-US" sz="1600" dirty="0"/>
+              <a:t>&lt;meta http-</a:t>
+            </a:r>
+            <a:r>
+              <a:rPr lang="en-US" sz="1600" dirty="0" err="1"/>
+              <a:t>equiv</a:t>
+            </a:r>
+            <a:r>
+              <a:rPr lang="en-US" sz="1600" dirty="0"/>
+              <a:t>="expires" content="0" </a:t>
+            </a:r>
+            <a:r>
+              <a:rPr lang="en-US" sz="1600" dirty="0" smtClean="0"/>
+              <a:t>/&gt;</a:t>
+            </a:r>
+          </a:p>
+          <a:p>
+            <a:pPr marL="0" indent="0">
+              <a:buNone/>
+            </a:pPr>
+            <a:endParaRPr lang="en-US" altLang="zh-TW" sz="1600" dirty="0" smtClean="0"/>
+          </a:p>
+          <a:p>
+            <a:pPr marL="0" indent="0">
+              <a:buNone/>
+            </a:pPr>
+            <a:r>
+              <a:rPr lang="en-US" altLang="zh-TW" dirty="0" err="1" smtClean="0"/>
+              <a:t>ng</a:t>
+            </a:r>
+            <a:r>
               <a:rPr lang="en-US" altLang="zh-TW" dirty="0" smtClean="0"/>
-              <a:t>cache </a:t>
+              <a:t> </a:t>
             </a:r>
             <a:r>
               <a:rPr lang="en-US" altLang="zh-TW" dirty="0"/>
-              <a:t>busting</a:t>
-            </a:r>
-          </a:p>
-          <a:p>
-            <a:pPr marL="0" indent="0">
-              <a:buNone/>
-            </a:pPr>
-            <a:r>
-              <a:rPr lang="en-US" altLang="zh-TW" dirty="0"/>
-              <a:t> </a:t>
-            </a:r>
-            <a:r>
-              <a:rPr lang="en-US" altLang="zh-TW" dirty="0" err="1"/>
-              <a:t>ng</a:t>
-            </a:r>
-            <a:r>
-              <a:rPr lang="en-US" altLang="zh-TW" dirty="0"/>
-              <a:t> build </a:t>
+              <a:t>build </a:t>
             </a:r>
             <a:r>
               <a:rPr lang="en-US" altLang="zh-TW" dirty="0" smtClean="0"/>
@@ -3693,33 +5020,19 @@
             <a:pPr marL="0" indent="0">
               <a:buNone/>
             </a:pPr>
-            <a:r>
-              <a:rPr lang="en-US" altLang="zh-TW" dirty="0">
-                <a:hlinkClick r:id="rId3"/>
-              </a:rPr>
-              <a:t>https://poychang.github.io/disable-browser-cache-on-angular-site</a:t>
-            </a:r>
-            <a:r>
-              <a:rPr lang="en-US" altLang="zh-TW" dirty="0" smtClean="0">
-                <a:hlinkClick r:id="rId3"/>
-              </a:rPr>
-              <a:t>/</a:t>
-            </a:r>
-            <a:endParaRPr lang="zh-TW" altLang="en-US" dirty="0"/>
+            <a:endParaRPr lang="en-US" dirty="0" smtClean="0"/>
           </a:p>
           <a:p>
             <a:pPr marL="0" indent="0">
               <a:buNone/>
             </a:pPr>
-            <a:endParaRPr lang="en-US" dirty="0"/>
-          </a:p>
-          <a:p>
-            <a:pPr marL="0" indent="0">
-              <a:buNone/>
-            </a:pPr>
+            <a:r>
+              <a:rPr lang="en-US" dirty="0" smtClean="0"/>
+              <a:t>2.Pipe </a:t>
+            </a:r>
             <a:r>
               <a:rPr lang="en-US" dirty="0"/>
-              <a:t>2.Pipe Caching  =&gt;   </a:t>
+              <a:t>Caching  =&gt;   </a:t>
             </a:r>
           </a:p>
           <a:p>
@@ -3741,14 +5054,31 @@
             </a:pPr>
             <a:r>
               <a:rPr lang="en-US" dirty="0"/>
-              <a:t> Impure: false</a:t>
-            </a:r>
-            <a:br>
+              <a:t> Impure: </a:t>
+            </a:r>
+            <a:r>
+              <a:rPr lang="en-US" dirty="0" smtClean="0"/>
+              <a:t>false</a:t>
+            </a:r>
+            <a:endParaRPr lang="en-US" dirty="0"/>
+          </a:p>
+          <a:p>
+            <a:pPr marL="0" indent="0">
+              <a:buNone/>
+            </a:pPr>
+            <a:endParaRPr lang="en-US" dirty="0"/>
+          </a:p>
+          <a:p>
+            <a:pPr marL="0" indent="0">
+              <a:buNone/>
+            </a:pPr>
+            <a:r>
               <a:rPr lang="en-US" dirty="0"/>
-            </a:br>
-            <a:r>
-              <a:rPr lang="en-US" dirty="0"/>
-              <a:t>sample</a:t>
+              <a:t>3.HttpRequest </a:t>
+            </a:r>
+            <a:r>
+              <a:rPr lang="en-US" dirty="0" smtClean="0"/>
+              <a:t>Cache </a:t>
             </a:r>
           </a:p>
           <a:p>
@@ -3756,11 +5086,15 @@
               <a:buNone/>
             </a:pPr>
             <a:r>
-              <a:rPr lang="en-US" dirty="0">
-                <a:hlinkClick r:id="rId4"/>
-              </a:rPr>
-              <a:t>https://dotblogs.com.tw/wellwind/2017/02/12/angular2-impure-pipe</a:t>
-            </a:r>
+              <a:rPr lang="zh-TW" altLang="en-US" dirty="0" smtClean="0"/>
+              <a:t>把不會變動的值，又經常查詢，儲存起來。</a:t>
+            </a:r>
+            <a:endParaRPr lang="en-US" dirty="0" smtClean="0"/>
+          </a:p>
+          <a:p>
+            <a:pPr marL="0" indent="0">
+              <a:buNone/>
+            </a:pPr>
             <a:endParaRPr lang="en-US" dirty="0"/>
           </a:p>
           <a:p>
@@ -3768,60 +5102,6 @@
               <a:buNone/>
             </a:pPr>
             <a:endParaRPr lang="en-US" dirty="0"/>
-          </a:p>
-          <a:p>
-            <a:pPr marL="0" indent="0">
-              <a:buNone/>
-            </a:pPr>
-            <a:r>
-              <a:rPr lang="en-US" dirty="0"/>
-              <a:t>3.HttpRequest Cache</a:t>
-            </a:r>
-          </a:p>
-          <a:p>
-            <a:pPr marL="0" indent="0">
-              <a:buNone/>
-            </a:pPr>
-            <a:r>
-              <a:rPr lang="en-US" dirty="0">
-                <a:hlinkClick r:id="rId5"/>
-              </a:rPr>
-              <a:t>https://www.youtube.com/watch?v=FKmzFyOogpM</a:t>
-            </a:r>
-            <a:endParaRPr lang="en-US" dirty="0"/>
-          </a:p>
-          <a:p>
-            <a:pPr marL="0" indent="0">
-              <a:buNone/>
-            </a:pPr>
-            <a:endParaRPr lang="en-US" dirty="0"/>
-          </a:p>
-          <a:p>
-            <a:pPr marL="0" indent="0">
-              <a:buNone/>
-            </a:pPr>
-            <a:r>
-              <a:rPr lang="en-US" dirty="0">
-                <a:hlinkClick r:id="rId6"/>
-              </a:rPr>
-              <a:t>https://blog.fullstacktraining.com/caching-http-requests-with-angular</a:t>
-            </a:r>
-            <a:r>
-              <a:rPr lang="en-US" dirty="0" smtClean="0">
-                <a:hlinkClick r:id="rId6"/>
-              </a:rPr>
-              <a:t>/</a:t>
-            </a:r>
-            <a:endParaRPr lang="en-US" dirty="0" smtClean="0"/>
-          </a:p>
-          <a:p>
-            <a:pPr marL="0" indent="0">
-              <a:buNone/>
-            </a:pPr>
-            <a:r>
-              <a:rPr lang="en-US" dirty="0" smtClean="0"/>
-              <a:t>4.Service Worker =&gt; study </a:t>
-            </a:r>
           </a:p>
           <a:p>
             <a:pPr marL="0" indent="0">
@@ -3854,7 +5134,7 @@
           <p:cNvPr id="4" name="Slide Number Placeholder 3">
             <a:extLst>
               <a:ext uri="{FF2B5EF4-FFF2-40B4-BE49-F238E27FC236}">
-                <a16:creationId xmlns="" xmlns:a16="http://schemas.microsoft.com/office/drawing/2014/main" id="{37BB747A-5129-47C0-9046-EF7E7C12EFC2}"/>
+                <a16:creationId xmlns:a16="http://schemas.microsoft.com/office/drawing/2014/main" xmlns="" id="{37BB747A-5129-47C0-9046-EF7E7C12EFC2}"/>
               </a:ext>
             </a:extLst>
           </p:cNvPr>
@@ -3994,7 +5274,7 @@
           <p:cNvPr id="2" name="Title 1">
             <a:extLst>
               <a:ext uri="{FF2B5EF4-FFF2-40B4-BE49-F238E27FC236}">
-                <a16:creationId xmlns="" xmlns:a16="http://schemas.microsoft.com/office/drawing/2014/main" id="{19BE3664-535A-4792-A501-B4FDD5D75620}"/>
+                <a16:creationId xmlns:a16="http://schemas.microsoft.com/office/drawing/2014/main" xmlns="" id="{3A48E285-584F-425D-B674-F5D5ABCE8A61}"/>
               </a:ext>
             </a:extLst>
           </p:cNvPr>
@@ -4012,11 +5292,11 @@
           <a:p>
             <a:r>
               <a:rPr lang="en-US" dirty="0"/>
-              <a:t>Razor </a:t>
-            </a:r>
-            <a:r>
-              <a:rPr lang="en-US" dirty="0" err="1"/>
-              <a:t>PreComplier</a:t>
+              <a:t>AOT / </a:t>
+            </a:r>
+            <a:r>
+              <a:rPr lang="zh-TW" altLang="en-US" dirty="0"/>
+              <a:t>預先編譯</a:t>
             </a:r>
             <a:endParaRPr lang="en-US" dirty="0"/>
           </a:p>
@@ -4027,7 +5307,7 @@
           <p:cNvPr id="3" name="Content Placeholder 2">
             <a:extLst>
               <a:ext uri="{FF2B5EF4-FFF2-40B4-BE49-F238E27FC236}">
-                <a16:creationId xmlns="" xmlns:a16="http://schemas.microsoft.com/office/drawing/2014/main" id="{6DBE8D3E-7C25-44DD-8B72-3F9FAA2F4866}"/>
+                <a16:creationId xmlns:a16="http://schemas.microsoft.com/office/drawing/2014/main" xmlns="" id="{95194AC0-4DB1-4FB2-9435-A0E35585D5E8}"/>
               </a:ext>
             </a:extLst>
           </p:cNvPr>
@@ -4040,71 +5320,282 @@
         </p:nvSpPr>
         <p:spPr/>
         <p:txBody>
-          <a:bodyPr/>
+          <a:bodyPr>
+            <a:normAutofit/>
+          </a:bodyPr>
           <a:lstStyle/>
           <a:p>
-            <a:endParaRPr lang="en-US" dirty="0">
-              <a:hlinkClick r:id="rId2"/>
-            </a:endParaRPr>
-          </a:p>
-          <a:p>
+            <a:r>
+              <a:rPr lang="en-US" altLang="zh-TW" dirty="0"/>
+              <a:t>JIT(Just-in-Time)</a:t>
+            </a:r>
+            <a:r>
+              <a:rPr lang="zh-TW" altLang="en-US" dirty="0"/>
+              <a:t>：</a:t>
+            </a:r>
+            <a:r>
+              <a:rPr lang="en-US" altLang="zh-TW" dirty="0"/>
+              <a:t>Angular</a:t>
+            </a:r>
+            <a:r>
+              <a:rPr lang="zh-TW" altLang="en-US" dirty="0"/>
+              <a:t>預設是使用 </a:t>
+            </a:r>
+            <a:r>
+              <a:rPr lang="en-US" altLang="zh-TW" dirty="0"/>
+              <a:t>Just-in-Time (JIT) </a:t>
+            </a:r>
+            <a:r>
+              <a:rPr lang="zh-TW" altLang="en-US" dirty="0"/>
+              <a:t>即時編譯，等瀏覽器下載完 *</a:t>
+            </a:r>
+            <a:r>
+              <a:rPr lang="en-US" altLang="zh-TW" dirty="0"/>
+              <a:t>.</a:t>
+            </a:r>
+            <a:r>
+              <a:rPr lang="en-US" altLang="zh-TW" dirty="0" err="1"/>
+              <a:t>js</a:t>
+            </a:r>
+            <a:r>
+              <a:rPr lang="en-US" altLang="zh-TW" dirty="0"/>
+              <a:t> </a:t>
+            </a:r>
+            <a:r>
+              <a:rPr lang="zh-TW" altLang="en-US" dirty="0"/>
+              <a:t>檔案後，會在用戶端的瀏覽器編譯 </a:t>
+            </a:r>
+            <a:r>
+              <a:rPr lang="en-US" altLang="zh-TW" dirty="0"/>
+              <a:t>Angular </a:t>
+            </a:r>
+            <a:r>
+              <a:rPr lang="zh-TW" altLang="en-US" dirty="0"/>
+              <a:t>的 </a:t>
+            </a:r>
+            <a:r>
+              <a:rPr lang="en-US" altLang="zh-TW" dirty="0"/>
+              <a:t>JS </a:t>
+            </a:r>
+            <a:r>
+              <a:rPr lang="zh-TW" altLang="en-US" dirty="0"/>
+              <a:t>程式碼，接著才會渲染畫面。</a:t>
+            </a:r>
+            <a:endParaRPr lang="en-US" altLang="zh-TW" dirty="0"/>
+          </a:p>
+          <a:p>
+            <a:endParaRPr lang="zh-TW" altLang="en-US" dirty="0"/>
+          </a:p>
+          <a:p>
+            <a:r>
+              <a:rPr lang="en-US" altLang="zh-TW" dirty="0"/>
+              <a:t>AOT(Ahead-of-Time)</a:t>
+            </a:r>
+            <a:r>
+              <a:rPr lang="zh-TW" altLang="en-US" dirty="0"/>
+              <a:t>：在程式發佈之前就透過 </a:t>
+            </a:r>
+            <a:r>
+              <a:rPr lang="en-US" altLang="zh-TW" dirty="0"/>
+              <a:t>Angular Compiler </a:t>
+            </a:r>
+            <a:r>
+              <a:rPr lang="zh-TW" altLang="en-US" dirty="0"/>
+              <a:t>進行編譯，所以瀏覽器下載完的 *</a:t>
+            </a:r>
+            <a:r>
+              <a:rPr lang="en-US" altLang="zh-TW" dirty="0"/>
+              <a:t>.</a:t>
+            </a:r>
+            <a:r>
+              <a:rPr lang="en-US" altLang="zh-TW" dirty="0" err="1"/>
+              <a:t>js</a:t>
+            </a:r>
+            <a:r>
+              <a:rPr lang="en-US" altLang="zh-TW" dirty="0"/>
+              <a:t> </a:t>
+            </a:r>
+            <a:r>
+              <a:rPr lang="zh-TW" altLang="en-US" dirty="0"/>
+              <a:t>檔案，就可以直接被執行，然後渲染畫面。</a:t>
+            </a:r>
+            <a:endParaRPr lang="en-US" altLang="zh-TW" dirty="0"/>
+          </a:p>
+          <a:p>
+            <a:pPr marL="0" indent="0">
+              <a:buNone/>
+            </a:pPr>
+            <a:endParaRPr lang="en-US" dirty="0" smtClean="0"/>
+          </a:p>
+          <a:p>
+            <a:pPr marL="0" indent="0">
+              <a:buNone/>
+            </a:pPr>
+            <a:r>
+              <a:rPr lang="en-US" altLang="zh-TW" dirty="0" smtClean="0"/>
+              <a:t>Angular5</a:t>
+            </a:r>
+            <a:r>
+              <a:rPr lang="zh-TW" altLang="en-US" dirty="0"/>
+              <a:t> </a:t>
+            </a:r>
+            <a:r>
+              <a:rPr lang="en-US" altLang="zh-TW" dirty="0" smtClean="0"/>
+              <a:t>CLI</a:t>
+            </a:r>
+            <a:r>
+              <a:rPr lang="zh-TW" altLang="en-US" dirty="0" smtClean="0"/>
+              <a:t>大大</a:t>
+            </a:r>
+            <a:r>
+              <a:rPr lang="zh-TW" altLang="en-US" dirty="0"/>
+              <a:t>的簡化了</a:t>
+            </a:r>
+            <a:r>
+              <a:rPr lang="en-US" altLang="zh-TW" dirty="0"/>
+              <a:t>AOT</a:t>
+            </a:r>
+            <a:r>
+              <a:rPr lang="zh-TW" altLang="en-US" dirty="0"/>
+              <a:t>流程</a:t>
+            </a:r>
+            <a:endParaRPr lang="en-US" dirty="0"/>
+          </a:p>
+          <a:p>
+            <a:pPr marL="0" indent="0">
+              <a:buNone/>
+            </a:pPr>
+            <a:r>
+              <a:rPr lang="en-US" b="0" dirty="0" err="1"/>
+              <a:t>ng</a:t>
+            </a:r>
+            <a:r>
+              <a:rPr lang="en-US" b="0" dirty="0"/>
+              <a:t> build --</a:t>
+            </a:r>
+            <a:r>
+              <a:rPr lang="en-US" b="0" dirty="0" err="1"/>
+              <a:t>aot</a:t>
+            </a:r>
+            <a:endParaRPr lang="en-US" b="0" dirty="0"/>
+          </a:p>
+          <a:p>
+            <a:pPr marL="0" indent="0">
+              <a:buNone/>
+            </a:pPr>
+            <a:r>
+              <a:rPr lang="en-US" b="0" dirty="0" err="1"/>
+              <a:t>ng</a:t>
+            </a:r>
+            <a:r>
+              <a:rPr lang="en-US" b="0" dirty="0"/>
+              <a:t> serve –</a:t>
+            </a:r>
+            <a:r>
+              <a:rPr lang="en-US" b="0" dirty="0" err="1"/>
+              <a:t>aot</a:t>
+            </a:r>
+            <a:endParaRPr lang="en-US" b="0" dirty="0"/>
+          </a:p>
+          <a:p>
+            <a:pPr marL="0" indent="0">
+              <a:buNone/>
+            </a:pPr>
+            <a:endParaRPr lang="en-US" altLang="zh-TW" b="0" dirty="0" smtClean="0"/>
+          </a:p>
+          <a:p>
+            <a:pPr marL="0" indent="0">
+              <a:buNone/>
+            </a:pPr>
+            <a:r>
+              <a:rPr lang="zh-TW" altLang="en-US" dirty="0"/>
+              <a:t>最佳化參數</a:t>
+            </a:r>
+            <a:endParaRPr lang="en-US" altLang="zh-TW" dirty="0"/>
+          </a:p>
+          <a:p>
+            <a:pPr marL="0" indent="0">
+              <a:buNone/>
+            </a:pPr>
+            <a:r>
+              <a:rPr lang="en-US" altLang="zh-TW" b="0" dirty="0" smtClean="0"/>
+              <a:t>--</a:t>
+            </a:r>
+            <a:r>
+              <a:rPr lang="en-US" altLang="zh-TW" b="0" dirty="0"/>
+              <a:t>optimization </a:t>
+            </a:r>
+            <a:r>
+              <a:rPr lang="en-US" altLang="zh-TW" b="0" dirty="0" smtClean="0"/>
+              <a:t>: </a:t>
+            </a:r>
+            <a:r>
+              <a:rPr lang="zh-TW" altLang="en-US" b="0" dirty="0" smtClean="0"/>
+              <a:t>程式碼</a:t>
+            </a:r>
             <a:r>
               <a:rPr lang="zh-TW" altLang="en-US" b="0" dirty="0"/>
-              <a:t>發行時使用預先編譯選項，將所有的</a:t>
-            </a:r>
-            <a:r>
-              <a:rPr lang="en-US" altLang="zh-TW" b="0" dirty="0"/>
-              <a:t>View</a:t>
+              <a:t>混淆</a:t>
+            </a:r>
+            <a:r>
+              <a:rPr lang="en-US" altLang="zh-TW" b="0" dirty="0" err="1" smtClean="0"/>
+              <a:t>Uglification</a:t>
+            </a:r>
+            <a:r>
+              <a:rPr lang="en-US" altLang="zh-TW" b="0" dirty="0" smtClean="0"/>
+              <a:t> </a:t>
+            </a:r>
+            <a:r>
+              <a:rPr lang="zh-TW" altLang="en-US" b="0" dirty="0" smtClean="0"/>
+              <a:t>、消除死代碼、刪除</a:t>
             </a:r>
             <a:r>
               <a:rPr lang="zh-TW" altLang="en-US" b="0" dirty="0"/>
-              <a:t>都預先編譯好，在第一次執行時，速度會明顯快很多。另一好處是順便會幫你檢查</a:t>
-            </a:r>
-            <a:r>
-              <a:rPr lang="en-US" altLang="zh-TW" b="0" dirty="0"/>
-              <a:t>View</a:t>
-            </a:r>
-            <a:r>
-              <a:rPr lang="zh-TW" altLang="en-US" b="0" dirty="0"/>
-              <a:t>是否有錯誤，例如</a:t>
-            </a:r>
-            <a:r>
-              <a:rPr lang="en-US" altLang="zh-TW" b="0" dirty="0"/>
-              <a:t>:</a:t>
-            </a:r>
-            <a:r>
-              <a:rPr lang="en-US" altLang="zh-TW" b="0" dirty="0" err="1"/>
-              <a:t>ViewModel</a:t>
-            </a:r>
-            <a:r>
-              <a:rPr lang="zh-TW" altLang="en-US" b="0" dirty="0"/>
-              <a:t>已移除的屬性，但</a:t>
-            </a:r>
-            <a:r>
-              <a:rPr lang="en-US" altLang="zh-TW" b="0" dirty="0"/>
-              <a:t>View</a:t>
-            </a:r>
-            <a:r>
-              <a:rPr lang="zh-TW" altLang="en-US" b="0" dirty="0"/>
-              <a:t>在設計時期，無法知道。</a:t>
-            </a:r>
+              <a:t>多餘的空白，註釋和可選的</a:t>
+            </a:r>
+            <a:r>
+              <a:rPr lang="zh-TW" altLang="en-US" b="0" dirty="0" smtClean="0"/>
+              <a:t>令牌</a:t>
+            </a:r>
+            <a:r>
+              <a:rPr lang="en-US" altLang="zh-TW" b="0" dirty="0" smtClean="0"/>
+              <a:t>(Tree-shaking)</a:t>
+            </a:r>
+          </a:p>
+          <a:p>
+            <a:pPr marL="0" indent="0">
+              <a:buNone/>
+            </a:pPr>
             <a:endParaRPr lang="en-US" altLang="zh-TW" b="0" dirty="0"/>
           </a:p>
           <a:p>
-            <a:r>
-              <a:rPr lang="en-US" dirty="0">
-                <a:hlinkClick r:id="rId2"/>
-              </a:rPr>
-              <a:t>https://note.kimx.info/2015/10/mvc-view-precompiler.html</a:t>
-            </a:r>
-            <a:endParaRPr lang="en-US" dirty="0"/>
-          </a:p>
-          <a:p>
-            <a:endParaRPr lang="en-US" dirty="0">
-              <a:hlinkClick r:id="rId2"/>
-            </a:endParaRPr>
-          </a:p>
-          <a:p>
+            <a:pPr marL="0" indent="0">
+              <a:buNone/>
+            </a:pPr>
+            <a:endParaRPr lang="en-US" altLang="zh-TW" b="0" dirty="0"/>
+          </a:p>
+          <a:p>
+            <a:pPr marL="0" indent="0">
+              <a:buNone/>
+            </a:pPr>
+            <a:endParaRPr lang="zh-TW" altLang="en-US" b="0" dirty="0"/>
+          </a:p>
+          <a:p>
+            <a:pPr marL="0" indent="0">
+              <a:buNone/>
+            </a:pPr>
+            <a:endParaRPr lang="zh-TW" altLang="en-US" b="0" dirty="0"/>
+          </a:p>
+          <a:p>
+            <a:pPr marL="0" indent="0">
+              <a:buNone/>
+            </a:pPr>
+            <a:endParaRPr lang="en-US" altLang="zh-TW" b="0" dirty="0"/>
+          </a:p>
+          <a:p>
+            <a:pPr marL="0" indent="0">
+              <a:buNone/>
+            </a:pPr>
             <a:endParaRPr lang="en-US" dirty="0"/>
           </a:p>
         </p:txBody>
@@ -4114,7 +5605,7 @@
           <p:cNvPr id="4" name="Slide Number Placeholder 3">
             <a:extLst>
               <a:ext uri="{FF2B5EF4-FFF2-40B4-BE49-F238E27FC236}">
-                <a16:creationId xmlns="" xmlns:a16="http://schemas.microsoft.com/office/drawing/2014/main" id="{FCBDD51D-8165-4FAF-86F9-F6D2F57249BB}"/>
+                <a16:creationId xmlns:a16="http://schemas.microsoft.com/office/drawing/2014/main" xmlns="" id="{C694A819-ED1A-48B8-8D88-AF4044974888}"/>
               </a:ext>
             </a:extLst>
           </p:cNvPr>
@@ -4139,57 +5630,10 @@
           </a:p>
         </p:txBody>
       </p:sp>
-      <p:pic>
-        <p:nvPicPr>
-          <p:cNvPr id="1026" name="Picture 2" descr="image">
-            <a:extLst>
-              <a:ext uri="{FF2B5EF4-FFF2-40B4-BE49-F238E27FC236}">
-                <a16:creationId xmlns="" xmlns:a16="http://schemas.microsoft.com/office/drawing/2014/main" id="{E0719DBF-0CA0-4FC2-9F4F-74DDF27F8AE6}"/>
-              </a:ext>
-            </a:extLst>
-          </p:cNvPr>
-          <p:cNvPicPr>
-            <a:picLocks noChangeAspect="1" noChangeArrowheads="1"/>
-          </p:cNvPicPr>
-          <p:nvPr/>
-        </p:nvPicPr>
-        <p:blipFill>
-          <a:blip r:embed="rId3">
-            <a:extLst>
-              <a:ext uri="{28A0092B-C50C-407E-A947-70E740481C1C}">
-                <a14:useLocalDpi xmlns:a14="http://schemas.microsoft.com/office/drawing/2010/main" val="0"/>
-              </a:ext>
-            </a:extLst>
-          </a:blip>
-          <a:srcRect/>
-          <a:stretch>
-            <a:fillRect/>
-          </a:stretch>
-        </p:blipFill>
-        <p:spPr bwMode="auto">
-          <a:xfrm>
-            <a:off x="533401" y="3119438"/>
-            <a:ext cx="4495800" cy="3422348"/>
-          </a:xfrm>
-          <a:prstGeom prst="rect">
-            <a:avLst/>
-          </a:prstGeom>
-          <a:noFill/>
-          <a:extLst>
-            <a:ext uri="{909E8E84-426E-40DD-AFC4-6F175D3DCCD1}">
-              <a14:hiddenFill xmlns:a14="http://schemas.microsoft.com/office/drawing/2010/main">
-                <a:solidFill>
-                  <a:srgbClr val="FFFFFF"/>
-                </a:solidFill>
-              </a14:hiddenFill>
-            </a:ext>
-          </a:extLst>
-        </p:spPr>
-      </p:pic>
     </p:spTree>
     <p:extLst>
       <p:ext uri="{BB962C8B-B14F-4D97-AF65-F5344CB8AC3E}">
-        <p14:creationId xmlns:p14="http://schemas.microsoft.com/office/powerpoint/2010/main" val="1621229850"/>
+        <p14:creationId xmlns:p14="http://schemas.microsoft.com/office/powerpoint/2010/main" val="965825638"/>
       </p:ext>
     </p:extLst>
   </p:cSld>
@@ -4221,7 +5665,7 @@
           <p:cNvPr id="2" name="Title 1">
             <a:extLst>
               <a:ext uri="{FF2B5EF4-FFF2-40B4-BE49-F238E27FC236}">
-                <a16:creationId xmlns="" xmlns:a16="http://schemas.microsoft.com/office/drawing/2014/main" id="{3A48E285-584F-425D-B674-F5D5ABCE8A61}"/>
+                <a16:creationId xmlns:a16="http://schemas.microsoft.com/office/drawing/2014/main" xmlns="" id="{3D17F768-F0A5-4D76-8A54-4E475517A6D9}"/>
               </a:ext>
             </a:extLst>
           </p:cNvPr>
@@ -4239,373 +5683,6 @@
           <a:p>
             <a:r>
               <a:rPr lang="en-US" dirty="0"/>
-              <a:t>AOT / </a:t>
-            </a:r>
-            <a:r>
-              <a:rPr lang="zh-TW" altLang="en-US" dirty="0"/>
-              <a:t>預先編譯</a:t>
-            </a:r>
-            <a:endParaRPr lang="en-US" dirty="0"/>
-          </a:p>
-        </p:txBody>
-      </p:sp>
-      <p:sp>
-        <p:nvSpPr>
-          <p:cNvPr id="3" name="Content Placeholder 2">
-            <a:extLst>
-              <a:ext uri="{FF2B5EF4-FFF2-40B4-BE49-F238E27FC236}">
-                <a16:creationId xmlns="" xmlns:a16="http://schemas.microsoft.com/office/drawing/2014/main" id="{95194AC0-4DB1-4FB2-9435-A0E35585D5E8}"/>
-              </a:ext>
-            </a:extLst>
-          </p:cNvPr>
-          <p:cNvSpPr>
-            <a:spLocks noGrp="1"/>
-          </p:cNvSpPr>
-          <p:nvPr>
-            <p:ph idx="1"/>
-          </p:nvPr>
-        </p:nvSpPr>
-        <p:spPr/>
-        <p:txBody>
-          <a:bodyPr>
-            <a:normAutofit/>
-          </a:bodyPr>
-          <a:lstStyle/>
-          <a:p>
-            <a:r>
-              <a:rPr lang="en-US" altLang="zh-TW" dirty="0"/>
-              <a:t>JIT(Just-in-Time)</a:t>
-            </a:r>
-            <a:r>
-              <a:rPr lang="zh-TW" altLang="en-US" dirty="0"/>
-              <a:t>：</a:t>
-            </a:r>
-            <a:r>
-              <a:rPr lang="en-US" altLang="zh-TW" dirty="0"/>
-              <a:t>Angular</a:t>
-            </a:r>
-            <a:r>
-              <a:rPr lang="zh-TW" altLang="en-US" dirty="0"/>
-              <a:t>預設是使用 </a:t>
-            </a:r>
-            <a:r>
-              <a:rPr lang="en-US" altLang="zh-TW" dirty="0"/>
-              <a:t>Just-in-Time (JIT) </a:t>
-            </a:r>
-            <a:r>
-              <a:rPr lang="zh-TW" altLang="en-US" dirty="0"/>
-              <a:t>即時編譯，等瀏覽器下載完 *</a:t>
-            </a:r>
-            <a:r>
-              <a:rPr lang="en-US" altLang="zh-TW" dirty="0"/>
-              <a:t>.</a:t>
-            </a:r>
-            <a:r>
-              <a:rPr lang="en-US" altLang="zh-TW" dirty="0" err="1"/>
-              <a:t>js</a:t>
-            </a:r>
-            <a:r>
-              <a:rPr lang="en-US" altLang="zh-TW" dirty="0"/>
-              <a:t> </a:t>
-            </a:r>
-            <a:r>
-              <a:rPr lang="zh-TW" altLang="en-US" dirty="0"/>
-              <a:t>檔案後，會在用戶端的瀏覽器編譯 </a:t>
-            </a:r>
-            <a:r>
-              <a:rPr lang="en-US" altLang="zh-TW" dirty="0"/>
-              <a:t>Angular </a:t>
-            </a:r>
-            <a:r>
-              <a:rPr lang="zh-TW" altLang="en-US" dirty="0"/>
-              <a:t>的 </a:t>
-            </a:r>
-            <a:r>
-              <a:rPr lang="en-US" altLang="zh-TW" dirty="0"/>
-              <a:t>JS </a:t>
-            </a:r>
-            <a:r>
-              <a:rPr lang="zh-TW" altLang="en-US" dirty="0"/>
-              <a:t>程式碼，接著才會渲染畫面。</a:t>
-            </a:r>
-            <a:endParaRPr lang="en-US" altLang="zh-TW" dirty="0"/>
-          </a:p>
-          <a:p>
-            <a:endParaRPr lang="zh-TW" altLang="en-US" dirty="0"/>
-          </a:p>
-          <a:p>
-            <a:r>
-              <a:rPr lang="en-US" altLang="zh-TW" dirty="0"/>
-              <a:t>AOT(Ahead-of-Time)</a:t>
-            </a:r>
-            <a:r>
-              <a:rPr lang="zh-TW" altLang="en-US" dirty="0"/>
-              <a:t>：在程式發佈之前就透過 </a:t>
-            </a:r>
-            <a:r>
-              <a:rPr lang="en-US" altLang="zh-TW" dirty="0"/>
-              <a:t>Angular Compiler </a:t>
-            </a:r>
-            <a:r>
-              <a:rPr lang="zh-TW" altLang="en-US" dirty="0"/>
-              <a:t>進行編譯，所以瀏覽器下載完的 *</a:t>
-            </a:r>
-            <a:r>
-              <a:rPr lang="en-US" altLang="zh-TW" dirty="0"/>
-              <a:t>.</a:t>
-            </a:r>
-            <a:r>
-              <a:rPr lang="en-US" altLang="zh-TW" dirty="0" err="1"/>
-              <a:t>js</a:t>
-            </a:r>
-            <a:r>
-              <a:rPr lang="en-US" altLang="zh-TW" dirty="0"/>
-              <a:t> </a:t>
-            </a:r>
-            <a:r>
-              <a:rPr lang="zh-TW" altLang="en-US" dirty="0"/>
-              <a:t>檔案，就可以直接被執行，然後渲染畫面。</a:t>
-            </a:r>
-            <a:endParaRPr lang="en-US" altLang="zh-TW" dirty="0"/>
-          </a:p>
-          <a:p>
-            <a:pPr marL="0" indent="0">
-              <a:buNone/>
-            </a:pPr>
-            <a:endParaRPr lang="en-US" dirty="0" smtClean="0"/>
-          </a:p>
-          <a:p>
-            <a:pPr marL="0" indent="0">
-              <a:buNone/>
-            </a:pPr>
-            <a:r>
-              <a:rPr lang="en-US" altLang="zh-TW" b="0" dirty="0" smtClean="0"/>
-              <a:t>Angular5</a:t>
-            </a:r>
-            <a:r>
-              <a:rPr lang="zh-TW" altLang="en-US" b="0" dirty="0"/>
-              <a:t>大大的簡化了</a:t>
-            </a:r>
-            <a:r>
-              <a:rPr lang="en-US" altLang="zh-TW" b="0" dirty="0"/>
-              <a:t>AOT</a:t>
-            </a:r>
-            <a:r>
-              <a:rPr lang="zh-TW" altLang="en-US" b="0" dirty="0" smtClean="0"/>
-              <a:t>流程</a:t>
-            </a:r>
-            <a:endParaRPr lang="en-US" dirty="0"/>
-          </a:p>
-          <a:p>
-            <a:pPr marL="0" indent="0">
-              <a:buNone/>
-            </a:pPr>
-            <a:r>
-              <a:rPr lang="en-US" dirty="0" err="1"/>
-              <a:t>ng</a:t>
-            </a:r>
-            <a:r>
-              <a:rPr lang="en-US" dirty="0"/>
-              <a:t> build --</a:t>
-            </a:r>
-            <a:r>
-              <a:rPr lang="en-US" dirty="0" err="1"/>
-              <a:t>aot</a:t>
-            </a:r>
-            <a:endParaRPr lang="en-US" dirty="0"/>
-          </a:p>
-          <a:p>
-            <a:pPr marL="0" indent="0">
-              <a:buNone/>
-            </a:pPr>
-            <a:r>
-              <a:rPr lang="en-US" dirty="0" err="1"/>
-              <a:t>ng</a:t>
-            </a:r>
-            <a:r>
-              <a:rPr lang="en-US" dirty="0"/>
-              <a:t> serve </a:t>
-            </a:r>
-            <a:r>
-              <a:rPr lang="en-US" dirty="0" smtClean="0"/>
-              <a:t>–</a:t>
-            </a:r>
-            <a:r>
-              <a:rPr lang="en-US" dirty="0" err="1" smtClean="0"/>
-              <a:t>aot</a:t>
-            </a:r>
-            <a:endParaRPr lang="en-US" dirty="0" smtClean="0"/>
-          </a:p>
-          <a:p>
-            <a:pPr marL="0" indent="0">
-              <a:buNone/>
-            </a:pPr>
-            <a:endParaRPr lang="en-US" altLang="zh-TW" b="0" dirty="0" smtClean="0"/>
-          </a:p>
-          <a:p>
-            <a:pPr marL="0" indent="0">
-              <a:buNone/>
-            </a:pPr>
-            <a:r>
-              <a:rPr lang="zh-TW" altLang="en-US" b="0" dirty="0" smtClean="0"/>
-              <a:t>縮小檔案</a:t>
-            </a:r>
-            <a:r>
-              <a:rPr lang="en-US" altLang="zh-TW" b="0" dirty="0" smtClean="0"/>
-              <a:t>(</a:t>
-            </a:r>
-            <a:r>
-              <a:rPr lang="zh-TW" altLang="en-US" b="0" dirty="0" smtClean="0"/>
-              <a:t>搖樹，移不沒用到的</a:t>
-            </a:r>
-            <a:r>
-              <a:rPr lang="en-US" altLang="zh-TW" b="0" dirty="0" smtClean="0"/>
-              <a:t>)</a:t>
-            </a:r>
-          </a:p>
-          <a:p>
-            <a:pPr marL="0" indent="0">
-              <a:buNone/>
-            </a:pPr>
-            <a:r>
-              <a:rPr lang="en-US" altLang="zh-TW" b="0" dirty="0" smtClean="0"/>
-              <a:t>--</a:t>
-            </a:r>
-            <a:r>
-              <a:rPr lang="en-US" altLang="zh-TW" b="0" dirty="0" err="1" smtClean="0"/>
-              <a:t>buildOptimizer</a:t>
-            </a:r>
-            <a:r>
-              <a:rPr lang="en-US" altLang="zh-TW" b="0" dirty="0" smtClean="0"/>
-              <a:t>  ( need </a:t>
-            </a:r>
-            <a:r>
-              <a:rPr lang="en-US" altLang="zh-TW" b="0" dirty="0" err="1" smtClean="0"/>
-              <a:t>aot</a:t>
-            </a:r>
-            <a:r>
-              <a:rPr lang="en-US" altLang="zh-TW" b="0" dirty="0" smtClean="0"/>
-              <a:t>) </a:t>
-            </a:r>
-          </a:p>
-          <a:p>
-            <a:pPr marL="0" indent="0">
-              <a:buNone/>
-            </a:pPr>
-            <a:r>
-              <a:rPr lang="en-US" altLang="zh-TW" b="0" dirty="0"/>
-              <a:t>--optimization </a:t>
-            </a:r>
-          </a:p>
-          <a:p>
-            <a:pPr marL="0" indent="0">
-              <a:buNone/>
-            </a:pPr>
-            <a:endParaRPr lang="zh-TW" altLang="en-US" b="0" dirty="0"/>
-          </a:p>
-          <a:p>
-            <a:pPr marL="0" indent="0">
-              <a:buNone/>
-            </a:pPr>
-            <a:endParaRPr lang="zh-TW" altLang="en-US" b="0" dirty="0"/>
-          </a:p>
-          <a:p>
-            <a:pPr marL="0" indent="0">
-              <a:buNone/>
-            </a:pPr>
-            <a:endParaRPr lang="en-US" altLang="zh-TW" b="0" dirty="0"/>
-          </a:p>
-          <a:p>
-            <a:pPr marL="0" indent="0">
-              <a:buNone/>
-            </a:pPr>
-            <a:endParaRPr lang="en-US" dirty="0"/>
-          </a:p>
-        </p:txBody>
-      </p:sp>
-      <p:sp>
-        <p:nvSpPr>
-          <p:cNvPr id="4" name="Slide Number Placeholder 3">
-            <a:extLst>
-              <a:ext uri="{FF2B5EF4-FFF2-40B4-BE49-F238E27FC236}">
-                <a16:creationId xmlns="" xmlns:a16="http://schemas.microsoft.com/office/drawing/2014/main" id="{C694A819-ED1A-48B8-8D88-AF4044974888}"/>
-              </a:ext>
-            </a:extLst>
-          </p:cNvPr>
-          <p:cNvSpPr>
-            <a:spLocks noGrp="1"/>
-          </p:cNvSpPr>
-          <p:nvPr>
-            <p:ph type="sldNum" sz="quarter" idx="4"/>
-          </p:nvPr>
-        </p:nvSpPr>
-        <p:spPr/>
-        <p:txBody>
-          <a:bodyPr/>
-          <a:lstStyle/>
-          <a:p>
-            <a:fld id="{801F999B-7B52-4D79-9214-546FA5F56CCA}" type="slidenum">
-              <a:rPr lang="en-US" smtClean="0"/>
-              <a:pPr/>
-              <a:t>3</a:t>
-            </a:fld>
-            <a:endParaRPr lang="en-US" dirty="0"/>
-          </a:p>
-        </p:txBody>
-      </p:sp>
-    </p:spTree>
-    <p:extLst>
-      <p:ext uri="{BB962C8B-B14F-4D97-AF65-F5344CB8AC3E}">
-        <p14:creationId xmlns:p14="http://schemas.microsoft.com/office/powerpoint/2010/main" val="965825638"/>
-      </p:ext>
-    </p:extLst>
-  </p:cSld>
-  <p:clrMapOvr>
-    <a:masterClrMapping/>
-  </p:clrMapOvr>
-</p:sld>
-</file>
-
-<file path=ppt/slides/slide4.xml><?xml version="1.0" encoding="utf-8"?>
-<p:sld xmlns:a="http://schemas.openxmlformats.org/drawingml/2006/main" xmlns:r="http://schemas.openxmlformats.org/officeDocument/2006/relationships" xmlns:p="http://schemas.openxmlformats.org/presentationml/2006/main">
-  <p:cSld>
-    <p:spTree>
-      <p:nvGrpSpPr>
-        <p:cNvPr id="1" name=""/>
-        <p:cNvGrpSpPr/>
-        <p:nvPr/>
-      </p:nvGrpSpPr>
-      <p:grpSpPr>
-        <a:xfrm>
-          <a:off x="0" y="0"/>
-          <a:ext cx="0" cy="0"/>
-          <a:chOff x="0" y="0"/>
-          <a:chExt cx="0" cy="0"/>
-        </a:xfrm>
-      </p:grpSpPr>
-      <p:sp>
-        <p:nvSpPr>
-          <p:cNvPr id="2" name="Title 1">
-            <a:extLst>
-              <a:ext uri="{FF2B5EF4-FFF2-40B4-BE49-F238E27FC236}">
-                <a16:creationId xmlns="" xmlns:a16="http://schemas.microsoft.com/office/drawing/2014/main" id="{3D17F768-F0A5-4D76-8A54-4E475517A6D9}"/>
-              </a:ext>
-            </a:extLst>
-          </p:cNvPr>
-          <p:cNvSpPr>
-            <a:spLocks noGrp="1"/>
-          </p:cNvSpPr>
-          <p:nvPr>
-            <p:ph type="title"/>
-          </p:nvPr>
-        </p:nvSpPr>
-        <p:spPr/>
-        <p:txBody>
-          <a:bodyPr/>
-          <a:lstStyle/>
-          <a:p>
-            <a:r>
-              <a:rPr lang="en-US" dirty="0"/>
               <a:t>JIT VS AOT</a:t>
             </a:r>
           </a:p>
@@ -4616,7 +5693,7 @@
           <p:cNvPr id="6" name="Content Placeholder 5">
             <a:extLst>
               <a:ext uri="{FF2B5EF4-FFF2-40B4-BE49-F238E27FC236}">
-                <a16:creationId xmlns="" xmlns:a16="http://schemas.microsoft.com/office/drawing/2014/main" id="{507945AC-55CB-40F6-B45A-11AAABD28A31}"/>
+                <a16:creationId xmlns:a16="http://schemas.microsoft.com/office/drawing/2014/main" xmlns="" id="{507945AC-55CB-40F6-B45A-11AAABD28A31}"/>
               </a:ext>
             </a:extLst>
           </p:cNvPr>
@@ -4646,7 +5723,7 @@
                 <a:gridCol w="7772400">
                   <a:extLst>
                     <a:ext uri="{9D8B030D-6E8A-4147-A177-3AD203B41FA5}">
-                      <a16:colId xmlns="" xmlns:a16="http://schemas.microsoft.com/office/drawing/2014/main" val="1199065692"/>
+                      <a16:colId xmlns:a16="http://schemas.microsoft.com/office/drawing/2014/main" xmlns="" val="1199065692"/>
                     </a:ext>
                   </a:extLst>
                 </a:gridCol>
@@ -4667,7 +5744,7 @@
                 </a:tc>
                 <a:extLst>
                   <a:ext uri="{0D108BD9-81ED-4DB2-BD59-A6C34878D82A}">
-                    <a16:rowId xmlns="" xmlns:a16="http://schemas.microsoft.com/office/drawing/2014/main" val="1767338010"/>
+                    <a16:rowId xmlns:a16="http://schemas.microsoft.com/office/drawing/2014/main" xmlns="" val="1767338010"/>
                   </a:ext>
                 </a:extLst>
               </a:tr>
@@ -5090,7 +6167,7 @@
                 </a:tc>
                 <a:extLst>
                   <a:ext uri="{0D108BD9-81ED-4DB2-BD59-A6C34878D82A}">
-                    <a16:rowId xmlns="" xmlns:a16="http://schemas.microsoft.com/office/drawing/2014/main" val="2317173366"/>
+                    <a16:rowId xmlns:a16="http://schemas.microsoft.com/office/drawing/2014/main" xmlns="" val="2317173366"/>
                   </a:ext>
                 </a:extLst>
               </a:tr>
@@ -5103,7 +6180,7 @@
           <p:cNvPr id="4" name="Slide Number Placeholder 3">
             <a:extLst>
               <a:ext uri="{FF2B5EF4-FFF2-40B4-BE49-F238E27FC236}">
-                <a16:creationId xmlns="" xmlns:a16="http://schemas.microsoft.com/office/drawing/2014/main" id="{6C7A083D-7634-46C8-9481-4C324742DDC4}"/>
+                <a16:creationId xmlns:a16="http://schemas.microsoft.com/office/drawing/2014/main" xmlns="" id="{6C7A083D-7634-46C8-9481-4C324742DDC4}"/>
               </a:ext>
             </a:extLst>
           </p:cNvPr>
@@ -5122,7 +6199,7 @@
             <a:fld id="{801F999B-7B52-4D79-9214-546FA5F56CCA}" type="slidenum">
               <a:rPr lang="en-US" smtClean="0"/>
               <a:pPr/>
-              <a:t>4</a:t>
+              <a:t>3</a:t>
             </a:fld>
             <a:endParaRPr lang="en-US" dirty="0"/>
           </a:p>
@@ -5132,6 +6209,248 @@
     <p:extLst>
       <p:ext uri="{BB962C8B-B14F-4D97-AF65-F5344CB8AC3E}">
         <p14:creationId xmlns:p14="http://schemas.microsoft.com/office/powerpoint/2010/main" val="3938084632"/>
+      </p:ext>
+    </p:extLst>
+  </p:cSld>
+  <p:clrMapOvr>
+    <a:masterClrMapping/>
+  </p:clrMapOvr>
+</p:sld>
+</file>
+
+<file path=ppt/slides/slide4.xml><?xml version="1.0" encoding="utf-8"?>
+<p:sld xmlns:a="http://schemas.openxmlformats.org/drawingml/2006/main" xmlns:r="http://schemas.openxmlformats.org/officeDocument/2006/relationships" xmlns:p="http://schemas.openxmlformats.org/presentationml/2006/main">
+  <p:cSld>
+    <p:spTree>
+      <p:nvGrpSpPr>
+        <p:cNvPr id="1" name=""/>
+        <p:cNvGrpSpPr/>
+        <p:nvPr/>
+      </p:nvGrpSpPr>
+      <p:grpSpPr>
+        <a:xfrm>
+          <a:off x="0" y="0"/>
+          <a:ext cx="0" cy="0"/>
+          <a:chOff x="0" y="0"/>
+          <a:chExt cx="0" cy="0"/>
+        </a:xfrm>
+      </p:grpSpPr>
+      <p:sp>
+        <p:nvSpPr>
+          <p:cNvPr id="2" name="Title 1">
+            <a:extLst>
+              <a:ext uri="{FF2B5EF4-FFF2-40B4-BE49-F238E27FC236}">
+                <a16:creationId xmlns:a16="http://schemas.microsoft.com/office/drawing/2014/main" xmlns="" id="{19BE3664-535A-4792-A501-B4FDD5D75620}"/>
+              </a:ext>
+            </a:extLst>
+          </p:cNvPr>
+          <p:cNvSpPr>
+            <a:spLocks noGrp="1"/>
+          </p:cNvSpPr>
+          <p:nvPr>
+            <p:ph type="title"/>
+          </p:nvPr>
+        </p:nvSpPr>
+        <p:spPr/>
+        <p:txBody>
+          <a:bodyPr/>
+          <a:lstStyle/>
+          <a:p>
+            <a:r>
+              <a:rPr lang="en-US" dirty="0"/>
+              <a:t>Razor </a:t>
+            </a:r>
+            <a:r>
+              <a:rPr lang="en-US" dirty="0" err="1"/>
+              <a:t>PreComplier</a:t>
+            </a:r>
+            <a:endParaRPr lang="en-US" dirty="0"/>
+          </a:p>
+        </p:txBody>
+      </p:sp>
+      <p:sp>
+        <p:nvSpPr>
+          <p:cNvPr id="3" name="Content Placeholder 2">
+            <a:extLst>
+              <a:ext uri="{FF2B5EF4-FFF2-40B4-BE49-F238E27FC236}">
+                <a16:creationId xmlns:a16="http://schemas.microsoft.com/office/drawing/2014/main" xmlns="" id="{6DBE8D3E-7C25-44DD-8B72-3F9FAA2F4866}"/>
+              </a:ext>
+            </a:extLst>
+          </p:cNvPr>
+          <p:cNvSpPr>
+            <a:spLocks noGrp="1"/>
+          </p:cNvSpPr>
+          <p:nvPr>
+            <p:ph idx="1"/>
+          </p:nvPr>
+        </p:nvSpPr>
+        <p:spPr/>
+        <p:txBody>
+          <a:bodyPr/>
+          <a:lstStyle/>
+          <a:p>
+            <a:endParaRPr lang="en-US" dirty="0">
+              <a:hlinkClick r:id="rId3"/>
+            </a:endParaRPr>
+          </a:p>
+          <a:p>
+            <a:r>
+              <a:rPr lang="zh-TW" altLang="en-US" b="0" dirty="0"/>
+              <a:t>發行時使用預先編譯選項，將所有的</a:t>
+            </a:r>
+            <a:r>
+              <a:rPr lang="en-US" altLang="zh-TW" b="0" dirty="0"/>
+              <a:t>View</a:t>
+            </a:r>
+            <a:r>
+              <a:rPr lang="zh-TW" altLang="en-US" b="0" dirty="0"/>
+              <a:t>都預先編譯好，在第一次執行時，速度會明顯快很多。另一好處是順便會幫你檢查</a:t>
+            </a:r>
+            <a:r>
+              <a:rPr lang="en-US" altLang="zh-TW" b="0" dirty="0"/>
+              <a:t>View</a:t>
+            </a:r>
+            <a:r>
+              <a:rPr lang="zh-TW" altLang="en-US" b="0" dirty="0"/>
+              <a:t>是否有錯誤，例如</a:t>
+            </a:r>
+            <a:r>
+              <a:rPr lang="en-US" altLang="zh-TW" b="0" dirty="0"/>
+              <a:t>:</a:t>
+            </a:r>
+            <a:r>
+              <a:rPr lang="en-US" altLang="zh-TW" b="0" dirty="0" err="1"/>
+              <a:t>ViewModel</a:t>
+            </a:r>
+            <a:r>
+              <a:rPr lang="zh-TW" altLang="en-US" b="0" dirty="0"/>
+              <a:t>已移除的屬性，但</a:t>
+            </a:r>
+            <a:r>
+              <a:rPr lang="en-US" altLang="zh-TW" b="0" dirty="0"/>
+              <a:t>View</a:t>
+            </a:r>
+            <a:r>
+              <a:rPr lang="zh-TW" altLang="en-US" b="0" dirty="0"/>
+              <a:t>在設計時期，無法知道。</a:t>
+            </a:r>
+            <a:endParaRPr lang="en-US" altLang="zh-TW" b="0" dirty="0"/>
+          </a:p>
+          <a:p>
+            <a:endParaRPr lang="en-US" dirty="0">
+              <a:hlinkClick r:id="rId3"/>
+            </a:endParaRPr>
+          </a:p>
+          <a:p>
+            <a:endParaRPr lang="en-US" dirty="0"/>
+          </a:p>
+        </p:txBody>
+      </p:sp>
+      <p:sp>
+        <p:nvSpPr>
+          <p:cNvPr id="4" name="Slide Number Placeholder 3">
+            <a:extLst>
+              <a:ext uri="{FF2B5EF4-FFF2-40B4-BE49-F238E27FC236}">
+                <a16:creationId xmlns:a16="http://schemas.microsoft.com/office/drawing/2014/main" xmlns="" id="{FCBDD51D-8165-4FAF-86F9-F6D2F57249BB}"/>
+              </a:ext>
+            </a:extLst>
+          </p:cNvPr>
+          <p:cNvSpPr>
+            <a:spLocks noGrp="1"/>
+          </p:cNvSpPr>
+          <p:nvPr>
+            <p:ph type="sldNum" sz="quarter" idx="4"/>
+          </p:nvPr>
+        </p:nvSpPr>
+        <p:spPr/>
+        <p:txBody>
+          <a:bodyPr/>
+          <a:lstStyle/>
+          <a:p>
+            <a:fld id="{801F999B-7B52-4D79-9214-546FA5F56CCA}" type="slidenum">
+              <a:rPr lang="en-US" smtClean="0"/>
+              <a:pPr/>
+              <a:t>4</a:t>
+            </a:fld>
+            <a:endParaRPr lang="en-US" dirty="0"/>
+          </a:p>
+        </p:txBody>
+      </p:sp>
+      <p:pic>
+        <p:nvPicPr>
+          <p:cNvPr id="1026" name="Picture 2" descr="image">
+            <a:extLst>
+              <a:ext uri="{FF2B5EF4-FFF2-40B4-BE49-F238E27FC236}">
+                <a16:creationId xmlns:a16="http://schemas.microsoft.com/office/drawing/2014/main" xmlns="" id="{E0719DBF-0CA0-4FC2-9F4F-74DDF27F8AE6}"/>
+              </a:ext>
+            </a:extLst>
+          </p:cNvPr>
+          <p:cNvPicPr>
+            <a:picLocks noChangeAspect="1" noChangeArrowheads="1"/>
+          </p:cNvPicPr>
+          <p:nvPr/>
+        </p:nvPicPr>
+        <p:blipFill>
+          <a:blip r:embed="rId4">
+            <a:extLst>
+              <a:ext uri="{28A0092B-C50C-407E-A947-70E740481C1C}">
+                <a14:useLocalDpi xmlns:a14="http://schemas.microsoft.com/office/drawing/2010/main" val="0"/>
+              </a:ext>
+            </a:extLst>
+          </a:blip>
+          <a:srcRect/>
+          <a:stretch>
+            <a:fillRect/>
+          </a:stretch>
+        </p:blipFill>
+        <p:spPr bwMode="auto">
+          <a:xfrm>
+            <a:off x="141776" y="3048000"/>
+            <a:ext cx="4389443" cy="3519487"/>
+          </a:xfrm>
+          <a:prstGeom prst="rect">
+            <a:avLst/>
+          </a:prstGeom>
+          <a:noFill/>
+          <a:extLst>
+            <a:ext uri="{909E8E84-426E-40DD-AFC4-6F175D3DCCD1}">
+              <a14:hiddenFill xmlns:a14="http://schemas.microsoft.com/office/drawing/2010/main">
+                <a:solidFill>
+                  <a:srgbClr val="FFFFFF"/>
+                </a:solidFill>
+              </a14:hiddenFill>
+            </a:ext>
+          </a:extLst>
+        </p:spPr>
+      </p:pic>
+      <p:pic>
+        <p:nvPicPr>
+          <p:cNvPr id="5" name="圖片 4"/>
+          <p:cNvPicPr>
+            <a:picLocks noChangeAspect="1"/>
+          </p:cNvPicPr>
+          <p:nvPr/>
+        </p:nvPicPr>
+        <p:blipFill>
+          <a:blip r:embed="rId5"/>
+          <a:stretch>
+            <a:fillRect/>
+          </a:stretch>
+        </p:blipFill>
+        <p:spPr>
+          <a:xfrm>
+            <a:off x="4584946" y="3048000"/>
+            <a:ext cx="4507955" cy="3519487"/>
+          </a:xfrm>
+          <a:prstGeom prst="rect">
+            <a:avLst/>
+          </a:prstGeom>
+        </p:spPr>
+      </p:pic>
+    </p:spTree>
+    <p:extLst>
+      <p:ext uri="{BB962C8B-B14F-4D97-AF65-F5344CB8AC3E}">
+        <p14:creationId xmlns:p14="http://schemas.microsoft.com/office/powerpoint/2010/main" val="1621229850"/>
       </p:ext>
     </p:extLst>
   </p:cSld>
@@ -5163,7 +6482,7 @@
           <p:cNvPr id="2" name="Title 1">
             <a:extLst>
               <a:ext uri="{FF2B5EF4-FFF2-40B4-BE49-F238E27FC236}">
-                <a16:creationId xmlns="" xmlns:a16="http://schemas.microsoft.com/office/drawing/2014/main" id="{145A12D1-E99D-45BB-A29D-7897A4DF90AF}"/>
+                <a16:creationId xmlns:a16="http://schemas.microsoft.com/office/drawing/2014/main" xmlns="" id="{145A12D1-E99D-45BB-A29D-7897A4DF90AF}"/>
               </a:ext>
             </a:extLst>
           </p:cNvPr>
@@ -5191,7 +6510,7 @@
           <p:cNvPr id="3" name="Content Placeholder 2">
             <a:extLst>
               <a:ext uri="{FF2B5EF4-FFF2-40B4-BE49-F238E27FC236}">
-                <a16:creationId xmlns="" xmlns:a16="http://schemas.microsoft.com/office/drawing/2014/main" id="{ECE19EF1-1BBA-40C6-9A9E-BF1B67C2F42A}"/>
+                <a16:creationId xmlns:a16="http://schemas.microsoft.com/office/drawing/2014/main" xmlns="" id="{ECE19EF1-1BBA-40C6-9A9E-BF1B67C2F42A}"/>
               </a:ext>
             </a:extLst>
           </p:cNvPr>
@@ -5220,7 +6539,7 @@
             </a:r>
             <a:r>
               <a:rPr lang="en-US" altLang="zh-TW" b="0" dirty="0">
-                <a:hlinkClick r:id="rId2"/>
+                <a:hlinkClick r:id="rId3"/>
               </a:rPr>
               <a:t>dynamic import</a:t>
             </a:r>
@@ -5255,7 +6574,7 @@
           <p:cNvPr id="4" name="Slide Number Placeholder 3">
             <a:extLst>
               <a:ext uri="{FF2B5EF4-FFF2-40B4-BE49-F238E27FC236}">
-                <a16:creationId xmlns="" xmlns:a16="http://schemas.microsoft.com/office/drawing/2014/main" id="{10327B5A-91B2-4FB2-BDA9-E5AFB948190E}"/>
+                <a16:creationId xmlns:a16="http://schemas.microsoft.com/office/drawing/2014/main" xmlns="" id="{10327B5A-91B2-4FB2-BDA9-E5AFB948190E}"/>
               </a:ext>
             </a:extLst>
           </p:cNvPr>
@@ -5285,7 +6604,7 @@
           <p:cNvPr id="6" name="Picture 5">
             <a:extLst>
               <a:ext uri="{FF2B5EF4-FFF2-40B4-BE49-F238E27FC236}">
-                <a16:creationId xmlns="" xmlns:a16="http://schemas.microsoft.com/office/drawing/2014/main" id="{FE4EADA9-437D-498D-936A-664D2F0BCE60}"/>
+                <a16:creationId xmlns:a16="http://schemas.microsoft.com/office/drawing/2014/main" xmlns="" id="{FE4EADA9-437D-498D-936A-664D2F0BCE60}"/>
               </a:ext>
             </a:extLst>
           </p:cNvPr>
@@ -5295,7 +6614,7 @@
           <p:nvPr/>
         </p:nvPicPr>
         <p:blipFill>
-          <a:blip r:embed="rId3"/>
+          <a:blip r:embed="rId4"/>
           <a:stretch>
             <a:fillRect/>
           </a:stretch>
@@ -5315,7 +6634,7 @@
           <p:cNvPr id="7" name="Picture 6">
             <a:extLst>
               <a:ext uri="{FF2B5EF4-FFF2-40B4-BE49-F238E27FC236}">
-                <a16:creationId xmlns="" xmlns:a16="http://schemas.microsoft.com/office/drawing/2014/main" id="{7AA2459E-F688-49E3-9190-F9EA5FAB2128}"/>
+                <a16:creationId xmlns:a16="http://schemas.microsoft.com/office/drawing/2014/main" xmlns="" id="{7AA2459E-F688-49E3-9190-F9EA5FAB2128}"/>
               </a:ext>
             </a:extLst>
           </p:cNvPr>
@@ -5325,7 +6644,7 @@
           <p:nvPr/>
         </p:nvPicPr>
         <p:blipFill>
-          <a:blip r:embed="rId4"/>
+          <a:blip r:embed="rId5"/>
           <a:stretch>
             <a:fillRect/>
           </a:stretch>
@@ -5375,7 +6694,7 @@
           <p:cNvPr id="2" name="Title 1">
             <a:extLst>
               <a:ext uri="{FF2B5EF4-FFF2-40B4-BE49-F238E27FC236}">
-                <a16:creationId xmlns="" xmlns:a16="http://schemas.microsoft.com/office/drawing/2014/main" id="{C7F2410F-D49B-4B27-9DED-F96765AD5D00}"/>
+                <a16:creationId xmlns:a16="http://schemas.microsoft.com/office/drawing/2014/main" xmlns="" id="{C7F2410F-D49B-4B27-9DED-F96765AD5D00}"/>
               </a:ext>
             </a:extLst>
           </p:cNvPr>
@@ -5403,7 +6722,7 @@
           <p:cNvPr id="3" name="Content Placeholder 2">
             <a:extLst>
               <a:ext uri="{FF2B5EF4-FFF2-40B4-BE49-F238E27FC236}">
-                <a16:creationId xmlns="" xmlns:a16="http://schemas.microsoft.com/office/drawing/2014/main" id="{FA3F6EBF-5959-4CC3-9E8E-AA3D7EAD9023}"/>
+                <a16:creationId xmlns:a16="http://schemas.microsoft.com/office/drawing/2014/main" xmlns="" id="{FA3F6EBF-5959-4CC3-9E8E-AA3D7EAD9023}"/>
               </a:ext>
             </a:extLst>
           </p:cNvPr>
@@ -5424,7 +6743,11 @@
             </a:pPr>
             <a:r>
               <a:rPr lang="en-US" altLang="zh-CN" dirty="0" smtClean="0"/>
-              <a:t>Preload   - </a:t>
+              <a:t>Preload   </a:t>
+            </a:r>
+            <a:r>
+              <a:rPr lang="en-US" altLang="zh-CN" dirty="0" smtClean="0"/>
+              <a:t>- </a:t>
             </a:r>
             <a:r>
               <a:rPr lang="zh-TW" altLang="en-US" dirty="0" smtClean="0"/>
@@ -5432,8 +6755,13 @@
             </a:r>
             <a:r>
               <a:rPr lang="zh-TW" altLang="en-US" dirty="0"/>
-              <a:t>載資源一般是當前頁面需要的</a:t>
-            </a:r>
+              <a:t>載資源一般是當前頁面需要</a:t>
+            </a:r>
+            <a:r>
+              <a:rPr lang="zh-TW" altLang="en-US" dirty="0" smtClean="0"/>
+              <a:t>的。</a:t>
+            </a:r>
+            <a:endParaRPr lang="zh-TW" altLang="en-US" dirty="0"/>
           </a:p>
           <a:p>
             <a:pPr marL="0" indent="0">
@@ -5473,53 +6801,51 @@
             <a:pPr marL="0" indent="0">
               <a:buNone/>
             </a:pPr>
+            <a:endParaRPr lang="en-US" altLang="zh-TW" dirty="0" smtClean="0"/>
+          </a:p>
+          <a:p>
+            <a:pPr marL="0" indent="0">
+              <a:buNone/>
+            </a:pPr>
+            <a:endParaRPr lang="en-US" altLang="zh-TW" dirty="0" smtClean="0"/>
+          </a:p>
+          <a:p>
+            <a:pPr marL="0" indent="0">
+              <a:buNone/>
+            </a:pPr>
+            <a:endParaRPr lang="en-US" altLang="zh-TW" dirty="0"/>
+          </a:p>
+          <a:p>
+            <a:pPr marL="0" indent="0">
+              <a:buNone/>
+            </a:pPr>
+            <a:endParaRPr lang="en-US" altLang="zh-TW" dirty="0" smtClean="0"/>
+          </a:p>
+          <a:p>
+            <a:pPr marL="0" indent="0">
+              <a:buNone/>
+            </a:pPr>
+            <a:endParaRPr lang="en-US" altLang="zh-TW" dirty="0" smtClean="0"/>
+          </a:p>
+          <a:p>
+            <a:pPr marL="0" indent="0">
+              <a:buNone/>
+            </a:pPr>
+            <a:endParaRPr lang="en-US" altLang="zh-TW" dirty="0"/>
+          </a:p>
+          <a:p>
+            <a:pPr marL="0" indent="0">
+              <a:buNone/>
+            </a:pPr>
+            <a:endParaRPr lang="en-US" altLang="zh-TW" dirty="0" smtClean="0"/>
+          </a:p>
+          <a:p>
+            <a:pPr marL="0" indent="0">
+              <a:buNone/>
+            </a:pPr>
             <a:endParaRPr lang="en-US" dirty="0" smtClean="0">
-              <a:hlinkClick r:id="rId2"/>
+              <a:hlinkClick r:id="rId3"/>
             </a:endParaRPr>
-          </a:p>
-          <a:p>
-            <a:pPr marL="0" indent="0">
-              <a:buNone/>
-            </a:pPr>
-            <a:r>
-              <a:rPr lang="en-US" altLang="zh-TW" dirty="0">
-                <a:hlinkClick r:id="rId3"/>
-              </a:rPr>
-              <a:t>https://cythilya.github.io/2018/07/31/preload-vs-prefetch/</a:t>
-            </a:r>
-            <a:endParaRPr lang="en-US" dirty="0">
-              <a:hlinkClick r:id="rId2"/>
-            </a:endParaRPr>
-          </a:p>
-          <a:p>
-            <a:pPr marL="0" indent="0">
-              <a:buNone/>
-            </a:pPr>
-            <a:r>
-              <a:rPr lang="en-US" dirty="0">
-                <a:hlinkClick r:id="rId2"/>
-              </a:rPr>
-              <a:t>https://blog.fundebug.com/2019/04/11/understand-preload-and-prefetch/</a:t>
-            </a:r>
-            <a:endParaRPr lang="en-US" dirty="0"/>
-          </a:p>
-          <a:p>
-            <a:pPr marL="0" indent="0">
-              <a:buNone/>
-            </a:pPr>
-            <a:r>
-              <a:rPr lang="en-US" altLang="zh-TW" dirty="0">
-                <a:hlinkClick r:id="rId4"/>
-              </a:rPr>
-              <a:t>https://84361749.com/post/red-dns-prefetch.html</a:t>
-            </a:r>
-            <a:endParaRPr lang="en-US" altLang="zh-TW" dirty="0"/>
-          </a:p>
-          <a:p>
-            <a:pPr marL="0" indent="0">
-              <a:buNone/>
-            </a:pPr>
-            <a:endParaRPr lang="en-US" dirty="0" smtClean="0"/>
           </a:p>
           <a:p>
             <a:pPr marL="0" indent="0">
@@ -5540,7 +6866,7 @@
           <p:cNvPr id="4" name="Slide Number Placeholder 3">
             <a:extLst>
               <a:ext uri="{FF2B5EF4-FFF2-40B4-BE49-F238E27FC236}">
-                <a16:creationId xmlns="" xmlns:a16="http://schemas.microsoft.com/office/drawing/2014/main" id="{C299F954-E019-4723-97BF-A86279FEDB6C}"/>
+                <a16:creationId xmlns:a16="http://schemas.microsoft.com/office/drawing/2014/main" xmlns="" id="{C299F954-E019-4723-97BF-A86279FEDB6C}"/>
               </a:ext>
             </a:extLst>
           </p:cNvPr>
@@ -5600,7 +6926,7 @@
           <p:cNvPr id="2" name="Title 1">
             <a:extLst>
               <a:ext uri="{FF2B5EF4-FFF2-40B4-BE49-F238E27FC236}">
-                <a16:creationId xmlns="" xmlns:a16="http://schemas.microsoft.com/office/drawing/2014/main" id="{EEFBBC0D-0678-4811-BD95-551E2FD100B2}"/>
+                <a16:creationId xmlns:a16="http://schemas.microsoft.com/office/drawing/2014/main" xmlns="" id="{EEFBBC0D-0678-4811-BD95-551E2FD100B2}"/>
               </a:ext>
             </a:extLst>
           </p:cNvPr>
@@ -5628,7 +6954,7 @@
           <p:cNvPr id="3" name="Content Placeholder 2">
             <a:extLst>
               <a:ext uri="{FF2B5EF4-FFF2-40B4-BE49-F238E27FC236}">
-                <a16:creationId xmlns="" xmlns:a16="http://schemas.microsoft.com/office/drawing/2014/main" id="{1396964D-8F0E-402D-9946-096D3E300EBF}"/>
+                <a16:creationId xmlns:a16="http://schemas.microsoft.com/office/drawing/2014/main" xmlns="" id="{1396964D-8F0E-402D-9946-096D3E300EBF}"/>
               </a:ext>
             </a:extLst>
           </p:cNvPr>
@@ -5682,19 +7008,27 @@
             <a:pPr marL="0" indent="0">
               <a:buNone/>
             </a:pPr>
-            <a:endParaRPr lang="en-US" sz="1600" dirty="0" smtClean="0"/>
+            <a:endParaRPr lang="en-US" altLang="zh-TW" sz="1600" dirty="0"/>
           </a:p>
           <a:p>
             <a:pPr marL="0" indent="0">
               <a:buNone/>
             </a:pPr>
             <a:r>
-              <a:rPr lang="en-US" altLang="zh-TW" sz="1600" dirty="0" smtClean="0"/>
-              <a:t>P.S</a:t>
-            </a:r>
+              <a:rPr lang="en-US" sz="1600" dirty="0" err="1"/>
+              <a:t>PreloadAllModules</a:t>
+            </a:r>
+            <a:endParaRPr lang="en-US" sz="1600" dirty="0">
+              <a:hlinkClick r:id="rId3"/>
+            </a:endParaRPr>
+          </a:p>
+          <a:p>
+            <a:pPr marL="0" indent="0">
+              <a:buNone/>
+            </a:pPr>
             <a:r>
               <a:rPr lang="en-US" altLang="zh-TW" sz="1600" dirty="0"/>
-              <a:t>. To load a feature module, we need to use </a:t>
+              <a:t>P.S. To load a feature module, we need to use </a:t>
             </a:r>
             <a:r>
               <a:rPr lang="en-US" altLang="zh-TW" sz="1600" dirty="0" err="1"/>
@@ -5702,120 +7036,8 @@
             </a:r>
             <a:r>
               <a:rPr lang="en-US" altLang="zh-TW" sz="1600" dirty="0"/>
-              <a:t> in application routing </a:t>
-            </a:r>
-            <a:r>
-              <a:rPr lang="en-US" altLang="zh-TW" sz="1600" dirty="0" smtClean="0"/>
-              <a:t>module</a:t>
-            </a:r>
-          </a:p>
-          <a:p>
-            <a:pPr marL="0" indent="0">
-              <a:buNone/>
-            </a:pPr>
-            <a:endParaRPr lang="en-US" altLang="zh-TW" sz="1600" dirty="0"/>
-          </a:p>
-          <a:p>
-            <a:pPr marL="0" indent="0">
-              <a:buNone/>
-            </a:pPr>
-            <a:endParaRPr lang="en-US" altLang="zh-TW" sz="1600" dirty="0" smtClean="0"/>
-          </a:p>
-          <a:p>
-            <a:pPr marL="0" indent="0">
-              <a:buNone/>
-            </a:pPr>
-            <a:r>
-              <a:rPr lang="en-US" altLang="zh-TW" sz="1600" dirty="0" smtClean="0"/>
-              <a:t>Step 1</a:t>
-            </a:r>
-          </a:p>
-          <a:p>
-            <a:pPr marL="0" indent="0">
-              <a:buNone/>
-            </a:pPr>
-            <a:r>
-              <a:rPr lang="en-US" altLang="zh-TW" sz="1600" b="0" dirty="0" err="1" smtClean="0"/>
-              <a:t>loadChildren</a:t>
-            </a:r>
-            <a:r>
-              <a:rPr lang="en-US" altLang="zh-TW" sz="1600" b="0" dirty="0" smtClean="0"/>
-              <a:t> </a:t>
-            </a:r>
-            <a:r>
-              <a:rPr lang="en-US" altLang="zh-TW" sz="1600" b="0" dirty="0"/>
-              <a:t>: () =&gt; import('././components/prefetch2/prefetch2.module').then(mod =&gt; mod.Prefetch2Module), data:{ </a:t>
-            </a:r>
-            <a:r>
-              <a:rPr lang="en-US" altLang="zh-TW" sz="1600" b="0" dirty="0" err="1"/>
-              <a:t>preload:true</a:t>
-            </a:r>
-            <a:r>
-              <a:rPr lang="en-US" altLang="zh-TW" sz="1600" b="0" dirty="0"/>
-              <a:t> } </a:t>
-            </a:r>
-            <a:endParaRPr lang="en-US" altLang="zh-TW" sz="1600" b="0" dirty="0" smtClean="0"/>
-          </a:p>
-          <a:p>
-            <a:pPr marL="0" indent="0">
-              <a:buNone/>
-            </a:pPr>
-            <a:endParaRPr lang="en-US" altLang="zh-TW" sz="1600" smtClean="0"/>
-          </a:p>
-          <a:p>
-            <a:pPr marL="0" indent="0">
-              <a:buNone/>
-            </a:pPr>
-            <a:r>
-              <a:rPr lang="en-US" altLang="zh-TW" sz="1600" smtClean="0"/>
-              <a:t>Step2</a:t>
-            </a:r>
-            <a:endParaRPr lang="en-US" altLang="zh-TW" sz="1600" dirty="0"/>
-          </a:p>
-          <a:p>
-            <a:pPr marL="0" indent="0">
-              <a:buNone/>
-            </a:pPr>
-            <a:endParaRPr lang="en-US" altLang="zh-TW" sz="1600" dirty="0" smtClean="0"/>
-          </a:p>
-          <a:p>
-            <a:pPr marL="0" indent="0">
-              <a:buNone/>
-            </a:pPr>
-            <a:r>
-              <a:rPr lang="en-US" altLang="zh-TW" sz="1600" b="0" dirty="0"/>
-              <a:t>imports: [</a:t>
-            </a:r>
-            <a:r>
-              <a:rPr lang="en-US" altLang="zh-TW" sz="1600" b="0" dirty="0" err="1"/>
-              <a:t>RouterModule.forRoot</a:t>
-            </a:r>
-            <a:r>
-              <a:rPr lang="en-US" altLang="zh-TW" sz="1600" b="0" dirty="0"/>
-              <a:t>(routes, {</a:t>
-            </a:r>
-            <a:r>
-              <a:rPr lang="en-US" altLang="zh-TW" sz="1600" b="0" dirty="0" err="1"/>
-              <a:t>preloadingStrategy</a:t>
-            </a:r>
-            <a:r>
-              <a:rPr lang="en-US" altLang="zh-TW" sz="1600" b="0" dirty="0"/>
-              <a:t>: </a:t>
-            </a:r>
-            <a:r>
-              <a:rPr lang="en-US" altLang="zh-TW" sz="1600" b="0" dirty="0" err="1"/>
-              <a:t>QuicklinkStrategy</a:t>
-            </a:r>
-            <a:r>
-              <a:rPr lang="en-US" altLang="zh-TW" sz="1600" b="0" dirty="0"/>
-              <a:t> })],</a:t>
-            </a:r>
-          </a:p>
-          <a:p>
-            <a:pPr marL="0" indent="0">
-              <a:buNone/>
-            </a:pPr>
-            <a:endParaRPr lang="en-US" altLang="zh-TW" sz="1600" dirty="0"/>
+              <a:t> in application routing module</a:t>
+            </a:r>
           </a:p>
           <a:p>
             <a:pPr marL="0" indent="0">
@@ -5824,6 +7046,12 @@
             <a:endParaRPr lang="en-US" dirty="0">
               <a:hlinkClick r:id="rId3"/>
             </a:endParaRPr>
+          </a:p>
+          <a:p>
+            <a:pPr marL="0" indent="0">
+              <a:buNone/>
+            </a:pPr>
+            <a:endParaRPr lang="en-US" dirty="0"/>
           </a:p>
           <a:p>
             <a:pPr marL="0" indent="0">
@@ -5838,7 +7066,7 @@
           <p:cNvPr id="4" name="Slide Number Placeholder 3">
             <a:extLst>
               <a:ext uri="{FF2B5EF4-FFF2-40B4-BE49-F238E27FC236}">
-                <a16:creationId xmlns="" xmlns:a16="http://schemas.microsoft.com/office/drawing/2014/main" id="{FB3AF34E-9A6B-4083-AEE7-B89599F8FC84}"/>
+                <a16:creationId xmlns:a16="http://schemas.microsoft.com/office/drawing/2014/main" xmlns="" id="{FB3AF34E-9A6B-4083-AEE7-B89599F8FC84}"/>
               </a:ext>
             </a:extLst>
           </p:cNvPr>
@@ -5909,6 +7137,10 @@
           <a:lstStyle/>
           <a:p>
             <a:r>
+              <a:rPr lang="en-US" altLang="zh-TW" dirty="0" smtClean="0"/>
+              <a:t>Angular </a:t>
+            </a:r>
+            <a:r>
               <a:rPr lang="en-US" altLang="zh-TW" dirty="0" err="1" smtClean="0"/>
               <a:t>Prefetch</a:t>
             </a:r>
@@ -6054,7 +7286,7 @@
               <a:t> prefetching strategy)</a:t>
             </a:r>
             <a:endParaRPr lang="en-US" altLang="zh-TW" dirty="0" smtClean="0">
-              <a:hlinkClick r:id="rId2"/>
+              <a:hlinkClick r:id="rId3"/>
             </a:endParaRPr>
           </a:p>
           <a:p>
@@ -6063,18 +7295,18 @@
             </a:pPr>
             <a:r>
               <a:rPr lang="en-US" altLang="zh-TW" dirty="0">
-                <a:hlinkClick r:id="rId2"/>
+                <a:hlinkClick r:id="rId3"/>
               </a:rPr>
               <a:t/>
             </a:r>
             <a:br>
               <a:rPr lang="en-US" altLang="zh-TW" dirty="0">
-                <a:hlinkClick r:id="rId2"/>
+                <a:hlinkClick r:id="rId3"/>
               </a:rPr>
             </a:br>
             <a:r>
               <a:rPr lang="en-US" altLang="zh-TW" dirty="0">
-                <a:hlinkClick r:id="rId2"/>
+                <a:hlinkClick r:id="rId3"/>
               </a:rPr>
               <a:t>https://github.com/mgechev/ngx-quicklink#readme</a:t>
             </a:r>
@@ -6144,7 +7376,7 @@
           <p:cNvPr id="2" name="Title 1">
             <a:extLst>
               <a:ext uri="{FF2B5EF4-FFF2-40B4-BE49-F238E27FC236}">
-                <a16:creationId xmlns="" xmlns:a16="http://schemas.microsoft.com/office/drawing/2014/main" id="{7729164E-67EC-4794-B348-F6DDCA9C28D8}"/>
+                <a16:creationId xmlns:a16="http://schemas.microsoft.com/office/drawing/2014/main" xmlns="" id="{7729164E-67EC-4794-B348-F6DDCA9C28D8}"/>
               </a:ext>
             </a:extLst>
           </p:cNvPr>
@@ -6161,9 +7393,10 @@
           <a:lstStyle/>
           <a:p>
             <a:r>
-              <a:rPr lang="en-US" dirty="0"/>
-              <a:t>Why not need cache? </a:t>
-            </a:r>
+              <a:rPr lang="en-US" dirty="0" smtClean="0"/>
+              <a:t>Why do we  not need cache? </a:t>
+            </a:r>
+            <a:endParaRPr lang="en-US" dirty="0"/>
           </a:p>
         </p:txBody>
       </p:sp>
@@ -6172,7 +7405,7 @@
           <p:cNvPr id="3" name="Content Placeholder 2">
             <a:extLst>
               <a:ext uri="{FF2B5EF4-FFF2-40B4-BE49-F238E27FC236}">
-                <a16:creationId xmlns="" xmlns:a16="http://schemas.microsoft.com/office/drawing/2014/main" id="{41B9E139-1138-4192-A779-90DAAD95534B}"/>
+                <a16:creationId xmlns:a16="http://schemas.microsoft.com/office/drawing/2014/main" xmlns="" id="{41B9E139-1138-4192-A779-90DAAD95534B}"/>
               </a:ext>
             </a:extLst>
           </p:cNvPr>
@@ -6193,12 +7426,14 @@
             </a:pPr>
             <a:r>
               <a:rPr lang="zh-TW" altLang="en-US" dirty="0"/>
-              <a:t>經常查詢不</a:t>
-            </a:r>
-            <a:r>
-              <a:rPr lang="zh-TW" altLang="en-US" dirty="0" smtClean="0"/>
-              <a:t>常變動的查詢</a:t>
-            </a:r>
+              <a:t>經常查詢不常變動的查詢</a:t>
+            </a:r>
+            <a:endParaRPr lang="en-US" altLang="zh-TW" dirty="0"/>
+          </a:p>
+          <a:p>
+            <a:pPr marL="0" indent="0" algn="ctr">
+              <a:buNone/>
+            </a:pPr>
             <a:endParaRPr lang="en-US" dirty="0"/>
           </a:p>
         </p:txBody>
@@ -6208,7 +7443,7 @@
           <p:cNvPr id="4" name="Slide Number Placeholder 3">
             <a:extLst>
               <a:ext uri="{FF2B5EF4-FFF2-40B4-BE49-F238E27FC236}">
-                <a16:creationId xmlns="" xmlns:a16="http://schemas.microsoft.com/office/drawing/2014/main" id="{0B59A355-6DED-46D5-A8B8-4AAEDE751E70}"/>
+                <a16:creationId xmlns:a16="http://schemas.microsoft.com/office/drawing/2014/main" xmlns="" id="{0B59A355-6DED-46D5-A8B8-4AAEDE751E70}"/>
               </a:ext>
             </a:extLst>
           </p:cNvPr>
@@ -7096,6 +8331,21 @@
 </file>
 
 <file path=customXml/item1.xml><?xml version="1.0" encoding="utf-8"?>
+<p:properties xmlns:p="http://schemas.microsoft.com/office/2006/metadata/properties" xmlns:xsi="http://www.w3.org/2001/XMLSchema-instance">
+  <documentManagement/>
+</p:properties>
+</file>
+
+<file path=customXml/item2.xml><?xml version="1.0" encoding="utf-8"?>
+<?mso-contentType ?>
+<FormTemplates xmlns="http://schemas.microsoft.com/sharepoint/v3/contenttype/forms">
+  <Display>DocumentLibraryForm</Display>
+  <Edit>DocumentLibraryForm</Edit>
+  <New>DocumentLibraryForm</New>
+</FormTemplates>
+</file>
+
+<file path=customXml/item3.xml><?xml version="1.0" encoding="utf-8"?>
 <ct:contentTypeSchema xmlns:ct="http://schemas.microsoft.com/office/2006/metadata/contentType" xmlns:ma="http://schemas.microsoft.com/office/2006/metadata/properties/metaAttributes" ct:_="" ma:_="" ma:contentTypeName="Document" ma:contentTypeID="0x0101005A68C01194ECFA40BC8A96216368DABD" ma:contentTypeVersion="0" ma:contentTypeDescription="Create a new document." ma:contentTypeScope="" ma:versionID="85454c0b708a8704c4fb1830e201d0a8">
   <xsd:schema xmlns:xsd="http://www.w3.org/2001/XMLSchema" xmlns:p="http://schemas.microsoft.com/office/2006/metadata/properties" targetNamespace="http://schemas.microsoft.com/office/2006/metadata/properties" ma:root="true" ma:fieldsID="4aeb20c0e3442673af7ee10786458764">
     <xsd:element name="properties">
@@ -7144,37 +8394,7 @@
 </ct:contentTypeSchema>
 </file>
 
-<file path=customXml/item2.xml><?xml version="1.0" encoding="utf-8"?>
-<p:properties xmlns:p="http://schemas.microsoft.com/office/2006/metadata/properties" xmlns:xsi="http://www.w3.org/2001/XMLSchema-instance">
-  <documentManagement/>
-</p:properties>
-</file>
-
-<file path=customXml/item3.xml><?xml version="1.0" encoding="utf-8"?>
-<?mso-contentType ?>
-<FormTemplates xmlns="http://schemas.microsoft.com/sharepoint/v3/contenttype/forms">
-  <Display>DocumentLibraryForm</Display>
-  <Edit>DocumentLibraryForm</Edit>
-  <New>DocumentLibraryForm</New>
-</FormTemplates>
-</file>
-
 <file path=customXml/itemProps1.xml><?xml version="1.0" encoding="utf-8"?>
-<ds:datastoreItem xmlns:ds="http://schemas.openxmlformats.org/officeDocument/2006/customXml" ds:itemID="{002BD1C4-E85C-4940-BCB3-E960ED1A4E9F}">
-  <ds:schemaRefs>
-    <ds:schemaRef ds:uri="http://schemas.microsoft.com/office/2006/metadata/contentType"/>
-    <ds:schemaRef ds:uri="http://schemas.microsoft.com/office/2006/metadata/properties/metaAttributes"/>
-    <ds:schemaRef ds:uri="http://www.w3.org/2001/XMLSchema"/>
-    <ds:schemaRef ds:uri="http://schemas.microsoft.com/office/2006/metadata/properties"/>
-    <ds:schemaRef ds:uri="http://schemas.openxmlformats.org/package/2006/metadata/core-properties"/>
-    <ds:schemaRef ds:uri="http://purl.org/dc/elements/1.1/"/>
-    <ds:schemaRef ds:uri="http://purl.org/dc/terms/"/>
-    <ds:schemaRef ds:uri="http://schemas.microsoft.com/office/internal/2005/internalDocumentation"/>
-  </ds:schemaRefs>
-</ds:datastoreItem>
-</file>
-
-<file path=customXml/itemProps2.xml><?xml version="1.0" encoding="utf-8"?>
 <ds:datastoreItem xmlns:ds="http://schemas.openxmlformats.org/officeDocument/2006/customXml" ds:itemID="{E81D3889-CFF8-452F-8C7E-972A747945E0}">
   <ds:schemaRefs>
     <ds:schemaRef ds:uri="http://schemas.microsoft.com/office/2006/metadata/properties"/>
@@ -7188,10 +8408,25 @@
 </ds:datastoreItem>
 </file>
 
-<file path=customXml/itemProps3.xml><?xml version="1.0" encoding="utf-8"?>
+<file path=customXml/itemProps2.xml><?xml version="1.0" encoding="utf-8"?>
 <ds:datastoreItem xmlns:ds="http://schemas.openxmlformats.org/officeDocument/2006/customXml" ds:itemID="{19046636-0DFE-4791-8294-88FA6F02A45A}">
   <ds:schemaRefs>
     <ds:schemaRef ds:uri="http://schemas.microsoft.com/sharepoint/v3/contenttype/forms"/>
   </ds:schemaRefs>
 </ds:datastoreItem>
+</file>
+
+<file path=customXml/itemProps3.xml><?xml version="1.0" encoding="utf-8"?>
+<ds:datastoreItem xmlns:ds="http://schemas.openxmlformats.org/officeDocument/2006/customXml" ds:itemID="{002BD1C4-E85C-4940-BCB3-E960ED1A4E9F}">
+  <ds:schemaRefs>
+    <ds:schemaRef ds:uri="http://schemas.microsoft.com/office/2006/metadata/contentType"/>
+    <ds:schemaRef ds:uri="http://schemas.microsoft.com/office/2006/metadata/properties/metaAttributes"/>
+    <ds:schemaRef ds:uri="http://www.w3.org/2001/XMLSchema"/>
+    <ds:schemaRef ds:uri="http://schemas.microsoft.com/office/2006/metadata/properties"/>
+    <ds:schemaRef ds:uri="http://schemas.openxmlformats.org/package/2006/metadata/core-properties"/>
+    <ds:schemaRef ds:uri="http://purl.org/dc/elements/1.1/"/>
+    <ds:schemaRef ds:uri="http://purl.org/dc/terms/"/>
+    <ds:schemaRef ds:uri="http://schemas.microsoft.com/office/internal/2005/internalDocumentation"/>
+  </ds:schemaRefs>
+</ds:datastoreItem>
 </file>
--- a/ppt/angular_performance.pptx
+++ b/ppt/angular_performance.pptx
@@ -1354,35 +1354,57 @@
             </a:r>
             <a:r>
               <a:rPr lang="zh-TW" altLang="en-US" baseline="0" dirty="0" smtClean="0"/>
-              <a:t>，但往往很多模組，是你沒有用到的當</a:t>
+              <a:t>，隨著模組越多，第一次的載入速度就越慢，造成使用者的體驗不加，我只要玩七星卻載了六合，</a:t>
             </a:r>
             <a:endParaRPr lang="en-US" altLang="zh-TW" baseline="0" dirty="0" smtClean="0"/>
           </a:p>
           <a:p>
+            <a:r>
+              <a:rPr lang="en-US" altLang="zh-TW" dirty="0" smtClean="0"/>
+              <a:t>Lazy</a:t>
+            </a:r>
+            <a:r>
+              <a:rPr lang="en-US" altLang="zh-TW" baseline="0" dirty="0" smtClean="0"/>
+              <a:t> Load Module </a:t>
+            </a:r>
+            <a:r>
+              <a:rPr lang="zh-TW" altLang="en-US" baseline="0" dirty="0" smtClean="0"/>
+              <a:t>最主要的原理是</a:t>
+            </a:r>
+            <a:r>
+              <a:rPr lang="en-US" altLang="zh-TW" dirty="0" smtClean="0"/>
+              <a:t>build</a:t>
+            </a:r>
+            <a:r>
+              <a:rPr lang="en-US" altLang="zh-TW" baseline="0" dirty="0" smtClean="0"/>
+              <a:t> </a:t>
+            </a:r>
+            <a:r>
+              <a:rPr lang="zh-TW" altLang="en-US" baseline="0" dirty="0" smtClean="0"/>
+              <a:t>時我就延遲載入的模組拆開，直到我訪問到那路由才去載入那個模組，</a:t>
+            </a:r>
+            <a:endParaRPr lang="en-US" altLang="zh-TW" baseline="0" dirty="0" smtClean="0"/>
+          </a:p>
+          <a:p>
+            <a:r>
+              <a:rPr lang="zh-TW" altLang="en-US" baseline="0" dirty="0" smtClean="0"/>
+              <a:t>但在 </a:t>
+            </a:r>
+            <a:r>
+              <a:rPr lang="en-US" altLang="zh-TW" baseline="0" dirty="0" smtClean="0"/>
+              <a:t>Angular 8 </a:t>
+            </a:r>
+            <a:r>
+              <a:rPr lang="zh-TW" altLang="en-US" baseline="0" dirty="0" smtClean="0"/>
+              <a:t>中，更方便的功能，動態載入模組，我可以控制我要載入動態模組的時間，可能是按下那個按紐及事件發生前後。</a:t>
+            </a:r>
             <a:endParaRPr lang="en-US" altLang="zh-TW" dirty="0" smtClean="0"/>
           </a:p>
           <a:p>
-            <a:r>
-              <a:rPr lang="en-US" altLang="zh-TW" dirty="0" smtClean="0"/>
-              <a:t>Ng</a:t>
-            </a:r>
-            <a:r>
-              <a:rPr lang="en-US" altLang="zh-TW" baseline="0" dirty="0" smtClean="0"/>
-              <a:t> cli </a:t>
-            </a:r>
-            <a:r>
-              <a:rPr lang="zh-TW" altLang="en-US" baseline="0" dirty="0" smtClean="0"/>
-              <a:t>在</a:t>
-            </a:r>
-            <a:r>
-              <a:rPr lang="en-US" altLang="zh-TW" baseline="0" dirty="0" smtClean="0"/>
-              <a:t>build </a:t>
-            </a:r>
-            <a:r>
-              <a:rPr lang="zh-TW" altLang="en-US" baseline="0" dirty="0" smtClean="0"/>
-              <a:t>時就會將模組切割，當你觸發到那</a:t>
-            </a:r>
-            <a:endParaRPr lang="zh-TW" altLang="en-US" dirty="0"/>
+            <a:endParaRPr lang="en-US" altLang="zh-TW" dirty="0" smtClean="0"/>
+          </a:p>
+          <a:p>
+            <a:endParaRPr lang="en-US" altLang="zh-TW" dirty="0" smtClean="0"/>
           </a:p>
         </p:txBody>
       </p:sp>
@@ -1524,6 +1546,90 @@
               </a:rPr>
               <a:t>preload</a:t>
             </a:r>
+          </a:p>
+          <a:p>
+            <a:pPr marL="0" indent="0">
+              <a:buNone/>
+            </a:pPr>
+            <a:r>
+              <a:rPr lang="zh-TW" altLang="en-US" baseline="0" dirty="0" smtClean="0">
+                <a:hlinkClick r:id="rId3"/>
+              </a:rPr>
+              <a:t>如果在加載資源上加上</a:t>
+            </a:r>
+            <a:r>
+              <a:rPr lang="en-US" altLang="zh-TW" baseline="0" dirty="0" err="1" smtClean="0">
+                <a:hlinkClick r:id="rId3"/>
+              </a:rPr>
+              <a:t>rel</a:t>
+            </a:r>
+            <a:r>
+              <a:rPr lang="en-US" altLang="zh-TW" baseline="0" dirty="0" smtClean="0">
+                <a:hlinkClick r:id="rId3"/>
+              </a:rPr>
+              <a:t>=“preload” </a:t>
+            </a:r>
+            <a:r>
+              <a:rPr lang="zh-TW" altLang="en-US" baseline="0" dirty="0" smtClean="0">
+                <a:hlinkClick r:id="rId3"/>
+              </a:rPr>
+              <a:t>的 瀏覽器會在載入</a:t>
+            </a:r>
+            <a:r>
+              <a:rPr lang="en-US" altLang="zh-TW" baseline="0" dirty="0" err="1" smtClean="0">
+                <a:hlinkClick r:id="rId3"/>
+              </a:rPr>
+              <a:t>dom</a:t>
+            </a:r>
+            <a:r>
+              <a:rPr lang="zh-TW" altLang="en-US" baseline="0" dirty="0" smtClean="0">
+                <a:hlinkClick r:id="rId3"/>
+              </a:rPr>
+              <a:t>前，會高優先載入這個資源</a:t>
+            </a:r>
+            <a:endParaRPr lang="en-US" altLang="zh-TW" baseline="0" dirty="0" smtClean="0">
+              <a:hlinkClick r:id="rId3"/>
+            </a:endParaRPr>
+          </a:p>
+          <a:p>
+            <a:pPr marL="0" indent="0">
+              <a:buNone/>
+            </a:pPr>
+            <a:r>
+              <a:rPr lang="en-US" altLang="zh-TW" baseline="0" dirty="0" err="1" smtClean="0">
+                <a:hlinkClick r:id="rId3"/>
+              </a:rPr>
+              <a:t>Prefetch</a:t>
+            </a:r>
+            <a:r>
+              <a:rPr lang="zh-TW" altLang="en-US" baseline="0" dirty="0" smtClean="0">
+                <a:hlinkClick r:id="rId3"/>
+              </a:rPr>
+              <a:t>則是閒置時間加載這個未來會用的資源緩存。但常有人拿</a:t>
+            </a:r>
+            <a:r>
+              <a:rPr lang="zh-TW" altLang="en-US" baseline="0" smtClean="0">
+                <a:hlinkClick r:id="rId3"/>
+              </a:rPr>
+              <a:t>這個預先訪問跨</a:t>
+            </a:r>
+            <a:r>
+              <a:rPr lang="zh-TW" altLang="en-US" baseline="0" dirty="0" smtClean="0">
+                <a:hlinkClick r:id="rId3"/>
+              </a:rPr>
+              <a:t>域</a:t>
+            </a:r>
+            <a:r>
+              <a:rPr lang="en-US" altLang="zh-TW" baseline="0" dirty="0" smtClean="0">
+                <a:hlinkClick r:id="rId3"/>
+              </a:rPr>
+              <a:t>domain</a:t>
+            </a:r>
+          </a:p>
+          <a:p>
+            <a:pPr marL="0" indent="0">
+              <a:buNone/>
+            </a:pPr>
             <a:endParaRPr lang="en-US" altLang="zh-TW" dirty="0" smtClean="0">
               <a:hlinkClick r:id="rId3"/>
             </a:endParaRPr>
@@ -1564,13 +1670,7 @@
               <a:rPr lang="en-US" altLang="zh-TW" dirty="0" smtClean="0">
                 <a:hlinkClick r:id="rId4"/>
               </a:rPr>
-              <a:t>https</a:t>
-            </a:r>
-            <a:r>
-              <a:rPr lang="en-US" altLang="zh-TW" dirty="0" smtClean="0">
-                <a:hlinkClick r:id="rId4"/>
-              </a:rPr>
-              <a:t>://blog.fundebug.com/2019/04/11/understand-preload-and-prefetch/</a:t>
+              <a:t>https://blog.fundebug.com/2019/04/11/understand-preload-and-prefetch/</a:t>
             </a:r>
             <a:endParaRPr lang="en-US" altLang="zh-TW" dirty="0" smtClean="0"/>
           </a:p>
@@ -1582,7 +1682,25 @@
               <a:rPr lang="en-US" altLang="zh-TW" dirty="0" smtClean="0">
                 <a:hlinkClick r:id="rId5"/>
               </a:rPr>
-              <a:t>https://84361749.com/post/red-dns-prefetch.html</a:t>
+              <a:t>https://</a:t>
+            </a:r>
+            <a:r>
+              <a:rPr lang="en-US" altLang="zh-TW" dirty="0" smtClean="0">
+                <a:hlinkClick r:id="rId5"/>
+              </a:rPr>
+              <a:t>84361749.com/post/red-dns-prefetch.html</a:t>
+            </a:r>
+            <a:endParaRPr lang="en-US" altLang="zh-TW" dirty="0" smtClean="0"/>
+          </a:p>
+          <a:p>
+            <a:pPr marL="0" indent="0">
+              <a:buNone/>
+            </a:pPr>
+            <a:r>
+              <a:rPr lang="en-US" altLang="zh-TW" dirty="0" smtClean="0">
+                <a:hlinkClick r:id="rId6"/>
+              </a:rPr>
+              <a:t>https://developer.mozilla.org/zh-TW/docs/Web/HTTP/Link_prefetching_FAQ</a:t>
             </a:r>
             <a:endParaRPr lang="en-US" altLang="zh-TW" dirty="0" smtClean="0"/>
           </a:p>
@@ -1675,31 +1793,92 @@
               <a:rPr lang="en-US" altLang="zh-TW" dirty="0" smtClean="0">
                 <a:hlinkClick r:id="rId3"/>
               </a:rPr>
+              <a:t>Angular</a:t>
+            </a:r>
+            <a:r>
+              <a:rPr lang="en-US" altLang="zh-TW" baseline="0" dirty="0" smtClean="0">
+                <a:hlinkClick r:id="rId3"/>
+              </a:rPr>
+              <a:t> </a:t>
+            </a:r>
+            <a:r>
+              <a:rPr lang="zh-TW" altLang="en-US" baseline="0" dirty="0" smtClean="0">
+                <a:hlinkClick r:id="rId3"/>
+              </a:rPr>
+              <a:t>有延遲載入的模組，也有預先載入的模組</a:t>
+            </a:r>
+            <a:endParaRPr lang="en-US" altLang="zh-TW" dirty="0" smtClean="0">
+              <a:hlinkClick r:id="rId3"/>
+            </a:endParaRPr>
+          </a:p>
+          <a:p>
+            <a:pPr marL="0" marR="0" indent="0" algn="l" defTabSz="914400" rtl="0" eaLnBrk="1" fontAlgn="auto" latinLnBrk="0" hangingPunct="1">
+              <a:lnSpc>
+                <a:spcPct val="100000"/>
+              </a:lnSpc>
+              <a:spcBef>
+                <a:spcPts val="0"/>
+              </a:spcBef>
+              <a:spcAft>
+                <a:spcPts val="0"/>
+              </a:spcAft>
+              <a:buClrTx/>
+              <a:buSzTx/>
+              <a:buFontTx/>
+              <a:buNone/>
+              <a:tabLst/>
+              <a:defRPr/>
+            </a:pPr>
+            <a:endParaRPr lang="en-US" altLang="zh-TW" dirty="0" smtClean="0">
+              <a:hlinkClick r:id="rId3"/>
+            </a:endParaRPr>
+          </a:p>
+          <a:p>
+            <a:pPr marL="0" marR="0" indent="0" algn="l" defTabSz="914400" rtl="0" eaLnBrk="1" fontAlgn="auto" latinLnBrk="0" hangingPunct="1">
+              <a:lnSpc>
+                <a:spcPct val="100000"/>
+              </a:lnSpc>
+              <a:spcBef>
+                <a:spcPts val="0"/>
+              </a:spcBef>
+              <a:spcAft>
+                <a:spcPts val="0"/>
+              </a:spcAft>
+              <a:buClrTx/>
+              <a:buSzTx/>
+              <a:buFontTx/>
+              <a:buNone/>
+              <a:tabLst/>
+              <a:defRPr/>
+            </a:pPr>
+            <a:r>
+              <a:rPr lang="en-US" altLang="zh-TW" dirty="0" smtClean="0">
+                <a:hlinkClick r:id="rId3"/>
+              </a:rPr>
               <a:t>https</a:t>
             </a:r>
             <a:r>
-              <a:rPr lang="en-US" altLang="zh-TW" smtClean="0">
+              <a:rPr lang="en-US" altLang="zh-TW" dirty="0" smtClean="0">
                 <a:hlinkClick r:id="rId3"/>
               </a:rPr>
               <a:t>://www.cnblogs.com/haogj/p/7649707.html</a:t>
             </a:r>
-            <a:endParaRPr lang="en-US" altLang="zh-TW" smtClean="0"/>
+            <a:endParaRPr lang="en-US" altLang="zh-TW" dirty="0" smtClean="0"/>
           </a:p>
           <a:p>
             <a:pPr marL="0" indent="0">
               <a:buNone/>
             </a:pPr>
-            <a:endParaRPr lang="en-US" altLang="zh-TW" smtClean="0"/>
+            <a:endParaRPr lang="en-US" altLang="zh-TW" dirty="0" smtClean="0"/>
           </a:p>
           <a:p>
             <a:pPr marL="0" indent="0">
               <a:buNone/>
             </a:pPr>
             <a:r>
-              <a:rPr lang="en-US" altLang="zh-TW" smtClean="0"/>
+              <a:rPr lang="en-US" altLang="zh-TW" dirty="0" smtClean="0"/>
               <a:t>example</a:t>
             </a:r>
-            <a:endParaRPr lang="en-US" altLang="zh-TW" dirty="0" smtClean="0"/>
           </a:p>
           <a:p>
             <a:pPr marL="0" indent="0">
@@ -1995,11 +2174,7 @@
             </a:r>
             <a:r>
               <a:rPr lang="en-US" altLang="zh-TW" dirty="0" smtClean="0"/>
-              <a:t> </a:t>
-            </a:r>
-            <a:r>
-              <a:rPr lang="en-US" altLang="zh-TW" dirty="0" smtClean="0"/>
-              <a:t>Service Worker </a:t>
+              <a:t> Service Worker </a:t>
             </a:r>
             <a:r>
               <a:rPr lang="zh-TW" altLang="en-US" dirty="0" smtClean="0"/>
@@ -4853,7 +5028,7 @@
           <p:cNvPr id="2" name="Title 1">
             <a:extLst>
               <a:ext uri="{FF2B5EF4-FFF2-40B4-BE49-F238E27FC236}">
-                <a16:creationId xmlns:a16="http://schemas.microsoft.com/office/drawing/2014/main" xmlns="" id="{E5D678AA-48A1-4490-9394-8643B8860FCB}"/>
+                <a16:creationId xmlns="" xmlns:a16="http://schemas.microsoft.com/office/drawing/2014/main" id="{E5D678AA-48A1-4490-9394-8643B8860FCB}"/>
               </a:ext>
             </a:extLst>
           </p:cNvPr>
@@ -4881,7 +5056,7 @@
           <p:cNvPr id="3" name="Content Placeholder 2">
             <a:extLst>
               <a:ext uri="{FF2B5EF4-FFF2-40B4-BE49-F238E27FC236}">
-                <a16:creationId xmlns:a16="http://schemas.microsoft.com/office/drawing/2014/main" xmlns="" id="{EA49B8AA-B17F-4F47-9489-2AEA4FEBA855}"/>
+                <a16:creationId xmlns="" xmlns:a16="http://schemas.microsoft.com/office/drawing/2014/main" id="{EA49B8AA-B17F-4F47-9489-2AEA4FEBA855}"/>
               </a:ext>
             </a:extLst>
           </p:cNvPr>
@@ -5134,7 +5309,7 @@
           <p:cNvPr id="4" name="Slide Number Placeholder 3">
             <a:extLst>
               <a:ext uri="{FF2B5EF4-FFF2-40B4-BE49-F238E27FC236}">
-                <a16:creationId xmlns:a16="http://schemas.microsoft.com/office/drawing/2014/main" xmlns="" id="{37BB747A-5129-47C0-9046-EF7E7C12EFC2}"/>
+                <a16:creationId xmlns="" xmlns:a16="http://schemas.microsoft.com/office/drawing/2014/main" id="{37BB747A-5129-47C0-9046-EF7E7C12EFC2}"/>
               </a:ext>
             </a:extLst>
           </p:cNvPr>
@@ -5274,7 +5449,7 @@
           <p:cNvPr id="2" name="Title 1">
             <a:extLst>
               <a:ext uri="{FF2B5EF4-FFF2-40B4-BE49-F238E27FC236}">
-                <a16:creationId xmlns:a16="http://schemas.microsoft.com/office/drawing/2014/main" xmlns="" id="{3A48E285-584F-425D-B674-F5D5ABCE8A61}"/>
+                <a16:creationId xmlns="" xmlns:a16="http://schemas.microsoft.com/office/drawing/2014/main" id="{3A48E285-584F-425D-B674-F5D5ABCE8A61}"/>
               </a:ext>
             </a:extLst>
           </p:cNvPr>
@@ -5307,7 +5482,7 @@
           <p:cNvPr id="3" name="Content Placeholder 2">
             <a:extLst>
               <a:ext uri="{FF2B5EF4-FFF2-40B4-BE49-F238E27FC236}">
-                <a16:creationId xmlns:a16="http://schemas.microsoft.com/office/drawing/2014/main" xmlns="" id="{95194AC0-4DB1-4FB2-9435-A0E35585D5E8}"/>
+                <a16:creationId xmlns="" xmlns:a16="http://schemas.microsoft.com/office/drawing/2014/main" id="{95194AC0-4DB1-4FB2-9435-A0E35585D5E8}"/>
               </a:ext>
             </a:extLst>
           </p:cNvPr>
@@ -5605,7 +5780,7 @@
           <p:cNvPr id="4" name="Slide Number Placeholder 3">
             <a:extLst>
               <a:ext uri="{FF2B5EF4-FFF2-40B4-BE49-F238E27FC236}">
-                <a16:creationId xmlns:a16="http://schemas.microsoft.com/office/drawing/2014/main" xmlns="" id="{C694A819-ED1A-48B8-8D88-AF4044974888}"/>
+                <a16:creationId xmlns="" xmlns:a16="http://schemas.microsoft.com/office/drawing/2014/main" id="{C694A819-ED1A-48B8-8D88-AF4044974888}"/>
               </a:ext>
             </a:extLst>
           </p:cNvPr>
@@ -5665,7 +5840,7 @@
           <p:cNvPr id="2" name="Title 1">
             <a:extLst>
               <a:ext uri="{FF2B5EF4-FFF2-40B4-BE49-F238E27FC236}">
-                <a16:creationId xmlns:a16="http://schemas.microsoft.com/office/drawing/2014/main" xmlns="" id="{3D17F768-F0A5-4D76-8A54-4E475517A6D9}"/>
+                <a16:creationId xmlns="" xmlns:a16="http://schemas.microsoft.com/office/drawing/2014/main" id="{3D17F768-F0A5-4D76-8A54-4E475517A6D9}"/>
               </a:ext>
             </a:extLst>
           </p:cNvPr>
@@ -5693,7 +5868,7 @@
           <p:cNvPr id="6" name="Content Placeholder 5">
             <a:extLst>
               <a:ext uri="{FF2B5EF4-FFF2-40B4-BE49-F238E27FC236}">
-                <a16:creationId xmlns:a16="http://schemas.microsoft.com/office/drawing/2014/main" xmlns="" id="{507945AC-55CB-40F6-B45A-11AAABD28A31}"/>
+                <a16:creationId xmlns="" xmlns:a16="http://schemas.microsoft.com/office/drawing/2014/main" id="{507945AC-55CB-40F6-B45A-11AAABD28A31}"/>
               </a:ext>
             </a:extLst>
           </p:cNvPr>
@@ -5723,7 +5898,7 @@
                 <a:gridCol w="7772400">
                   <a:extLst>
                     <a:ext uri="{9D8B030D-6E8A-4147-A177-3AD203B41FA5}">
-                      <a16:colId xmlns:a16="http://schemas.microsoft.com/office/drawing/2014/main" xmlns="" val="1199065692"/>
+                      <a16:colId xmlns="" xmlns:a16="http://schemas.microsoft.com/office/drawing/2014/main" val="1199065692"/>
                     </a:ext>
                   </a:extLst>
                 </a:gridCol>
@@ -5744,7 +5919,7 @@
                 </a:tc>
                 <a:extLst>
                   <a:ext uri="{0D108BD9-81ED-4DB2-BD59-A6C34878D82A}">
-                    <a16:rowId xmlns:a16="http://schemas.microsoft.com/office/drawing/2014/main" xmlns="" val="1767338010"/>
+                    <a16:rowId xmlns="" xmlns:a16="http://schemas.microsoft.com/office/drawing/2014/main" val="1767338010"/>
                   </a:ext>
                 </a:extLst>
               </a:tr>
@@ -6167,7 +6342,7 @@
                 </a:tc>
                 <a:extLst>
                   <a:ext uri="{0D108BD9-81ED-4DB2-BD59-A6C34878D82A}">
-                    <a16:rowId xmlns:a16="http://schemas.microsoft.com/office/drawing/2014/main" xmlns="" val="2317173366"/>
+                    <a16:rowId xmlns="" xmlns:a16="http://schemas.microsoft.com/office/drawing/2014/main" val="2317173366"/>
                   </a:ext>
                 </a:extLst>
               </a:tr>
@@ -6180,7 +6355,7 @@
           <p:cNvPr id="4" name="Slide Number Placeholder 3">
             <a:extLst>
               <a:ext uri="{FF2B5EF4-FFF2-40B4-BE49-F238E27FC236}">
-                <a16:creationId xmlns:a16="http://schemas.microsoft.com/office/drawing/2014/main" xmlns="" id="{6C7A083D-7634-46C8-9481-4C324742DDC4}"/>
+                <a16:creationId xmlns="" xmlns:a16="http://schemas.microsoft.com/office/drawing/2014/main" id="{6C7A083D-7634-46C8-9481-4C324742DDC4}"/>
               </a:ext>
             </a:extLst>
           </p:cNvPr>
@@ -6240,7 +6415,7 @@
           <p:cNvPr id="2" name="Title 1">
             <a:extLst>
               <a:ext uri="{FF2B5EF4-FFF2-40B4-BE49-F238E27FC236}">
-                <a16:creationId xmlns:a16="http://schemas.microsoft.com/office/drawing/2014/main" xmlns="" id="{19BE3664-535A-4792-A501-B4FDD5D75620}"/>
+                <a16:creationId xmlns="" xmlns:a16="http://schemas.microsoft.com/office/drawing/2014/main" id="{19BE3664-535A-4792-A501-B4FDD5D75620}"/>
               </a:ext>
             </a:extLst>
           </p:cNvPr>
@@ -6273,7 +6448,7 @@
           <p:cNvPr id="3" name="Content Placeholder 2">
             <a:extLst>
               <a:ext uri="{FF2B5EF4-FFF2-40B4-BE49-F238E27FC236}">
-                <a16:creationId xmlns:a16="http://schemas.microsoft.com/office/drawing/2014/main" xmlns="" id="{6DBE8D3E-7C25-44DD-8B72-3F9FAA2F4866}"/>
+                <a16:creationId xmlns="" xmlns:a16="http://schemas.microsoft.com/office/drawing/2014/main" id="{6DBE8D3E-7C25-44DD-8B72-3F9FAA2F4866}"/>
               </a:ext>
             </a:extLst>
           </p:cNvPr>
@@ -6351,7 +6526,7 @@
           <p:cNvPr id="4" name="Slide Number Placeholder 3">
             <a:extLst>
               <a:ext uri="{FF2B5EF4-FFF2-40B4-BE49-F238E27FC236}">
-                <a16:creationId xmlns:a16="http://schemas.microsoft.com/office/drawing/2014/main" xmlns="" id="{FCBDD51D-8165-4FAF-86F9-F6D2F57249BB}"/>
+                <a16:creationId xmlns="" xmlns:a16="http://schemas.microsoft.com/office/drawing/2014/main" id="{FCBDD51D-8165-4FAF-86F9-F6D2F57249BB}"/>
               </a:ext>
             </a:extLst>
           </p:cNvPr>
@@ -6381,7 +6556,7 @@
           <p:cNvPr id="1026" name="Picture 2" descr="image">
             <a:extLst>
               <a:ext uri="{FF2B5EF4-FFF2-40B4-BE49-F238E27FC236}">
-                <a16:creationId xmlns:a16="http://schemas.microsoft.com/office/drawing/2014/main" xmlns="" id="{E0719DBF-0CA0-4FC2-9F4F-74DDF27F8AE6}"/>
+                <a16:creationId xmlns="" xmlns:a16="http://schemas.microsoft.com/office/drawing/2014/main" id="{E0719DBF-0CA0-4FC2-9F4F-74DDF27F8AE6}"/>
               </a:ext>
             </a:extLst>
           </p:cNvPr>
@@ -6482,7 +6657,7 @@
           <p:cNvPr id="2" name="Title 1">
             <a:extLst>
               <a:ext uri="{FF2B5EF4-FFF2-40B4-BE49-F238E27FC236}">
-                <a16:creationId xmlns:a16="http://schemas.microsoft.com/office/drawing/2014/main" xmlns="" id="{145A12D1-E99D-45BB-A29D-7897A4DF90AF}"/>
+                <a16:creationId xmlns="" xmlns:a16="http://schemas.microsoft.com/office/drawing/2014/main" id="{145A12D1-E99D-45BB-A29D-7897A4DF90AF}"/>
               </a:ext>
             </a:extLst>
           </p:cNvPr>
@@ -6510,7 +6685,7 @@
           <p:cNvPr id="3" name="Content Placeholder 2">
             <a:extLst>
               <a:ext uri="{FF2B5EF4-FFF2-40B4-BE49-F238E27FC236}">
-                <a16:creationId xmlns:a16="http://schemas.microsoft.com/office/drawing/2014/main" xmlns="" id="{ECE19EF1-1BBA-40C6-9A9E-BF1B67C2F42A}"/>
+                <a16:creationId xmlns="" xmlns:a16="http://schemas.microsoft.com/office/drawing/2014/main" id="{ECE19EF1-1BBA-40C6-9A9E-BF1B67C2F42A}"/>
               </a:ext>
             </a:extLst>
           </p:cNvPr>
@@ -6574,7 +6749,7 @@
           <p:cNvPr id="4" name="Slide Number Placeholder 3">
             <a:extLst>
               <a:ext uri="{FF2B5EF4-FFF2-40B4-BE49-F238E27FC236}">
-                <a16:creationId xmlns:a16="http://schemas.microsoft.com/office/drawing/2014/main" xmlns="" id="{10327B5A-91B2-4FB2-BDA9-E5AFB948190E}"/>
+                <a16:creationId xmlns="" xmlns:a16="http://schemas.microsoft.com/office/drawing/2014/main" id="{10327B5A-91B2-4FB2-BDA9-E5AFB948190E}"/>
               </a:ext>
             </a:extLst>
           </p:cNvPr>
@@ -6604,7 +6779,7 @@
           <p:cNvPr id="6" name="Picture 5">
             <a:extLst>
               <a:ext uri="{FF2B5EF4-FFF2-40B4-BE49-F238E27FC236}">
-                <a16:creationId xmlns:a16="http://schemas.microsoft.com/office/drawing/2014/main" xmlns="" id="{FE4EADA9-437D-498D-936A-664D2F0BCE60}"/>
+                <a16:creationId xmlns="" xmlns:a16="http://schemas.microsoft.com/office/drawing/2014/main" id="{FE4EADA9-437D-498D-936A-664D2F0BCE60}"/>
               </a:ext>
             </a:extLst>
           </p:cNvPr>
@@ -6634,7 +6809,7 @@
           <p:cNvPr id="7" name="Picture 6">
             <a:extLst>
               <a:ext uri="{FF2B5EF4-FFF2-40B4-BE49-F238E27FC236}">
-                <a16:creationId xmlns:a16="http://schemas.microsoft.com/office/drawing/2014/main" xmlns="" id="{7AA2459E-F688-49E3-9190-F9EA5FAB2128}"/>
+                <a16:creationId xmlns="" xmlns:a16="http://schemas.microsoft.com/office/drawing/2014/main" id="{7AA2459E-F688-49E3-9190-F9EA5FAB2128}"/>
               </a:ext>
             </a:extLst>
           </p:cNvPr>
@@ -6694,7 +6869,7 @@
           <p:cNvPr id="2" name="Title 1">
             <a:extLst>
               <a:ext uri="{FF2B5EF4-FFF2-40B4-BE49-F238E27FC236}">
-                <a16:creationId xmlns:a16="http://schemas.microsoft.com/office/drawing/2014/main" xmlns="" id="{C7F2410F-D49B-4B27-9DED-F96765AD5D00}"/>
+                <a16:creationId xmlns="" xmlns:a16="http://schemas.microsoft.com/office/drawing/2014/main" id="{C7F2410F-D49B-4B27-9DED-F96765AD5D00}"/>
               </a:ext>
             </a:extLst>
           </p:cNvPr>
@@ -6722,7 +6897,7 @@
           <p:cNvPr id="3" name="Content Placeholder 2">
             <a:extLst>
               <a:ext uri="{FF2B5EF4-FFF2-40B4-BE49-F238E27FC236}">
-                <a16:creationId xmlns:a16="http://schemas.microsoft.com/office/drawing/2014/main" xmlns="" id="{FA3F6EBF-5959-4CC3-9E8E-AA3D7EAD9023}"/>
+                <a16:creationId xmlns="" xmlns:a16="http://schemas.microsoft.com/office/drawing/2014/main" id="{FA3F6EBF-5959-4CC3-9E8E-AA3D7EAD9023}"/>
               </a:ext>
             </a:extLst>
           </p:cNvPr>
@@ -6743,11 +6918,7 @@
             </a:pPr>
             <a:r>
               <a:rPr lang="en-US" altLang="zh-CN" dirty="0" smtClean="0"/>
-              <a:t>Preload   </a:t>
-            </a:r>
-            <a:r>
-              <a:rPr lang="en-US" altLang="zh-CN" dirty="0" smtClean="0"/>
-              <a:t>- </a:t>
+              <a:t>Preload   - </a:t>
             </a:r>
             <a:r>
               <a:rPr lang="zh-TW" altLang="en-US" dirty="0" smtClean="0"/>
@@ -6866,7 +7037,7 @@
           <p:cNvPr id="4" name="Slide Number Placeholder 3">
             <a:extLst>
               <a:ext uri="{FF2B5EF4-FFF2-40B4-BE49-F238E27FC236}">
-                <a16:creationId xmlns:a16="http://schemas.microsoft.com/office/drawing/2014/main" xmlns="" id="{C299F954-E019-4723-97BF-A86279FEDB6C}"/>
+                <a16:creationId xmlns="" xmlns:a16="http://schemas.microsoft.com/office/drawing/2014/main" id="{C299F954-E019-4723-97BF-A86279FEDB6C}"/>
               </a:ext>
             </a:extLst>
           </p:cNvPr>
@@ -6926,7 +7097,7 @@
           <p:cNvPr id="2" name="Title 1">
             <a:extLst>
               <a:ext uri="{FF2B5EF4-FFF2-40B4-BE49-F238E27FC236}">
-                <a16:creationId xmlns:a16="http://schemas.microsoft.com/office/drawing/2014/main" xmlns="" id="{EEFBBC0D-0678-4811-BD95-551E2FD100B2}"/>
+                <a16:creationId xmlns="" xmlns:a16="http://schemas.microsoft.com/office/drawing/2014/main" id="{EEFBBC0D-0678-4811-BD95-551E2FD100B2}"/>
               </a:ext>
             </a:extLst>
           </p:cNvPr>
@@ -6954,7 +7125,7 @@
           <p:cNvPr id="3" name="Content Placeholder 2">
             <a:extLst>
               <a:ext uri="{FF2B5EF4-FFF2-40B4-BE49-F238E27FC236}">
-                <a16:creationId xmlns:a16="http://schemas.microsoft.com/office/drawing/2014/main" xmlns="" id="{1396964D-8F0E-402D-9946-096D3E300EBF}"/>
+                <a16:creationId xmlns="" xmlns:a16="http://schemas.microsoft.com/office/drawing/2014/main" id="{1396964D-8F0E-402D-9946-096D3E300EBF}"/>
               </a:ext>
             </a:extLst>
           </p:cNvPr>
@@ -7003,6 +7174,7 @@
               <a:rPr lang="en-US" sz="1600" dirty="0" smtClean="0"/>
               <a:t>)</a:t>
             </a:r>
+            <a:endParaRPr lang="en-US" sz="1600" dirty="0" smtClean="0"/>
           </a:p>
           <a:p>
             <a:pPr marL="0" indent="0">
@@ -7066,7 +7238,7 @@
           <p:cNvPr id="4" name="Slide Number Placeholder 3">
             <a:extLst>
               <a:ext uri="{FF2B5EF4-FFF2-40B4-BE49-F238E27FC236}">
-                <a16:creationId xmlns:a16="http://schemas.microsoft.com/office/drawing/2014/main" xmlns="" id="{FB3AF34E-9A6B-4083-AEE7-B89599F8FC84}"/>
+                <a16:creationId xmlns="" xmlns:a16="http://schemas.microsoft.com/office/drawing/2014/main" id="{FB3AF34E-9A6B-4083-AEE7-B89599F8FC84}"/>
               </a:ext>
             </a:extLst>
           </p:cNvPr>
@@ -7376,7 +7548,7 @@
           <p:cNvPr id="2" name="Title 1">
             <a:extLst>
               <a:ext uri="{FF2B5EF4-FFF2-40B4-BE49-F238E27FC236}">
-                <a16:creationId xmlns:a16="http://schemas.microsoft.com/office/drawing/2014/main" xmlns="" id="{7729164E-67EC-4794-B348-F6DDCA9C28D8}"/>
+                <a16:creationId xmlns="" xmlns:a16="http://schemas.microsoft.com/office/drawing/2014/main" id="{7729164E-67EC-4794-B348-F6DDCA9C28D8}"/>
               </a:ext>
             </a:extLst>
           </p:cNvPr>
@@ -7405,7 +7577,7 @@
           <p:cNvPr id="3" name="Content Placeholder 2">
             <a:extLst>
               <a:ext uri="{FF2B5EF4-FFF2-40B4-BE49-F238E27FC236}">
-                <a16:creationId xmlns:a16="http://schemas.microsoft.com/office/drawing/2014/main" xmlns="" id="{41B9E139-1138-4192-A779-90DAAD95534B}"/>
+                <a16:creationId xmlns="" xmlns:a16="http://schemas.microsoft.com/office/drawing/2014/main" id="{41B9E139-1138-4192-A779-90DAAD95534B}"/>
               </a:ext>
             </a:extLst>
           </p:cNvPr>
@@ -7443,7 +7615,7 @@
           <p:cNvPr id="4" name="Slide Number Placeholder 3">
             <a:extLst>
               <a:ext uri="{FF2B5EF4-FFF2-40B4-BE49-F238E27FC236}">
-                <a16:creationId xmlns:a16="http://schemas.microsoft.com/office/drawing/2014/main" xmlns="" id="{0B59A355-6DED-46D5-A8B8-4AAEDE751E70}"/>
+                <a16:creationId xmlns="" xmlns:a16="http://schemas.microsoft.com/office/drawing/2014/main" id="{0B59A355-6DED-46D5-A8B8-4AAEDE751E70}"/>
               </a:ext>
             </a:extLst>
           </p:cNvPr>
@@ -8337,15 +8509,6 @@
 </file>
 
 <file path=customXml/item2.xml><?xml version="1.0" encoding="utf-8"?>
-<?mso-contentType ?>
-<FormTemplates xmlns="http://schemas.microsoft.com/sharepoint/v3/contenttype/forms">
-  <Display>DocumentLibraryForm</Display>
-  <Edit>DocumentLibraryForm</Edit>
-  <New>DocumentLibraryForm</New>
-</FormTemplates>
-</file>
-
-<file path=customXml/item3.xml><?xml version="1.0" encoding="utf-8"?>
 <ct:contentTypeSchema xmlns:ct="http://schemas.microsoft.com/office/2006/metadata/contentType" xmlns:ma="http://schemas.microsoft.com/office/2006/metadata/properties/metaAttributes" ct:_="" ma:_="" ma:contentTypeName="Document" ma:contentTypeID="0x0101005A68C01194ECFA40BC8A96216368DABD" ma:contentTypeVersion="0" ma:contentTypeDescription="Create a new document." ma:contentTypeScope="" ma:versionID="85454c0b708a8704c4fb1830e201d0a8">
   <xsd:schema xmlns:xsd="http://www.w3.org/2001/XMLSchema" xmlns:p="http://schemas.microsoft.com/office/2006/metadata/properties" targetNamespace="http://schemas.microsoft.com/office/2006/metadata/properties" ma:root="true" ma:fieldsID="4aeb20c0e3442673af7ee10786458764">
     <xsd:element name="properties">
@@ -8394,6 +8557,15 @@
 </ct:contentTypeSchema>
 </file>
 
+<file path=customXml/item3.xml><?xml version="1.0" encoding="utf-8"?>
+<?mso-contentType ?>
+<FormTemplates xmlns="http://schemas.microsoft.com/sharepoint/v3/contenttype/forms">
+  <Display>DocumentLibraryForm</Display>
+  <Edit>DocumentLibraryForm</Edit>
+  <New>DocumentLibraryForm</New>
+</FormTemplates>
+</file>
+
 <file path=customXml/itemProps1.xml><?xml version="1.0" encoding="utf-8"?>
 <ds:datastoreItem xmlns:ds="http://schemas.openxmlformats.org/officeDocument/2006/customXml" ds:itemID="{E81D3889-CFF8-452F-8C7E-972A747945E0}">
   <ds:schemaRefs>
@@ -8409,14 +8581,6 @@
 </file>
 
 <file path=customXml/itemProps2.xml><?xml version="1.0" encoding="utf-8"?>
-<ds:datastoreItem xmlns:ds="http://schemas.openxmlformats.org/officeDocument/2006/customXml" ds:itemID="{19046636-0DFE-4791-8294-88FA6F02A45A}">
-  <ds:schemaRefs>
-    <ds:schemaRef ds:uri="http://schemas.microsoft.com/sharepoint/v3/contenttype/forms"/>
-  </ds:schemaRefs>
-</ds:datastoreItem>
-</file>
-
-<file path=customXml/itemProps3.xml><?xml version="1.0" encoding="utf-8"?>
 <ds:datastoreItem xmlns:ds="http://schemas.openxmlformats.org/officeDocument/2006/customXml" ds:itemID="{002BD1C4-E85C-4940-BCB3-E960ED1A4E9F}">
   <ds:schemaRefs>
     <ds:schemaRef ds:uri="http://schemas.microsoft.com/office/2006/metadata/contentType"/>
@@ -8429,4 +8593,12 @@
     <ds:schemaRef ds:uri="http://schemas.microsoft.com/office/internal/2005/internalDocumentation"/>
   </ds:schemaRefs>
 </ds:datastoreItem>
+</file>
+
+<file path=customXml/itemProps3.xml><?xml version="1.0" encoding="utf-8"?>
+<ds:datastoreItem xmlns:ds="http://schemas.openxmlformats.org/officeDocument/2006/customXml" ds:itemID="{19046636-0DFE-4791-8294-88FA6F02A45A}">
+  <ds:schemaRefs>
+    <ds:schemaRef ds:uri="http://schemas.microsoft.com/sharepoint/v3/contenttype/forms"/>
+  </ds:schemaRefs>
+</ds:datastoreItem>
 </file>
--- a/ppt/angular_performance.pptx
+++ b/ppt/angular_performance.pptx
@@ -694,7 +694,7 @@
       </p:grpSpPr>
       <p:sp>
         <p:nvSpPr>
-          <p:cNvPr id="2" name="投影片圖像版面配置區 1"/>
+          <p:cNvPr id="2" name="Slide Image Placeholder 1"/>
           <p:cNvSpPr>
             <a:spLocks noGrp="1" noRot="1" noChangeAspect="1"/>
           </p:cNvSpPr>
@@ -706,7 +706,7 @@
       </p:sp>
       <p:sp>
         <p:nvSpPr>
-          <p:cNvPr id="3" name="備忘稿版面配置區 2"/>
+          <p:cNvPr id="3" name="Notes Placeholder 2"/>
           <p:cNvSpPr>
             <a:spLocks noGrp="1"/>
           </p:cNvSpPr>
@@ -719,393 +719,55 @@
           <a:bodyPr/>
           <a:lstStyle/>
           <a:p>
-            <a:endParaRPr lang="en-US" altLang="zh-TW" sz="1200" b="0" i="0" kern="1200" dirty="0" smtClean="0">
-              <a:solidFill>
-                <a:schemeClr val="tx1"/>
-              </a:solidFill>
-              <a:effectLst/>
-              <a:latin typeface="+mn-lt"/>
-              <a:ea typeface="+mn-ea"/>
-              <a:cs typeface="+mn-cs"/>
-            </a:endParaRPr>
-          </a:p>
-          <a:p>
-            <a:r>
-              <a:rPr lang="zh-TW" altLang="en-US" sz="1200" b="0" i="0" kern="1200" dirty="0" smtClean="0">
-                <a:solidFill>
-                  <a:schemeClr val="tx1"/>
-                </a:solidFill>
-                <a:effectLst/>
-                <a:latin typeface="+mn-lt"/>
-                <a:ea typeface="+mn-ea"/>
-                <a:cs typeface="+mn-cs"/>
-              </a:rPr>
-              <a:t>許多人會對</a:t>
-            </a:r>
-            <a:r>
-              <a:rPr lang="en-US" altLang="zh-TW" sz="1200" b="0" i="0" kern="1200" dirty="0" err="1" smtClean="0">
-                <a:solidFill>
-                  <a:schemeClr val="tx1"/>
-                </a:solidFill>
-                <a:effectLst/>
-                <a:latin typeface="+mn-lt"/>
-                <a:ea typeface="+mn-ea"/>
-                <a:cs typeface="+mn-cs"/>
-              </a:rPr>
-              <a:t>aot</a:t>
-            </a:r>
-            <a:r>
-              <a:rPr lang="zh-TW" altLang="en-US" sz="1200" b="0" i="0" kern="1200" dirty="0" smtClean="0">
-                <a:solidFill>
-                  <a:schemeClr val="tx1"/>
-                </a:solidFill>
-                <a:effectLst/>
-                <a:latin typeface="+mn-lt"/>
-                <a:ea typeface="+mn-ea"/>
-                <a:cs typeface="+mn-cs"/>
-              </a:rPr>
-              <a:t>有錯誤的認知，他會幫忙程式混淆、消除</a:t>
-            </a:r>
-            <a:endParaRPr lang="en-US" altLang="zh-TW" sz="1200" b="0" i="0" kern="1200" dirty="0" smtClean="0">
-              <a:solidFill>
-                <a:schemeClr val="tx1"/>
-              </a:solidFill>
-              <a:effectLst/>
-              <a:latin typeface="+mn-lt"/>
-              <a:ea typeface="+mn-ea"/>
-              <a:cs typeface="+mn-cs"/>
-            </a:endParaRPr>
-          </a:p>
-          <a:p>
-            <a:endParaRPr lang="en-US" altLang="zh-TW" sz="1200" b="0" i="0" kern="1200" dirty="0" smtClean="0">
-              <a:solidFill>
-                <a:schemeClr val="tx1"/>
-              </a:solidFill>
-              <a:effectLst/>
-              <a:latin typeface="+mn-lt"/>
-              <a:ea typeface="+mn-ea"/>
-              <a:cs typeface="+mn-cs"/>
-            </a:endParaRPr>
-          </a:p>
-          <a:p>
-            <a:endParaRPr lang="en-US" altLang="zh-TW" sz="1200" b="0" i="0" kern="1200" dirty="0" smtClean="0">
-              <a:solidFill>
-                <a:schemeClr val="tx1"/>
-              </a:solidFill>
-              <a:effectLst/>
-              <a:latin typeface="+mn-lt"/>
-              <a:ea typeface="+mn-ea"/>
-              <a:cs typeface="+mn-cs"/>
-            </a:endParaRPr>
-          </a:p>
-          <a:p>
-            <a:r>
-              <a:rPr lang="en-US" altLang="zh-TW" sz="1200" b="0" i="0" kern="1200" dirty="0" smtClean="0">
-                <a:solidFill>
-                  <a:schemeClr val="tx1"/>
-                </a:solidFill>
-                <a:effectLst/>
-                <a:latin typeface="+mn-lt"/>
-                <a:ea typeface="+mn-ea"/>
-                <a:cs typeface="+mn-cs"/>
-              </a:rPr>
-              <a:t>Tree-shaking </a:t>
-            </a:r>
-            <a:r>
-              <a:rPr lang="zh-TW" altLang="en-US" sz="1200" b="0" i="0" kern="1200" dirty="0" smtClean="0">
-                <a:solidFill>
-                  <a:schemeClr val="tx1"/>
-                </a:solidFill>
-                <a:effectLst/>
-                <a:latin typeface="+mn-lt"/>
-                <a:ea typeface="+mn-ea"/>
-                <a:cs typeface="+mn-cs"/>
-              </a:rPr>
-              <a:t>的本意，本文所说的前端中的</a:t>
-            </a:r>
-            <a:r>
-              <a:rPr lang="en-US" altLang="zh-TW" sz="1200" b="0" i="0" kern="1200" dirty="0" smtClean="0">
-                <a:solidFill>
-                  <a:schemeClr val="tx1"/>
-                </a:solidFill>
-                <a:effectLst/>
-                <a:latin typeface="+mn-lt"/>
-                <a:ea typeface="+mn-ea"/>
-                <a:cs typeface="+mn-cs"/>
-              </a:rPr>
-              <a:t>tree-shaking</a:t>
-            </a:r>
-            <a:r>
-              <a:rPr lang="zh-TW" altLang="en-US" sz="1200" b="0" i="0" kern="1200" dirty="0" smtClean="0">
-                <a:solidFill>
-                  <a:schemeClr val="tx1"/>
-                </a:solidFill>
-                <a:effectLst/>
-                <a:latin typeface="+mn-lt"/>
-                <a:ea typeface="+mn-ea"/>
-                <a:cs typeface="+mn-cs"/>
-              </a:rPr>
-              <a:t>可以理解为通过工具</a:t>
-            </a:r>
-            <a:r>
-              <a:rPr lang="en-US" altLang="zh-TW" sz="1200" b="0" i="0" kern="1200" dirty="0" smtClean="0">
-                <a:solidFill>
-                  <a:schemeClr val="tx1"/>
-                </a:solidFill>
-                <a:effectLst/>
-                <a:latin typeface="+mn-lt"/>
-                <a:ea typeface="+mn-ea"/>
-                <a:cs typeface="+mn-cs"/>
-              </a:rPr>
-              <a:t>"</a:t>
-            </a:r>
-            <a:r>
-              <a:rPr lang="zh-TW" altLang="en-US" sz="1200" b="0" i="0" kern="1200" dirty="0" smtClean="0">
-                <a:solidFill>
-                  <a:schemeClr val="tx1"/>
-                </a:solidFill>
-                <a:effectLst/>
-                <a:latin typeface="+mn-lt"/>
-                <a:ea typeface="+mn-ea"/>
-                <a:cs typeface="+mn-cs"/>
-              </a:rPr>
-              <a:t>摇</a:t>
-            </a:r>
-            <a:r>
-              <a:rPr lang="en-US" altLang="zh-TW" sz="1200" b="0" i="0" kern="1200" dirty="0" smtClean="0">
-                <a:solidFill>
-                  <a:schemeClr val="tx1"/>
-                </a:solidFill>
-                <a:effectLst/>
-                <a:latin typeface="+mn-lt"/>
-                <a:ea typeface="+mn-ea"/>
-                <a:cs typeface="+mn-cs"/>
-              </a:rPr>
-              <a:t>"</a:t>
-            </a:r>
-            <a:r>
-              <a:rPr lang="zh-TW" altLang="en-US" sz="1200" b="0" i="0" kern="1200" dirty="0" smtClean="0">
-                <a:solidFill>
-                  <a:schemeClr val="tx1"/>
-                </a:solidFill>
-                <a:effectLst/>
-                <a:latin typeface="+mn-lt"/>
-                <a:ea typeface="+mn-ea"/>
-                <a:cs typeface="+mn-cs"/>
-              </a:rPr>
-              <a:t>我们的</a:t>
-            </a:r>
-            <a:r>
-              <a:rPr lang="en-US" altLang="zh-TW" sz="1200" b="0" i="0" kern="1200" dirty="0" smtClean="0">
-                <a:solidFill>
-                  <a:schemeClr val="tx1"/>
-                </a:solidFill>
-                <a:effectLst/>
-                <a:latin typeface="+mn-lt"/>
-                <a:ea typeface="+mn-ea"/>
-                <a:cs typeface="+mn-cs"/>
-              </a:rPr>
-              <a:t>JS</a:t>
-            </a:r>
-            <a:r>
-              <a:rPr lang="zh-TW" altLang="en-US" sz="1200" b="0" i="0" kern="1200" dirty="0" smtClean="0">
-                <a:solidFill>
-                  <a:schemeClr val="tx1"/>
-                </a:solidFill>
-                <a:effectLst/>
-                <a:latin typeface="+mn-lt"/>
-                <a:ea typeface="+mn-ea"/>
-                <a:cs typeface="+mn-cs"/>
-              </a:rPr>
-              <a:t>文件，将其中用不到的代码</a:t>
-            </a:r>
-            <a:r>
-              <a:rPr lang="en-US" altLang="zh-TW" sz="1200" b="0" i="0" kern="1200" dirty="0" smtClean="0">
-                <a:solidFill>
-                  <a:schemeClr val="tx1"/>
-                </a:solidFill>
-                <a:effectLst/>
-                <a:latin typeface="+mn-lt"/>
-                <a:ea typeface="+mn-ea"/>
-                <a:cs typeface="+mn-cs"/>
-              </a:rPr>
-              <a:t>"</a:t>
-            </a:r>
-            <a:r>
-              <a:rPr lang="zh-TW" altLang="en-US" sz="1200" b="0" i="0" kern="1200" dirty="0" smtClean="0">
-                <a:solidFill>
-                  <a:schemeClr val="tx1"/>
-                </a:solidFill>
-                <a:effectLst/>
-                <a:latin typeface="+mn-lt"/>
-                <a:ea typeface="+mn-ea"/>
-                <a:cs typeface="+mn-cs"/>
-              </a:rPr>
-              <a:t>摇</a:t>
-            </a:r>
-            <a:r>
-              <a:rPr lang="en-US" altLang="zh-TW" sz="1200" b="0" i="0" kern="1200" dirty="0" smtClean="0">
-                <a:solidFill>
-                  <a:schemeClr val="tx1"/>
-                </a:solidFill>
-                <a:effectLst/>
-                <a:latin typeface="+mn-lt"/>
-                <a:ea typeface="+mn-ea"/>
-                <a:cs typeface="+mn-cs"/>
-              </a:rPr>
-              <a:t>"</a:t>
-            </a:r>
-            <a:r>
-              <a:rPr lang="zh-TW" altLang="en-US" sz="1200" b="0" i="0" kern="1200" dirty="0" smtClean="0">
-                <a:solidFill>
-                  <a:schemeClr val="tx1"/>
-                </a:solidFill>
-                <a:effectLst/>
-                <a:latin typeface="+mn-lt"/>
-                <a:ea typeface="+mn-ea"/>
-                <a:cs typeface="+mn-cs"/>
-              </a:rPr>
-              <a:t>掉</a:t>
-            </a:r>
-            <a:endParaRPr lang="en-US" altLang="zh-TW" sz="1200" b="0" i="0" kern="1200" dirty="0" smtClean="0">
-              <a:solidFill>
-                <a:schemeClr val="tx1"/>
-              </a:solidFill>
-              <a:effectLst/>
-              <a:latin typeface="+mn-lt"/>
-              <a:ea typeface="+mn-ea"/>
-              <a:cs typeface="+mn-cs"/>
-            </a:endParaRPr>
-          </a:p>
-          <a:p>
-            <a:endParaRPr lang="en-US" altLang="zh-TW" sz="1200" b="0" i="0" kern="1200" dirty="0" smtClean="0">
-              <a:solidFill>
-                <a:schemeClr val="tx1"/>
-              </a:solidFill>
-              <a:effectLst/>
-              <a:latin typeface="+mn-lt"/>
-              <a:ea typeface="+mn-ea"/>
-              <a:cs typeface="+mn-cs"/>
-            </a:endParaRPr>
-          </a:p>
-          <a:p>
-            <a:r>
-              <a:rPr lang="en-US" altLang="zh-TW" dirty="0" smtClean="0">
-                <a:hlinkClick r:id="rId3"/>
-              </a:rPr>
-              <a:t>https://www.syntaxsuccess.com/viewarticle/angular-build-optimizer</a:t>
-            </a:r>
-            <a:endParaRPr lang="en-US" altLang="zh-TW" dirty="0" smtClean="0"/>
-          </a:p>
-          <a:p>
-            <a:endParaRPr lang="en-US" altLang="zh-TW" sz="1200" b="0" i="0" kern="1200" dirty="0" smtClean="0">
-              <a:solidFill>
-                <a:schemeClr val="tx1"/>
-              </a:solidFill>
-              <a:effectLst/>
-              <a:latin typeface="+mn-lt"/>
-              <a:ea typeface="+mn-ea"/>
-              <a:cs typeface="+mn-cs"/>
-            </a:endParaRPr>
-          </a:p>
-          <a:p>
-            <a:pPr marL="0" indent="0">
-              <a:buNone/>
-            </a:pPr>
-            <a:r>
-              <a:rPr lang="en-US" altLang="zh-TW" b="0" dirty="0" smtClean="0"/>
-              <a:t>--</a:t>
-            </a:r>
-            <a:r>
-              <a:rPr lang="en-US" altLang="zh-TW" b="0" dirty="0" err="1" smtClean="0"/>
-              <a:t>buildOptimizer</a:t>
-            </a:r>
-            <a:r>
-              <a:rPr lang="en-US" altLang="zh-TW" b="0" dirty="0" smtClean="0"/>
-              <a:t>  (need </a:t>
-            </a:r>
-            <a:r>
-              <a:rPr lang="en-US" altLang="zh-TW" b="0" dirty="0" err="1" smtClean="0"/>
-              <a:t>aot</a:t>
-            </a:r>
-            <a:r>
-              <a:rPr lang="en-US" altLang="zh-TW" b="0" dirty="0" smtClean="0"/>
-              <a:t> ) : </a:t>
-            </a:r>
-            <a:r>
-              <a:rPr lang="en-US" altLang="zh-TW" b="0" dirty="0" err="1" smtClean="0"/>
-              <a:t>webpack</a:t>
-            </a:r>
-            <a:r>
-              <a:rPr lang="en-US" altLang="zh-TW" b="0" dirty="0" smtClean="0"/>
+            <a:endParaRPr lang="en-US" altLang="zh-TW" dirty="0"/>
+          </a:p>
+          <a:p>
+            <a:endParaRPr lang="en-US" altLang="zh-TW" dirty="0"/>
+          </a:p>
+          <a:p>
+            <a:endParaRPr lang="en-US" altLang="zh-TW" dirty="0"/>
+          </a:p>
+          <a:p>
+            <a:endParaRPr lang="en-US" altLang="zh-TW" dirty="0"/>
+          </a:p>
+          <a:p>
+            <a:endParaRPr lang="en-US" altLang="zh-TW" dirty="0"/>
+          </a:p>
+          <a:p>
+            <a:endParaRPr lang="en-US" altLang="zh-TW" dirty="0"/>
+          </a:p>
+          <a:p>
+            <a:r>
+              <a:rPr lang="zh-TW" altLang="en-US" dirty="0"/>
+              <a:t>詢問一下，目前有多少人用過</a:t>
+            </a:r>
+            <a:r>
+              <a:rPr lang="en-US" altLang="zh-TW" dirty="0"/>
+              <a:t>ng</a:t>
+            </a:r>
+            <a:r>
+              <a:rPr lang="zh-TW" altLang="en-US" dirty="0"/>
               <a:t> </a:t>
             </a:r>
             <a:r>
-              <a:rPr lang="zh-TW" altLang="en-US" b="0" dirty="0" smtClean="0"/>
-              <a:t>優化</a:t>
-            </a:r>
-            <a:endParaRPr lang="en-US" altLang="zh-TW" b="0" dirty="0" smtClean="0"/>
-          </a:p>
-          <a:p>
-            <a:pPr marL="0" indent="0">
-              <a:buNone/>
-            </a:pPr>
-            <a:r>
-              <a:rPr lang="en-US" altLang="zh-TW" b="0" dirty="0" smtClean="0"/>
-              <a:t>-- </a:t>
-            </a:r>
-            <a:r>
-              <a:rPr lang="en-US" altLang="zh-TW" b="0" dirty="0" err="1" smtClean="0"/>
-              <a:t>vendorChunk</a:t>
-            </a:r>
-            <a:r>
-              <a:rPr lang="zh-TW" altLang="en-US" b="0" dirty="0" smtClean="0"/>
-              <a:t> 將所有的所使用的</a:t>
-            </a:r>
-            <a:r>
-              <a:rPr lang="en-US" altLang="zh-TW" b="0" dirty="0" smtClean="0"/>
-              <a:t>library</a:t>
-            </a:r>
-            <a:r>
-              <a:rPr lang="zh-TW" altLang="en-US" b="0" dirty="0" smtClean="0"/>
-              <a:t>和許多應用綁在一起，減少一個</a:t>
-            </a:r>
-            <a:r>
-              <a:rPr lang="en-US" altLang="zh-TW" b="0" dirty="0" smtClean="0"/>
-              <a:t>request</a:t>
-            </a:r>
-          </a:p>
-          <a:p>
-            <a:endParaRPr lang="en-US" altLang="zh-TW" sz="1200" b="0" i="0" kern="1200" dirty="0" smtClean="0">
-              <a:solidFill>
-                <a:schemeClr val="tx1"/>
-              </a:solidFill>
-              <a:effectLst/>
-              <a:latin typeface="+mn-lt"/>
-              <a:ea typeface="+mn-ea"/>
-              <a:cs typeface="+mn-cs"/>
-            </a:endParaRPr>
-          </a:p>
-          <a:p>
-            <a:endParaRPr lang="en-US" altLang="zh-TW" sz="1200" b="0" i="0" kern="1200" dirty="0" smtClean="0">
-              <a:solidFill>
-                <a:schemeClr val="tx1"/>
-              </a:solidFill>
-              <a:effectLst/>
-              <a:latin typeface="+mn-lt"/>
-              <a:ea typeface="+mn-ea"/>
-              <a:cs typeface="+mn-cs"/>
-            </a:endParaRPr>
-          </a:p>
-          <a:p>
-            <a:endParaRPr lang="zh-TW" altLang="en-US" dirty="0"/>
+              <a:rPr lang="en-US" altLang="zh-TW" dirty="0"/>
+              <a:t>cli</a:t>
+            </a:r>
+            <a:r>
+              <a:rPr lang="zh-TW" altLang="en-US" dirty="0"/>
+              <a:t> </a:t>
+            </a:r>
+            <a:endParaRPr lang="en-US" altLang="zh-TW" dirty="0"/>
+          </a:p>
+          <a:p>
+            <a:endParaRPr lang="en-US" dirty="0"/>
           </a:p>
         </p:txBody>
       </p:sp>
     </p:spTree>
     <p:extLst>
       <p:ext uri="{BB962C8B-B14F-4D97-AF65-F5344CB8AC3E}">
-        <p14:creationId xmlns:p14="http://schemas.microsoft.com/office/powerpoint/2010/main" val="2334019523"/>
+        <p14:creationId xmlns:p14="http://schemas.microsoft.com/office/powerpoint/2010/main" val="2249352317"/>
       </p:ext>
     </p:extLst>
   </p:cSld>
@@ -1159,101 +821,462 @@
           <a:bodyPr/>
           <a:lstStyle/>
           <a:p>
-            <a:r>
-              <a:rPr lang="zh-TW" altLang="en-US" dirty="0" smtClean="0"/>
-              <a:t>順便提到一下，其實</a:t>
-            </a:r>
-            <a:r>
-              <a:rPr lang="en-US" altLang="zh-TW" baseline="0" dirty="0" smtClean="0"/>
-              <a:t>net </a:t>
-            </a:r>
-            <a:r>
-              <a:rPr lang="en-US" altLang="zh-TW" baseline="0" dirty="0" err="1" smtClean="0"/>
-              <a:t>mvc</a:t>
-            </a:r>
-            <a:r>
-              <a:rPr lang="en-US" altLang="zh-TW" baseline="0" dirty="0" smtClean="0"/>
-              <a:t> razor </a:t>
-            </a:r>
-            <a:r>
-              <a:rPr lang="zh-TW" altLang="en-US" baseline="0" dirty="0" smtClean="0"/>
-              <a:t>的</a:t>
-            </a:r>
-            <a:r>
-              <a:rPr lang="en-US" altLang="zh-TW" baseline="0" dirty="0" smtClean="0"/>
-              <a:t>view </a:t>
-            </a:r>
-            <a:r>
-              <a:rPr lang="zh-TW" altLang="en-US" baseline="0" dirty="0" smtClean="0"/>
-              <a:t>，我們在訪問</a:t>
-            </a:r>
-            <a:r>
-              <a:rPr lang="en-US" altLang="zh-TW" baseline="0" dirty="0" smtClean="0"/>
-              <a:t>razor view </a:t>
-            </a:r>
-            <a:r>
-              <a:rPr lang="zh-TW" altLang="en-US" baseline="0" dirty="0" smtClean="0"/>
-              <a:t>時，他才會</a:t>
-            </a:r>
-            <a:r>
-              <a:rPr lang="en-US" altLang="zh-TW" baseline="0" dirty="0" smtClean="0"/>
-              <a:t>build</a:t>
-            </a:r>
-          </a:p>
-          <a:p>
-            <a:endParaRPr lang="en-US" altLang="zh-TW" baseline="0" dirty="0" smtClean="0"/>
-          </a:p>
-          <a:p>
-            <a:r>
-              <a:rPr lang="zh-TW" altLang="en-US" baseline="0" dirty="0" smtClean="0"/>
-              <a:t>在</a:t>
-            </a:r>
-            <a:r>
-              <a:rPr lang="en-US" altLang="zh-TW" baseline="0" dirty="0" smtClean="0"/>
-              <a:t>release</a:t>
-            </a:r>
-            <a:r>
-              <a:rPr lang="zh-TW" altLang="en-US" baseline="0" dirty="0" smtClean="0"/>
-              <a:t>時預先編譯檢查樣板的正確性，並加速在使用者第一次訪問時建置的時間，缺點就是</a:t>
-            </a:r>
-            <a:r>
-              <a:rPr lang="en-US" altLang="zh-TW" baseline="0" dirty="0" smtClean="0"/>
-              <a:t>release </a:t>
-            </a:r>
-            <a:r>
-              <a:rPr lang="zh-TW" altLang="en-US" baseline="0" dirty="0" smtClean="0"/>
-              <a:t>會變慢</a:t>
-            </a:r>
-            <a:endParaRPr lang="en-US" altLang="zh-TW" baseline="0" dirty="0" smtClean="0"/>
-          </a:p>
-          <a:p>
-            <a:endParaRPr lang="en-US" altLang="zh-TW" baseline="0" dirty="0" smtClean="0"/>
-          </a:p>
-          <a:p>
-            <a:pPr marL="0" marR="0" indent="0" algn="l" defTabSz="914400" rtl="0" eaLnBrk="1" fontAlgn="auto" latinLnBrk="0" hangingPunct="1">
-              <a:lnSpc>
-                <a:spcPct val="100000"/>
-              </a:lnSpc>
-              <a:spcBef>
-                <a:spcPts val="0"/>
-              </a:spcBef>
-              <a:spcAft>
-                <a:spcPts val="0"/>
-              </a:spcAft>
-              <a:buClrTx/>
-              <a:buSzTx/>
-              <a:buFontTx/>
-              <a:buNone/>
-              <a:tabLst/>
-              <a:defRPr/>
-            </a:pPr>
-            <a:r>
-              <a:rPr lang="en-US" altLang="zh-TW" dirty="0" smtClean="0">
+            <a:endParaRPr lang="en-US" altLang="zh-TW" sz="1200" b="0" i="0" kern="1200" dirty="0">
+              <a:solidFill>
+                <a:schemeClr val="tx1"/>
+              </a:solidFill>
+              <a:effectLst/>
+              <a:latin typeface="+mn-lt"/>
+              <a:ea typeface="+mn-ea"/>
+              <a:cs typeface="+mn-cs"/>
+            </a:endParaRPr>
+          </a:p>
+          <a:p>
+            <a:endParaRPr lang="en-US" altLang="zh-TW" sz="1200" b="0" i="0" kern="1200" dirty="0">
+              <a:solidFill>
+                <a:schemeClr val="tx1"/>
+              </a:solidFill>
+              <a:effectLst/>
+              <a:latin typeface="+mn-lt"/>
+              <a:ea typeface="+mn-ea"/>
+              <a:cs typeface="+mn-cs"/>
+            </a:endParaRPr>
+          </a:p>
+          <a:p>
+            <a:endParaRPr lang="en-US" altLang="zh-TW" sz="1200" b="0" i="0" kern="1200" dirty="0">
+              <a:solidFill>
+                <a:schemeClr val="tx1"/>
+              </a:solidFill>
+              <a:effectLst/>
+              <a:latin typeface="+mn-lt"/>
+              <a:ea typeface="+mn-ea"/>
+              <a:cs typeface="+mn-cs"/>
+            </a:endParaRPr>
+          </a:p>
+          <a:p>
+            <a:endParaRPr lang="en-US" altLang="zh-TW" sz="1200" b="0" i="0" kern="1200" dirty="0">
+              <a:solidFill>
+                <a:schemeClr val="tx1"/>
+              </a:solidFill>
+              <a:effectLst/>
+              <a:latin typeface="+mn-lt"/>
+              <a:ea typeface="+mn-ea"/>
+              <a:cs typeface="+mn-cs"/>
+            </a:endParaRPr>
+          </a:p>
+          <a:p>
+            <a:endParaRPr lang="en-US" altLang="zh-TW" sz="1200" b="0" i="0" kern="1200" dirty="0">
+              <a:solidFill>
+                <a:schemeClr val="tx1"/>
+              </a:solidFill>
+              <a:effectLst/>
+              <a:latin typeface="+mn-lt"/>
+              <a:ea typeface="+mn-ea"/>
+              <a:cs typeface="+mn-cs"/>
+            </a:endParaRPr>
+          </a:p>
+          <a:p>
+            <a:endParaRPr lang="en-US" altLang="zh-TW" sz="1200" b="0" i="0" kern="1200" dirty="0">
+              <a:solidFill>
+                <a:schemeClr val="tx1"/>
+              </a:solidFill>
+              <a:effectLst/>
+              <a:latin typeface="+mn-lt"/>
+              <a:ea typeface="+mn-ea"/>
+              <a:cs typeface="+mn-cs"/>
+            </a:endParaRPr>
+          </a:p>
+          <a:p>
+            <a:r>
+              <a:rPr lang="zh-TW" altLang="en-US" sz="1200" b="0" i="0" kern="1200" dirty="0">
+                <a:solidFill>
+                  <a:schemeClr val="tx1"/>
+                </a:solidFill>
+                <a:effectLst/>
+                <a:latin typeface="+mn-lt"/>
+                <a:ea typeface="+mn-ea"/>
+                <a:cs typeface="+mn-cs"/>
+              </a:rPr>
+              <a:t>許多人會對</a:t>
+            </a:r>
+            <a:r>
+              <a:rPr lang="en-US" altLang="zh-TW" sz="1200" b="0" i="0" kern="1200" dirty="0" err="1">
+                <a:solidFill>
+                  <a:schemeClr val="tx1"/>
+                </a:solidFill>
+                <a:effectLst/>
+                <a:latin typeface="+mn-lt"/>
+                <a:ea typeface="+mn-ea"/>
+                <a:cs typeface="+mn-cs"/>
+              </a:rPr>
+              <a:t>aot</a:t>
+            </a:r>
+            <a:r>
+              <a:rPr lang="zh-TW" altLang="en-US" sz="1200" b="0" i="0" kern="1200" dirty="0">
+                <a:solidFill>
+                  <a:schemeClr val="tx1"/>
+                </a:solidFill>
+                <a:effectLst/>
+                <a:latin typeface="+mn-lt"/>
+                <a:ea typeface="+mn-ea"/>
+                <a:cs typeface="+mn-cs"/>
+              </a:rPr>
+              <a:t>有錯誤的認知，他會幫忙程式混淆、消除</a:t>
+            </a:r>
+            <a:r>
+              <a:rPr lang="en-US" altLang="zh-TW" sz="1200" b="0" i="0" kern="1200" dirty="0">
+                <a:solidFill>
+                  <a:schemeClr val="tx1"/>
+                </a:solidFill>
+                <a:effectLst/>
+                <a:latin typeface="+mn-lt"/>
+                <a:ea typeface="+mn-ea"/>
+                <a:cs typeface="+mn-cs"/>
+              </a:rPr>
+              <a:t>…</a:t>
+            </a:r>
+            <a:r>
+              <a:rPr lang="zh-TW" altLang="en-US" sz="1200" b="0" i="0" kern="1200" dirty="0">
+                <a:solidFill>
+                  <a:schemeClr val="tx1"/>
+                </a:solidFill>
+                <a:effectLst/>
+                <a:latin typeface="+mn-lt"/>
+                <a:ea typeface="+mn-ea"/>
+                <a:cs typeface="+mn-cs"/>
+              </a:rPr>
+              <a:t>等等等功能，其實不然</a:t>
+            </a:r>
+            <a:endParaRPr lang="en-US" altLang="zh-TW" sz="1200" b="0" i="0" kern="1200" dirty="0">
+              <a:solidFill>
+                <a:schemeClr val="tx1"/>
+              </a:solidFill>
+              <a:effectLst/>
+              <a:latin typeface="+mn-lt"/>
+              <a:ea typeface="+mn-ea"/>
+              <a:cs typeface="+mn-cs"/>
+            </a:endParaRPr>
+          </a:p>
+          <a:p>
+            <a:endParaRPr lang="en-US" altLang="zh-TW" sz="1200" b="0" i="0" kern="1200" dirty="0">
+              <a:solidFill>
+                <a:schemeClr val="tx1"/>
+              </a:solidFill>
+              <a:effectLst/>
+              <a:latin typeface="+mn-lt"/>
+              <a:ea typeface="+mn-ea"/>
+              <a:cs typeface="+mn-cs"/>
+            </a:endParaRPr>
+          </a:p>
+          <a:p>
+            <a:endParaRPr lang="en-US" altLang="zh-TW" sz="1200" b="0" i="0" kern="1200" dirty="0">
+              <a:solidFill>
+                <a:schemeClr val="tx1"/>
+              </a:solidFill>
+              <a:effectLst/>
+              <a:latin typeface="+mn-lt"/>
+              <a:ea typeface="+mn-ea"/>
+              <a:cs typeface="+mn-cs"/>
+            </a:endParaRPr>
+          </a:p>
+          <a:p>
+            <a:r>
+              <a:rPr lang="en-US" altLang="zh-TW" sz="1200" b="0" i="0" kern="1200" dirty="0">
+                <a:solidFill>
+                  <a:schemeClr val="tx1"/>
+                </a:solidFill>
+                <a:effectLst/>
+                <a:latin typeface="+mn-lt"/>
+                <a:ea typeface="+mn-ea"/>
+                <a:cs typeface="+mn-cs"/>
+              </a:rPr>
+              <a:t>Tree-shaking </a:t>
+            </a:r>
+            <a:r>
+              <a:rPr lang="zh-TW" altLang="en-US" sz="1200" b="0" i="0" kern="1200" dirty="0">
+                <a:solidFill>
+                  <a:schemeClr val="tx1"/>
+                </a:solidFill>
+                <a:effectLst/>
+                <a:latin typeface="+mn-lt"/>
+                <a:ea typeface="+mn-ea"/>
+                <a:cs typeface="+mn-cs"/>
+              </a:rPr>
+              <a:t>的本意，本文所说的前端中的</a:t>
+            </a:r>
+            <a:r>
+              <a:rPr lang="en-US" altLang="zh-TW" sz="1200" b="0" i="0" kern="1200" dirty="0">
+                <a:solidFill>
+                  <a:schemeClr val="tx1"/>
+                </a:solidFill>
+                <a:effectLst/>
+                <a:latin typeface="+mn-lt"/>
+                <a:ea typeface="+mn-ea"/>
+                <a:cs typeface="+mn-cs"/>
+              </a:rPr>
+              <a:t>tree-shaking</a:t>
+            </a:r>
+            <a:r>
+              <a:rPr lang="zh-TW" altLang="en-US" sz="1200" b="0" i="0" kern="1200" dirty="0">
+                <a:solidFill>
+                  <a:schemeClr val="tx1"/>
+                </a:solidFill>
+                <a:effectLst/>
+                <a:latin typeface="+mn-lt"/>
+                <a:ea typeface="+mn-ea"/>
+                <a:cs typeface="+mn-cs"/>
+              </a:rPr>
+              <a:t>可以理解为通过工具</a:t>
+            </a:r>
+            <a:r>
+              <a:rPr lang="en-US" altLang="zh-TW" sz="1200" b="0" i="0" kern="1200" dirty="0">
+                <a:solidFill>
+                  <a:schemeClr val="tx1"/>
+                </a:solidFill>
+                <a:effectLst/>
+                <a:latin typeface="+mn-lt"/>
+                <a:ea typeface="+mn-ea"/>
+                <a:cs typeface="+mn-cs"/>
+              </a:rPr>
+              <a:t>"</a:t>
+            </a:r>
+            <a:r>
+              <a:rPr lang="zh-TW" altLang="en-US" sz="1200" b="0" i="0" kern="1200" dirty="0">
+                <a:solidFill>
+                  <a:schemeClr val="tx1"/>
+                </a:solidFill>
+                <a:effectLst/>
+                <a:latin typeface="+mn-lt"/>
+                <a:ea typeface="+mn-ea"/>
+                <a:cs typeface="+mn-cs"/>
+              </a:rPr>
+              <a:t>摇</a:t>
+            </a:r>
+            <a:r>
+              <a:rPr lang="en-US" altLang="zh-TW" sz="1200" b="0" i="0" kern="1200" dirty="0">
+                <a:solidFill>
+                  <a:schemeClr val="tx1"/>
+                </a:solidFill>
+                <a:effectLst/>
+                <a:latin typeface="+mn-lt"/>
+                <a:ea typeface="+mn-ea"/>
+                <a:cs typeface="+mn-cs"/>
+              </a:rPr>
+              <a:t>"</a:t>
+            </a:r>
+            <a:r>
+              <a:rPr lang="zh-TW" altLang="en-US" sz="1200" b="0" i="0" kern="1200" dirty="0">
+                <a:solidFill>
+                  <a:schemeClr val="tx1"/>
+                </a:solidFill>
+                <a:effectLst/>
+                <a:latin typeface="+mn-lt"/>
+                <a:ea typeface="+mn-ea"/>
+                <a:cs typeface="+mn-cs"/>
+              </a:rPr>
+              <a:t>我们的</a:t>
+            </a:r>
+            <a:r>
+              <a:rPr lang="en-US" altLang="zh-TW" sz="1200" b="0" i="0" kern="1200" dirty="0">
+                <a:solidFill>
+                  <a:schemeClr val="tx1"/>
+                </a:solidFill>
+                <a:effectLst/>
+                <a:latin typeface="+mn-lt"/>
+                <a:ea typeface="+mn-ea"/>
+                <a:cs typeface="+mn-cs"/>
+              </a:rPr>
+              <a:t>JS</a:t>
+            </a:r>
+            <a:r>
+              <a:rPr lang="zh-TW" altLang="en-US" sz="1200" b="0" i="0" kern="1200" dirty="0">
+                <a:solidFill>
+                  <a:schemeClr val="tx1"/>
+                </a:solidFill>
+                <a:effectLst/>
+                <a:latin typeface="+mn-lt"/>
+                <a:ea typeface="+mn-ea"/>
+                <a:cs typeface="+mn-cs"/>
+              </a:rPr>
+              <a:t>文件，将其中用不到的代码</a:t>
+            </a:r>
+            <a:r>
+              <a:rPr lang="en-US" altLang="zh-TW" sz="1200" b="0" i="0" kern="1200" dirty="0">
+                <a:solidFill>
+                  <a:schemeClr val="tx1"/>
+                </a:solidFill>
+                <a:effectLst/>
+                <a:latin typeface="+mn-lt"/>
+                <a:ea typeface="+mn-ea"/>
+                <a:cs typeface="+mn-cs"/>
+              </a:rPr>
+              <a:t>"</a:t>
+            </a:r>
+            <a:r>
+              <a:rPr lang="zh-TW" altLang="en-US" sz="1200" b="0" i="0" kern="1200" dirty="0">
+                <a:solidFill>
+                  <a:schemeClr val="tx1"/>
+                </a:solidFill>
+                <a:effectLst/>
+                <a:latin typeface="+mn-lt"/>
+                <a:ea typeface="+mn-ea"/>
+                <a:cs typeface="+mn-cs"/>
+              </a:rPr>
+              <a:t>摇</a:t>
+            </a:r>
+            <a:r>
+              <a:rPr lang="en-US" altLang="zh-TW" sz="1200" b="0" i="0" kern="1200" dirty="0">
+                <a:solidFill>
+                  <a:schemeClr val="tx1"/>
+                </a:solidFill>
+                <a:effectLst/>
+                <a:latin typeface="+mn-lt"/>
+                <a:ea typeface="+mn-ea"/>
+                <a:cs typeface="+mn-cs"/>
+              </a:rPr>
+              <a:t>"</a:t>
+            </a:r>
+            <a:r>
+              <a:rPr lang="zh-TW" altLang="en-US" sz="1200" b="0" i="0" kern="1200" dirty="0">
+                <a:solidFill>
+                  <a:schemeClr val="tx1"/>
+                </a:solidFill>
+                <a:effectLst/>
+                <a:latin typeface="+mn-lt"/>
+                <a:ea typeface="+mn-ea"/>
+                <a:cs typeface="+mn-cs"/>
+              </a:rPr>
+              <a:t>掉</a:t>
+            </a:r>
+            <a:endParaRPr lang="en-US" altLang="zh-TW" sz="1200" b="0" i="0" kern="1200" dirty="0">
+              <a:solidFill>
+                <a:schemeClr val="tx1"/>
+              </a:solidFill>
+              <a:effectLst/>
+              <a:latin typeface="+mn-lt"/>
+              <a:ea typeface="+mn-ea"/>
+              <a:cs typeface="+mn-cs"/>
+            </a:endParaRPr>
+          </a:p>
+          <a:p>
+            <a:endParaRPr lang="en-US" altLang="zh-TW" sz="1200" b="0" i="0" kern="1200" dirty="0">
+              <a:solidFill>
+                <a:schemeClr val="tx1"/>
+              </a:solidFill>
+              <a:effectLst/>
+              <a:latin typeface="+mn-lt"/>
+              <a:ea typeface="+mn-ea"/>
+              <a:cs typeface="+mn-cs"/>
+            </a:endParaRPr>
+          </a:p>
+          <a:p>
+            <a:r>
+              <a:rPr lang="en-US" altLang="zh-TW" dirty="0">
                 <a:hlinkClick r:id="rId3"/>
               </a:rPr>
-              <a:t>https://note.kimx.info/2015/10/mvc-view-precompiler.html</a:t>
-            </a:r>
-            <a:endParaRPr lang="en-US" altLang="zh-TW" dirty="0" smtClean="0"/>
+              <a:t>https://www.syntaxsuccess.com/viewarticle/angular-build-optimizer</a:t>
+            </a:r>
+            <a:endParaRPr lang="en-US" altLang="zh-TW" dirty="0"/>
+          </a:p>
+          <a:p>
+            <a:endParaRPr lang="en-US" altLang="zh-TW" sz="1200" b="0" i="0" kern="1200" dirty="0">
+              <a:solidFill>
+                <a:schemeClr val="tx1"/>
+              </a:solidFill>
+              <a:effectLst/>
+              <a:latin typeface="+mn-lt"/>
+              <a:ea typeface="+mn-ea"/>
+              <a:cs typeface="+mn-cs"/>
+            </a:endParaRPr>
+          </a:p>
+          <a:p>
+            <a:pPr marL="0" indent="0">
+              <a:buNone/>
+            </a:pPr>
+            <a:r>
+              <a:rPr lang="en-US" altLang="zh-TW" b="0" dirty="0"/>
+              <a:t>--</a:t>
+            </a:r>
+            <a:r>
+              <a:rPr lang="en-US" altLang="zh-TW" b="0" dirty="0" err="1"/>
+              <a:t>buildOptimizer</a:t>
+            </a:r>
+            <a:r>
+              <a:rPr lang="en-US" altLang="zh-TW" b="0" dirty="0"/>
+              <a:t>  (need </a:t>
+            </a:r>
+            <a:r>
+              <a:rPr lang="en-US" altLang="zh-TW" b="0" dirty="0" err="1"/>
+              <a:t>aot</a:t>
+            </a:r>
+            <a:r>
+              <a:rPr lang="en-US" altLang="zh-TW" b="0" dirty="0"/>
+              <a:t> ) : </a:t>
+            </a:r>
+            <a:r>
+              <a:rPr lang="en-US" altLang="zh-TW" b="0" dirty="0" err="1"/>
+              <a:t>webpack</a:t>
+            </a:r>
+            <a:r>
+              <a:rPr lang="en-US" altLang="zh-TW" b="0" dirty="0"/>
+              <a:t> </a:t>
+            </a:r>
+            <a:r>
+              <a:rPr lang="zh-TW" altLang="en-US" b="0" dirty="0"/>
+              <a:t>優化</a:t>
+            </a:r>
+            <a:endParaRPr lang="en-US" altLang="zh-TW" b="0" dirty="0"/>
+          </a:p>
+          <a:p>
+            <a:pPr marL="0" indent="0">
+              <a:buNone/>
+            </a:pPr>
+            <a:r>
+              <a:rPr lang="en-US" altLang="zh-TW" b="0" dirty="0"/>
+              <a:t>-- </a:t>
+            </a:r>
+            <a:r>
+              <a:rPr lang="en-US" altLang="zh-TW" b="0" dirty="0" err="1"/>
+              <a:t>vendorChunk</a:t>
+            </a:r>
+            <a:r>
+              <a:rPr lang="zh-TW" altLang="en-US" b="0" dirty="0"/>
+              <a:t> 將所有的所使用的</a:t>
+            </a:r>
+            <a:r>
+              <a:rPr lang="en-US" altLang="zh-TW" b="0" dirty="0"/>
+              <a:t>library</a:t>
+            </a:r>
+            <a:r>
+              <a:rPr lang="zh-TW" altLang="en-US" b="0" dirty="0"/>
+              <a:t>和許多應用綁在一起，減少一個</a:t>
+            </a:r>
+            <a:r>
+              <a:rPr lang="en-US" altLang="zh-TW" b="0" dirty="0"/>
+              <a:t>request</a:t>
+            </a:r>
+          </a:p>
+          <a:p>
+            <a:endParaRPr lang="en-US" altLang="zh-TW" sz="1200" b="0" i="0" kern="1200" dirty="0">
+              <a:solidFill>
+                <a:schemeClr val="tx1"/>
+              </a:solidFill>
+              <a:effectLst/>
+              <a:latin typeface="+mn-lt"/>
+              <a:ea typeface="+mn-ea"/>
+              <a:cs typeface="+mn-cs"/>
+            </a:endParaRPr>
+          </a:p>
+          <a:p>
+            <a:endParaRPr lang="en-US" altLang="zh-TW" sz="1200" b="0" i="0" kern="1200" dirty="0">
+              <a:solidFill>
+                <a:schemeClr val="tx1"/>
+              </a:solidFill>
+              <a:effectLst/>
+              <a:latin typeface="+mn-lt"/>
+              <a:ea typeface="+mn-ea"/>
+              <a:cs typeface="+mn-cs"/>
+            </a:endParaRPr>
           </a:p>
           <a:p>
             <a:endParaRPr lang="zh-TW" altLang="en-US" dirty="0"/>
@@ -1263,7 +1286,7 @@
     </p:spTree>
     <p:extLst>
       <p:ext uri="{BB962C8B-B14F-4D97-AF65-F5344CB8AC3E}">
-        <p14:creationId xmlns:p14="http://schemas.microsoft.com/office/powerpoint/2010/main" val="3638277299"/>
+        <p14:creationId xmlns:p14="http://schemas.microsoft.com/office/powerpoint/2010/main" val="2334019523"/>
       </p:ext>
     </p:extLst>
   </p:cSld>
@@ -1318,100 +1341,110 @@
           <a:lstStyle/>
           <a:p>
             <a:r>
-              <a:rPr lang="en-US" altLang="zh-TW" dirty="0" smtClean="0"/>
-              <a:t>Angular </a:t>
-            </a:r>
-            <a:r>
-              <a:rPr lang="zh-TW" altLang="en-US" dirty="0" smtClean="0"/>
-              <a:t>延遲載入機制</a:t>
-            </a:r>
-            <a:endParaRPr lang="en-US" altLang="zh-TW" dirty="0" smtClean="0"/>
-          </a:p>
-          <a:p>
-            <a:r>
-              <a:rPr lang="en-US" altLang="zh-TW" dirty="0" smtClean="0"/>
-              <a:t>Angular </a:t>
-            </a:r>
-            <a:r>
-              <a:rPr lang="zh-TW" altLang="en-US" dirty="0" smtClean="0"/>
+              <a:rPr lang="zh-TW" altLang="en-US" dirty="0"/>
+              <a:t>順便提到一下，其實</a:t>
+            </a:r>
+            <a:r>
+              <a:rPr lang="en-US" altLang="zh-TW" baseline="0" dirty="0"/>
+              <a:t>net </a:t>
+            </a:r>
+            <a:r>
+              <a:rPr lang="en-US" altLang="zh-TW" baseline="0" dirty="0" err="1"/>
+              <a:t>mvc</a:t>
+            </a:r>
+            <a:r>
+              <a:rPr lang="en-US" altLang="zh-TW" baseline="0" dirty="0"/>
+              <a:t> razor </a:t>
+            </a:r>
+            <a:r>
+              <a:rPr lang="zh-TW" altLang="en-US" baseline="0" dirty="0"/>
+              <a:t>的</a:t>
+            </a:r>
+            <a:r>
+              <a:rPr lang="en-US" altLang="zh-TW" baseline="0" dirty="0"/>
+              <a:t>view </a:t>
+            </a:r>
+            <a:r>
+              <a:rPr lang="zh-TW" altLang="en-US" baseline="0" dirty="0"/>
+              <a:t>，我們在訪問</a:t>
+            </a:r>
+            <a:r>
+              <a:rPr lang="en-US" altLang="zh-TW" baseline="0" dirty="0"/>
+              <a:t>razor view </a:t>
+            </a:r>
+            <a:r>
+              <a:rPr lang="zh-TW" altLang="en-US" baseline="0" dirty="0"/>
+              <a:t>時，他才會</a:t>
+            </a:r>
+            <a:r>
+              <a:rPr lang="en-US" altLang="zh-TW" baseline="0" dirty="0"/>
+              <a:t>build</a:t>
+            </a:r>
+          </a:p>
+          <a:p>
+            <a:endParaRPr lang="en-US" altLang="zh-TW" baseline="0" dirty="0"/>
+          </a:p>
+          <a:p>
+            <a:r>
+              <a:rPr lang="zh-TW" altLang="en-US" baseline="0" dirty="0"/>
               <a:t>在</a:t>
             </a:r>
             <a:r>
-              <a:rPr lang="en-US" altLang="zh-TW" dirty="0" smtClean="0"/>
-              <a:t>build</a:t>
-            </a:r>
-            <a:r>
-              <a:rPr lang="en-US" altLang="zh-TW" baseline="0" dirty="0" smtClean="0"/>
-              <a:t> </a:t>
-            </a:r>
-            <a:r>
-              <a:rPr lang="zh-TW" altLang="en-US" baseline="0" dirty="0" smtClean="0"/>
-              <a:t>時，就會產生一大包的</a:t>
-            </a:r>
-            <a:r>
-              <a:rPr lang="en-US" altLang="zh-TW" baseline="0" dirty="0" err="1" smtClean="0"/>
-              <a:t>js</a:t>
-            </a:r>
-            <a:r>
-              <a:rPr lang="zh-TW" altLang="en-US" baseline="0" dirty="0" smtClean="0"/>
-              <a:t>，隨著模組越多，第一次的載入速度就越慢，造成使用者的體驗不加，我只要玩七星卻載了六合，</a:t>
-            </a:r>
-            <a:endParaRPr lang="en-US" altLang="zh-TW" baseline="0" dirty="0" smtClean="0"/>
-          </a:p>
-          <a:p>
-            <a:r>
-              <a:rPr lang="en-US" altLang="zh-TW" dirty="0" smtClean="0"/>
-              <a:t>Lazy</a:t>
-            </a:r>
-            <a:r>
-              <a:rPr lang="en-US" altLang="zh-TW" baseline="0" dirty="0" smtClean="0"/>
-              <a:t> Load Module </a:t>
-            </a:r>
-            <a:r>
-              <a:rPr lang="zh-TW" altLang="en-US" baseline="0" dirty="0" smtClean="0"/>
-              <a:t>最主要的原理是</a:t>
-            </a:r>
-            <a:r>
-              <a:rPr lang="en-US" altLang="zh-TW" dirty="0" smtClean="0"/>
-              <a:t>build</a:t>
-            </a:r>
-            <a:r>
-              <a:rPr lang="en-US" altLang="zh-TW" baseline="0" dirty="0" smtClean="0"/>
-              <a:t> </a:t>
-            </a:r>
-            <a:r>
-              <a:rPr lang="zh-TW" altLang="en-US" baseline="0" dirty="0" smtClean="0"/>
-              <a:t>時我就延遲載入的模組拆開，直到我訪問到那路由才去載入那個模組，</a:t>
-            </a:r>
-            <a:endParaRPr lang="en-US" altLang="zh-TW" baseline="0" dirty="0" smtClean="0"/>
-          </a:p>
-          <a:p>
-            <a:r>
-              <a:rPr lang="zh-TW" altLang="en-US" baseline="0" dirty="0" smtClean="0"/>
-              <a:t>但在 </a:t>
-            </a:r>
-            <a:r>
-              <a:rPr lang="en-US" altLang="zh-TW" baseline="0" dirty="0" smtClean="0"/>
-              <a:t>Angular 8 </a:t>
-            </a:r>
-            <a:r>
-              <a:rPr lang="zh-TW" altLang="en-US" baseline="0" dirty="0" smtClean="0"/>
-              <a:t>中，更方便的功能，動態載入模組，我可以控制我要載入動態模組的時間，可能是按下那個按紐及事件發生前後。</a:t>
-            </a:r>
-            <a:endParaRPr lang="en-US" altLang="zh-TW" dirty="0" smtClean="0"/>
-          </a:p>
-          <a:p>
-            <a:endParaRPr lang="en-US" altLang="zh-TW" dirty="0" smtClean="0"/>
-          </a:p>
-          <a:p>
-            <a:endParaRPr lang="en-US" altLang="zh-TW" dirty="0" smtClean="0"/>
+              <a:rPr lang="en-US" altLang="zh-TW" baseline="0" dirty="0"/>
+              <a:t>release</a:t>
+            </a:r>
+            <a:r>
+              <a:rPr lang="zh-TW" altLang="en-US" baseline="0" dirty="0"/>
+              <a:t>時預先編譯檢查樣板的正確性，並加速在使用者第一次訪問時建置的時間，缺點就是</a:t>
+            </a:r>
+            <a:r>
+              <a:rPr lang="en-US" altLang="zh-TW" baseline="0" dirty="0"/>
+              <a:t>release </a:t>
+            </a:r>
+            <a:r>
+              <a:rPr lang="zh-TW" altLang="en-US" baseline="0" dirty="0"/>
+              <a:t>會變慢</a:t>
+            </a:r>
+            <a:endParaRPr lang="en-US" altLang="zh-TW" baseline="0" dirty="0"/>
+          </a:p>
+          <a:p>
+            <a:endParaRPr lang="en-US" altLang="zh-TW" baseline="0" dirty="0"/>
+          </a:p>
+          <a:p>
+            <a:pPr marL="0" marR="0" indent="0" algn="l" defTabSz="914400" rtl="0" eaLnBrk="1" fontAlgn="auto" latinLnBrk="0" hangingPunct="1">
+              <a:lnSpc>
+                <a:spcPct val="100000"/>
+              </a:lnSpc>
+              <a:spcBef>
+                <a:spcPts val="0"/>
+              </a:spcBef>
+              <a:spcAft>
+                <a:spcPts val="0"/>
+              </a:spcAft>
+              <a:buClrTx/>
+              <a:buSzTx/>
+              <a:buFontTx/>
+              <a:buNone/>
+              <a:tabLst/>
+              <a:defRPr/>
+            </a:pPr>
+            <a:r>
+              <a:rPr lang="en-US" altLang="zh-TW" dirty="0">
+                <a:hlinkClick r:id="rId3"/>
+              </a:rPr>
+              <a:t>https://note.kimx.info/2015/10/mvc-view-precompiler.html</a:t>
+            </a:r>
+            <a:endParaRPr lang="en-US" altLang="zh-TW" dirty="0"/>
+          </a:p>
+          <a:p>
+            <a:endParaRPr lang="zh-TW" altLang="en-US" dirty="0"/>
           </a:p>
         </p:txBody>
       </p:sp>
     </p:spTree>
     <p:extLst>
       <p:ext uri="{BB962C8B-B14F-4D97-AF65-F5344CB8AC3E}">
-        <p14:creationId xmlns:p14="http://schemas.microsoft.com/office/powerpoint/2010/main" val="229243256"/>
+        <p14:creationId xmlns:p14="http://schemas.microsoft.com/office/powerpoint/2010/main" val="3638277299"/>
       </p:ext>
     </p:extLst>
   </p:cSld>
@@ -1465,177 +1498,78 @@
           <a:bodyPr/>
           <a:lstStyle/>
           <a:p>
-            <a:pPr marL="0" indent="0">
-              <a:buNone/>
-            </a:pPr>
-            <a:r>
-              <a:rPr lang="zh-TW" altLang="en-US" dirty="0" smtClean="0">
-                <a:hlinkClick r:id="rId3"/>
-              </a:rPr>
-              <a:t>在談</a:t>
-            </a:r>
-            <a:r>
-              <a:rPr lang="en-US" altLang="zh-TW" dirty="0" smtClean="0">
-                <a:hlinkClick r:id="rId3"/>
-              </a:rPr>
-              <a:t>angular</a:t>
-            </a:r>
-            <a:r>
-              <a:rPr lang="en-US" altLang="zh-TW" baseline="0" dirty="0" smtClean="0">
-                <a:hlinkClick r:id="rId3"/>
-              </a:rPr>
+            <a:r>
+              <a:rPr lang="en-US" altLang="zh-TW" dirty="0"/>
+              <a:t>Angular </a:t>
+            </a:r>
+            <a:r>
+              <a:rPr lang="zh-TW" altLang="en-US" dirty="0"/>
+              <a:t>延遲載入機制</a:t>
+            </a:r>
+            <a:endParaRPr lang="en-US" altLang="zh-TW" dirty="0"/>
+          </a:p>
+          <a:p>
+            <a:r>
+              <a:rPr lang="zh-TW" altLang="en-US" baseline="0" dirty="0"/>
+              <a:t>隨著</a:t>
+            </a:r>
+            <a:r>
+              <a:rPr lang="en-US" altLang="zh-TW" baseline="0" dirty="0"/>
+              <a:t>SPA </a:t>
+            </a:r>
+            <a:r>
+              <a:rPr lang="zh-TW" altLang="en-US" baseline="0" dirty="0"/>
+              <a:t>網頁越來越大，隨著模組越多，第一次的載入速度就越慢，即有可造成使用者的體驗不加，我只要玩七星卻載了六合其他產品，</a:t>
+            </a:r>
+            <a:endParaRPr lang="en-US" altLang="zh-TW" baseline="0" dirty="0"/>
+          </a:p>
+          <a:p>
+            <a:r>
+              <a:rPr lang="en-US" altLang="zh-TW" dirty="0"/>
+              <a:t>Lazy</a:t>
+            </a:r>
+            <a:r>
+              <a:rPr lang="en-US" altLang="zh-TW" baseline="0" dirty="0"/>
+              <a:t> Load Module </a:t>
+            </a:r>
+            <a:r>
+              <a:rPr lang="zh-TW" altLang="en-US" baseline="0" dirty="0"/>
+              <a:t>最主要的原理是</a:t>
+            </a:r>
+            <a:r>
+              <a:rPr lang="en-US" altLang="zh-TW" dirty="0"/>
+              <a:t>build</a:t>
+            </a:r>
+            <a:r>
+              <a:rPr lang="en-US" altLang="zh-TW" baseline="0" dirty="0"/>
               <a:t> </a:t>
             </a:r>
             <a:r>
-              <a:rPr lang="zh-TW" altLang="en-US" baseline="0" dirty="0" smtClean="0">
-                <a:hlinkClick r:id="rId3"/>
-              </a:rPr>
-              <a:t>的</a:t>
-            </a:r>
-            <a:r>
-              <a:rPr lang="en-US" altLang="zh-TW" baseline="0" dirty="0" err="1" smtClean="0">
-                <a:hlinkClick r:id="rId3"/>
-              </a:rPr>
-              <a:t>prefetch</a:t>
-            </a:r>
-            <a:r>
-              <a:rPr lang="en-US" altLang="zh-TW" baseline="0" dirty="0" smtClean="0">
-                <a:hlinkClick r:id="rId3"/>
-              </a:rPr>
-              <a:t> </a:t>
-            </a:r>
-            <a:r>
-              <a:rPr lang="zh-TW" altLang="en-US" baseline="0" dirty="0" smtClean="0">
-                <a:hlinkClick r:id="rId3"/>
-              </a:rPr>
-              <a:t>前，我們先談談</a:t>
-            </a:r>
-            <a:r>
-              <a:rPr lang="en-US" altLang="zh-TW" baseline="0" dirty="0" smtClean="0">
-                <a:hlinkClick r:id="rId3"/>
-              </a:rPr>
-              <a:t>html  </a:t>
-            </a:r>
-            <a:r>
-              <a:rPr lang="zh-TW" altLang="en-US" baseline="0" dirty="0" smtClean="0">
-                <a:hlinkClick r:id="rId3"/>
-              </a:rPr>
-              <a:t>的</a:t>
-            </a:r>
-            <a:r>
-              <a:rPr lang="en-US" altLang="zh-TW" baseline="0" dirty="0" err="1" smtClean="0">
-                <a:hlinkClick r:id="rId3"/>
-              </a:rPr>
-              <a:t>prefetch</a:t>
-            </a:r>
-            <a:r>
-              <a:rPr lang="en-US" altLang="zh-TW" baseline="0" dirty="0" smtClean="0">
-                <a:hlinkClick r:id="rId3"/>
-              </a:rPr>
-              <a:t> </a:t>
-            </a:r>
-            <a:r>
-              <a:rPr lang="zh-TW" altLang="en-US" baseline="0" dirty="0" smtClean="0">
-                <a:hlinkClick r:id="rId3"/>
-              </a:rPr>
-              <a:t>和</a:t>
-            </a:r>
-            <a:r>
-              <a:rPr lang="en-US" altLang="zh-TW" baseline="0" dirty="0" smtClean="0">
-                <a:hlinkClick r:id="rId3"/>
-              </a:rPr>
-              <a:t>preload</a:t>
-            </a:r>
-          </a:p>
-          <a:p>
-            <a:pPr marL="0" indent="0">
-              <a:buNone/>
-            </a:pPr>
-            <a:r>
-              <a:rPr lang="zh-TW" altLang="en-US" baseline="0" dirty="0" smtClean="0">
-                <a:hlinkClick r:id="rId3"/>
-              </a:rPr>
-              <a:t>如果在加載資源上加上</a:t>
-            </a:r>
-            <a:r>
-              <a:rPr lang="en-US" altLang="zh-TW" baseline="0" dirty="0" err="1" smtClean="0">
-                <a:hlinkClick r:id="rId3"/>
-              </a:rPr>
-              <a:t>rel</a:t>
-            </a:r>
-            <a:r>
-              <a:rPr lang="en-US" altLang="zh-TW" baseline="0" dirty="0" smtClean="0">
-                <a:hlinkClick r:id="rId3"/>
-              </a:rPr>
-              <a:t>=“preload” </a:t>
-            </a:r>
-            <a:r>
-              <a:rPr lang="zh-TW" altLang="en-US" baseline="0" dirty="0" smtClean="0">
-                <a:hlinkClick r:id="rId3"/>
-              </a:rPr>
-              <a:t>的 瀏覽器會在載入</a:t>
-            </a:r>
-            <a:r>
-              <a:rPr lang="en-US" altLang="zh-TW" baseline="0" dirty="0" err="1" smtClean="0">
-                <a:hlinkClick r:id="rId3"/>
-              </a:rPr>
-              <a:t>dom</a:t>
-            </a:r>
-            <a:r>
-              <a:rPr lang="zh-TW" altLang="en-US" baseline="0" dirty="0" smtClean="0">
-                <a:hlinkClick r:id="rId3"/>
-              </a:rPr>
-              <a:t>前，會高優先載入這個資源</a:t>
-            </a:r>
-            <a:endParaRPr lang="en-US" altLang="zh-TW" baseline="0" dirty="0" smtClean="0">
-              <a:hlinkClick r:id="rId3"/>
-            </a:endParaRPr>
-          </a:p>
-          <a:p>
-            <a:pPr marL="0" indent="0">
-              <a:buNone/>
-            </a:pPr>
-            <a:r>
-              <a:rPr lang="en-US" altLang="zh-TW" baseline="0" dirty="0" err="1" smtClean="0">
-                <a:hlinkClick r:id="rId3"/>
-              </a:rPr>
-              <a:t>Prefetch</a:t>
-            </a:r>
-            <a:r>
-              <a:rPr lang="zh-TW" altLang="en-US" baseline="0" dirty="0" smtClean="0">
-                <a:hlinkClick r:id="rId3"/>
-              </a:rPr>
-              <a:t>則是閒置時間加載這個未來會用的資源緩存。但常有人拿</a:t>
-            </a:r>
-            <a:r>
-              <a:rPr lang="zh-TW" altLang="en-US" baseline="0" smtClean="0">
-                <a:hlinkClick r:id="rId3"/>
-              </a:rPr>
-              <a:t>這個預先訪問跨</a:t>
-            </a:r>
-            <a:r>
-              <a:rPr lang="zh-TW" altLang="en-US" baseline="0" dirty="0" smtClean="0">
-                <a:hlinkClick r:id="rId3"/>
-              </a:rPr>
-              <a:t>域</a:t>
-            </a:r>
-            <a:r>
-              <a:rPr lang="en-US" altLang="zh-TW" baseline="0" dirty="0" smtClean="0">
-                <a:hlinkClick r:id="rId3"/>
-              </a:rPr>
-              <a:t>domain</a:t>
-            </a:r>
-          </a:p>
-          <a:p>
-            <a:pPr marL="0" indent="0">
-              <a:buNone/>
-            </a:pPr>
-            <a:endParaRPr lang="en-US" altLang="zh-TW" dirty="0" smtClean="0">
-              <a:hlinkClick r:id="rId3"/>
-            </a:endParaRPr>
-          </a:p>
-          <a:p>
-            <a:pPr marL="0" marR="0" indent="0" algn="l" defTabSz="914400" rtl="0" eaLnBrk="1" fontAlgn="auto" latinLnBrk="0" hangingPunct="1">
+              <a:rPr lang="zh-TW" altLang="en-US" baseline="0" dirty="0"/>
+              <a:t>時我就延遲載入的模組拆開，直到我訪問到那路由才去載入那個模組，</a:t>
+            </a:r>
+            <a:endParaRPr lang="en-US" altLang="zh-TW" baseline="0" dirty="0"/>
+          </a:p>
+          <a:p>
+            <a:r>
+              <a:rPr lang="zh-TW" altLang="en-US" baseline="0" dirty="0"/>
+              <a:t>但在 </a:t>
+            </a:r>
+            <a:r>
+              <a:rPr lang="en-US" altLang="zh-TW" baseline="0" dirty="0"/>
+              <a:t>Angular 8 </a:t>
+            </a:r>
+            <a:r>
+              <a:rPr lang="zh-TW" altLang="en-US" baseline="0" dirty="0"/>
+              <a:t>中，更方便的功能，動態載入模組，我可以控制我要載入動態模組的時間，可能是按下那個按紐及事件發生前後。</a:t>
+            </a:r>
+            <a:endParaRPr lang="en-US" altLang="zh-TW" dirty="0"/>
+          </a:p>
+          <a:p>
+            <a:endParaRPr lang="en-US" altLang="zh-TW" dirty="0"/>
+          </a:p>
+          <a:p>
+            <a:pPr marL="0" marR="0" lvl="0" indent="0" algn="l" defTabSz="914400" rtl="0" eaLnBrk="1" fontAlgn="auto" latinLnBrk="0" hangingPunct="1">
               <a:lnSpc>
                 <a:spcPct val="100000"/>
               </a:lnSpc>
@@ -1653,72 +1587,102 @@
               <a:defRPr/>
             </a:pPr>
             <a:r>
-              <a:rPr lang="en-US" altLang="zh-TW" dirty="0" smtClean="0">
-                <a:hlinkClick r:id="rId3"/>
+              <a:rPr lang="zh-TW" altLang="en-US" dirty="0"/>
+              <a:t>在</a:t>
+            </a:r>
+            <a:r>
+              <a:rPr lang="en-US" altLang="zh-TW" dirty="0"/>
+              <a:t>Angular </a:t>
+            </a:r>
+            <a:r>
+              <a:rPr lang="zh-TW" altLang="en-US" dirty="0"/>
+              <a:t>每幾次改版都會調整</a:t>
+            </a:r>
+            <a:r>
+              <a:rPr lang="en-US" altLang="zh-TW" dirty="0" err="1"/>
+              <a:t>lazyload</a:t>
+            </a:r>
+            <a:r>
+              <a:rPr lang="en-US" altLang="zh-TW" dirty="0"/>
+              <a:t> </a:t>
+            </a:r>
+            <a:r>
+              <a:rPr lang="zh-TW" altLang="en-US" dirty="0"/>
+              <a:t>的寫法都會有所調整，那在</a:t>
+            </a:r>
+            <a:r>
+              <a:rPr lang="en-US" altLang="zh-TW" dirty="0"/>
+              <a:t>angular 8 </a:t>
+            </a:r>
+            <a:r>
+              <a:rPr lang="zh-TW" altLang="en-US" dirty="0"/>
+              <a:t>時</a:t>
+            </a:r>
+            <a:r>
+              <a:rPr lang="en-US" altLang="zh-TW" dirty="0"/>
+              <a:t>angular </a:t>
+            </a:r>
+            <a:r>
+              <a:rPr lang="zh-TW" altLang="en-US" dirty="0"/>
+              <a:t>把</a:t>
+            </a:r>
+            <a:r>
+              <a:rPr lang="en-US" altLang="zh-TW" dirty="0" err="1"/>
+              <a:t>tsconfig</a:t>
+            </a:r>
+            <a:r>
+              <a:rPr lang="en-US" altLang="zh-TW" dirty="0"/>
+              <a:t> </a:t>
+            </a:r>
+            <a:r>
+              <a:rPr lang="zh-TW" altLang="en-US" dirty="0"/>
+              <a:t>的</a:t>
+            </a:r>
+            <a:r>
+              <a:rPr lang="en-US" altLang="zh-TW" dirty="0"/>
+              <a:t>module load </a:t>
+            </a:r>
+            <a:r>
+              <a:rPr lang="zh-TW" altLang="en-US" dirty="0"/>
+              <a:t>換成了</a:t>
+            </a:r>
+            <a:r>
+              <a:rPr lang="en-US" sz="1200" b="0" kern="1200" dirty="0" err="1">
+                <a:solidFill>
+                  <a:schemeClr val="tx1"/>
+                </a:solidFill>
+                <a:effectLst/>
+                <a:latin typeface="+mn-lt"/>
+                <a:ea typeface="+mn-ea"/>
+                <a:cs typeface="+mn-cs"/>
               </a:rPr>
-              <a:t>https://cythilya.github.io/2018/07/31/preload-vs-prefetch/</a:t>
-            </a:r>
-            <a:endParaRPr lang="en-US" altLang="zh-TW" dirty="0" smtClean="0">
-              <a:hlinkClick r:id="rId4"/>
-            </a:endParaRPr>
-          </a:p>
-          <a:p>
-            <a:pPr marL="0" indent="0">
-              <a:buNone/>
-            </a:pPr>
-            <a:r>
-              <a:rPr lang="en-US" altLang="zh-TW" dirty="0" smtClean="0">
-                <a:hlinkClick r:id="rId4"/>
+              <a:t>esnext</a:t>
+            </a:r>
+            <a:r>
+              <a:rPr lang="en-US" sz="1200" b="0" kern="1200" dirty="0">
+                <a:solidFill>
+                  <a:schemeClr val="tx1"/>
+                </a:solidFill>
+                <a:effectLst/>
+                <a:latin typeface="+mn-lt"/>
+                <a:ea typeface="+mn-ea"/>
+                <a:cs typeface="+mn-cs"/>
               </a:rPr>
-              <a:t>https://blog.fundebug.com/2019/04/11/understand-preload-and-prefetch/</a:t>
-            </a:r>
-            <a:endParaRPr lang="en-US" altLang="zh-TW" dirty="0" smtClean="0"/>
-          </a:p>
-          <a:p>
-            <a:pPr marL="0" indent="0">
-              <a:buNone/>
-            </a:pPr>
-            <a:r>
-              <a:rPr lang="en-US" altLang="zh-TW" dirty="0" smtClean="0">
-                <a:hlinkClick r:id="rId5"/>
-              </a:rPr>
-              <a:t>https://</a:t>
-            </a:r>
-            <a:r>
-              <a:rPr lang="en-US" altLang="zh-TW" dirty="0" smtClean="0">
-                <a:hlinkClick r:id="rId5"/>
-              </a:rPr>
-              <a:t>84361749.com/post/red-dns-prefetch.html</a:t>
-            </a:r>
-            <a:endParaRPr lang="en-US" altLang="zh-TW" dirty="0" smtClean="0"/>
-          </a:p>
-          <a:p>
-            <a:pPr marL="0" indent="0">
-              <a:buNone/>
-            </a:pPr>
-            <a:r>
-              <a:rPr lang="en-US" altLang="zh-TW" dirty="0" smtClean="0">
-                <a:hlinkClick r:id="rId6"/>
-              </a:rPr>
-              <a:t>https://developer.mozilla.org/zh-TW/docs/Web/HTTP/Link_prefetching_FAQ</a:t>
-            </a:r>
-            <a:endParaRPr lang="en-US" altLang="zh-TW" dirty="0" smtClean="0"/>
-          </a:p>
-          <a:p>
-            <a:pPr marL="0" indent="0">
-              <a:buNone/>
-            </a:pPr>
-            <a:endParaRPr lang="en-US" altLang="zh-TW" dirty="0" smtClean="0"/>
-          </a:p>
-          <a:p>
-            <a:endParaRPr lang="zh-TW" altLang="en-US" dirty="0"/>
+              <a:t> loader</a:t>
+            </a:r>
+          </a:p>
+          <a:p>
+            <a:r>
+              <a:rPr lang="en-US" altLang="zh-TW" dirty="0"/>
+              <a:t> </a:t>
+            </a:r>
           </a:p>
         </p:txBody>
       </p:sp>
     </p:spTree>
     <p:extLst>
       <p:ext uri="{BB962C8B-B14F-4D97-AF65-F5344CB8AC3E}">
-        <p14:creationId xmlns:p14="http://schemas.microsoft.com/office/powerpoint/2010/main" val="2143146116"/>
+        <p14:creationId xmlns:p14="http://schemas.microsoft.com/office/powerpoint/2010/main" val="229243256"/>
       </p:ext>
     </p:extLst>
   </p:cSld>
@@ -1772,6 +1736,176 @@
           <a:bodyPr/>
           <a:lstStyle/>
           <a:p>
+            <a:pPr marL="0" indent="0">
+              <a:buNone/>
+            </a:pPr>
+            <a:r>
+              <a:rPr lang="zh-TW" altLang="en-US" dirty="0">
+                <a:hlinkClick r:id="rId3"/>
+              </a:rPr>
+              <a:t>在談</a:t>
+            </a:r>
+            <a:r>
+              <a:rPr lang="en-US" altLang="zh-TW" dirty="0">
+                <a:hlinkClick r:id="rId3"/>
+              </a:rPr>
+              <a:t>angular</a:t>
+            </a:r>
+            <a:r>
+              <a:rPr lang="en-US" altLang="zh-TW" baseline="0" dirty="0">
+                <a:hlinkClick r:id="rId3"/>
+              </a:rPr>
+              <a:t> </a:t>
+            </a:r>
+            <a:r>
+              <a:rPr lang="zh-TW" altLang="en-US" baseline="0" dirty="0">
+                <a:hlinkClick r:id="rId3"/>
+              </a:rPr>
+              <a:t>的</a:t>
+            </a:r>
+            <a:r>
+              <a:rPr lang="en-US" altLang="zh-TW" baseline="0" dirty="0" err="1">
+                <a:hlinkClick r:id="rId3"/>
+              </a:rPr>
+              <a:t>prefetch</a:t>
+            </a:r>
+            <a:r>
+              <a:rPr lang="en-US" altLang="zh-TW" baseline="0" dirty="0">
+                <a:hlinkClick r:id="rId3"/>
+              </a:rPr>
+              <a:t> </a:t>
+            </a:r>
+            <a:r>
+              <a:rPr lang="zh-TW" altLang="en-US" baseline="0" dirty="0">
+                <a:hlinkClick r:id="rId3"/>
+              </a:rPr>
+              <a:t>前，我們先談談</a:t>
+            </a:r>
+            <a:r>
+              <a:rPr lang="en-US" altLang="zh-TW" baseline="0" dirty="0">
+                <a:hlinkClick r:id="rId3"/>
+              </a:rPr>
+              <a:t>html  </a:t>
+            </a:r>
+            <a:r>
+              <a:rPr lang="zh-TW" altLang="en-US" baseline="0" dirty="0">
+                <a:hlinkClick r:id="rId3"/>
+              </a:rPr>
+              <a:t>的</a:t>
+            </a:r>
+            <a:r>
+              <a:rPr lang="en-US" altLang="zh-TW" baseline="0" dirty="0" err="1">
+                <a:hlinkClick r:id="rId3"/>
+              </a:rPr>
+              <a:t>prefetch</a:t>
+            </a:r>
+            <a:r>
+              <a:rPr lang="en-US" altLang="zh-TW" baseline="0" dirty="0">
+                <a:hlinkClick r:id="rId3"/>
+              </a:rPr>
+              <a:t> </a:t>
+            </a:r>
+            <a:r>
+              <a:rPr lang="zh-TW" altLang="en-US" baseline="0" dirty="0">
+                <a:hlinkClick r:id="rId3"/>
+              </a:rPr>
+              <a:t>和</a:t>
+            </a:r>
+            <a:r>
+              <a:rPr lang="en-US" altLang="zh-TW" baseline="0" dirty="0">
+                <a:hlinkClick r:id="rId3"/>
+              </a:rPr>
+              <a:t>preload</a:t>
+            </a:r>
+          </a:p>
+          <a:p>
+            <a:pPr marL="0" indent="0">
+              <a:buNone/>
+            </a:pPr>
+            <a:r>
+              <a:rPr lang="zh-TW" altLang="en-US" baseline="0" dirty="0">
+                <a:hlinkClick r:id="rId3"/>
+              </a:rPr>
+              <a:t>如果在加載資源上加上</a:t>
+            </a:r>
+            <a:r>
+              <a:rPr lang="en-US" altLang="zh-TW" baseline="0" dirty="0" err="1">
+                <a:hlinkClick r:id="rId3"/>
+              </a:rPr>
+              <a:t>rel</a:t>
+            </a:r>
+            <a:r>
+              <a:rPr lang="en-US" altLang="zh-TW" baseline="0" dirty="0">
+                <a:hlinkClick r:id="rId3"/>
+              </a:rPr>
+              <a:t>=“preload” </a:t>
+            </a:r>
+            <a:r>
+              <a:rPr lang="zh-TW" altLang="en-US" baseline="0" dirty="0">
+                <a:hlinkClick r:id="rId3"/>
+              </a:rPr>
+              <a:t>的 瀏覽器會在載入</a:t>
+            </a:r>
+            <a:r>
+              <a:rPr lang="en-US" altLang="zh-TW" baseline="0" dirty="0" err="1">
+                <a:hlinkClick r:id="rId3"/>
+              </a:rPr>
+              <a:t>dom</a:t>
+            </a:r>
+            <a:r>
+              <a:rPr lang="zh-TW" altLang="en-US" baseline="0" dirty="0">
+                <a:hlinkClick r:id="rId3"/>
+              </a:rPr>
+              <a:t>前，會高優先載入這個資源</a:t>
+            </a:r>
+            <a:endParaRPr lang="en-US" altLang="zh-TW" baseline="0" dirty="0">
+              <a:hlinkClick r:id="rId3"/>
+            </a:endParaRPr>
+          </a:p>
+          <a:p>
+            <a:pPr marL="0" indent="0">
+              <a:buNone/>
+            </a:pPr>
+            <a:r>
+              <a:rPr lang="en-US" altLang="zh-TW" baseline="0" dirty="0" err="1">
+                <a:hlinkClick r:id="rId3"/>
+              </a:rPr>
+              <a:t>Prefetch</a:t>
+            </a:r>
+            <a:r>
+              <a:rPr lang="zh-TW" altLang="en-US" baseline="0" dirty="0">
+                <a:hlinkClick r:id="rId3"/>
+              </a:rPr>
+              <a:t>則是閒置時間加載這個未來會用的資源緩存。但常有人拿</a:t>
+            </a:r>
+            <a:r>
+              <a:rPr lang="zh-TW" altLang="en-US" baseline="0">
+                <a:hlinkClick r:id="rId3"/>
+              </a:rPr>
+              <a:t>這個預先訪問跨</a:t>
+            </a:r>
+            <a:r>
+              <a:rPr lang="zh-TW" altLang="en-US" baseline="0" dirty="0">
+                <a:hlinkClick r:id="rId3"/>
+              </a:rPr>
+              <a:t>域</a:t>
+            </a:r>
+            <a:r>
+              <a:rPr lang="en-US" altLang="zh-TW" baseline="0" dirty="0">
+                <a:hlinkClick r:id="rId3"/>
+              </a:rPr>
+              <a:t>domain</a:t>
+            </a:r>
+          </a:p>
+          <a:p>
+            <a:pPr marL="0" indent="0">
+              <a:buNone/>
+            </a:pPr>
+            <a:endParaRPr lang="en-US" altLang="zh-TW" dirty="0">
+              <a:hlinkClick r:id="rId3"/>
+            </a:endParaRPr>
+          </a:p>
+          <a:p>
             <a:pPr marL="0" marR="0" indent="0" algn="l" defTabSz="914400" rtl="0" eaLnBrk="1" fontAlgn="auto" latinLnBrk="0" hangingPunct="1">
               <a:lnSpc>
                 <a:spcPct val="100000"/>
@@ -1790,146 +1924,56 @@
               <a:defRPr/>
             </a:pPr>
             <a:r>
-              <a:rPr lang="en-US" altLang="zh-TW" dirty="0" smtClean="0">
+              <a:rPr lang="en-US" altLang="zh-TW" dirty="0">
                 <a:hlinkClick r:id="rId3"/>
               </a:rPr>
-              <a:t>Angular</a:t>
-            </a:r>
-            <a:r>
-              <a:rPr lang="en-US" altLang="zh-TW" baseline="0" dirty="0" smtClean="0">
-                <a:hlinkClick r:id="rId3"/>
+              <a:t>https://cythilya.github.io/2018/07/31/preload-vs-prefetch/</a:t>
+            </a:r>
+            <a:endParaRPr lang="en-US" altLang="zh-TW" dirty="0">
+              <a:hlinkClick r:id="rId4"/>
+            </a:endParaRPr>
+          </a:p>
+          <a:p>
+            <a:pPr marL="0" indent="0">
+              <a:buNone/>
+            </a:pPr>
+            <a:r>
+              <a:rPr lang="en-US" altLang="zh-TW" dirty="0">
+                <a:hlinkClick r:id="rId4"/>
               </a:rPr>
-              <a:t> </a:t>
-            </a:r>
-            <a:r>
-              <a:rPr lang="zh-TW" altLang="en-US" baseline="0" dirty="0" smtClean="0">
-                <a:hlinkClick r:id="rId3"/>
+              <a:t>https://blog.fundebug.com/2019/04/11/understand-preload-and-prefetch/</a:t>
+            </a:r>
+            <a:endParaRPr lang="en-US" altLang="zh-TW" dirty="0"/>
+          </a:p>
+          <a:p>
+            <a:pPr marL="0" indent="0">
+              <a:buNone/>
+            </a:pPr>
+            <a:r>
+              <a:rPr lang="en-US" altLang="zh-TW" dirty="0">
+                <a:hlinkClick r:id="rId5"/>
               </a:rPr>
-              <a:t>有延遲載入的模組，也有預先載入的模組</a:t>
-            </a:r>
-            <a:endParaRPr lang="en-US" altLang="zh-TW" dirty="0" smtClean="0">
-              <a:hlinkClick r:id="rId3"/>
-            </a:endParaRPr>
-          </a:p>
-          <a:p>
-            <a:pPr marL="0" marR="0" indent="0" algn="l" defTabSz="914400" rtl="0" eaLnBrk="1" fontAlgn="auto" latinLnBrk="0" hangingPunct="1">
-              <a:lnSpc>
-                <a:spcPct val="100000"/>
-              </a:lnSpc>
-              <a:spcBef>
-                <a:spcPts val="0"/>
-              </a:spcBef>
-              <a:spcAft>
-                <a:spcPts val="0"/>
-              </a:spcAft>
-              <a:buClrTx/>
-              <a:buSzTx/>
-              <a:buFontTx/>
-              <a:buNone/>
-              <a:tabLst/>
-              <a:defRPr/>
-            </a:pPr>
-            <a:endParaRPr lang="en-US" altLang="zh-TW" dirty="0" smtClean="0">
-              <a:hlinkClick r:id="rId3"/>
-            </a:endParaRPr>
-          </a:p>
-          <a:p>
-            <a:pPr marL="0" marR="0" indent="0" algn="l" defTabSz="914400" rtl="0" eaLnBrk="1" fontAlgn="auto" latinLnBrk="0" hangingPunct="1">
-              <a:lnSpc>
-                <a:spcPct val="100000"/>
-              </a:lnSpc>
-              <a:spcBef>
-                <a:spcPts val="0"/>
-              </a:spcBef>
-              <a:spcAft>
-                <a:spcPts val="0"/>
-              </a:spcAft>
-              <a:buClrTx/>
-              <a:buSzTx/>
-              <a:buFontTx/>
-              <a:buNone/>
-              <a:tabLst/>
-              <a:defRPr/>
-            </a:pPr>
-            <a:r>
-              <a:rPr lang="en-US" altLang="zh-TW" dirty="0" smtClean="0">
-                <a:hlinkClick r:id="rId3"/>
+              <a:t>https://84361749.com/post/red-dns-prefetch.html</a:t>
+            </a:r>
+            <a:endParaRPr lang="en-US" altLang="zh-TW" dirty="0"/>
+          </a:p>
+          <a:p>
+            <a:pPr marL="0" indent="0">
+              <a:buNone/>
+            </a:pPr>
+            <a:r>
+              <a:rPr lang="en-US" altLang="zh-TW" dirty="0">
+                <a:hlinkClick r:id="rId6"/>
               </a:rPr>
-              <a:t>https</a:t>
-            </a:r>
-            <a:r>
-              <a:rPr lang="en-US" altLang="zh-TW" dirty="0" smtClean="0">
-                <a:hlinkClick r:id="rId3"/>
-              </a:rPr>
-              <a:t>://www.cnblogs.com/haogj/p/7649707.html</a:t>
-            </a:r>
-            <a:endParaRPr lang="en-US" altLang="zh-TW" dirty="0" smtClean="0"/>
+              <a:t>https://developer.mozilla.org/zh-TW/docs/Web/HTTP/Link_prefetching_FAQ</a:t>
+            </a:r>
+            <a:endParaRPr lang="en-US" altLang="zh-TW" dirty="0"/>
           </a:p>
           <a:p>
             <a:pPr marL="0" indent="0">
               <a:buNone/>
             </a:pPr>
-            <a:endParaRPr lang="en-US" altLang="zh-TW" dirty="0" smtClean="0"/>
-          </a:p>
-          <a:p>
-            <a:pPr marL="0" indent="0">
-              <a:buNone/>
-            </a:pPr>
-            <a:r>
-              <a:rPr lang="en-US" altLang="zh-TW" dirty="0" smtClean="0"/>
-              <a:t>example</a:t>
-            </a:r>
-          </a:p>
-          <a:p>
-            <a:pPr marL="0" indent="0">
-              <a:buNone/>
-            </a:pPr>
-            <a:r>
-              <a:rPr lang="en-US" altLang="zh-TW" dirty="0" smtClean="0"/>
-              <a:t>1.Load </a:t>
-            </a:r>
-            <a:r>
-              <a:rPr lang="en-US" altLang="zh-TW" dirty="0" err="1" smtClean="0"/>
-              <a:t>Loging</a:t>
-            </a:r>
-            <a:r>
-              <a:rPr lang="en-US" altLang="zh-TW" dirty="0" smtClean="0"/>
-              <a:t> Module </a:t>
-            </a:r>
-          </a:p>
-          <a:p>
-            <a:pPr marL="0" indent="0">
-              <a:buNone/>
-            </a:pPr>
-            <a:r>
-              <a:rPr lang="en-US" altLang="zh-TW" dirty="0" smtClean="0"/>
-              <a:t>2.Wait a 3 sec  </a:t>
-            </a:r>
-            <a:r>
-              <a:rPr lang="en-US" altLang="zh-TW" dirty="0" err="1" smtClean="0"/>
-              <a:t>PreLoad</a:t>
-            </a:r>
-            <a:r>
-              <a:rPr lang="en-US" altLang="zh-TW" dirty="0" smtClean="0"/>
-              <a:t> other Module</a:t>
-            </a:r>
-          </a:p>
-          <a:p>
-            <a:pPr marL="0" indent="0">
-              <a:buNone/>
-            </a:pPr>
-            <a:r>
-              <a:rPr lang="en-US" altLang="zh-TW" dirty="0" smtClean="0"/>
-              <a:t>(</a:t>
-            </a:r>
-            <a:r>
-              <a:rPr lang="zh-TW" altLang="en-US" dirty="0" smtClean="0"/>
-              <a:t>就算你沒停在這頁面切頁都會幫你</a:t>
-            </a:r>
-            <a:r>
-              <a:rPr lang="en-US" altLang="zh-TW" dirty="0" smtClean="0"/>
-              <a:t>load)</a:t>
-            </a:r>
+            <a:endParaRPr lang="en-US" altLang="zh-TW" dirty="0"/>
           </a:p>
           <a:p>
             <a:endParaRPr lang="zh-TW" altLang="en-US" dirty="0"/>
@@ -1939,7 +1983,7 @@
     </p:spTree>
     <p:extLst>
       <p:ext uri="{BB962C8B-B14F-4D97-AF65-F5344CB8AC3E}">
-        <p14:creationId xmlns:p14="http://schemas.microsoft.com/office/powerpoint/2010/main" val="2888524145"/>
+        <p14:creationId xmlns:p14="http://schemas.microsoft.com/office/powerpoint/2010/main" val="2143146116"/>
       </p:ext>
     </p:extLst>
   </p:cSld>
@@ -1993,18 +2037,170 @@
           <a:bodyPr/>
           <a:lstStyle/>
           <a:p>
-            <a:r>
-              <a:rPr lang="zh-TW" altLang="en-US" dirty="0" smtClean="0"/>
-              <a:t>這是國外一大牛透過</a:t>
-            </a:r>
-            <a:r>
-              <a:rPr lang="en-US" altLang="zh-TW" dirty="0" smtClean="0"/>
-              <a:t>angular Preload </a:t>
-            </a:r>
-            <a:r>
-              <a:rPr lang="zh-TW" altLang="en-US" dirty="0" smtClean="0"/>
-              <a:t>策略</a:t>
-            </a:r>
+            <a:pPr marL="0" marR="0" indent="0" algn="l" defTabSz="914400" rtl="0" eaLnBrk="1" fontAlgn="auto" latinLnBrk="0" hangingPunct="1">
+              <a:lnSpc>
+                <a:spcPct val="100000"/>
+              </a:lnSpc>
+              <a:spcBef>
+                <a:spcPts val="0"/>
+              </a:spcBef>
+              <a:spcAft>
+                <a:spcPts val="0"/>
+              </a:spcAft>
+              <a:buClrTx/>
+              <a:buSzTx/>
+              <a:buFontTx/>
+              <a:buNone/>
+              <a:tabLst/>
+              <a:defRPr/>
+            </a:pPr>
+            <a:endParaRPr lang="en-US" altLang="zh-TW" baseline="0" dirty="0">
+              <a:hlinkClick r:id="rId3"/>
+            </a:endParaRPr>
+          </a:p>
+          <a:p>
+            <a:pPr marL="0" marR="0" indent="0" algn="l" defTabSz="914400" rtl="0" eaLnBrk="1" fontAlgn="auto" latinLnBrk="0" hangingPunct="1">
+              <a:lnSpc>
+                <a:spcPct val="100000"/>
+              </a:lnSpc>
+              <a:spcBef>
+                <a:spcPts val="0"/>
+              </a:spcBef>
+              <a:spcAft>
+                <a:spcPts val="0"/>
+              </a:spcAft>
+              <a:buClrTx/>
+              <a:buSzTx/>
+              <a:buFontTx/>
+              <a:buNone/>
+              <a:tabLst/>
+              <a:defRPr/>
+            </a:pPr>
+            <a:r>
+              <a:rPr lang="zh-TW" altLang="en-US" baseline="0" dirty="0">
+                <a:hlinkClick r:id="rId3"/>
+              </a:rPr>
+              <a:t>正常</a:t>
+            </a:r>
+            <a:endParaRPr lang="en-US" altLang="zh-TW" dirty="0">
+              <a:hlinkClick r:id="rId3"/>
+            </a:endParaRPr>
+          </a:p>
+          <a:p>
+            <a:pPr marL="0" marR="0" indent="0" algn="l" defTabSz="914400" rtl="0" eaLnBrk="1" fontAlgn="auto" latinLnBrk="0" hangingPunct="1">
+              <a:lnSpc>
+                <a:spcPct val="100000"/>
+              </a:lnSpc>
+              <a:spcBef>
+                <a:spcPts val="0"/>
+              </a:spcBef>
+              <a:spcAft>
+                <a:spcPts val="0"/>
+              </a:spcAft>
+              <a:buClrTx/>
+              <a:buSzTx/>
+              <a:buFontTx/>
+              <a:buNone/>
+              <a:tabLst/>
+              <a:defRPr/>
+            </a:pPr>
+            <a:endParaRPr lang="en-US" altLang="zh-TW" dirty="0">
+              <a:hlinkClick r:id="rId3"/>
+            </a:endParaRPr>
+          </a:p>
+          <a:p>
+            <a:pPr marL="0" marR="0" indent="0" algn="l" defTabSz="914400" rtl="0" eaLnBrk="1" fontAlgn="auto" latinLnBrk="0" hangingPunct="1">
+              <a:lnSpc>
+                <a:spcPct val="100000"/>
+              </a:lnSpc>
+              <a:spcBef>
+                <a:spcPts val="0"/>
+              </a:spcBef>
+              <a:spcAft>
+                <a:spcPts val="0"/>
+              </a:spcAft>
+              <a:buClrTx/>
+              <a:buSzTx/>
+              <a:buFontTx/>
+              <a:buNone/>
+              <a:tabLst/>
+              <a:defRPr/>
+            </a:pPr>
+            <a:r>
+              <a:rPr lang="en-US" altLang="zh-TW" dirty="0">
+                <a:hlinkClick r:id="rId3"/>
+              </a:rPr>
+              <a:t>https://www.cnblogs.com/haogj/p/7649707.html</a:t>
+            </a:r>
+            <a:endParaRPr lang="en-US" altLang="zh-TW" dirty="0"/>
+          </a:p>
+          <a:p>
+            <a:pPr marL="0" indent="0">
+              <a:buNone/>
+            </a:pPr>
+            <a:endParaRPr lang="en-US" altLang="zh-TW" dirty="0"/>
+          </a:p>
+          <a:p>
+            <a:pPr marL="0" indent="0">
+              <a:buNone/>
+            </a:pPr>
+            <a:r>
+              <a:rPr lang="en-US" altLang="zh-TW" dirty="0"/>
+              <a:t>example</a:t>
+            </a:r>
+          </a:p>
+          <a:p>
+            <a:pPr marL="0" indent="0">
+              <a:buNone/>
+            </a:pPr>
+            <a:r>
+              <a:rPr lang="en-US" altLang="zh-TW" dirty="0"/>
+              <a:t>1.Load </a:t>
+            </a:r>
+            <a:r>
+              <a:rPr lang="en-US" altLang="zh-TW" dirty="0" err="1"/>
+              <a:t>Loging</a:t>
+            </a:r>
+            <a:r>
+              <a:rPr lang="en-US" altLang="zh-TW" dirty="0"/>
+              <a:t> Module </a:t>
+            </a:r>
+          </a:p>
+          <a:p>
+            <a:pPr marL="0" indent="0">
+              <a:buNone/>
+            </a:pPr>
+            <a:r>
+              <a:rPr lang="en-US" altLang="zh-TW" dirty="0"/>
+              <a:t>2.Wait a 3 sec  </a:t>
+            </a:r>
+            <a:r>
+              <a:rPr lang="en-US" altLang="zh-TW" dirty="0" err="1"/>
+              <a:t>PreLoad</a:t>
+            </a:r>
+            <a:r>
+              <a:rPr lang="en-US" altLang="zh-TW" dirty="0"/>
+              <a:t> other Module</a:t>
+            </a:r>
+          </a:p>
+          <a:p>
+            <a:pPr marL="0" indent="0">
+              <a:buNone/>
+            </a:pPr>
+            <a:r>
+              <a:rPr lang="en-US" altLang="zh-TW" dirty="0"/>
+              <a:t>(</a:t>
+            </a:r>
+            <a:r>
+              <a:rPr lang="zh-TW" altLang="en-US" dirty="0"/>
+              <a:t>就算你沒停在這頁面切頁都會幫你</a:t>
+            </a:r>
+            <a:r>
+              <a:rPr lang="en-US" altLang="zh-TW" dirty="0"/>
+              <a:t>load)</a:t>
+            </a:r>
+          </a:p>
+          <a:p>
             <a:endParaRPr lang="zh-TW" altLang="en-US" dirty="0"/>
           </a:p>
         </p:txBody>
@@ -2012,7 +2208,7 @@
     </p:spTree>
     <p:extLst>
       <p:ext uri="{BB962C8B-B14F-4D97-AF65-F5344CB8AC3E}">
-        <p14:creationId xmlns:p14="http://schemas.microsoft.com/office/powerpoint/2010/main" val="4108598142"/>
+        <p14:creationId xmlns:p14="http://schemas.microsoft.com/office/powerpoint/2010/main" val="2888524145"/>
       </p:ext>
     </p:extLst>
   </p:cSld>
@@ -2066,14 +2262,25 @@
           <a:bodyPr/>
           <a:lstStyle/>
           <a:p>
-            <a:endParaRPr lang="zh-TW" altLang="en-US" dirty="0"/>
+            <a:r>
+              <a:rPr lang="zh-TW" altLang="en-US" dirty="0"/>
+              <a:t>這是國外一大牛透過</a:t>
+            </a:r>
+            <a:r>
+              <a:rPr lang="en-US" altLang="zh-TW" dirty="0"/>
+              <a:t>angular Preload </a:t>
+            </a:r>
+            <a:r>
+              <a:rPr lang="zh-TW" altLang="en-US" dirty="0"/>
+              <a:t>策略</a:t>
+            </a:r>
           </a:p>
         </p:txBody>
       </p:sp>
     </p:spTree>
     <p:extLst>
       <p:ext uri="{BB962C8B-B14F-4D97-AF65-F5344CB8AC3E}">
-        <p14:creationId xmlns:p14="http://schemas.microsoft.com/office/powerpoint/2010/main" val="4075942671"/>
+        <p14:creationId xmlns:p14="http://schemas.microsoft.com/office/powerpoint/2010/main" val="4108598142"/>
       </p:ext>
     </p:extLst>
   </p:cSld>
@@ -2127,6 +2334,67 @@
           <a:bodyPr/>
           <a:lstStyle/>
           <a:p>
+            <a:endParaRPr lang="zh-TW" altLang="en-US" dirty="0"/>
+          </a:p>
+        </p:txBody>
+      </p:sp>
+    </p:spTree>
+    <p:extLst>
+      <p:ext uri="{BB962C8B-B14F-4D97-AF65-F5344CB8AC3E}">
+        <p14:creationId xmlns:p14="http://schemas.microsoft.com/office/powerpoint/2010/main" val="4075942671"/>
+      </p:ext>
+    </p:extLst>
+  </p:cSld>
+  <p:clrMapOvr>
+    <a:masterClrMapping/>
+  </p:clrMapOvr>
+</p:notes>
+</file>
+
+<file path=ppt/notesSlides/notesSlide9.xml><?xml version="1.0" encoding="utf-8"?>
+<p:notes xmlns:a="http://schemas.openxmlformats.org/drawingml/2006/main" xmlns:r="http://schemas.openxmlformats.org/officeDocument/2006/relationships" xmlns:p="http://schemas.openxmlformats.org/presentationml/2006/main">
+  <p:cSld>
+    <p:spTree>
+      <p:nvGrpSpPr>
+        <p:cNvPr id="1" name=""/>
+        <p:cNvGrpSpPr/>
+        <p:nvPr/>
+      </p:nvGrpSpPr>
+      <p:grpSpPr>
+        <a:xfrm>
+          <a:off x="0" y="0"/>
+          <a:ext cx="0" cy="0"/>
+          <a:chOff x="0" y="0"/>
+          <a:chExt cx="0" cy="0"/>
+        </a:xfrm>
+      </p:grpSpPr>
+      <p:sp>
+        <p:nvSpPr>
+          <p:cNvPr id="2" name="投影片圖像版面配置區 1"/>
+          <p:cNvSpPr>
+            <a:spLocks noGrp="1" noRot="1" noChangeAspect="1"/>
+          </p:cNvSpPr>
+          <p:nvPr>
+            <p:ph type="sldImg"/>
+          </p:nvPr>
+        </p:nvSpPr>
+        <p:spPr/>
+      </p:sp>
+      <p:sp>
+        <p:nvSpPr>
+          <p:cNvPr id="3" name="備忘稿版面配置區 2"/>
+          <p:cNvSpPr>
+            <a:spLocks noGrp="1"/>
+          </p:cNvSpPr>
+          <p:nvPr>
+            <p:ph type="body" idx="1"/>
+          </p:nvPr>
+        </p:nvSpPr>
+        <p:spPr/>
+        <p:txBody>
+          <a:bodyPr/>
+          <a:lstStyle/>
+          <a:p>
             <a:pPr marL="0" marR="0" indent="0" algn="l" defTabSz="914400" rtl="0" eaLnBrk="1" fontAlgn="auto" latinLnBrk="0" hangingPunct="1">
               <a:lnSpc>
                 <a:spcPct val="100000"/>
@@ -2145,54 +2413,54 @@
               <a:defRPr/>
             </a:pPr>
             <a:r>
-              <a:rPr lang="en-US" altLang="zh-TW" dirty="0" smtClean="0"/>
+              <a:rPr lang="en-US" altLang="zh-TW" dirty="0"/>
               <a:t>Angular </a:t>
             </a:r>
             <a:r>
-              <a:rPr lang="zh-TW" altLang="en-US" dirty="0" smtClean="0"/>
+              <a:rPr lang="zh-TW" altLang="en-US" dirty="0"/>
               <a:t>官方</a:t>
             </a:r>
             <a:r>
-              <a:rPr lang="en-US" altLang="zh-TW" dirty="0" smtClean="0"/>
+              <a:rPr lang="en-US" altLang="zh-TW" dirty="0"/>
               <a:t>cache</a:t>
             </a:r>
             <a:r>
-              <a:rPr lang="en-US" altLang="zh-TW" baseline="0" dirty="0" smtClean="0"/>
+              <a:rPr lang="en-US" altLang="zh-TW" baseline="0" dirty="0"/>
               <a:t> </a:t>
             </a:r>
             <a:r>
-              <a:rPr lang="zh-TW" altLang="en-US" baseline="0" dirty="0" smtClean="0"/>
+              <a:rPr lang="zh-TW" altLang="en-US" baseline="0" dirty="0"/>
               <a:t>機制</a:t>
             </a:r>
             <a:r>
-              <a:rPr lang="en-US" altLang="zh-TW" dirty="0" smtClean="0"/>
+              <a:rPr lang="en-US" altLang="zh-TW" dirty="0"/>
               <a:t> </a:t>
             </a:r>
             <a:r>
-              <a:rPr lang="zh-TW" altLang="en-US" baseline="0" dirty="0" smtClean="0"/>
+              <a:rPr lang="zh-TW" altLang="en-US" baseline="0" dirty="0"/>
               <a:t>談最多的是</a:t>
             </a:r>
             <a:r>
-              <a:rPr lang="en-US" altLang="zh-TW" dirty="0" smtClean="0"/>
+              <a:rPr lang="en-US" altLang="zh-TW" dirty="0"/>
               <a:t> Service Worker </a:t>
             </a:r>
             <a:r>
-              <a:rPr lang="zh-TW" altLang="en-US" dirty="0" smtClean="0"/>
+              <a:rPr lang="zh-TW" altLang="en-US" dirty="0"/>
               <a:t>，但上次有討論說不需要，所以我就跳過</a:t>
             </a:r>
             <a:r>
-              <a:rPr lang="en-US" altLang="zh-TW" dirty="0" smtClean="0"/>
+              <a:rPr lang="en-US" altLang="zh-TW" dirty="0"/>
               <a:t>service</a:t>
             </a:r>
             <a:r>
-              <a:rPr lang="en-US" altLang="zh-TW" baseline="0" dirty="0" smtClean="0"/>
+              <a:rPr lang="en-US" altLang="zh-TW" baseline="0" dirty="0"/>
               <a:t> worker </a:t>
             </a:r>
             <a:r>
-              <a:rPr lang="zh-TW" altLang="en-US" baseline="0" dirty="0" smtClean="0"/>
+              <a:rPr lang="zh-TW" altLang="en-US" baseline="0" dirty="0"/>
               <a:t>。</a:t>
             </a:r>
-            <a:endParaRPr lang="en-US" altLang="zh-TW" baseline="0" dirty="0" smtClean="0"/>
+            <a:endParaRPr lang="en-US" altLang="zh-TW" baseline="0" dirty="0"/>
           </a:p>
           <a:p>
             <a:pPr marL="0" marR="0" indent="0" algn="l" defTabSz="914400" rtl="0" eaLnBrk="1" fontAlgn="auto" latinLnBrk="0" hangingPunct="1">
@@ -2213,7 +2481,7 @@
               <a:defRPr/>
             </a:pPr>
             <a:r>
-              <a:rPr lang="en-US" altLang="zh-TW" sz="1200" b="0" i="0" kern="1200" dirty="0" smtClean="0">
+              <a:rPr lang="en-US" altLang="zh-TW" sz="1200" b="0" i="0" kern="1200" dirty="0">
                 <a:solidFill>
                   <a:schemeClr val="tx1"/>
                 </a:solidFill>
@@ -2225,7 +2493,7 @@
               <a:t>Service Worker </a:t>
             </a:r>
             <a:r>
-              <a:rPr lang="zh-TW" altLang="en-US" sz="1200" b="0" i="0" kern="1200" dirty="0" smtClean="0">
+              <a:rPr lang="zh-TW" altLang="en-US" sz="1200" b="0" i="0" kern="1200" dirty="0">
                 <a:solidFill>
                   <a:schemeClr val="tx1"/>
                 </a:solidFill>
@@ -2237,7 +2505,7 @@
               <a:t>讓網頁能擁有與 </a:t>
             </a:r>
             <a:r>
-              <a:rPr lang="en-US" altLang="zh-TW" sz="1200" b="0" i="0" kern="1200" dirty="0" smtClean="0">
+              <a:rPr lang="en-US" altLang="zh-TW" sz="1200" b="0" i="0" kern="1200" dirty="0">
                 <a:solidFill>
                   <a:schemeClr val="tx1"/>
                 </a:solidFill>
@@ -2249,7 +2517,7 @@
               <a:t>App </a:t>
             </a:r>
             <a:r>
-              <a:rPr lang="zh-TW" altLang="en-US" sz="1200" b="0" i="0" kern="1200" dirty="0" smtClean="0">
+              <a:rPr lang="zh-TW" altLang="en-US" sz="1200" b="0" i="0" kern="1200" dirty="0">
                 <a:solidFill>
                   <a:schemeClr val="tx1"/>
                 </a:solidFill>
@@ -2261,7 +2529,7 @@
               <a:t>一樣的離線和訊息推播功能。關於離線功能，試想，在使用 </a:t>
             </a:r>
             <a:r>
-              <a:rPr lang="en-US" altLang="zh-TW" sz="1200" b="0" i="0" kern="1200" dirty="0" smtClean="0">
+              <a:rPr lang="en-US" altLang="zh-TW" sz="1200" b="0" i="0" kern="1200" dirty="0">
                 <a:solidFill>
                   <a:schemeClr val="tx1"/>
                 </a:solidFill>
@@ -2273,7 +2541,7 @@
               <a:t>App </a:t>
             </a:r>
             <a:r>
-              <a:rPr lang="zh-TW" altLang="en-US" sz="1200" b="0" i="0" kern="1200" dirty="0" smtClean="0">
+              <a:rPr lang="zh-TW" altLang="en-US" sz="1200" b="0" i="0" kern="1200" dirty="0">
                 <a:solidFill>
                   <a:schemeClr val="tx1"/>
                 </a:solidFill>
@@ -2284,7 +2552,7 @@
               </a:rPr>
               <a:t>收信、寫信、刪除信件等動作，都需要將結果丟回伺服器儲存，但在某些環境下並無法一直使用網路連線，因此必須使用一種機制，讓我們仍能順暢的使用這些功能，待網路正常連線，再將剛才所執行的一切動作反應回伺服器。關於訊息推播功能</a:t>
             </a:r>
-            <a:endParaRPr lang="en-US" altLang="zh-TW" baseline="0" dirty="0" smtClean="0"/>
+            <a:endParaRPr lang="en-US" altLang="zh-TW" baseline="0" dirty="0"/>
           </a:p>
           <a:p>
             <a:pPr marL="0" marR="0" indent="0" algn="l" defTabSz="914400" rtl="0" eaLnBrk="1" fontAlgn="auto" latinLnBrk="0" hangingPunct="1">
@@ -2305,12 +2573,12 @@
               <a:defRPr/>
             </a:pPr>
             <a:r>
-              <a:rPr lang="en-US" altLang="zh-TW" dirty="0" smtClean="0">
+              <a:rPr lang="en-US" altLang="zh-TW" dirty="0">
                 <a:hlinkClick r:id="rId3"/>
               </a:rPr>
               <a:t>https://cythilya.github.io/2017/07/16/service-worker/</a:t>
             </a:r>
-            <a:endParaRPr lang="en-US" altLang="zh-TW" dirty="0" smtClean="0">
+            <a:endParaRPr lang="en-US" altLang="zh-TW" dirty="0">
               <a:hlinkClick r:id="rId4"/>
             </a:endParaRPr>
           </a:p>
@@ -2332,7 +2600,7 @@
               <a:tabLst/>
               <a:defRPr/>
             </a:pPr>
-            <a:endParaRPr lang="en-US" altLang="zh-TW" dirty="0" smtClean="0">
+            <a:endParaRPr lang="en-US" altLang="zh-TW" dirty="0">
               <a:hlinkClick r:id="rId4"/>
             </a:endParaRPr>
           </a:p>
@@ -2355,12 +2623,12 @@
               <a:defRPr/>
             </a:pPr>
             <a:r>
-              <a:rPr lang="en-US" altLang="zh-TW" dirty="0" smtClean="0">
+              <a:rPr lang="en-US" altLang="zh-TW" dirty="0">
                 <a:hlinkClick r:id="rId4"/>
               </a:rPr>
               <a:t>https://poychang.github.io/disable-browser-cache-on-angular-site/</a:t>
             </a:r>
-            <a:endParaRPr lang="en-US" altLang="zh-TW" dirty="0" smtClean="0"/>
+            <a:endParaRPr lang="en-US" altLang="zh-TW" dirty="0"/>
           </a:p>
           <a:p>
             <a:pPr marL="0" marR="0" indent="0" algn="l" defTabSz="914400" rtl="0" eaLnBrk="1" fontAlgn="auto" latinLnBrk="0" hangingPunct="1">
@@ -2381,12 +2649,12 @@
               <a:defRPr/>
             </a:pPr>
             <a:r>
-              <a:rPr lang="en-US" altLang="zh-TW" dirty="0" smtClean="0">
+              <a:rPr lang="en-US" altLang="zh-TW" dirty="0">
                 <a:hlinkClick r:id="rId5"/>
               </a:rPr>
               <a:t>https://dotblogs.com.tw/wellwind/2017/02/12/angular2-impure-pipe</a:t>
             </a:r>
-            <a:endParaRPr lang="en-US" altLang="zh-TW" dirty="0" smtClean="0"/>
+            <a:endParaRPr lang="en-US" altLang="zh-TW" dirty="0"/>
           </a:p>
           <a:p>
             <a:pPr marL="0" marR="0" indent="0" algn="l" defTabSz="914400" rtl="0" eaLnBrk="1" fontAlgn="auto" latinLnBrk="0" hangingPunct="1">
@@ -2407,15 +2675,15 @@
               <a:defRPr/>
             </a:pPr>
             <a:r>
-              <a:rPr lang="en-US" altLang="zh-TW" dirty="0" smtClean="0">
+              <a:rPr lang="en-US" altLang="zh-TW" dirty="0">
                 <a:hlinkClick r:id="rId6"/>
               </a:rPr>
               <a:t>https://www.youtube.com/watch?v=FKmzFyOogpM</a:t>
             </a:r>
-            <a:endParaRPr lang="zh-TW" altLang="en-US" dirty="0" smtClean="0"/>
-          </a:p>
-          <a:p>
-            <a:endParaRPr lang="en-US" altLang="zh-TW" sz="1200" b="0" i="0" kern="1200" dirty="0" smtClean="0">
+            <a:endParaRPr lang="zh-TW" altLang="en-US" dirty="0"/>
+          </a:p>
+          <a:p>
+            <a:endParaRPr lang="en-US" altLang="zh-TW" sz="1200" b="0" i="0" kern="1200" dirty="0">
               <a:solidFill>
                 <a:schemeClr val="tx1"/>
               </a:solidFill>
@@ -2426,7 +2694,7 @@
             </a:endParaRPr>
           </a:p>
           <a:p>
-            <a:endParaRPr lang="en-US" altLang="zh-TW" sz="1200" b="0" i="0" kern="1200" dirty="0" smtClean="0">
+            <a:endParaRPr lang="en-US" altLang="zh-TW" sz="1200" b="0" i="0" kern="1200" dirty="0">
               <a:solidFill>
                 <a:schemeClr val="tx1"/>
               </a:solidFill>
@@ -2438,7 +2706,7 @@
           </a:p>
           <a:p>
             <a:r>
-              <a:rPr lang="zh-TW" altLang="en-US" sz="1200" b="0" i="0" kern="1200" dirty="0" smtClean="0">
+              <a:rPr lang="zh-TW" altLang="en-US" sz="1200" b="0" i="0" kern="1200" dirty="0">
                 <a:solidFill>
                   <a:schemeClr val="tx1"/>
                 </a:solidFill>
@@ -2450,7 +2718,7 @@
               <a:t>因此只有當整個傳入的基礎行別被變更</a:t>
             </a:r>
             <a:r>
-              <a:rPr lang="en-US" altLang="zh-TW" sz="1200" b="0" i="0" kern="1200" dirty="0" smtClean="0">
+              <a:rPr lang="en-US" altLang="zh-TW" sz="1200" b="0" i="0" kern="1200" dirty="0">
                 <a:solidFill>
                   <a:schemeClr val="tx1"/>
                 </a:solidFill>
@@ -2462,7 +2730,7 @@
               <a:t>﹑</a:t>
             </a:r>
             <a:r>
-              <a:rPr lang="zh-TW" altLang="en-US" sz="1200" b="0" i="0" kern="1200" dirty="0" smtClean="0">
+              <a:rPr lang="zh-TW" altLang="en-US" sz="1200" b="0" i="0" kern="1200" dirty="0">
                 <a:solidFill>
                   <a:schemeClr val="tx1"/>
                 </a:solidFill>
@@ -2474,7 +2742,7 @@
               <a:t>或是傳入的物件整個參考被改變時，才會重新執行</a:t>
             </a:r>
             <a:r>
-              <a:rPr lang="en-US" altLang="zh-TW" sz="1200" b="0" i="0" kern="1200" dirty="0" smtClean="0">
+              <a:rPr lang="en-US" altLang="zh-TW" sz="1200" b="0" i="0" kern="1200" dirty="0">
                 <a:solidFill>
                   <a:schemeClr val="tx1"/>
                 </a:solidFill>
@@ -2486,7 +2754,7 @@
               <a:t>Pipe</a:t>
             </a:r>
             <a:r>
-              <a:rPr lang="zh-TW" altLang="en-US" sz="1200" b="0" i="0" kern="1200" dirty="0" smtClean="0">
+              <a:rPr lang="zh-TW" altLang="en-US" sz="1200" b="0" i="0" kern="1200" dirty="0">
                 <a:solidFill>
                   <a:schemeClr val="tx1"/>
                 </a:solidFill>
@@ -2498,7 +2766,7 @@
               <a:t>裡面的</a:t>
             </a:r>
             <a:r>
-              <a:rPr lang="en-US" altLang="zh-TW" sz="1200" b="0" i="0" kern="1200" dirty="0" smtClean="0">
+              <a:rPr lang="en-US" altLang="zh-TW" sz="1200" b="0" i="0" kern="1200" dirty="0">
                 <a:solidFill>
                   <a:schemeClr val="tx1"/>
                 </a:solidFill>
@@ -4188,23 +4456,6 @@
               </a:rPr>
               <a:t>5F</a:t>
             </a:r>
-            <a:r>
-              <a:rPr kumimoji="0" lang="en-US" sz="1600" b="0" i="1" u="none" strike="noStrike" kern="1200" cap="none" spc="0" normalizeH="0" baseline="0" noProof="0" dirty="0">
-                <a:ln>
-                  <a:noFill/>
-                </a:ln>
-                <a:solidFill>
-                  <a:schemeClr val="tx1"/>
-                </a:solidFill>
-                <a:effectLst/>
-                <a:uLnTx/>
-                <a:uFillTx/>
-                <a:latin typeface="+mn-lt"/>
-                <a:ea typeface="+mn-ea"/>
-                <a:cs typeface="+mn-cs"/>
-              </a:rPr>
-              <a:t/>
-            </a:r>
             <a:br>
               <a:rPr kumimoji="0" lang="en-US" sz="1600" b="0" i="1" u="none" strike="noStrike" kern="1200" cap="none" spc="0" normalizeH="0" baseline="0" noProof="0" dirty="0">
                 <a:ln>
@@ -4221,23 +4472,6 @@
                 <a:cs typeface="+mn-cs"/>
               </a:rPr>
             </a:br>
-            <a:r>
-              <a:rPr kumimoji="0" lang="en-US" sz="600" b="0" i="1" u="none" strike="noStrike" kern="1200" cap="none" spc="0" normalizeH="0" baseline="0" noProof="0" dirty="0">
-                <a:ln>
-                  <a:noFill/>
-                </a:ln>
-                <a:solidFill>
-                  <a:schemeClr val="tx1"/>
-                </a:solidFill>
-                <a:effectLst/>
-                <a:uLnTx/>
-                <a:uFillTx/>
-                <a:latin typeface="+mn-lt"/>
-                <a:ea typeface="+mn-ea"/>
-                <a:cs typeface="+mn-cs"/>
-              </a:rPr>
-              <a:t/>
-            </a:r>
             <a:br>
               <a:rPr kumimoji="0" lang="en-US" sz="600" b="0" i="1" u="none" strike="noStrike" kern="1200" cap="none" spc="0" normalizeH="0" baseline="0" noProof="0" dirty="0">
                 <a:ln>
@@ -4890,12 +5124,8 @@
           <a:lstStyle/>
           <a:p>
             <a:r>
-              <a:rPr lang="en-US" altLang="zh-TW" sz="1400" dirty="0" smtClean="0"/>
-              <a:t>Angular 8 </a:t>
-            </a:r>
-            <a:r>
               <a:rPr lang="en-US" altLang="zh-TW" sz="1400" dirty="0"/>
-              <a:t>preference</a:t>
+              <a:t>Angular 8 preference</a:t>
             </a:r>
             <a:br>
               <a:rPr lang="en-US" altLang="zh-TW" sz="1400" dirty="0"/>
@@ -4909,19 +5139,19 @@
               <a:t>、</a:t>
             </a:r>
             <a:r>
-              <a:rPr lang="en-US" altLang="zh-TW" sz="1400" dirty="0" smtClean="0"/>
+              <a:rPr lang="en-US" altLang="zh-TW" sz="1400" dirty="0"/>
               <a:t>Preload</a:t>
             </a:r>
             <a:r>
-              <a:rPr lang="zh-TW" altLang="en-US" sz="1400" dirty="0" smtClean="0"/>
+              <a:rPr lang="zh-TW" altLang="en-US" sz="1400" dirty="0"/>
               <a:t>、</a:t>
             </a:r>
             <a:r>
-              <a:rPr lang="en-US" altLang="zh-TW" sz="1400" dirty="0" err="1" smtClean="0"/>
+              <a:rPr lang="en-US" altLang="zh-TW" sz="1400" dirty="0" err="1"/>
               <a:t>Prefetch</a:t>
             </a:r>
             <a:r>
-              <a:rPr lang="zh-TW" altLang="en-US" sz="1400" dirty="0" smtClean="0"/>
+              <a:rPr lang="zh-TW" altLang="en-US" sz="1400" dirty="0"/>
               <a:t>、</a:t>
             </a:r>
             <a:r>
@@ -4939,10 +5169,6 @@
             <a:br>
               <a:rPr lang="en-US" altLang="zh-TW" sz="1400" dirty="0"/>
             </a:br>
-            <a:r>
-              <a:rPr lang="en-US" altLang="zh-TW" sz="1400" dirty="0"/>
-              <a:t/>
-            </a:r>
             <a:br>
               <a:rPr lang="en-US" altLang="zh-TW" sz="1400" dirty="0"/>
             </a:br>
@@ -4982,10 +5208,9 @@
           </a:p>
           <a:p>
             <a:r>
-              <a:rPr lang="en-US" sz="1600" b="0" dirty="0" smtClean="0"/>
+              <a:rPr lang="en-US" sz="1600" b="0" dirty="0"/>
               <a:t>August 2019</a:t>
             </a:r>
-            <a:endParaRPr lang="en-US" sz="1600" b="0" dirty="0"/>
           </a:p>
           <a:p>
             <a:r>
@@ -5028,7 +5253,7 @@
           <p:cNvPr id="2" name="Title 1">
             <a:extLst>
               <a:ext uri="{FF2B5EF4-FFF2-40B4-BE49-F238E27FC236}">
-                <a16:creationId xmlns="" xmlns:a16="http://schemas.microsoft.com/office/drawing/2014/main" id="{E5D678AA-48A1-4490-9394-8643B8860FCB}"/>
+                <a16:creationId xmlns:a16="http://schemas.microsoft.com/office/drawing/2014/main" id="{E5D678AA-48A1-4490-9394-8643B8860FCB}"/>
               </a:ext>
             </a:extLst>
           </p:cNvPr>
@@ -5056,7 +5281,7 @@
           <p:cNvPr id="3" name="Content Placeholder 2">
             <a:extLst>
               <a:ext uri="{FF2B5EF4-FFF2-40B4-BE49-F238E27FC236}">
-                <a16:creationId xmlns="" xmlns:a16="http://schemas.microsoft.com/office/drawing/2014/main" id="{EA49B8AA-B17F-4F47-9489-2AEA4FEBA855}"/>
+                <a16:creationId xmlns:a16="http://schemas.microsoft.com/office/drawing/2014/main" id="{EA49B8AA-B17F-4F47-9489-2AEA4FEBA855}"/>
               </a:ext>
             </a:extLst>
           </p:cNvPr>
@@ -5079,27 +5304,17 @@
             </a:pPr>
             <a:r>
               <a:rPr lang="en-US" dirty="0"/>
-              <a:t>1. </a:t>
-            </a:r>
-            <a:r>
-              <a:rPr lang="en-US" dirty="0" smtClean="0"/>
-              <a:t>Cache </a:t>
-            </a:r>
+              <a:t>1. Cache busting   </a:t>
+            </a:r>
+          </a:p>
+          <a:p>
+            <a:pPr marL="0" indent="0">
+              <a:buNone/>
+            </a:pPr>
             <a:r>
               <a:rPr lang="en-US" dirty="0"/>
-              <a:t>busting   </a:t>
-            </a:r>
-            <a:endParaRPr lang="en-US" dirty="0" smtClean="0"/>
-          </a:p>
-          <a:p>
-            <a:pPr marL="0" indent="0">
-              <a:buNone/>
-            </a:pPr>
-            <a:r>
-              <a:rPr lang="en-US" dirty="0" smtClean="0"/>
               <a:t>Add metadata  to &lt;head&gt;</a:t>
             </a:r>
-            <a:endParaRPr lang="en-US" dirty="0"/>
           </a:p>
           <a:p>
             <a:pPr marL="0" indent="0">
@@ -5149,65 +5364,41 @@
             </a:r>
             <a:r>
               <a:rPr lang="en-US" sz="1600" dirty="0"/>
-              <a:t>="expires" content="0" </a:t>
-            </a:r>
-            <a:r>
-              <a:rPr lang="en-US" sz="1600" dirty="0" smtClean="0"/>
-              <a:t>/&gt;</a:t>
+              <a:t>="expires" content="0" /&gt;</a:t>
             </a:r>
           </a:p>
           <a:p>
             <a:pPr marL="0" indent="0">
               <a:buNone/>
             </a:pPr>
-            <a:endParaRPr lang="en-US" altLang="zh-TW" sz="1600" dirty="0" smtClean="0"/>
+            <a:endParaRPr lang="en-US" altLang="zh-TW" sz="1600" dirty="0"/>
           </a:p>
           <a:p>
             <a:pPr marL="0" indent="0">
               <a:buNone/>
             </a:pPr>
             <a:r>
-              <a:rPr lang="en-US" altLang="zh-TW" dirty="0" err="1" smtClean="0"/>
+              <a:rPr lang="en-US" altLang="zh-TW" dirty="0" err="1"/>
               <a:t>ng</a:t>
             </a:r>
             <a:r>
-              <a:rPr lang="en-US" altLang="zh-TW" dirty="0" smtClean="0"/>
-              <a:t> </a:t>
-            </a:r>
-            <a:r>
               <a:rPr lang="en-US" altLang="zh-TW" dirty="0"/>
-              <a:t>build </a:t>
-            </a:r>
-            <a:r>
-              <a:rPr lang="en-US" altLang="zh-TW" dirty="0" smtClean="0"/>
-              <a:t>--</a:t>
-            </a:r>
-            <a:r>
-              <a:rPr lang="en-US" altLang="zh-TW" dirty="0"/>
-              <a:t>prod --output-hashing </a:t>
-            </a:r>
-            <a:r>
-              <a:rPr lang="en-US" altLang="zh-TW" dirty="0" smtClean="0"/>
-              <a:t>all (all | none | media | bundle)</a:t>
+              <a:t> build --prod --output-hashing all (all | none | media | bundle)</a:t>
             </a:r>
           </a:p>
           <a:p>
             <a:pPr marL="0" indent="0">
               <a:buNone/>
             </a:pPr>
-            <a:endParaRPr lang="en-US" dirty="0" smtClean="0"/>
+            <a:endParaRPr lang="en-US" dirty="0"/>
           </a:p>
           <a:p>
             <a:pPr marL="0" indent="0">
               <a:buNone/>
             </a:pPr>
             <a:r>
-              <a:rPr lang="en-US" dirty="0" smtClean="0"/>
-              <a:t>2.Pipe </a:t>
-            </a:r>
-            <a:r>
               <a:rPr lang="en-US" dirty="0"/>
-              <a:t>Caching  =&gt;   </a:t>
+              <a:t>2.Pipe Caching  =&gt;   </a:t>
             </a:r>
           </a:p>
           <a:p>
@@ -5229,60 +5420,51 @@
             </a:pPr>
             <a:r>
               <a:rPr lang="en-US" dirty="0"/>
-              <a:t> Impure: </a:t>
-            </a:r>
-            <a:r>
-              <a:rPr lang="en-US" dirty="0" smtClean="0"/>
-              <a:t>false</a:t>
-            </a:r>
+              <a:t> Impure: false</a:t>
+            </a:r>
+          </a:p>
+          <a:p>
+            <a:pPr marL="0" indent="0">
+              <a:buNone/>
+            </a:pPr>
             <a:endParaRPr lang="en-US" dirty="0"/>
           </a:p>
           <a:p>
             <a:pPr marL="0" indent="0">
               <a:buNone/>
             </a:pPr>
+            <a:r>
+              <a:rPr lang="en-US" dirty="0"/>
+              <a:t>3.HttpRequest Cache </a:t>
+            </a:r>
+          </a:p>
+          <a:p>
+            <a:pPr marL="0" indent="0">
+              <a:buNone/>
+            </a:pPr>
+            <a:r>
+              <a:rPr lang="zh-TW" altLang="en-US" dirty="0"/>
+              <a:t>把不會變動的值，又經常查詢，儲存起來。</a:t>
+            </a:r>
             <a:endParaRPr lang="en-US" dirty="0"/>
           </a:p>
           <a:p>
             <a:pPr marL="0" indent="0">
               <a:buNone/>
             </a:pPr>
-            <a:r>
-              <a:rPr lang="en-US" dirty="0"/>
-              <a:t>3.HttpRequest </a:t>
-            </a:r>
-            <a:r>
-              <a:rPr lang="en-US" dirty="0" smtClean="0"/>
-              <a:t>Cache </a:t>
-            </a:r>
+            <a:endParaRPr lang="en-US" dirty="0"/>
           </a:p>
           <a:p>
             <a:pPr marL="0" indent="0">
               <a:buNone/>
             </a:pPr>
-            <a:r>
-              <a:rPr lang="zh-TW" altLang="en-US" dirty="0" smtClean="0"/>
-              <a:t>把不會變動的值，又經常查詢，儲存起來。</a:t>
-            </a:r>
-            <a:endParaRPr lang="en-US" dirty="0" smtClean="0"/>
+            <a:endParaRPr lang="en-US" dirty="0"/>
           </a:p>
           <a:p>
             <a:pPr marL="0" indent="0">
               <a:buNone/>
             </a:pPr>
             <a:endParaRPr lang="en-US" dirty="0"/>
-          </a:p>
-          <a:p>
-            <a:pPr marL="0" indent="0">
-              <a:buNone/>
-            </a:pPr>
-            <a:endParaRPr lang="en-US" dirty="0"/>
-          </a:p>
-          <a:p>
-            <a:pPr marL="0" indent="0">
-              <a:buNone/>
-            </a:pPr>
-            <a:endParaRPr lang="en-US" dirty="0" smtClean="0"/>
           </a:p>
           <a:p>
             <a:pPr marL="0" indent="0">
@@ -5309,7 +5491,7 @@
           <p:cNvPr id="4" name="Slide Number Placeholder 3">
             <a:extLst>
               <a:ext uri="{FF2B5EF4-FFF2-40B4-BE49-F238E27FC236}">
-                <a16:creationId xmlns="" xmlns:a16="http://schemas.microsoft.com/office/drawing/2014/main" id="{37BB747A-5129-47C0-9046-EF7E7C12EFC2}"/>
+                <a16:creationId xmlns:a16="http://schemas.microsoft.com/office/drawing/2014/main" id="{37BB747A-5129-47C0-9046-EF7E7C12EFC2}"/>
               </a:ext>
             </a:extLst>
           </p:cNvPr>
@@ -5449,7 +5631,7 @@
           <p:cNvPr id="2" name="Title 1">
             <a:extLst>
               <a:ext uri="{FF2B5EF4-FFF2-40B4-BE49-F238E27FC236}">
-                <a16:creationId xmlns="" xmlns:a16="http://schemas.microsoft.com/office/drawing/2014/main" id="{3A48E285-584F-425D-B674-F5D5ABCE8A61}"/>
+                <a16:creationId xmlns:a16="http://schemas.microsoft.com/office/drawing/2014/main" id="{3A48E285-584F-425D-B674-F5D5ABCE8A61}"/>
               </a:ext>
             </a:extLst>
           </p:cNvPr>
@@ -5482,7 +5664,7 @@
           <p:cNvPr id="3" name="Content Placeholder 2">
             <a:extLst>
               <a:ext uri="{FF2B5EF4-FFF2-40B4-BE49-F238E27FC236}">
-                <a16:creationId xmlns="" xmlns:a16="http://schemas.microsoft.com/office/drawing/2014/main" id="{95194AC0-4DB1-4FB2-9435-A0E35585D5E8}"/>
+                <a16:creationId xmlns:a16="http://schemas.microsoft.com/office/drawing/2014/main" id="{95194AC0-4DB1-4FB2-9435-A0E35585D5E8}"/>
               </a:ext>
             </a:extLst>
           </p:cNvPr>
@@ -5600,14 +5782,14 @@
             <a:pPr marL="0" indent="0">
               <a:buNone/>
             </a:pPr>
-            <a:endParaRPr lang="en-US" dirty="0" smtClean="0"/>
+            <a:endParaRPr lang="en-US" dirty="0"/>
           </a:p>
           <a:p>
             <a:pPr marL="0" indent="0">
               <a:buNone/>
             </a:pPr>
             <a:r>
-              <a:rPr lang="en-US" altLang="zh-TW" dirty="0" smtClean="0"/>
+              <a:rPr lang="en-US" altLang="zh-TW" dirty="0"/>
               <a:t>Angular5</a:t>
             </a:r>
             <a:r>
@@ -5615,16 +5797,12 @@
               <a:t> </a:t>
             </a:r>
             <a:r>
-              <a:rPr lang="en-US" altLang="zh-TW" dirty="0" smtClean="0"/>
+              <a:rPr lang="en-US" altLang="zh-TW" dirty="0"/>
               <a:t>CLI</a:t>
             </a:r>
             <a:r>
-              <a:rPr lang="zh-TW" altLang="en-US" dirty="0" smtClean="0"/>
-              <a:t>大大</a:t>
-            </a:r>
-            <a:r>
               <a:rPr lang="zh-TW" altLang="en-US" dirty="0"/>
-              <a:t>的簡化了</a:t>
+              <a:t>大大的簡化了</a:t>
             </a:r>
             <a:r>
               <a:rPr lang="en-US" altLang="zh-TW" dirty="0"/>
@@ -5676,7 +5854,7 @@
             <a:pPr marL="0" indent="0">
               <a:buNone/>
             </a:pPr>
-            <a:endParaRPr lang="en-US" altLang="zh-TW" b="0" dirty="0" smtClean="0"/>
+            <a:endParaRPr lang="en-US" altLang="zh-TW" b="0" dirty="0"/>
           </a:p>
           <a:p>
             <a:pPr marL="0" indent="0">
@@ -5693,47 +5871,27 @@
               <a:buNone/>
             </a:pPr>
             <a:r>
-              <a:rPr lang="en-US" altLang="zh-TW" b="0" dirty="0" smtClean="0"/>
-              <a:t>--</a:t>
-            </a:r>
-            <a:r>
               <a:rPr lang="en-US" altLang="zh-TW" b="0" dirty="0"/>
-              <a:t>optimization </a:t>
-            </a:r>
-            <a:r>
-              <a:rPr lang="en-US" altLang="zh-TW" b="0" dirty="0" smtClean="0"/>
-              <a:t>: </a:t>
-            </a:r>
-            <a:r>
-              <a:rPr lang="zh-TW" altLang="en-US" b="0" dirty="0" smtClean="0"/>
-              <a:t>程式碼</a:t>
+              <a:t>--optimization : </a:t>
             </a:r>
             <a:r>
               <a:rPr lang="zh-TW" altLang="en-US" b="0" dirty="0"/>
-              <a:t>混淆</a:t>
-            </a:r>
-            <a:r>
-              <a:rPr lang="en-US" altLang="zh-TW" b="0" dirty="0" err="1" smtClean="0"/>
+              <a:t>程式碼混淆</a:t>
+            </a:r>
+            <a:r>
+              <a:rPr lang="en-US" altLang="zh-TW" b="0" dirty="0" err="1"/>
               <a:t>Uglification</a:t>
             </a:r>
             <a:r>
-              <a:rPr lang="en-US" altLang="zh-TW" b="0" dirty="0" smtClean="0"/>
+              <a:rPr lang="en-US" altLang="zh-TW" b="0" dirty="0"/>
               <a:t> </a:t>
             </a:r>
             <a:r>
-              <a:rPr lang="zh-TW" altLang="en-US" b="0" dirty="0" smtClean="0"/>
-              <a:t>、消除死代碼、刪除</a:t>
-            </a:r>
-            <a:r>
               <a:rPr lang="zh-TW" altLang="en-US" b="0" dirty="0"/>
-              <a:t>多餘的空白，註釋和可選的</a:t>
-            </a:r>
-            <a:r>
-              <a:rPr lang="zh-TW" altLang="en-US" b="0" dirty="0" smtClean="0"/>
-              <a:t>令牌</a:t>
-            </a:r>
-            <a:r>
-              <a:rPr lang="en-US" altLang="zh-TW" b="0" dirty="0" smtClean="0"/>
+              <a:t>、消除死代碼、刪除多餘的空白，註釋和可選的令牌</a:t>
+            </a:r>
+            <a:r>
+              <a:rPr lang="en-US" altLang="zh-TW" b="0" dirty="0"/>
               <a:t>(Tree-shaking)</a:t>
             </a:r>
           </a:p>
@@ -5780,7 +5938,7 @@
           <p:cNvPr id="4" name="Slide Number Placeholder 3">
             <a:extLst>
               <a:ext uri="{FF2B5EF4-FFF2-40B4-BE49-F238E27FC236}">
-                <a16:creationId xmlns="" xmlns:a16="http://schemas.microsoft.com/office/drawing/2014/main" id="{C694A819-ED1A-48B8-8D88-AF4044974888}"/>
+                <a16:creationId xmlns:a16="http://schemas.microsoft.com/office/drawing/2014/main" id="{C694A819-ED1A-48B8-8D88-AF4044974888}"/>
               </a:ext>
             </a:extLst>
           </p:cNvPr>
@@ -5840,7 +5998,7 @@
           <p:cNvPr id="2" name="Title 1">
             <a:extLst>
               <a:ext uri="{FF2B5EF4-FFF2-40B4-BE49-F238E27FC236}">
-                <a16:creationId xmlns="" xmlns:a16="http://schemas.microsoft.com/office/drawing/2014/main" id="{3D17F768-F0A5-4D76-8A54-4E475517A6D9}"/>
+                <a16:creationId xmlns:a16="http://schemas.microsoft.com/office/drawing/2014/main" id="{3D17F768-F0A5-4D76-8A54-4E475517A6D9}"/>
               </a:ext>
             </a:extLst>
           </p:cNvPr>
@@ -5868,7 +6026,7 @@
           <p:cNvPr id="6" name="Content Placeholder 5">
             <a:extLst>
               <a:ext uri="{FF2B5EF4-FFF2-40B4-BE49-F238E27FC236}">
-                <a16:creationId xmlns="" xmlns:a16="http://schemas.microsoft.com/office/drawing/2014/main" id="{507945AC-55CB-40F6-B45A-11AAABD28A31}"/>
+                <a16:creationId xmlns:a16="http://schemas.microsoft.com/office/drawing/2014/main" id="{507945AC-55CB-40F6-B45A-11AAABD28A31}"/>
               </a:ext>
             </a:extLst>
           </p:cNvPr>
@@ -5879,14 +6037,14 @@
             <p:ph idx="1"/>
             <p:extLst>
               <p:ext uri="{D42A27DB-BD31-4B8C-83A1-F6EECF244321}">
-                <p14:modId xmlns:p14="http://schemas.microsoft.com/office/powerpoint/2010/main" val="2785318387"/>
+                <p14:modId xmlns:p14="http://schemas.microsoft.com/office/powerpoint/2010/main" val="732123421"/>
               </p:ext>
             </p:extLst>
           </p:nvPr>
         </p:nvGraphicFramePr>
         <p:xfrm>
           <a:off x="762000" y="1143000"/>
-          <a:ext cx="7772400" cy="3733800"/>
+          <a:ext cx="7924800" cy="4648200"/>
         </p:xfrm>
         <a:graphic>
           <a:graphicData uri="http://schemas.openxmlformats.org/drawingml/2006/table">
@@ -5895,22 +6053,22 @@
                 <a:tableStyleId>{5C22544A-7EE6-4342-B048-85BDC9FD1C3A}</a:tableStyleId>
               </a:tblPr>
               <a:tblGrid>
-                <a:gridCol w="7772400">
+                <a:gridCol w="7924800">
                   <a:extLst>
                     <a:ext uri="{9D8B030D-6E8A-4147-A177-3AD203B41FA5}">
-                      <a16:colId xmlns="" xmlns:a16="http://schemas.microsoft.com/office/drawing/2014/main" val="1199065692"/>
+                      <a16:colId xmlns:a16="http://schemas.microsoft.com/office/drawing/2014/main" val="1199065692"/>
                     </a:ext>
                   </a:extLst>
                 </a:gridCol>
               </a:tblGrid>
-              <a:tr h="431961">
+              <a:tr h="537747">
                 <a:tc>
                   <a:txBody>
                     <a:bodyPr/>
                     <a:lstStyle/>
                     <a:p>
                       <a:r>
-                        <a:rPr lang="en-US" dirty="0"/>
+                        <a:rPr lang="en-US" sz="2000" dirty="0"/>
                         <a:t>AOT</a:t>
                       </a:r>
                     </a:p>
@@ -5919,18 +6077,18 @@
                 </a:tc>
                 <a:extLst>
                   <a:ext uri="{0D108BD9-81ED-4DB2-BD59-A6C34878D82A}">
-                    <a16:rowId xmlns="" xmlns:a16="http://schemas.microsoft.com/office/drawing/2014/main" val="1767338010"/>
+                    <a16:rowId xmlns:a16="http://schemas.microsoft.com/office/drawing/2014/main" val="1767338010"/>
                   </a:ext>
                 </a:extLst>
               </a:tr>
-              <a:tr h="3301839">
+              <a:tr h="4110453">
                 <a:tc>
                   <a:txBody>
                     <a:bodyPr/>
                     <a:lstStyle/>
                     <a:p>
                       <a:r>
-                        <a:rPr lang="zh-TW" altLang="en-US" sz="1800" b="1" i="0" kern="1200" dirty="0" smtClean="0">
+                        <a:rPr lang="zh-TW" altLang="en-US" sz="2000" b="1" i="0" kern="1200" dirty="0">
                           <a:solidFill>
                             <a:schemeClr val="dk1"/>
                           </a:solidFill>
@@ -5942,7 +6100,7 @@
                         <a:t>更快</a:t>
                       </a:r>
                       <a:r>
-                        <a:rPr lang="en-US" altLang="zh-TW" sz="1800" b="0" i="0" kern="1200" dirty="0" smtClean="0">
+                        <a:rPr lang="en-US" altLang="zh-TW" sz="2000" b="0" i="0" kern="1200" dirty="0">
                           <a:solidFill>
                             <a:schemeClr val="dk1"/>
                           </a:solidFill>
@@ -5954,7 +6112,7 @@
                         <a:t>:</a:t>
                       </a:r>
                       <a:r>
-                        <a:rPr lang="zh-TW" altLang="en-US" sz="1800" b="0" i="0" kern="1200" dirty="0" smtClean="0">
+                        <a:rPr lang="zh-TW" altLang="en-US" sz="2000" b="0" i="0" kern="1200" dirty="0">
                           <a:solidFill>
                             <a:schemeClr val="dk1"/>
                           </a:solidFill>
@@ -5968,7 +6126,7 @@
                     </a:p>
                     <a:p>
                       <a:r>
-                        <a:rPr lang="zh-TW" altLang="en-US" sz="1800" b="1" i="0" kern="1200" dirty="0" smtClean="0">
+                        <a:rPr lang="zh-TW" altLang="en-US" sz="2000" b="1" i="0" kern="1200" dirty="0">
                           <a:solidFill>
                             <a:schemeClr val="dk1"/>
                           </a:solidFill>
@@ -5980,7 +6138,7 @@
                         <a:t>減少</a:t>
                       </a:r>
                       <a:r>
-                        <a:rPr lang="en-US" altLang="zh-TW" sz="1800" b="1" i="0" kern="1200" dirty="0" smtClean="0">
+                        <a:rPr lang="en-US" altLang="zh-TW" sz="2000" b="1" i="0" kern="1200" dirty="0">
                           <a:solidFill>
                             <a:schemeClr val="dk1"/>
                           </a:solidFill>
@@ -5992,7 +6150,7 @@
                         <a:t>HTTP</a:t>
                       </a:r>
                       <a:r>
-                        <a:rPr lang="zh-TW" altLang="en-US" sz="1800" b="1" i="0" kern="1200" dirty="0" smtClean="0">
+                        <a:rPr lang="zh-TW" altLang="en-US" sz="2000" b="1" i="0" kern="1200" dirty="0">
                           <a:solidFill>
                             <a:schemeClr val="dk1"/>
                           </a:solidFill>
@@ -6004,7 +6162,7 @@
                         <a:t>異部請求</a:t>
                       </a:r>
                       <a:r>
-                        <a:rPr lang="zh-TW" altLang="en-US" sz="1800" b="0" i="0" kern="1200" dirty="0" smtClean="0">
+                        <a:rPr lang="zh-TW" altLang="en-US" sz="2000" b="0" i="0" kern="1200" dirty="0">
                           <a:solidFill>
                             <a:schemeClr val="dk1"/>
                           </a:solidFill>
@@ -6016,7 +6174,7 @@
                         <a:t>：編譯器把外部</a:t>
                       </a:r>
                       <a:r>
-                        <a:rPr lang="en-US" altLang="zh-TW" sz="1800" b="0" i="0" kern="1200" dirty="0" smtClean="0">
+                        <a:rPr lang="en-US" altLang="zh-TW" sz="2000" b="0" i="0" kern="1200" dirty="0">
                           <a:solidFill>
                             <a:schemeClr val="dk1"/>
                           </a:solidFill>
@@ -6028,7 +6186,7 @@
                         <a:t>HTML</a:t>
                       </a:r>
                       <a:r>
-                        <a:rPr lang="zh-TW" altLang="en-US" sz="1800" b="0" i="0" kern="1200" dirty="0" smtClean="0">
+                        <a:rPr lang="zh-TW" altLang="en-US" sz="2000" b="0" i="0" kern="1200" dirty="0">
                           <a:solidFill>
                             <a:schemeClr val="dk1"/>
                           </a:solidFill>
@@ -6040,7 +6198,7 @@
                         <a:t>模板和</a:t>
                       </a:r>
                       <a:r>
-                        <a:rPr lang="en-US" altLang="zh-TW" sz="1800" b="0" i="0" kern="1200" dirty="0" smtClean="0">
+                        <a:rPr lang="en-US" altLang="zh-TW" sz="2000" b="0" i="0" kern="1200" dirty="0">
                           <a:solidFill>
                             <a:schemeClr val="dk1"/>
                           </a:solidFill>
@@ -6052,7 +6210,7 @@
                         <a:t>CSS</a:t>
                       </a:r>
                       <a:r>
-                        <a:rPr lang="zh-TW" altLang="en-US" sz="1800" b="0" i="0" kern="1200" dirty="0" smtClean="0">
+                        <a:rPr lang="zh-TW" altLang="en-US" sz="2000" b="0" i="0" kern="1200" dirty="0">
                           <a:solidFill>
                             <a:schemeClr val="dk1"/>
                           </a:solidFill>
@@ -6064,7 +6222,7 @@
                         <a:t>樣式表內聯到了該應用的</a:t>
                       </a:r>
                       <a:r>
-                        <a:rPr lang="en-US" altLang="zh-TW" sz="1800" b="0" i="0" kern="1200" dirty="0" smtClean="0">
+                        <a:rPr lang="en-US" altLang="zh-TW" sz="2000" b="0" i="0" kern="1200" dirty="0">
                           <a:solidFill>
                             <a:schemeClr val="dk1"/>
                           </a:solidFill>
@@ -6076,7 +6234,7 @@
                         <a:t>JavaScript</a:t>
                       </a:r>
                       <a:r>
-                        <a:rPr lang="zh-TW" altLang="en-US" sz="1800" b="0" i="0" kern="1200" dirty="0" smtClean="0">
+                        <a:rPr lang="zh-TW" altLang="en-US" sz="2000" b="0" i="0" kern="1200" dirty="0">
                           <a:solidFill>
                             <a:schemeClr val="dk1"/>
                           </a:solidFill>
@@ -6088,7 +6246,7 @@
                         <a:t>中。消除了用來下載那些源文件的</a:t>
                       </a:r>
                       <a:r>
-                        <a:rPr lang="en-US" altLang="zh-TW" sz="1800" b="0" i="0" kern="1200" dirty="0" smtClean="0">
+                        <a:rPr lang="en-US" altLang="zh-TW" sz="2000" b="0" i="0" kern="1200" dirty="0">
                           <a:solidFill>
                             <a:schemeClr val="dk1"/>
                           </a:solidFill>
@@ -6100,7 +6258,7 @@
                         <a:t>Ajax</a:t>
                       </a:r>
                       <a:r>
-                        <a:rPr lang="zh-TW" altLang="en-US" sz="1800" b="0" i="0" kern="1200" dirty="0" smtClean="0">
+                        <a:rPr lang="zh-TW" altLang="en-US" sz="2000" b="0" i="0" kern="1200" dirty="0">
                           <a:solidFill>
                             <a:schemeClr val="dk1"/>
                           </a:solidFill>
@@ -6114,7 +6272,7 @@
                     </a:p>
                     <a:p>
                       <a:r>
-                        <a:rPr lang="zh-TW" altLang="en-US" sz="1800" b="1" i="0" kern="1200" dirty="0" smtClean="0">
+                        <a:rPr lang="zh-TW" altLang="en-US" sz="2000" b="1" i="0" kern="1200" dirty="0">
                           <a:solidFill>
                             <a:schemeClr val="dk1"/>
                           </a:solidFill>
@@ -6126,7 +6284,7 @@
                         <a:t>檔案更小</a:t>
                       </a:r>
                       <a:r>
-                        <a:rPr lang="zh-TW" altLang="en-US" sz="1800" b="0" i="0" kern="1200" dirty="0" smtClean="0">
+                        <a:rPr lang="zh-TW" altLang="en-US" sz="2000" b="0" i="0" kern="1200" dirty="0">
                           <a:solidFill>
                             <a:schemeClr val="dk1"/>
                           </a:solidFill>
@@ -6138,7 +6296,7 @@
                         <a:t>：客戶端不用載入完整的</a:t>
                       </a:r>
                       <a:r>
-                        <a:rPr lang="en-US" altLang="zh-TW" sz="1800" b="0" i="0" kern="1200" dirty="0" smtClean="0">
+                        <a:rPr lang="en-US" altLang="zh-TW" sz="2000" b="0" i="0" kern="1200" dirty="0">
                           <a:solidFill>
                             <a:schemeClr val="dk1"/>
                           </a:solidFill>
@@ -6150,7 +6308,7 @@
                         <a:t>Angular</a:t>
                       </a:r>
                       <a:r>
-                        <a:rPr lang="zh-TW" altLang="en-US" sz="1800" b="0" i="0" kern="1200" dirty="0" smtClean="0">
+                        <a:rPr lang="zh-TW" altLang="en-US" sz="2000" b="0" i="0" kern="1200" dirty="0">
                           <a:solidFill>
                             <a:schemeClr val="dk1"/>
                           </a:solidFill>
@@ -6164,7 +6322,7 @@
                     </a:p>
                     <a:p>
                       <a:r>
-                        <a:rPr lang="zh-TW" altLang="en-US" sz="1800" b="1" i="0" kern="1200" dirty="0" smtClean="0">
+                        <a:rPr lang="zh-TW" altLang="en-US" sz="2000" b="1" i="0" kern="1200" dirty="0">
                           <a:solidFill>
                             <a:schemeClr val="dk1"/>
                           </a:solidFill>
@@ -6176,7 +6334,7 @@
                         <a:t>提早檢測模板錯誤</a:t>
                       </a:r>
                       <a:r>
-                        <a:rPr lang="zh-TW" altLang="en-US" sz="1800" b="0" i="0" kern="1200" dirty="0" smtClean="0">
+                        <a:rPr lang="zh-TW" altLang="en-US" sz="2000" b="0" i="0" kern="1200" dirty="0">
                           <a:solidFill>
                             <a:schemeClr val="dk1"/>
                           </a:solidFill>
@@ -6190,7 +6348,7 @@
                     </a:p>
                     <a:p>
                       <a:r>
-                        <a:rPr lang="zh-TW" altLang="en-US" sz="1800" b="1" i="0" kern="1200" dirty="0" smtClean="0">
+                        <a:rPr lang="zh-TW" altLang="en-US" sz="2000" b="1" i="0" kern="1200" dirty="0">
                           <a:solidFill>
                             <a:schemeClr val="dk1"/>
                           </a:solidFill>
@@ -6202,7 +6360,7 @@
                         <a:t>更安全</a:t>
                       </a:r>
                       <a:r>
-                        <a:rPr lang="zh-TW" altLang="en-US" sz="1800" b="0" i="0" kern="1200" dirty="0" smtClean="0">
+                        <a:rPr lang="zh-TW" altLang="en-US" sz="2000" b="0" i="0" kern="1200" dirty="0">
                           <a:solidFill>
                             <a:schemeClr val="dk1"/>
                           </a:solidFill>
@@ -6214,7 +6372,7 @@
                         <a:t>：</a:t>
                       </a:r>
                       <a:r>
-                        <a:rPr lang="en-US" altLang="zh-TW" sz="1800" b="0" i="0" kern="1200" dirty="0" smtClean="0">
+                        <a:rPr lang="en-US" altLang="zh-TW" sz="2000" b="0" i="0" kern="1200" dirty="0">
                           <a:solidFill>
                             <a:schemeClr val="dk1"/>
                           </a:solidFill>
@@ -6226,7 +6384,7 @@
                         <a:t>AOT</a:t>
                       </a:r>
                       <a:r>
-                        <a:rPr lang="zh-TW" altLang="en-US" sz="1800" b="0" i="0" kern="1200" dirty="0" smtClean="0">
+                        <a:rPr lang="zh-TW" altLang="en-US" sz="2000" b="0" i="0" kern="1200" dirty="0">
                           <a:solidFill>
                             <a:schemeClr val="dk1"/>
                           </a:solidFill>
@@ -6238,7 +6396,7 @@
                         <a:t>編譯遠在</a:t>
                       </a:r>
                       <a:r>
-                        <a:rPr lang="en-US" altLang="zh-TW" sz="1800" b="0" i="0" kern="1200" dirty="0" smtClean="0">
+                        <a:rPr lang="en-US" altLang="zh-TW" sz="2000" b="0" i="0" kern="1200" dirty="0">
                           <a:solidFill>
                             <a:schemeClr val="dk1"/>
                           </a:solidFill>
@@ -6250,7 +6408,7 @@
                         <a:t>HTML</a:t>
                       </a:r>
                       <a:r>
-                        <a:rPr lang="zh-TW" altLang="en-US" sz="1800" b="0" i="0" kern="1200" dirty="0" smtClean="0">
+                        <a:rPr lang="zh-TW" altLang="en-US" sz="2000" b="0" i="0" kern="1200" dirty="0">
                           <a:solidFill>
                             <a:schemeClr val="dk1"/>
                           </a:solidFill>
@@ -6262,7 +6420,7 @@
                         <a:t>模版和組件被服務到客戶端之前，將它們編譯到</a:t>
                       </a:r>
                       <a:r>
-                        <a:rPr lang="en-US" altLang="zh-TW" sz="1800" b="0" i="0" kern="1200" dirty="0" smtClean="0">
+                        <a:rPr lang="en-US" altLang="zh-TW" sz="2000" b="0" i="0" kern="1200" dirty="0">
                           <a:solidFill>
                             <a:schemeClr val="dk1"/>
                           </a:solidFill>
@@ -6274,7 +6432,7 @@
                         <a:t>JavaScript</a:t>
                       </a:r>
                       <a:r>
-                        <a:rPr lang="zh-TW" altLang="en-US" sz="1800" b="0" i="0" kern="1200" dirty="0" smtClean="0">
+                        <a:rPr lang="zh-TW" altLang="en-US" sz="2000" b="0" i="0" kern="1200" dirty="0">
                           <a:solidFill>
                             <a:schemeClr val="dk1"/>
                           </a:solidFill>
@@ -6286,7 +6444,7 @@
                         <a:t>文件。沒有模版可以閱讀，沒有高風險客戶端</a:t>
                       </a:r>
                       <a:r>
-                        <a:rPr lang="en-US" altLang="zh-TW" sz="1800" b="0" i="0" kern="1200" dirty="0" smtClean="0">
+                        <a:rPr lang="en-US" altLang="zh-TW" sz="2000" b="0" i="0" kern="1200" dirty="0">
                           <a:solidFill>
                             <a:schemeClr val="dk1"/>
                           </a:solidFill>
@@ -6298,7 +6456,7 @@
                         <a:t>HTML</a:t>
                       </a:r>
                       <a:r>
-                        <a:rPr lang="zh-TW" altLang="en-US" sz="1800" b="0" i="0" kern="1200" dirty="0" smtClean="0">
+                        <a:rPr lang="zh-TW" altLang="en-US" sz="2000" b="0" i="0" kern="1200" dirty="0">
                           <a:solidFill>
                             <a:schemeClr val="dk1"/>
                           </a:solidFill>
@@ -6310,7 +6468,7 @@
                         <a:t>或</a:t>
                       </a:r>
                       <a:r>
-                        <a:rPr lang="en-US" altLang="zh-TW" sz="1800" b="0" i="0" kern="1200" dirty="0" smtClean="0">
+                        <a:rPr lang="en-US" altLang="zh-TW" sz="2000" b="0" i="0" kern="1200" dirty="0">
                           <a:solidFill>
                             <a:schemeClr val="dk1"/>
                           </a:solidFill>
@@ -6322,7 +6480,7 @@
                         <a:t>JavaScript</a:t>
                       </a:r>
                       <a:r>
-                        <a:rPr lang="zh-TW" altLang="en-US" sz="1800" b="0" i="0" kern="1200" dirty="0" smtClean="0">
+                        <a:rPr lang="zh-TW" altLang="en-US" sz="2000" b="0" i="0" kern="1200" dirty="0">
                           <a:solidFill>
                             <a:schemeClr val="dk1"/>
                           </a:solidFill>
@@ -6335,14 +6493,14 @@
                       </a:r>
                     </a:p>
                     <a:p>
-                      <a:endParaRPr lang="en-US" dirty="0"/>
+                      <a:endParaRPr lang="en-US" sz="2000" dirty="0"/>
                     </a:p>
                   </a:txBody>
                   <a:tcPr/>
                 </a:tc>
                 <a:extLst>
                   <a:ext uri="{0D108BD9-81ED-4DB2-BD59-A6C34878D82A}">
-                    <a16:rowId xmlns="" xmlns:a16="http://schemas.microsoft.com/office/drawing/2014/main" val="2317173366"/>
+                    <a16:rowId xmlns:a16="http://schemas.microsoft.com/office/drawing/2014/main" val="2317173366"/>
                   </a:ext>
                 </a:extLst>
               </a:tr>
@@ -6355,7 +6513,7 @@
           <p:cNvPr id="4" name="Slide Number Placeholder 3">
             <a:extLst>
               <a:ext uri="{FF2B5EF4-FFF2-40B4-BE49-F238E27FC236}">
-                <a16:creationId xmlns="" xmlns:a16="http://schemas.microsoft.com/office/drawing/2014/main" id="{6C7A083D-7634-46C8-9481-4C324742DDC4}"/>
+                <a16:creationId xmlns:a16="http://schemas.microsoft.com/office/drawing/2014/main" id="{6C7A083D-7634-46C8-9481-4C324742DDC4}"/>
               </a:ext>
             </a:extLst>
           </p:cNvPr>
@@ -6415,7 +6573,7 @@
           <p:cNvPr id="2" name="Title 1">
             <a:extLst>
               <a:ext uri="{FF2B5EF4-FFF2-40B4-BE49-F238E27FC236}">
-                <a16:creationId xmlns="" xmlns:a16="http://schemas.microsoft.com/office/drawing/2014/main" id="{19BE3664-535A-4792-A501-B4FDD5D75620}"/>
+                <a16:creationId xmlns:a16="http://schemas.microsoft.com/office/drawing/2014/main" id="{19BE3664-535A-4792-A501-B4FDD5D75620}"/>
               </a:ext>
             </a:extLst>
           </p:cNvPr>
@@ -6448,7 +6606,7 @@
           <p:cNvPr id="3" name="Content Placeholder 2">
             <a:extLst>
               <a:ext uri="{FF2B5EF4-FFF2-40B4-BE49-F238E27FC236}">
-                <a16:creationId xmlns="" xmlns:a16="http://schemas.microsoft.com/office/drawing/2014/main" id="{6DBE8D3E-7C25-44DD-8B72-3F9FAA2F4866}"/>
+                <a16:creationId xmlns:a16="http://schemas.microsoft.com/office/drawing/2014/main" id="{6DBE8D3E-7C25-44DD-8B72-3F9FAA2F4866}"/>
               </a:ext>
             </a:extLst>
           </p:cNvPr>
@@ -6526,7 +6684,7 @@
           <p:cNvPr id="4" name="Slide Number Placeholder 3">
             <a:extLst>
               <a:ext uri="{FF2B5EF4-FFF2-40B4-BE49-F238E27FC236}">
-                <a16:creationId xmlns="" xmlns:a16="http://schemas.microsoft.com/office/drawing/2014/main" id="{FCBDD51D-8165-4FAF-86F9-F6D2F57249BB}"/>
+                <a16:creationId xmlns:a16="http://schemas.microsoft.com/office/drawing/2014/main" id="{FCBDD51D-8165-4FAF-86F9-F6D2F57249BB}"/>
               </a:ext>
             </a:extLst>
           </p:cNvPr>
@@ -6556,7 +6714,7 @@
           <p:cNvPr id="1026" name="Picture 2" descr="image">
             <a:extLst>
               <a:ext uri="{FF2B5EF4-FFF2-40B4-BE49-F238E27FC236}">
-                <a16:creationId xmlns="" xmlns:a16="http://schemas.microsoft.com/office/drawing/2014/main" id="{E0719DBF-0CA0-4FC2-9F4F-74DDF27F8AE6}"/>
+                <a16:creationId xmlns:a16="http://schemas.microsoft.com/office/drawing/2014/main" id="{E0719DBF-0CA0-4FC2-9F4F-74DDF27F8AE6}"/>
               </a:ext>
             </a:extLst>
           </p:cNvPr>
@@ -6657,7 +6815,7 @@
           <p:cNvPr id="2" name="Title 1">
             <a:extLst>
               <a:ext uri="{FF2B5EF4-FFF2-40B4-BE49-F238E27FC236}">
-                <a16:creationId xmlns="" xmlns:a16="http://schemas.microsoft.com/office/drawing/2014/main" id="{145A12D1-E99D-45BB-A29D-7897A4DF90AF}"/>
+                <a16:creationId xmlns:a16="http://schemas.microsoft.com/office/drawing/2014/main" id="{145A12D1-E99D-45BB-A29D-7897A4DF90AF}"/>
               </a:ext>
             </a:extLst>
           </p:cNvPr>
@@ -6685,7 +6843,7 @@
           <p:cNvPr id="3" name="Content Placeholder 2">
             <a:extLst>
               <a:ext uri="{FF2B5EF4-FFF2-40B4-BE49-F238E27FC236}">
-                <a16:creationId xmlns="" xmlns:a16="http://schemas.microsoft.com/office/drawing/2014/main" id="{ECE19EF1-1BBA-40C6-9A9E-BF1B67C2F42A}"/>
+                <a16:creationId xmlns:a16="http://schemas.microsoft.com/office/drawing/2014/main" id="{ECE19EF1-1BBA-40C6-9A9E-BF1B67C2F42A}"/>
               </a:ext>
             </a:extLst>
           </p:cNvPr>
@@ -6727,10 +6885,6 @@
             <a:pPr marL="0" indent="0">
               <a:buNone/>
             </a:pPr>
-            <a:r>
-              <a:rPr lang="zh-TW" altLang="en-US" dirty="0"/>
-              <a:t/>
-            </a:r>
             <a:br>
               <a:rPr lang="zh-TW" altLang="en-US" dirty="0"/>
             </a:br>
@@ -6749,7 +6903,7 @@
           <p:cNvPr id="4" name="Slide Number Placeholder 3">
             <a:extLst>
               <a:ext uri="{FF2B5EF4-FFF2-40B4-BE49-F238E27FC236}">
-                <a16:creationId xmlns="" xmlns:a16="http://schemas.microsoft.com/office/drawing/2014/main" id="{10327B5A-91B2-4FB2-BDA9-E5AFB948190E}"/>
+                <a16:creationId xmlns:a16="http://schemas.microsoft.com/office/drawing/2014/main" id="{10327B5A-91B2-4FB2-BDA9-E5AFB948190E}"/>
               </a:ext>
             </a:extLst>
           </p:cNvPr>
@@ -6779,7 +6933,7 @@
           <p:cNvPr id="6" name="Picture 5">
             <a:extLst>
               <a:ext uri="{FF2B5EF4-FFF2-40B4-BE49-F238E27FC236}">
-                <a16:creationId xmlns="" xmlns:a16="http://schemas.microsoft.com/office/drawing/2014/main" id="{FE4EADA9-437D-498D-936A-664D2F0BCE60}"/>
+                <a16:creationId xmlns:a16="http://schemas.microsoft.com/office/drawing/2014/main" id="{FE4EADA9-437D-498D-936A-664D2F0BCE60}"/>
               </a:ext>
             </a:extLst>
           </p:cNvPr>
@@ -6809,7 +6963,7 @@
           <p:cNvPr id="7" name="Picture 6">
             <a:extLst>
               <a:ext uri="{FF2B5EF4-FFF2-40B4-BE49-F238E27FC236}">
-                <a16:creationId xmlns="" xmlns:a16="http://schemas.microsoft.com/office/drawing/2014/main" id="{7AA2459E-F688-49E3-9190-F9EA5FAB2128}"/>
+                <a16:creationId xmlns:a16="http://schemas.microsoft.com/office/drawing/2014/main" id="{7AA2459E-F688-49E3-9190-F9EA5FAB2128}"/>
               </a:ext>
             </a:extLst>
           </p:cNvPr>
@@ -6869,7 +7023,7 @@
           <p:cNvPr id="2" name="Title 1">
             <a:extLst>
               <a:ext uri="{FF2B5EF4-FFF2-40B4-BE49-F238E27FC236}">
-                <a16:creationId xmlns="" xmlns:a16="http://schemas.microsoft.com/office/drawing/2014/main" id="{C7F2410F-D49B-4B27-9DED-F96765AD5D00}"/>
+                <a16:creationId xmlns:a16="http://schemas.microsoft.com/office/drawing/2014/main" id="{C7F2410F-D49B-4B27-9DED-F96765AD5D00}"/>
               </a:ext>
             </a:extLst>
           </p:cNvPr>
@@ -6887,7 +7041,7 @@
           <a:p>
             <a:r>
               <a:rPr lang="en-US" dirty="0"/>
-              <a:t>Preload vs Prefetch </a:t>
+              <a:t>Html Preload vs Prefetch </a:t>
             </a:r>
           </a:p>
         </p:txBody>
@@ -6897,7 +7051,7 @@
           <p:cNvPr id="3" name="Content Placeholder 2">
             <a:extLst>
               <a:ext uri="{FF2B5EF4-FFF2-40B4-BE49-F238E27FC236}">
-                <a16:creationId xmlns="" xmlns:a16="http://schemas.microsoft.com/office/drawing/2014/main" id="{FA3F6EBF-5959-4CC3-9E8E-AA3D7EAD9023}"/>
+                <a16:creationId xmlns:a16="http://schemas.microsoft.com/office/drawing/2014/main" id="{FA3F6EBF-5959-4CC3-9E8E-AA3D7EAD9023}"/>
               </a:ext>
             </a:extLst>
           </p:cNvPr>
@@ -6917,68 +7071,51 @@
               <a:buNone/>
             </a:pPr>
             <a:r>
-              <a:rPr lang="en-US" altLang="zh-CN" dirty="0" smtClean="0"/>
+              <a:rPr lang="en-US" altLang="zh-CN" dirty="0"/>
               <a:t>Preload   - </a:t>
             </a:r>
             <a:r>
-              <a:rPr lang="zh-TW" altLang="en-US" dirty="0" smtClean="0"/>
-              <a:t>加</a:t>
-            </a:r>
-            <a:r>
               <a:rPr lang="zh-TW" altLang="en-US" dirty="0"/>
-              <a:t>載資源一般是當前頁面需要</a:t>
-            </a:r>
-            <a:r>
-              <a:rPr lang="zh-TW" altLang="en-US" dirty="0" smtClean="0"/>
-              <a:t>的。</a:t>
-            </a:r>
-            <a:endParaRPr lang="zh-TW" altLang="en-US" dirty="0"/>
+              <a:t>加載資源一般是當前頁面需要的。</a:t>
+            </a:r>
           </a:p>
           <a:p>
             <a:pPr marL="0" indent="0">
               <a:buNone/>
             </a:pPr>
             <a:r>
-              <a:rPr lang="en-US" altLang="zh-CN" dirty="0" err="1" smtClean="0"/>
+              <a:rPr lang="en-US" altLang="zh-CN" dirty="0" err="1"/>
               <a:t>Prefetch</a:t>
             </a:r>
             <a:r>
-              <a:rPr lang="en-US" altLang="zh-CN" dirty="0" smtClean="0"/>
+              <a:rPr lang="en-US" altLang="zh-CN" dirty="0"/>
               <a:t> </a:t>
             </a:r>
             <a:r>
-              <a:rPr lang="zh-TW" altLang="en-US" dirty="0" smtClean="0"/>
+              <a:rPr lang="zh-TW" altLang="en-US" dirty="0"/>
               <a:t> </a:t>
             </a:r>
             <a:r>
-              <a:rPr lang="en-US" altLang="zh-TW" dirty="0" smtClean="0"/>
+              <a:rPr lang="en-US" altLang="zh-TW" dirty="0"/>
               <a:t>- </a:t>
             </a:r>
             <a:r>
-              <a:rPr lang="zh-TW" altLang="en-US" dirty="0" smtClean="0"/>
-              <a:t>一般</a:t>
-            </a:r>
-            <a:r>
               <a:rPr lang="zh-TW" altLang="en-US" dirty="0"/>
-              <a:t>是其它頁面有可能用到的資源</a:t>
-            </a:r>
-            <a:r>
-              <a:rPr lang="zh-TW" altLang="en-US" dirty="0" smtClean="0"/>
-              <a:t>。</a:t>
-            </a:r>
-            <a:endParaRPr lang="en-US" altLang="zh-TW" dirty="0" smtClean="0"/>
+              <a:t>一般是其它頁面有可能用到的資源。</a:t>
+            </a:r>
+            <a:endParaRPr lang="en-US" altLang="zh-TW" dirty="0"/>
           </a:p>
           <a:p>
             <a:pPr marL="0" indent="0">
               <a:buNone/>
             </a:pPr>
-            <a:endParaRPr lang="en-US" altLang="zh-TW" dirty="0" smtClean="0"/>
+            <a:endParaRPr lang="en-US" altLang="zh-TW" dirty="0"/>
           </a:p>
           <a:p>
             <a:pPr marL="0" indent="0">
               <a:buNone/>
             </a:pPr>
-            <a:endParaRPr lang="en-US" altLang="zh-TW" dirty="0" smtClean="0"/>
+            <a:endParaRPr lang="en-US" altLang="zh-TW" dirty="0"/>
           </a:p>
           <a:p>
             <a:pPr marL="0" indent="0">
@@ -6990,13 +7127,13 @@
             <a:pPr marL="0" indent="0">
               <a:buNone/>
             </a:pPr>
-            <a:endParaRPr lang="en-US" altLang="zh-TW" dirty="0" smtClean="0"/>
+            <a:endParaRPr lang="en-US" altLang="zh-TW" dirty="0"/>
           </a:p>
           <a:p>
             <a:pPr marL="0" indent="0">
               <a:buNone/>
             </a:pPr>
-            <a:endParaRPr lang="en-US" altLang="zh-TW" dirty="0" smtClean="0"/>
+            <a:endParaRPr lang="en-US" altLang="zh-TW" dirty="0"/>
           </a:p>
           <a:p>
             <a:pPr marL="0" indent="0">
@@ -7008,13 +7145,13 @@
             <a:pPr marL="0" indent="0">
               <a:buNone/>
             </a:pPr>
-            <a:endParaRPr lang="en-US" altLang="zh-TW" dirty="0" smtClean="0"/>
+            <a:endParaRPr lang="en-US" altLang="zh-TW" dirty="0"/>
           </a:p>
           <a:p>
             <a:pPr marL="0" indent="0">
               <a:buNone/>
             </a:pPr>
-            <a:endParaRPr lang="en-US" dirty="0" smtClean="0">
+            <a:endParaRPr lang="en-US" dirty="0">
               <a:hlinkClick r:id="rId3"/>
             </a:endParaRPr>
           </a:p>
@@ -7037,7 +7174,7 @@
           <p:cNvPr id="4" name="Slide Number Placeholder 3">
             <a:extLst>
               <a:ext uri="{FF2B5EF4-FFF2-40B4-BE49-F238E27FC236}">
-                <a16:creationId xmlns="" xmlns:a16="http://schemas.microsoft.com/office/drawing/2014/main" id="{C299F954-E019-4723-97BF-A86279FEDB6C}"/>
+                <a16:creationId xmlns:a16="http://schemas.microsoft.com/office/drawing/2014/main" id="{C299F954-E019-4723-97BF-A86279FEDB6C}"/>
               </a:ext>
             </a:extLst>
           </p:cNvPr>
@@ -7097,7 +7234,7 @@
           <p:cNvPr id="2" name="Title 1">
             <a:extLst>
               <a:ext uri="{FF2B5EF4-FFF2-40B4-BE49-F238E27FC236}">
-                <a16:creationId xmlns="" xmlns:a16="http://schemas.microsoft.com/office/drawing/2014/main" id="{EEFBBC0D-0678-4811-BD95-551E2FD100B2}"/>
+                <a16:creationId xmlns:a16="http://schemas.microsoft.com/office/drawing/2014/main" id="{EEFBBC0D-0678-4811-BD95-551E2FD100B2}"/>
               </a:ext>
             </a:extLst>
           </p:cNvPr>
@@ -7125,7 +7262,7 @@
           <p:cNvPr id="3" name="Content Placeholder 2">
             <a:extLst>
               <a:ext uri="{FF2B5EF4-FFF2-40B4-BE49-F238E27FC236}">
-                <a16:creationId xmlns="" xmlns:a16="http://schemas.microsoft.com/office/drawing/2014/main" id="{1396964D-8F0E-402D-9946-096D3E300EBF}"/>
+                <a16:creationId xmlns:a16="http://schemas.microsoft.com/office/drawing/2014/main" id="{1396964D-8F0E-402D-9946-096D3E300EBF}"/>
               </a:ext>
             </a:extLst>
           </p:cNvPr>
@@ -7168,13 +7305,8 @@
             </a:r>
             <a:r>
               <a:rPr lang="en-US" sz="1600" dirty="0"/>
-              <a:t> (Default</a:t>
-            </a:r>
-            <a:r>
-              <a:rPr lang="en-US" sz="1600" dirty="0" smtClean="0"/>
-              <a:t>)</a:t>
-            </a:r>
-            <a:endParaRPr lang="en-US" sz="1600" dirty="0" smtClean="0"/>
+              <a:t> (Default)</a:t>
+            </a:r>
           </a:p>
           <a:p>
             <a:pPr marL="0" indent="0">
@@ -7238,7 +7370,7 @@
           <p:cNvPr id="4" name="Slide Number Placeholder 3">
             <a:extLst>
               <a:ext uri="{FF2B5EF4-FFF2-40B4-BE49-F238E27FC236}">
-                <a16:creationId xmlns="" xmlns:a16="http://schemas.microsoft.com/office/drawing/2014/main" id="{FB3AF34E-9A6B-4083-AEE7-B89599F8FC84}"/>
+                <a16:creationId xmlns:a16="http://schemas.microsoft.com/office/drawing/2014/main" id="{FB3AF34E-9A6B-4083-AEE7-B89599F8FC84}"/>
               </a:ext>
             </a:extLst>
           </p:cNvPr>
@@ -7309,15 +7441,15 @@
           <a:lstStyle/>
           <a:p>
             <a:r>
-              <a:rPr lang="en-US" altLang="zh-TW" dirty="0" smtClean="0"/>
+              <a:rPr lang="en-US" altLang="zh-TW" dirty="0"/>
               <a:t>Angular </a:t>
             </a:r>
             <a:r>
-              <a:rPr lang="en-US" altLang="zh-TW" dirty="0" err="1" smtClean="0"/>
+              <a:rPr lang="en-US" altLang="zh-TW" dirty="0" err="1"/>
               <a:t>Prefetch</a:t>
             </a:r>
             <a:r>
-              <a:rPr lang="en-US" altLang="zh-TW" dirty="0" smtClean="0"/>
+              <a:rPr lang="en-US" altLang="zh-TW" dirty="0"/>
               <a:t> Module</a:t>
             </a:r>
             <a:endParaRPr lang="zh-TW" altLang="en-US" dirty="0"/>
@@ -7343,14 +7475,14 @@
               <a:buNone/>
             </a:pPr>
             <a:r>
-              <a:rPr lang="en-US" altLang="zh-TW" dirty="0" smtClean="0"/>
+              <a:rPr lang="en-US" altLang="zh-TW" dirty="0"/>
               <a:t>NGX-</a:t>
             </a:r>
             <a:r>
-              <a:rPr lang="en-US" altLang="zh-TW" dirty="0" err="1" smtClean="0"/>
+              <a:rPr lang="en-US" altLang="zh-TW" dirty="0" err="1"/>
               <a:t>QuickLink</a:t>
             </a:r>
-            <a:endParaRPr lang="en-US" altLang="zh-TW" dirty="0" smtClean="0"/>
+            <a:endParaRPr lang="en-US" altLang="zh-TW" dirty="0"/>
           </a:p>
           <a:p>
             <a:pPr marL="0" indent="0">
@@ -7358,11 +7490,7 @@
             </a:pPr>
             <a:r>
               <a:rPr lang="en-US" altLang="zh-TW" dirty="0"/>
-              <a:t>How it </a:t>
-            </a:r>
-            <a:r>
-              <a:rPr lang="en-US" altLang="zh-TW" dirty="0" smtClean="0"/>
-              <a:t>works</a:t>
+              <a:t>How it works</a:t>
             </a:r>
           </a:p>
           <a:p>
@@ -7370,11 +7498,11 @@
               <a:buNone/>
             </a:pPr>
             <a:r>
-              <a:rPr lang="en-US" altLang="zh-TW" dirty="0" err="1" smtClean="0"/>
+              <a:rPr lang="en-US" altLang="zh-TW" dirty="0" err="1"/>
               <a:t>Quicklink</a:t>
             </a:r>
             <a:r>
-              <a:rPr lang="en-US" altLang="zh-TW" dirty="0" smtClean="0"/>
+              <a:rPr lang="en-US" altLang="zh-TW" dirty="0"/>
               <a:t> attempts to make navigations to subsequent pages load faster. It:</a:t>
             </a:r>
           </a:p>
@@ -7383,15 +7511,15 @@
               <a:buNone/>
             </a:pPr>
             <a:r>
-              <a:rPr lang="en-US" altLang="zh-TW" dirty="0" smtClean="0"/>
+              <a:rPr lang="en-US" altLang="zh-TW" dirty="0"/>
               <a:t>1.Detects </a:t>
             </a:r>
             <a:r>
-              <a:rPr lang="en-US" altLang="zh-TW" dirty="0" err="1" smtClean="0"/>
+              <a:rPr lang="en-US" altLang="zh-TW" dirty="0" err="1"/>
               <a:t>routerLinks</a:t>
             </a:r>
             <a:r>
-              <a:rPr lang="en-US" altLang="zh-TW" dirty="0" smtClean="0"/>
+              <a:rPr lang="en-US" altLang="zh-TW" dirty="0"/>
               <a:t> within the viewport (using Intersection Observer)</a:t>
             </a:r>
           </a:p>
@@ -7400,15 +7528,15 @@
               <a:buNone/>
             </a:pPr>
             <a:r>
-              <a:rPr lang="en-US" altLang="zh-TW" dirty="0" smtClean="0"/>
+              <a:rPr lang="en-US" altLang="zh-TW" dirty="0"/>
               <a:t>2.Waits until the browser is idle (using </a:t>
             </a:r>
             <a:r>
-              <a:rPr lang="en-US" altLang="zh-TW" dirty="0" err="1" smtClean="0"/>
+              <a:rPr lang="en-US" altLang="zh-TW" dirty="0" err="1"/>
               <a:t>requestIdleCallback</a:t>
             </a:r>
             <a:r>
-              <a:rPr lang="en-US" altLang="zh-TW" dirty="0" smtClean="0"/>
+              <a:rPr lang="en-US" altLang="zh-TW" dirty="0"/>
               <a:t>)</a:t>
             </a:r>
           </a:p>
@@ -7417,23 +7545,23 @@
               <a:buNone/>
             </a:pPr>
             <a:r>
-              <a:rPr lang="en-US" altLang="zh-TW" dirty="0" smtClean="0"/>
+              <a:rPr lang="en-US" altLang="zh-TW" dirty="0"/>
               <a:t>3.Checks if the user isn't on a slow connection (using </a:t>
             </a:r>
             <a:r>
-              <a:rPr lang="en-US" altLang="zh-TW" dirty="0" err="1" smtClean="0"/>
+              <a:rPr lang="en-US" altLang="zh-TW" dirty="0" err="1"/>
               <a:t>navigator.connection.effectiveType</a:t>
             </a:r>
             <a:r>
-              <a:rPr lang="en-US" altLang="zh-TW" dirty="0" smtClean="0"/>
+              <a:rPr lang="en-US" altLang="zh-TW" dirty="0"/>
               <a:t>) or has data-saver enabled (using </a:t>
             </a:r>
             <a:r>
-              <a:rPr lang="en-US" altLang="zh-TW" dirty="0" err="1" smtClean="0"/>
+              <a:rPr lang="en-US" altLang="zh-TW" dirty="0" err="1"/>
               <a:t>navigator.connection.saveData</a:t>
             </a:r>
             <a:r>
-              <a:rPr lang="en-US" altLang="zh-TW" dirty="0" smtClean="0"/>
+              <a:rPr lang="en-US" altLang="zh-TW" dirty="0"/>
               <a:t>)</a:t>
             </a:r>
           </a:p>
@@ -7443,21 +7571,17 @@
             </a:pPr>
             <a:r>
               <a:rPr lang="en-US" altLang="zh-TW" dirty="0"/>
-              <a:t>4</a:t>
-            </a:r>
-            <a:r>
-              <a:rPr lang="en-US" altLang="zh-TW" dirty="0" smtClean="0"/>
-              <a:t>.Prefetches the lazy loaded modules using </a:t>
-            </a:r>
-            <a:r>
-              <a:rPr lang="en-US" altLang="zh-TW" dirty="0" err="1" smtClean="0"/>
+              <a:t>4.Prefetches the lazy loaded modules using </a:t>
+            </a:r>
+            <a:r>
+              <a:rPr lang="en-US" altLang="zh-TW" dirty="0" err="1"/>
               <a:t>Angular's</a:t>
             </a:r>
             <a:r>
-              <a:rPr lang="en-US" altLang="zh-TW" dirty="0" smtClean="0"/>
+              <a:rPr lang="en-US" altLang="zh-TW" dirty="0"/>
               <a:t> prefetching strategy)</a:t>
             </a:r>
-            <a:endParaRPr lang="en-US" altLang="zh-TW" dirty="0" smtClean="0">
+            <a:endParaRPr lang="en-US" altLang="zh-TW" dirty="0">
               <a:hlinkClick r:id="rId3"/>
             </a:endParaRPr>
           </a:p>
@@ -7465,12 +7589,6 @@
             <a:pPr marL="0" indent="0">
               <a:buNone/>
             </a:pPr>
-            <a:r>
-              <a:rPr lang="en-US" altLang="zh-TW" dirty="0">
-                <a:hlinkClick r:id="rId3"/>
-              </a:rPr>
-              <a:t/>
-            </a:r>
             <a:br>
               <a:rPr lang="en-US" altLang="zh-TW" dirty="0">
                 <a:hlinkClick r:id="rId3"/>
@@ -7548,7 +7666,7 @@
           <p:cNvPr id="2" name="Title 1">
             <a:extLst>
               <a:ext uri="{FF2B5EF4-FFF2-40B4-BE49-F238E27FC236}">
-                <a16:creationId xmlns="" xmlns:a16="http://schemas.microsoft.com/office/drawing/2014/main" id="{7729164E-67EC-4794-B348-F6DDCA9C28D8}"/>
+                <a16:creationId xmlns:a16="http://schemas.microsoft.com/office/drawing/2014/main" id="{7729164E-67EC-4794-B348-F6DDCA9C28D8}"/>
               </a:ext>
             </a:extLst>
           </p:cNvPr>
@@ -7565,10 +7683,9 @@
           <a:lstStyle/>
           <a:p>
             <a:r>
-              <a:rPr lang="en-US" dirty="0" smtClean="0"/>
+              <a:rPr lang="en-US" dirty="0"/>
               <a:t>Why do we  not need cache? </a:t>
             </a:r>
-            <a:endParaRPr lang="en-US" dirty="0"/>
           </a:p>
         </p:txBody>
       </p:sp>
@@ -7577,7 +7694,7 @@
           <p:cNvPr id="3" name="Content Placeholder 2">
             <a:extLst>
               <a:ext uri="{FF2B5EF4-FFF2-40B4-BE49-F238E27FC236}">
-                <a16:creationId xmlns="" xmlns:a16="http://schemas.microsoft.com/office/drawing/2014/main" id="{41B9E139-1138-4192-A779-90DAAD95534B}"/>
+                <a16:creationId xmlns:a16="http://schemas.microsoft.com/office/drawing/2014/main" id="{41B9E139-1138-4192-A779-90DAAD95534B}"/>
               </a:ext>
             </a:extLst>
           </p:cNvPr>
@@ -7615,7 +7732,7 @@
           <p:cNvPr id="4" name="Slide Number Placeholder 3">
             <a:extLst>
               <a:ext uri="{FF2B5EF4-FFF2-40B4-BE49-F238E27FC236}">
-                <a16:creationId xmlns="" xmlns:a16="http://schemas.microsoft.com/office/drawing/2014/main" id="{0B59A355-6DED-46D5-A8B8-4AAEDE751E70}"/>
+                <a16:creationId xmlns:a16="http://schemas.microsoft.com/office/drawing/2014/main" id="{0B59A355-6DED-46D5-A8B8-4AAEDE751E70}"/>
               </a:ext>
             </a:extLst>
           </p:cNvPr>
@@ -8509,6 +8626,15 @@
 </file>
 
 <file path=customXml/item2.xml><?xml version="1.0" encoding="utf-8"?>
+<?mso-contentType ?>
+<FormTemplates xmlns="http://schemas.microsoft.com/sharepoint/v3/contenttype/forms">
+  <Display>DocumentLibraryForm</Display>
+  <Edit>DocumentLibraryForm</Edit>
+  <New>DocumentLibraryForm</New>
+</FormTemplates>
+</file>
+
+<file path=customXml/item3.xml><?xml version="1.0" encoding="utf-8"?>
 <ct:contentTypeSchema xmlns:ct="http://schemas.microsoft.com/office/2006/metadata/contentType" xmlns:ma="http://schemas.microsoft.com/office/2006/metadata/properties/metaAttributes" ct:_="" ma:_="" ma:contentTypeName="Document" ma:contentTypeID="0x0101005A68C01194ECFA40BC8A96216368DABD" ma:contentTypeVersion="0" ma:contentTypeDescription="Create a new document." ma:contentTypeScope="" ma:versionID="85454c0b708a8704c4fb1830e201d0a8">
   <xsd:schema xmlns:xsd="http://www.w3.org/2001/XMLSchema" xmlns:p="http://schemas.microsoft.com/office/2006/metadata/properties" targetNamespace="http://schemas.microsoft.com/office/2006/metadata/properties" ma:root="true" ma:fieldsID="4aeb20c0e3442673af7ee10786458764">
     <xsd:element name="properties">
@@ -8557,15 +8683,6 @@
 </ct:contentTypeSchema>
 </file>
 
-<file path=customXml/item3.xml><?xml version="1.0" encoding="utf-8"?>
-<?mso-contentType ?>
-<FormTemplates xmlns="http://schemas.microsoft.com/sharepoint/v3/contenttype/forms">
-  <Display>DocumentLibraryForm</Display>
-  <Edit>DocumentLibraryForm</Edit>
-  <New>DocumentLibraryForm</New>
-</FormTemplates>
-</file>
-
 <file path=customXml/itemProps1.xml><?xml version="1.0" encoding="utf-8"?>
 <ds:datastoreItem xmlns:ds="http://schemas.openxmlformats.org/officeDocument/2006/customXml" ds:itemID="{E81D3889-CFF8-452F-8C7E-972A747945E0}">
   <ds:schemaRefs>
@@ -8581,6 +8698,14 @@
 </file>
 
 <file path=customXml/itemProps2.xml><?xml version="1.0" encoding="utf-8"?>
+<ds:datastoreItem xmlns:ds="http://schemas.openxmlformats.org/officeDocument/2006/customXml" ds:itemID="{19046636-0DFE-4791-8294-88FA6F02A45A}">
+  <ds:schemaRefs>
+    <ds:schemaRef ds:uri="http://schemas.microsoft.com/sharepoint/v3/contenttype/forms"/>
+  </ds:schemaRefs>
+</ds:datastoreItem>
+</file>
+
+<file path=customXml/itemProps3.xml><?xml version="1.0" encoding="utf-8"?>
 <ds:datastoreItem xmlns:ds="http://schemas.openxmlformats.org/officeDocument/2006/customXml" ds:itemID="{002BD1C4-E85C-4940-BCB3-E960ED1A4E9F}">
   <ds:schemaRefs>
     <ds:schemaRef ds:uri="http://schemas.microsoft.com/office/2006/metadata/contentType"/>
@@ -8593,12 +8718,4 @@
     <ds:schemaRef ds:uri="http://schemas.microsoft.com/office/internal/2005/internalDocumentation"/>
   </ds:schemaRefs>
 </ds:datastoreItem>
-</file>
-
-<file path=customXml/itemProps3.xml><?xml version="1.0" encoding="utf-8"?>
-<ds:datastoreItem xmlns:ds="http://schemas.openxmlformats.org/officeDocument/2006/customXml" ds:itemID="{19046636-0DFE-4791-8294-88FA6F02A45A}">
-  <ds:schemaRefs>
-    <ds:schemaRef ds:uri="http://schemas.microsoft.com/sharepoint/v3/contenttype/forms"/>
-  </ds:schemaRefs>
-</ds:datastoreItem>
 </file>